--- a/ML Proyect.pptx
+++ b/ML Proyect.pptx
@@ -4,17 +4,22 @@
   <p:sldMasterIdLst>
     <p:sldMasterId id="2147483648" r:id="rId1"/>
   </p:sldMasterIdLst>
+  <p:notesMasterIdLst>
+    <p:notesMasterId r:id="rId14"/>
+  </p:notesMasterIdLst>
   <p:sldIdLst>
     <p:sldId id="256" r:id="rId2"/>
-    <p:sldId id="257" r:id="rId3"/>
-    <p:sldId id="258" r:id="rId4"/>
+    <p:sldId id="258" r:id="rId3"/>
+    <p:sldId id="257" r:id="rId4"/>
     <p:sldId id="259" r:id="rId5"/>
-    <p:sldId id="260" r:id="rId6"/>
-    <p:sldId id="261" r:id="rId7"/>
-    <p:sldId id="262" r:id="rId8"/>
-    <p:sldId id="263" r:id="rId9"/>
-    <p:sldId id="264" r:id="rId10"/>
+    <p:sldId id="261" r:id="rId6"/>
+    <p:sldId id="262" r:id="rId7"/>
+    <p:sldId id="260" r:id="rId8"/>
+    <p:sldId id="264" r:id="rId9"/>
+    <p:sldId id="263" r:id="rId10"/>
     <p:sldId id="265" r:id="rId11"/>
+    <p:sldId id="266" r:id="rId12"/>
+    <p:sldId id="267" r:id="rId13"/>
   </p:sldIdLst>
   <p:sldSz cx="12192000" cy="6858000"/>
   <p:notesSz cx="6858000" cy="9144000"/>
@@ -114,6 +119,439 @@
     </a:lvl9pPr>
   </p:defaultTextStyle>
 </p:presentation>
+</file>
+
+<file path=ppt/notesMasters/notesMaster1.xml><?xml version="1.0" encoding="utf-8"?>
+<p:notesMaster xmlns:a="http://schemas.openxmlformats.org/drawingml/2006/main" xmlns:r="http://schemas.openxmlformats.org/officeDocument/2006/relationships" xmlns:p="http://schemas.openxmlformats.org/presentationml/2006/main">
+  <p:cSld>
+    <p:bg>
+      <p:bgRef idx="1001">
+        <a:schemeClr val="bg1"/>
+      </p:bgRef>
+    </p:bg>
+    <p:spTree>
+      <p:nvGrpSpPr>
+        <p:cNvPr id="1" name=""/>
+        <p:cNvGrpSpPr/>
+        <p:nvPr/>
+      </p:nvGrpSpPr>
+      <p:grpSpPr>
+        <a:xfrm>
+          <a:off x="0" y="0"/>
+          <a:ext cx="0" cy="0"/>
+          <a:chOff x="0" y="0"/>
+          <a:chExt cx="0" cy="0"/>
+        </a:xfrm>
+      </p:grpSpPr>
+      <p:sp>
+        <p:nvSpPr>
+          <p:cNvPr id="2" name="Marcador de encabezado 1"/>
+          <p:cNvSpPr>
+            <a:spLocks noGrp="1"/>
+          </p:cNvSpPr>
+          <p:nvPr>
+            <p:ph type="hdr" sz="quarter"/>
+          </p:nvPr>
+        </p:nvSpPr>
+        <p:spPr>
+          <a:xfrm>
+            <a:off x="0" y="0"/>
+            <a:ext cx="2971800" cy="458788"/>
+          </a:xfrm>
+          <a:prstGeom prst="rect">
+            <a:avLst/>
+          </a:prstGeom>
+        </p:spPr>
+        <p:txBody>
+          <a:bodyPr vert="horz" lIns="91440" tIns="45720" rIns="91440" bIns="45720" rtlCol="0"/>
+          <a:lstStyle>
+            <a:lvl1pPr algn="l">
+              <a:defRPr sz="1200"/>
+            </a:lvl1pPr>
+          </a:lstStyle>
+          <a:p>
+            <a:endParaRPr lang="es-ES"/>
+          </a:p>
+        </p:txBody>
+      </p:sp>
+      <p:sp>
+        <p:nvSpPr>
+          <p:cNvPr id="3" name="Marcador de fecha 2"/>
+          <p:cNvSpPr>
+            <a:spLocks noGrp="1"/>
+          </p:cNvSpPr>
+          <p:nvPr>
+            <p:ph type="dt" idx="1"/>
+          </p:nvPr>
+        </p:nvSpPr>
+        <p:spPr>
+          <a:xfrm>
+            <a:off x="3884613" y="0"/>
+            <a:ext cx="2971800" cy="458788"/>
+          </a:xfrm>
+          <a:prstGeom prst="rect">
+            <a:avLst/>
+          </a:prstGeom>
+        </p:spPr>
+        <p:txBody>
+          <a:bodyPr vert="horz" lIns="91440" tIns="45720" rIns="91440" bIns="45720" rtlCol="0"/>
+          <a:lstStyle>
+            <a:lvl1pPr algn="r">
+              <a:defRPr sz="1200"/>
+            </a:lvl1pPr>
+          </a:lstStyle>
+          <a:p>
+            <a:fld id="{B628F26E-3341-4AF7-94C7-CDAF6D08DEC1}" type="datetimeFigureOut">
+              <a:rPr lang="es-ES" smtClean="0"/>
+              <a:t>08/05/2025</a:t>
+            </a:fld>
+            <a:endParaRPr lang="es-ES"/>
+          </a:p>
+        </p:txBody>
+      </p:sp>
+      <p:sp>
+        <p:nvSpPr>
+          <p:cNvPr id="4" name="Marcador de imagen de diapositiva 3"/>
+          <p:cNvSpPr>
+            <a:spLocks noGrp="1" noRot="1" noChangeAspect="1"/>
+          </p:cNvSpPr>
+          <p:nvPr>
+            <p:ph type="sldImg" idx="2"/>
+          </p:nvPr>
+        </p:nvSpPr>
+        <p:spPr>
+          <a:xfrm>
+            <a:off x="685800" y="1143000"/>
+            <a:ext cx="5486400" cy="3086100"/>
+          </a:xfrm>
+          <a:prstGeom prst="rect">
+            <a:avLst/>
+          </a:prstGeom>
+          <a:noFill/>
+          <a:ln w="12700">
+            <a:solidFill>
+              <a:prstClr val="black"/>
+            </a:solidFill>
+          </a:ln>
+        </p:spPr>
+        <p:txBody>
+          <a:bodyPr vert="horz" lIns="91440" tIns="45720" rIns="91440" bIns="45720" rtlCol="0" anchor="ctr"/>
+          <a:lstStyle/>
+          <a:p>
+            <a:endParaRPr lang="es-ES"/>
+          </a:p>
+        </p:txBody>
+      </p:sp>
+      <p:sp>
+        <p:nvSpPr>
+          <p:cNvPr id="5" name="Marcador de notas 4"/>
+          <p:cNvSpPr>
+            <a:spLocks noGrp="1"/>
+          </p:cNvSpPr>
+          <p:nvPr>
+            <p:ph type="body" sz="quarter" idx="3"/>
+          </p:nvPr>
+        </p:nvSpPr>
+        <p:spPr>
+          <a:xfrm>
+            <a:off x="685800" y="4400550"/>
+            <a:ext cx="5486400" cy="3600450"/>
+          </a:xfrm>
+          <a:prstGeom prst="rect">
+            <a:avLst/>
+          </a:prstGeom>
+        </p:spPr>
+        <p:txBody>
+          <a:bodyPr vert="horz" lIns="91440" tIns="45720" rIns="91440" bIns="45720" rtlCol="0"/>
+          <a:lstStyle/>
+          <a:p>
+            <a:pPr lvl="0"/>
+            <a:r>
+              <a:rPr lang="es-ES"/>
+              <a:t>Haga clic para modificar los estilos de texto del patrón</a:t>
+            </a:r>
+          </a:p>
+          <a:p>
+            <a:pPr lvl="1"/>
+            <a:r>
+              <a:rPr lang="es-ES"/>
+              <a:t>Segundo nivel</a:t>
+            </a:r>
+          </a:p>
+          <a:p>
+            <a:pPr lvl="2"/>
+            <a:r>
+              <a:rPr lang="es-ES"/>
+              <a:t>Tercer nivel</a:t>
+            </a:r>
+          </a:p>
+          <a:p>
+            <a:pPr lvl="3"/>
+            <a:r>
+              <a:rPr lang="es-ES"/>
+              <a:t>Cuarto nivel</a:t>
+            </a:r>
+          </a:p>
+          <a:p>
+            <a:pPr lvl="4"/>
+            <a:r>
+              <a:rPr lang="es-ES"/>
+              <a:t>Quinto nivel</a:t>
+            </a:r>
+          </a:p>
+        </p:txBody>
+      </p:sp>
+      <p:sp>
+        <p:nvSpPr>
+          <p:cNvPr id="6" name="Marcador de pie de página 5"/>
+          <p:cNvSpPr>
+            <a:spLocks noGrp="1"/>
+          </p:cNvSpPr>
+          <p:nvPr>
+            <p:ph type="ftr" sz="quarter" idx="4"/>
+          </p:nvPr>
+        </p:nvSpPr>
+        <p:spPr>
+          <a:xfrm>
+            <a:off x="0" y="8685213"/>
+            <a:ext cx="2971800" cy="458787"/>
+          </a:xfrm>
+          <a:prstGeom prst="rect">
+            <a:avLst/>
+          </a:prstGeom>
+        </p:spPr>
+        <p:txBody>
+          <a:bodyPr vert="horz" lIns="91440" tIns="45720" rIns="91440" bIns="45720" rtlCol="0" anchor="b"/>
+          <a:lstStyle>
+            <a:lvl1pPr algn="l">
+              <a:defRPr sz="1200"/>
+            </a:lvl1pPr>
+          </a:lstStyle>
+          <a:p>
+            <a:endParaRPr lang="es-ES"/>
+          </a:p>
+        </p:txBody>
+      </p:sp>
+      <p:sp>
+        <p:nvSpPr>
+          <p:cNvPr id="7" name="Marcador de número de diapositiva 6"/>
+          <p:cNvSpPr>
+            <a:spLocks noGrp="1"/>
+          </p:cNvSpPr>
+          <p:nvPr>
+            <p:ph type="sldNum" sz="quarter" idx="5"/>
+          </p:nvPr>
+        </p:nvSpPr>
+        <p:spPr>
+          <a:xfrm>
+            <a:off x="3884613" y="8685213"/>
+            <a:ext cx="2971800" cy="458787"/>
+          </a:xfrm>
+          <a:prstGeom prst="rect">
+            <a:avLst/>
+          </a:prstGeom>
+        </p:spPr>
+        <p:txBody>
+          <a:bodyPr vert="horz" lIns="91440" tIns="45720" rIns="91440" bIns="45720" rtlCol="0" anchor="b"/>
+          <a:lstStyle>
+            <a:lvl1pPr algn="r">
+              <a:defRPr sz="1200"/>
+            </a:lvl1pPr>
+          </a:lstStyle>
+          <a:p>
+            <a:fld id="{77D0D859-7AFE-4C15-AAAA-E68218C1FD5B}" type="slidenum">
+              <a:rPr lang="es-ES" smtClean="0"/>
+              <a:t>‹Nº›</a:t>
+            </a:fld>
+            <a:endParaRPr lang="es-ES"/>
+          </a:p>
+        </p:txBody>
+      </p:sp>
+    </p:spTree>
+    <p:extLst>
+      <p:ext uri="{BB962C8B-B14F-4D97-AF65-F5344CB8AC3E}">
+        <p14:creationId xmlns:p14="http://schemas.microsoft.com/office/powerpoint/2010/main" val="2379644302"/>
+      </p:ext>
+    </p:extLst>
+  </p:cSld>
+  <p:clrMap bg1="lt1" tx1="dk1" bg2="lt2" tx2="dk2" accent1="accent1" accent2="accent2" accent3="accent3" accent4="accent4" accent5="accent5" accent6="accent6" hlink="hlink" folHlink="folHlink"/>
+  <p:notesStyle>
+    <a:lvl1pPr marL="0" algn="l" defTabSz="914400" rtl="0" eaLnBrk="1" latinLnBrk="0" hangingPunct="1">
+      <a:defRPr sz="1200" kern="1200">
+        <a:solidFill>
+          <a:schemeClr val="tx1"/>
+        </a:solidFill>
+        <a:latin typeface="+mn-lt"/>
+        <a:ea typeface="+mn-ea"/>
+        <a:cs typeface="+mn-cs"/>
+      </a:defRPr>
+    </a:lvl1pPr>
+    <a:lvl2pPr marL="457200" algn="l" defTabSz="914400" rtl="0" eaLnBrk="1" latinLnBrk="0" hangingPunct="1">
+      <a:defRPr sz="1200" kern="1200">
+        <a:solidFill>
+          <a:schemeClr val="tx1"/>
+        </a:solidFill>
+        <a:latin typeface="+mn-lt"/>
+        <a:ea typeface="+mn-ea"/>
+        <a:cs typeface="+mn-cs"/>
+      </a:defRPr>
+    </a:lvl2pPr>
+    <a:lvl3pPr marL="914400" algn="l" defTabSz="914400" rtl="0" eaLnBrk="1" latinLnBrk="0" hangingPunct="1">
+      <a:defRPr sz="1200" kern="1200">
+        <a:solidFill>
+          <a:schemeClr val="tx1"/>
+        </a:solidFill>
+        <a:latin typeface="+mn-lt"/>
+        <a:ea typeface="+mn-ea"/>
+        <a:cs typeface="+mn-cs"/>
+      </a:defRPr>
+    </a:lvl3pPr>
+    <a:lvl4pPr marL="1371600" algn="l" defTabSz="914400" rtl="0" eaLnBrk="1" latinLnBrk="0" hangingPunct="1">
+      <a:defRPr sz="1200" kern="1200">
+        <a:solidFill>
+          <a:schemeClr val="tx1"/>
+        </a:solidFill>
+        <a:latin typeface="+mn-lt"/>
+        <a:ea typeface="+mn-ea"/>
+        <a:cs typeface="+mn-cs"/>
+      </a:defRPr>
+    </a:lvl4pPr>
+    <a:lvl5pPr marL="1828800" algn="l" defTabSz="914400" rtl="0" eaLnBrk="1" latinLnBrk="0" hangingPunct="1">
+      <a:defRPr sz="1200" kern="1200">
+        <a:solidFill>
+          <a:schemeClr val="tx1"/>
+        </a:solidFill>
+        <a:latin typeface="+mn-lt"/>
+        <a:ea typeface="+mn-ea"/>
+        <a:cs typeface="+mn-cs"/>
+      </a:defRPr>
+    </a:lvl5pPr>
+    <a:lvl6pPr marL="2286000" algn="l" defTabSz="914400" rtl="0" eaLnBrk="1" latinLnBrk="0" hangingPunct="1">
+      <a:defRPr sz="1200" kern="1200">
+        <a:solidFill>
+          <a:schemeClr val="tx1"/>
+        </a:solidFill>
+        <a:latin typeface="+mn-lt"/>
+        <a:ea typeface="+mn-ea"/>
+        <a:cs typeface="+mn-cs"/>
+      </a:defRPr>
+    </a:lvl6pPr>
+    <a:lvl7pPr marL="2743200" algn="l" defTabSz="914400" rtl="0" eaLnBrk="1" latinLnBrk="0" hangingPunct="1">
+      <a:defRPr sz="1200" kern="1200">
+        <a:solidFill>
+          <a:schemeClr val="tx1"/>
+        </a:solidFill>
+        <a:latin typeface="+mn-lt"/>
+        <a:ea typeface="+mn-ea"/>
+        <a:cs typeface="+mn-cs"/>
+      </a:defRPr>
+    </a:lvl7pPr>
+    <a:lvl8pPr marL="3200400" algn="l" defTabSz="914400" rtl="0" eaLnBrk="1" latinLnBrk="0" hangingPunct="1">
+      <a:defRPr sz="1200" kern="1200">
+        <a:solidFill>
+          <a:schemeClr val="tx1"/>
+        </a:solidFill>
+        <a:latin typeface="+mn-lt"/>
+        <a:ea typeface="+mn-ea"/>
+        <a:cs typeface="+mn-cs"/>
+      </a:defRPr>
+    </a:lvl8pPr>
+    <a:lvl9pPr marL="3657600" algn="l" defTabSz="914400" rtl="0" eaLnBrk="1" latinLnBrk="0" hangingPunct="1">
+      <a:defRPr sz="1200" kern="1200">
+        <a:solidFill>
+          <a:schemeClr val="tx1"/>
+        </a:solidFill>
+        <a:latin typeface="+mn-lt"/>
+        <a:ea typeface="+mn-ea"/>
+        <a:cs typeface="+mn-cs"/>
+      </a:defRPr>
+    </a:lvl9pPr>
+  </p:notesStyle>
+</p:notesMaster>
+</file>
+
+<file path=ppt/notesSlides/notesSlide1.xml><?xml version="1.0" encoding="utf-8"?>
+<p:notes xmlns:a="http://schemas.openxmlformats.org/drawingml/2006/main" xmlns:r="http://schemas.openxmlformats.org/officeDocument/2006/relationships" xmlns:p="http://schemas.openxmlformats.org/presentationml/2006/main">
+  <p:cSld>
+    <p:spTree>
+      <p:nvGrpSpPr>
+        <p:cNvPr id="1" name=""/>
+        <p:cNvGrpSpPr/>
+        <p:nvPr/>
+      </p:nvGrpSpPr>
+      <p:grpSpPr>
+        <a:xfrm>
+          <a:off x="0" y="0"/>
+          <a:ext cx="0" cy="0"/>
+          <a:chOff x="0" y="0"/>
+          <a:chExt cx="0" cy="0"/>
+        </a:xfrm>
+      </p:grpSpPr>
+      <p:sp>
+        <p:nvSpPr>
+          <p:cNvPr id="2" name="Marcador de imagen de diapositiva 1"/>
+          <p:cNvSpPr>
+            <a:spLocks noGrp="1" noRot="1" noChangeAspect="1"/>
+          </p:cNvSpPr>
+          <p:nvPr>
+            <p:ph type="sldImg"/>
+          </p:nvPr>
+        </p:nvSpPr>
+        <p:spPr/>
+      </p:sp>
+      <p:sp>
+        <p:nvSpPr>
+          <p:cNvPr id="3" name="Marcador de notas 2"/>
+          <p:cNvSpPr>
+            <a:spLocks noGrp="1"/>
+          </p:cNvSpPr>
+          <p:nvPr>
+            <p:ph type="body" idx="1"/>
+          </p:nvPr>
+        </p:nvSpPr>
+        <p:spPr/>
+        <p:txBody>
+          <a:bodyPr/>
+          <a:lstStyle/>
+          <a:p>
+            <a:endParaRPr lang="es-ES" dirty="0"/>
+          </a:p>
+        </p:txBody>
+      </p:sp>
+      <p:sp>
+        <p:nvSpPr>
+          <p:cNvPr id="4" name="Marcador de número de diapositiva 3"/>
+          <p:cNvSpPr>
+            <a:spLocks noGrp="1"/>
+          </p:cNvSpPr>
+          <p:nvPr>
+            <p:ph type="sldNum" sz="quarter" idx="5"/>
+          </p:nvPr>
+        </p:nvSpPr>
+        <p:spPr/>
+        <p:txBody>
+          <a:bodyPr/>
+          <a:lstStyle/>
+          <a:p>
+            <a:fld id="{77D0D859-7AFE-4C15-AAAA-E68218C1FD5B}" type="slidenum">
+              <a:rPr lang="es-ES" smtClean="0"/>
+              <a:t>3</a:t>
+            </a:fld>
+            <a:endParaRPr lang="es-ES"/>
+          </a:p>
+        </p:txBody>
+      </p:sp>
+    </p:spTree>
+    <p:extLst>
+      <p:ext uri="{BB962C8B-B14F-4D97-AF65-F5344CB8AC3E}">
+        <p14:creationId xmlns:p14="http://schemas.microsoft.com/office/powerpoint/2010/main" val="4264663975"/>
+      </p:ext>
+    </p:extLst>
+  </p:cSld>
+  <p:clrMapOvr>
+    <a:masterClrMapping/>
+  </p:clrMapOvr>
+</p:notes>
 </file>
 
 <file path=ppt/slideLayouts/slideLayout1.xml><?xml version="1.0" encoding="utf-8"?>
@@ -3768,6 +4206,1631 @@
 <file path=ppt/slides/slide10.xml><?xml version="1.0" encoding="utf-8"?>
 <p:sld xmlns:a="http://schemas.openxmlformats.org/drawingml/2006/main" xmlns:r="http://schemas.openxmlformats.org/officeDocument/2006/relationships" xmlns:p="http://schemas.openxmlformats.org/presentationml/2006/main">
   <p:cSld>
+    <p:bg>
+      <p:bgPr>
+        <a:solidFill>
+          <a:schemeClr val="bg1"/>
+        </a:solidFill>
+        <a:effectLst/>
+      </p:bgPr>
+    </p:bg>
+    <p:spTree>
+      <p:nvGrpSpPr>
+        <p:cNvPr id="1" name=""/>
+        <p:cNvGrpSpPr/>
+        <p:nvPr/>
+      </p:nvGrpSpPr>
+      <p:grpSpPr>
+        <a:xfrm>
+          <a:off x="0" y="0"/>
+          <a:ext cx="0" cy="0"/>
+          <a:chOff x="0" y="0"/>
+          <a:chExt cx="0" cy="0"/>
+        </a:xfrm>
+      </p:grpSpPr>
+      <p:sp useBgFill="1">
+        <p:nvSpPr>
+          <p:cNvPr id="8199" name="Rectangle 8198">
+            <a:extLst>
+              <a:ext uri="{FF2B5EF4-FFF2-40B4-BE49-F238E27FC236}">
+                <a16:creationId xmlns:a16="http://schemas.microsoft.com/office/drawing/2014/main" id="{9F79630B-0F0B-446E-A637-38FA8F61D10E}"/>
+              </a:ext>
+              <a:ext uri="{C183D7F6-B498-43B3-948B-1728B52AA6E4}">
+                <adec:decorative xmlns:adec="http://schemas.microsoft.com/office/drawing/2017/decorative" val="1"/>
+              </a:ext>
+            </a:extLst>
+          </p:cNvPr>
+          <p:cNvSpPr>
+            <a:spLocks noGrp="1" noRot="1" noChangeAspect="1" noMove="1" noResize="1" noEditPoints="1" noAdjustHandles="1" noChangeArrowheads="1" noChangeShapeType="1" noTextEdit="1"/>
+          </p:cNvSpPr>
+          <p:nvPr>
+            <p:extLst>
+              <p:ext uri="{386F3935-93C4-4BCD-93E2-E3B085C9AB24}">
+                <p16:designElem xmlns:p16="http://schemas.microsoft.com/office/powerpoint/2015/main" val="1"/>
+              </p:ext>
+            </p:extLst>
+          </p:nvPr>
+        </p:nvSpPr>
+        <p:spPr>
+          <a:xfrm>
+            <a:off x="0" y="0"/>
+            <a:ext cx="12192000" cy="6858000"/>
+          </a:xfrm>
+          <a:prstGeom prst="rect">
+            <a:avLst/>
+          </a:prstGeom>
+          <a:ln w="12700" cap="flat" cmpd="sng" algn="ctr">
+            <a:noFill/>
+            <a:prstDash val="solid"/>
+            <a:miter lim="800000"/>
+          </a:ln>
+          <a:effectLst/>
+          <a:extLst>
+            <a:ext uri="{91240B29-F687-4F45-9708-019B960494DF}">
+              <a14:hiddenLine xmlns:a14="http://schemas.microsoft.com/office/drawing/2010/main" w="12700" cap="flat" cmpd="sng" algn="ctr">
+                <a:solidFill>
+                  <a:schemeClr val="accent1">
+                    <a:shade val="50000"/>
+                  </a:schemeClr>
+                </a:solidFill>
+                <a:prstDash val="solid"/>
+                <a:miter lim="800000"/>
+              </a14:hiddenLine>
+            </a:ext>
+          </a:extLst>
+        </p:spPr>
+        <p:style>
+          <a:lnRef idx="2">
+            <a:schemeClr val="accent1">
+              <a:shade val="50000"/>
+            </a:schemeClr>
+          </a:lnRef>
+          <a:fillRef idx="1">
+            <a:schemeClr val="accent1"/>
+          </a:fillRef>
+          <a:effectRef idx="0">
+            <a:schemeClr val="accent1"/>
+          </a:effectRef>
+          <a:fontRef idx="minor">
+            <a:schemeClr val="lt1"/>
+          </a:fontRef>
+        </p:style>
+        <p:txBody>
+          <a:bodyPr rtlCol="0" anchor="ctr"/>
+          <a:lstStyle/>
+          <a:p>
+            <a:pPr algn="ctr"/>
+            <a:endParaRPr lang="en-US"/>
+          </a:p>
+        </p:txBody>
+      </p:sp>
+      <p:sp>
+        <p:nvSpPr>
+          <p:cNvPr id="8201" name="Rectangle 8200">
+            <a:extLst>
+              <a:ext uri="{FF2B5EF4-FFF2-40B4-BE49-F238E27FC236}">
+                <a16:creationId xmlns:a16="http://schemas.microsoft.com/office/drawing/2014/main" id="{B3437C99-FC8E-4311-B48A-F0C4C329B154}"/>
+              </a:ext>
+              <a:ext uri="{C183D7F6-B498-43B3-948B-1728B52AA6E4}">
+                <adec:decorative xmlns:adec="http://schemas.microsoft.com/office/drawing/2017/decorative" val="1"/>
+              </a:ext>
+            </a:extLst>
+          </p:cNvPr>
+          <p:cNvSpPr>
+            <a:spLocks noGrp="1" noRot="1" noChangeAspect="1" noMove="1" noResize="1" noEditPoints="1" noAdjustHandles="1" noChangeArrowheads="1" noChangeShapeType="1" noTextEdit="1"/>
+          </p:cNvSpPr>
+          <p:nvPr>
+            <p:extLst>
+              <p:ext uri="{386F3935-93C4-4BCD-93E2-E3B085C9AB24}">
+                <p16:designElem xmlns:p16="http://schemas.microsoft.com/office/powerpoint/2015/main" val="1"/>
+              </p:ext>
+            </p:extLst>
+          </p:nvPr>
+        </p:nvSpPr>
+        <p:spPr>
+          <a:xfrm>
+            <a:off x="-15028" y="-1"/>
+            <a:ext cx="12192000" cy="6857999"/>
+          </a:xfrm>
+          <a:prstGeom prst="rect">
+            <a:avLst/>
+          </a:prstGeom>
+          <a:solidFill>
+            <a:srgbClr val="82766A">
+              <a:alpha val="15000"/>
+            </a:srgbClr>
+          </a:solidFill>
+          <a:ln>
+            <a:noFill/>
+          </a:ln>
+        </p:spPr>
+        <p:style>
+          <a:lnRef idx="2">
+            <a:schemeClr val="accent1">
+              <a:shade val="50000"/>
+            </a:schemeClr>
+          </a:lnRef>
+          <a:fillRef idx="1">
+            <a:schemeClr val="accent1"/>
+          </a:fillRef>
+          <a:effectRef idx="0">
+            <a:schemeClr val="accent1"/>
+          </a:effectRef>
+          <a:fontRef idx="minor">
+            <a:schemeClr val="lt1"/>
+          </a:fontRef>
+        </p:style>
+        <p:txBody>
+          <a:bodyPr rtlCol="0" anchor="ctr"/>
+          <a:lstStyle/>
+          <a:p>
+            <a:pPr algn="ctr"/>
+            <a:endParaRPr lang="en-US"/>
+          </a:p>
+        </p:txBody>
+      </p:sp>
+      <p:sp>
+        <p:nvSpPr>
+          <p:cNvPr id="2" name="Título 1">
+            <a:extLst>
+              <a:ext uri="{FF2B5EF4-FFF2-40B4-BE49-F238E27FC236}">
+                <a16:creationId xmlns:a16="http://schemas.microsoft.com/office/drawing/2014/main" id="{11925084-7F55-C7AB-CF97-DB0D4ED7A512}"/>
+              </a:ext>
+            </a:extLst>
+          </p:cNvPr>
+          <p:cNvSpPr>
+            <a:spLocks noGrp="1"/>
+          </p:cNvSpPr>
+          <p:nvPr>
+            <p:ph type="title"/>
+          </p:nvPr>
+        </p:nvSpPr>
+        <p:spPr>
+          <a:xfrm>
+            <a:off x="0" y="504488"/>
+            <a:ext cx="4860126" cy="1330839"/>
+          </a:xfrm>
+        </p:spPr>
+        <p:txBody>
+          <a:bodyPr>
+            <a:normAutofit/>
+          </a:bodyPr>
+          <a:lstStyle/>
+          <a:p>
+            <a:r>
+              <a:rPr lang="es-ES" sz="2400" b="1" dirty="0"/>
+              <a:t>¿Qué beneficios obtendría el banco al comprar nuestro producto? </a:t>
+            </a:r>
+          </a:p>
+        </p:txBody>
+      </p:sp>
+      <p:sp>
+        <p:nvSpPr>
+          <p:cNvPr id="3" name="Marcador de contenido 2">
+            <a:extLst>
+              <a:ext uri="{FF2B5EF4-FFF2-40B4-BE49-F238E27FC236}">
+                <a16:creationId xmlns:a16="http://schemas.microsoft.com/office/drawing/2014/main" id="{03127DA6-D210-7044-8CEA-2D55BA38DEA3}"/>
+              </a:ext>
+            </a:extLst>
+          </p:cNvPr>
+          <p:cNvSpPr>
+            <a:spLocks noGrp="1"/>
+          </p:cNvSpPr>
+          <p:nvPr>
+            <p:ph idx="1"/>
+          </p:nvPr>
+        </p:nvSpPr>
+        <p:spPr>
+          <a:xfrm>
+            <a:off x="244919" y="2073114"/>
+            <a:ext cx="3838576" cy="3908586"/>
+          </a:xfrm>
+        </p:spPr>
+        <p:txBody>
+          <a:bodyPr>
+            <a:normAutofit/>
+          </a:bodyPr>
+          <a:lstStyle/>
+          <a:p>
+            <a:r>
+              <a:rPr lang="es-ES" sz="2000" dirty="0"/>
+              <a:t>Menos impagos → menos pérdidas</a:t>
+            </a:r>
+          </a:p>
+          <a:p>
+            <a:r>
+              <a:rPr lang="es-ES" sz="2000" dirty="0"/>
+              <a:t>Decisiones objetivas y basadas en datos (ningún tipo </a:t>
+            </a:r>
+            <a:r>
+              <a:rPr lang="es-ES" sz="2000" dirty="0" err="1"/>
+              <a:t>deposible</a:t>
+            </a:r>
+            <a:r>
+              <a:rPr lang="es-ES" sz="2000" dirty="0"/>
+              <a:t> discriminación hacia clientes) </a:t>
+            </a:r>
+          </a:p>
+          <a:p>
+            <a:r>
+              <a:rPr lang="es-ES" sz="2000" dirty="0"/>
+              <a:t>Mejora de la rentabilidad y del tiempo de respuesta</a:t>
+            </a:r>
+          </a:p>
+          <a:p>
+            <a:r>
+              <a:rPr lang="es-ES" sz="2000" dirty="0"/>
+              <a:t>Integración sencilla en tus procesos actuales</a:t>
+            </a:r>
+          </a:p>
+        </p:txBody>
+      </p:sp>
+      <p:pic>
+        <p:nvPicPr>
+          <p:cNvPr id="8194" name="Picture 2" descr="Construcción de bancos y financiamiento de bancos de dinero intercambio de  dinero servicios financieros crecimiento financiero ahorro | Vector Premium">
+            <a:extLst>
+              <a:ext uri="{FF2B5EF4-FFF2-40B4-BE49-F238E27FC236}">
+                <a16:creationId xmlns:a16="http://schemas.microsoft.com/office/drawing/2014/main" id="{2AFE5145-ED18-8131-9471-18C6A8661A94}"/>
+              </a:ext>
+            </a:extLst>
+          </p:cNvPr>
+          <p:cNvPicPr>
+            <a:picLocks noChangeAspect="1" noChangeArrowheads="1"/>
+          </p:cNvPicPr>
+          <p:nvPr/>
+        </p:nvPicPr>
+        <p:blipFill>
+          <a:blip r:embed="rId2">
+            <a:extLst>
+              <a:ext uri="{28A0092B-C50C-407E-A947-70E740481C1C}">
+                <a14:useLocalDpi xmlns:a14="http://schemas.microsoft.com/office/drawing/2010/main" val="0"/>
+              </a:ext>
+            </a:extLst>
+          </a:blip>
+          <a:srcRect t="351" r="3" b="4978"/>
+          <a:stretch/>
+        </p:blipFill>
+        <p:spPr bwMode="auto">
+          <a:xfrm>
+            <a:off x="4328414" y="1"/>
+            <a:ext cx="7863586" cy="6857999"/>
+          </a:xfrm>
+          <a:custGeom>
+            <a:avLst/>
+            <a:gdLst/>
+            <a:ahLst/>
+            <a:cxnLst/>
+            <a:rect l="l" t="t" r="r" b="b"/>
+            <a:pathLst>
+              <a:path w="7243812" h="6857999">
+                <a:moveTo>
+                  <a:pt x="609803" y="0"/>
+                </a:moveTo>
+                <a:lnTo>
+                  <a:pt x="1222601" y="0"/>
+                </a:lnTo>
+                <a:lnTo>
+                  <a:pt x="1223032" y="1645"/>
+                </a:lnTo>
+                <a:lnTo>
+                  <a:pt x="1343371" y="1645"/>
+                </a:lnTo>
+                <a:lnTo>
+                  <a:pt x="1343665" y="0"/>
+                </a:lnTo>
+                <a:lnTo>
+                  <a:pt x="1884172" y="0"/>
+                </a:lnTo>
+                <a:lnTo>
+                  <a:pt x="1884280" y="1645"/>
+                </a:lnTo>
+                <a:lnTo>
+                  <a:pt x="7243812" y="1645"/>
+                </a:lnTo>
+                <a:lnTo>
+                  <a:pt x="7243812" y="6857999"/>
+                </a:lnTo>
+                <a:lnTo>
+                  <a:pt x="133676" y="6857999"/>
+                </a:lnTo>
+                <a:lnTo>
+                  <a:pt x="114609" y="6843646"/>
+                </a:lnTo>
+                <a:cubicBezTo>
+                  <a:pt x="106811" y="6836369"/>
+                  <a:pt x="103243" y="6828354"/>
+                  <a:pt x="111459" y="6817746"/>
+                </a:cubicBezTo>
+                <a:cubicBezTo>
+                  <a:pt x="93943" y="6769544"/>
+                  <a:pt x="97901" y="6796071"/>
+                  <a:pt x="113412" y="6759582"/>
+                </a:cubicBezTo>
+                <a:cubicBezTo>
+                  <a:pt x="110188" y="6732087"/>
+                  <a:pt x="99653" y="6727133"/>
+                  <a:pt x="100729" y="6705297"/>
+                </a:cubicBezTo>
+                <a:cubicBezTo>
+                  <a:pt x="94563" y="6675394"/>
+                  <a:pt x="99792" y="6669536"/>
+                  <a:pt x="87662" y="6640957"/>
+                </a:cubicBezTo>
+                <a:cubicBezTo>
+                  <a:pt x="74199" y="6591883"/>
+                  <a:pt x="82185" y="6576319"/>
+                  <a:pt x="83084" y="6541313"/>
+                </a:cubicBezTo>
+                <a:cubicBezTo>
+                  <a:pt x="82225" y="6490855"/>
+                  <a:pt x="67640" y="6422980"/>
+                  <a:pt x="59444" y="6370251"/>
+                </a:cubicBezTo>
+                <a:cubicBezTo>
+                  <a:pt x="51248" y="6317522"/>
+                  <a:pt x="30729" y="6270972"/>
+                  <a:pt x="33908" y="6224938"/>
+                </a:cubicBezTo>
+                <a:lnTo>
+                  <a:pt x="30063" y="6089693"/>
+                </a:lnTo>
+                <a:cubicBezTo>
+                  <a:pt x="25730" y="6032039"/>
+                  <a:pt x="3474" y="5997051"/>
+                  <a:pt x="29101" y="5973994"/>
+                </a:cubicBezTo>
+                <a:cubicBezTo>
+                  <a:pt x="17018" y="5940131"/>
+                  <a:pt x="41135" y="5955713"/>
+                  <a:pt x="33855" y="5939847"/>
+                </a:cubicBezTo>
+                <a:lnTo>
+                  <a:pt x="12982" y="5906467"/>
+                </a:lnTo>
+                <a:lnTo>
+                  <a:pt x="8416" y="5862699"/>
+                </a:lnTo>
+                <a:cubicBezTo>
+                  <a:pt x="7895" y="5838948"/>
+                  <a:pt x="8409" y="5853058"/>
+                  <a:pt x="12052" y="5823324"/>
+                </a:cubicBezTo>
+                <a:cubicBezTo>
+                  <a:pt x="11631" y="5805291"/>
+                  <a:pt x="11213" y="5787258"/>
+                  <a:pt x="10793" y="5769225"/>
+                </a:cubicBezTo>
+                <a:cubicBezTo>
+                  <a:pt x="17866" y="5738356"/>
+                  <a:pt x="19121" y="5696311"/>
+                  <a:pt x="25986" y="5667896"/>
+                </a:cubicBezTo>
+                <a:cubicBezTo>
+                  <a:pt x="16329" y="5647975"/>
+                  <a:pt x="42195" y="5619318"/>
+                  <a:pt x="43687" y="5594585"/>
+                </a:cubicBezTo>
+                <a:cubicBezTo>
+                  <a:pt x="32512" y="5517959"/>
+                  <a:pt x="44052" y="5536542"/>
+                  <a:pt x="40019" y="5464225"/>
+                </a:cubicBezTo>
+                <a:cubicBezTo>
+                  <a:pt x="32676" y="5400671"/>
+                  <a:pt x="26469" y="5311951"/>
+                  <a:pt x="22904" y="5269726"/>
+                </a:cubicBezTo>
+                <a:cubicBezTo>
+                  <a:pt x="19341" y="5227501"/>
+                  <a:pt x="14742" y="5212581"/>
+                  <a:pt x="18628" y="5210876"/>
+                </a:cubicBezTo>
+                <a:cubicBezTo>
+                  <a:pt x="-20300" y="5161742"/>
+                  <a:pt x="15511" y="5141336"/>
+                  <a:pt x="5392" y="5111369"/>
+                </a:cubicBezTo>
+                <a:cubicBezTo>
+                  <a:pt x="10662" y="5053859"/>
+                  <a:pt x="15546" y="5034036"/>
+                  <a:pt x="13324" y="5009272"/>
+                </a:cubicBezTo>
+                <a:cubicBezTo>
+                  <a:pt x="25126" y="4982633"/>
+                  <a:pt x="74251" y="4956261"/>
+                  <a:pt x="48699" y="4925805"/>
+                </a:cubicBezTo>
+                <a:cubicBezTo>
+                  <a:pt x="76704" y="4931200"/>
+                  <a:pt x="39437" y="4888353"/>
+                  <a:pt x="62925" y="4877992"/>
+                </a:cubicBezTo>
+                <a:cubicBezTo>
+                  <a:pt x="82480" y="4871554"/>
+                  <a:pt x="75731" y="4857054"/>
+                  <a:pt x="79496" y="4844323"/>
+                </a:cubicBezTo>
+                <a:cubicBezTo>
+                  <a:pt x="97657" y="4832308"/>
+                  <a:pt x="110974" y="4752352"/>
+                  <a:pt x="101400" y="4733115"/>
+                </a:cubicBezTo>
+                <a:cubicBezTo>
+                  <a:pt x="108185" y="4679357"/>
+                  <a:pt x="119720" y="4662889"/>
+                  <a:pt x="111223" y="4625153"/>
+                </a:cubicBezTo>
+                <a:cubicBezTo>
+                  <a:pt x="106592" y="4588197"/>
+                  <a:pt x="114401" y="4567830"/>
+                  <a:pt x="126359" y="4539168"/>
+                </a:cubicBezTo>
+                <a:cubicBezTo>
+                  <a:pt x="126535" y="4522289"/>
+                  <a:pt x="126710" y="4505410"/>
+                  <a:pt x="126886" y="4488531"/>
+                </a:cubicBezTo>
+                <a:cubicBezTo>
+                  <a:pt x="126165" y="4473140"/>
+                  <a:pt x="132917" y="4437329"/>
+                  <a:pt x="135099" y="4411258"/>
+                </a:cubicBezTo>
+                <a:cubicBezTo>
+                  <a:pt x="107667" y="4345686"/>
+                  <a:pt x="146840" y="4280033"/>
+                  <a:pt x="132327" y="4219510"/>
+                </a:cubicBezTo>
+                <a:cubicBezTo>
+                  <a:pt x="138549" y="4158987"/>
+                  <a:pt x="124091" y="4192084"/>
+                  <a:pt x="172424" y="4048117"/>
+                </a:cubicBezTo>
+                <a:cubicBezTo>
+                  <a:pt x="167703" y="4015047"/>
+                  <a:pt x="203806" y="3905047"/>
+                  <a:pt x="177666" y="3878222"/>
+                </a:cubicBezTo>
+                <a:cubicBezTo>
+                  <a:pt x="167714" y="3821305"/>
+                  <a:pt x="183914" y="3845122"/>
+                  <a:pt x="156982" y="3778166"/>
+                </a:cubicBezTo>
+                <a:cubicBezTo>
+                  <a:pt x="160365" y="3760234"/>
+                  <a:pt x="142791" y="3724716"/>
+                  <a:pt x="142115" y="3707357"/>
+                </a:cubicBezTo>
+                <a:cubicBezTo>
+                  <a:pt x="139253" y="3688591"/>
+                  <a:pt x="140202" y="3672776"/>
+                  <a:pt x="139805" y="3665569"/>
+                </a:cubicBezTo>
+                <a:cubicBezTo>
+                  <a:pt x="139778" y="3665084"/>
+                  <a:pt x="139750" y="3664599"/>
+                  <a:pt x="139723" y="3664114"/>
+                </a:cubicBezTo>
+                <a:lnTo>
+                  <a:pt x="134134" y="3653088"/>
+                </a:lnTo>
+                <a:lnTo>
+                  <a:pt x="126568" y="3641228"/>
+                </a:lnTo>
+                <a:cubicBezTo>
+                  <a:pt x="126560" y="3629488"/>
+                  <a:pt x="126549" y="3617747"/>
+                  <a:pt x="126540" y="3606007"/>
+                </a:cubicBezTo>
+                <a:lnTo>
+                  <a:pt x="134645" y="3597336"/>
+                </a:lnTo>
+                <a:lnTo>
+                  <a:pt x="131649" y="3586412"/>
+                </a:lnTo>
+                <a:lnTo>
+                  <a:pt x="134221" y="3569719"/>
+                </a:lnTo>
+                <a:lnTo>
+                  <a:pt x="133795" y="3568021"/>
+                </a:lnTo>
+                <a:lnTo>
+                  <a:pt x="130189" y="3553678"/>
+                </a:lnTo>
+                <a:lnTo>
+                  <a:pt x="129827" y="3552249"/>
+                </a:lnTo>
+                <a:lnTo>
+                  <a:pt x="122183" y="3542019"/>
+                </a:lnTo>
+                <a:lnTo>
+                  <a:pt x="112426" y="3531201"/>
+                </a:lnTo>
+                <a:lnTo>
+                  <a:pt x="105626" y="3496391"/>
+                </a:lnTo>
+                <a:lnTo>
+                  <a:pt x="111971" y="3486850"/>
+                </a:lnTo>
+                <a:lnTo>
+                  <a:pt x="106910" y="3476412"/>
+                </a:lnTo>
+                <a:cubicBezTo>
+                  <a:pt x="105781" y="3466028"/>
+                  <a:pt x="105824" y="3433967"/>
+                  <a:pt x="105209" y="3424545"/>
+                </a:cubicBezTo>
+                <a:lnTo>
+                  <a:pt x="103215" y="3419880"/>
+                </a:lnTo>
+                <a:lnTo>
+                  <a:pt x="104953" y="3415218"/>
+                </a:lnTo>
+                <a:lnTo>
+                  <a:pt x="101255" y="3409825"/>
+                </a:lnTo>
+                <a:lnTo>
+                  <a:pt x="103044" y="3407057"/>
+                </a:lnTo>
+                <a:lnTo>
+                  <a:pt x="89764" y="3378959"/>
+                </a:lnTo>
+                <a:lnTo>
+                  <a:pt x="83991" y="3362948"/>
+                </a:lnTo>
+                <a:lnTo>
+                  <a:pt x="66858" y="3332072"/>
+                </a:lnTo>
+                <a:lnTo>
+                  <a:pt x="69057" y="3325671"/>
+                </a:lnTo>
+                <a:lnTo>
+                  <a:pt x="51631" y="3278130"/>
+                </a:lnTo>
+                <a:lnTo>
+                  <a:pt x="53959" y="3277179"/>
+                </a:lnTo>
+                <a:lnTo>
+                  <a:pt x="60205" y="3262610"/>
+                </a:lnTo>
+                <a:lnTo>
+                  <a:pt x="58998" y="3258677"/>
+                </a:lnTo>
+                <a:cubicBezTo>
+                  <a:pt x="46010" y="3210316"/>
+                  <a:pt x="80872" y="3236545"/>
+                  <a:pt x="45170" y="3180546"/>
+                </a:cubicBezTo>
+                <a:cubicBezTo>
+                  <a:pt x="53643" y="3171780"/>
+                  <a:pt x="52550" y="3163902"/>
+                  <a:pt x="45228" y="3151828"/>
+                </a:cubicBezTo>
+                <a:cubicBezTo>
+                  <a:pt x="39651" y="3128169"/>
+                  <a:pt x="64667" y="3124610"/>
+                  <a:pt x="45020" y="3103777"/>
+                </a:cubicBezTo>
+                <a:cubicBezTo>
+                  <a:pt x="59127" y="3105196"/>
+                  <a:pt x="41123" y="3057428"/>
+                  <a:pt x="57092" y="3065434"/>
+                </a:cubicBezTo>
+                <a:cubicBezTo>
+                  <a:pt x="55435" y="3051512"/>
+                  <a:pt x="40803" y="3032637"/>
+                  <a:pt x="35088" y="3020247"/>
+                </a:cubicBezTo>
+                <a:cubicBezTo>
+                  <a:pt x="32503" y="3002537"/>
+                  <a:pt x="18197" y="3001119"/>
+                  <a:pt x="22803" y="2991092"/>
+                </a:cubicBezTo>
+                <a:cubicBezTo>
+                  <a:pt x="24338" y="2987749"/>
+                  <a:pt x="27975" y="2983455"/>
+                  <a:pt x="34850" y="2977278"/>
+                </a:cubicBezTo>
+                <a:cubicBezTo>
+                  <a:pt x="22587" y="2954448"/>
+                  <a:pt x="35600" y="2946689"/>
+                  <a:pt x="36223" y="2911749"/>
+                </a:cubicBezTo>
+                <a:cubicBezTo>
+                  <a:pt x="35158" y="2886513"/>
+                  <a:pt x="29761" y="2843788"/>
+                  <a:pt x="28462" y="2825860"/>
+                </a:cubicBezTo>
+                <a:cubicBezTo>
+                  <a:pt x="28449" y="2818634"/>
+                  <a:pt x="28437" y="2811409"/>
+                  <a:pt x="28424" y="2804183"/>
+                </a:cubicBezTo>
+                <a:lnTo>
+                  <a:pt x="21292" y="2790136"/>
+                </a:lnTo>
+                <a:lnTo>
+                  <a:pt x="16179" y="2760208"/>
+                </a:lnTo>
+                <a:lnTo>
+                  <a:pt x="22858" y="2751112"/>
+                </a:lnTo>
+                <a:lnTo>
+                  <a:pt x="18505" y="2740278"/>
+                </a:lnTo>
+                <a:lnTo>
+                  <a:pt x="22482" y="2726489"/>
+                </a:lnTo>
+                <a:lnTo>
+                  <a:pt x="18175" y="2725052"/>
+                </a:lnTo>
+                <a:lnTo>
+                  <a:pt x="10521" y="2715895"/>
+                </a:lnTo>
+                <a:lnTo>
+                  <a:pt x="25499" y="2665666"/>
+                </a:lnTo>
+                <a:lnTo>
+                  <a:pt x="30658" y="2635351"/>
+                </a:lnTo>
+                <a:cubicBezTo>
+                  <a:pt x="30723" y="2625597"/>
+                  <a:pt x="30791" y="2615842"/>
+                  <a:pt x="30857" y="2606088"/>
+                </a:cubicBezTo>
+                <a:lnTo>
+                  <a:pt x="37532" y="2596456"/>
+                </a:lnTo>
+                <a:cubicBezTo>
+                  <a:pt x="41239" y="2582253"/>
+                  <a:pt x="34640" y="2564757"/>
+                  <a:pt x="36511" y="2549900"/>
+                </a:cubicBezTo>
+                <a:lnTo>
+                  <a:pt x="53712" y="2496499"/>
+                </a:lnTo>
+                <a:cubicBezTo>
+                  <a:pt x="53527" y="2492743"/>
+                  <a:pt x="64725" y="2449625"/>
+                  <a:pt x="64540" y="2445869"/>
+                </a:cubicBezTo>
+                <a:cubicBezTo>
+                  <a:pt x="61940" y="2441580"/>
+                  <a:pt x="65575" y="2413465"/>
+                  <a:pt x="64348" y="2408995"/>
+                </a:cubicBezTo>
+                <a:cubicBezTo>
+                  <a:pt x="100333" y="2407546"/>
+                  <a:pt x="71752" y="2329020"/>
+                  <a:pt x="101725" y="2335735"/>
+                </a:cubicBezTo>
+                <a:cubicBezTo>
+                  <a:pt x="120512" y="2299003"/>
+                  <a:pt x="138791" y="2291744"/>
+                  <a:pt x="147278" y="2260088"/>
+                </a:cubicBezTo>
+                <a:cubicBezTo>
+                  <a:pt x="152668" y="2224200"/>
+                  <a:pt x="143589" y="2220953"/>
+                  <a:pt x="152643" y="2193455"/>
+                </a:cubicBezTo>
+                <a:cubicBezTo>
+                  <a:pt x="152701" y="2159228"/>
+                  <a:pt x="131577" y="2138038"/>
+                  <a:pt x="161815" y="2107942"/>
+                </a:cubicBezTo>
+                <a:lnTo>
+                  <a:pt x="168884" y="2024270"/>
+                </a:lnTo>
+                <a:lnTo>
+                  <a:pt x="210800" y="1969445"/>
+                </a:lnTo>
+                <a:lnTo>
+                  <a:pt x="215063" y="1961162"/>
+                </a:lnTo>
+                <a:lnTo>
+                  <a:pt x="226767" y="1945112"/>
+                </a:lnTo>
+                <a:lnTo>
+                  <a:pt x="225906" y="1942021"/>
+                </a:lnTo>
+                <a:lnTo>
+                  <a:pt x="220555" y="1935584"/>
+                </a:lnTo>
+                <a:cubicBezTo>
+                  <a:pt x="220179" y="1930292"/>
+                  <a:pt x="223282" y="1914884"/>
+                  <a:pt x="223648" y="1910265"/>
+                </a:cubicBezTo>
+                <a:cubicBezTo>
+                  <a:pt x="221934" y="1909994"/>
+                  <a:pt x="221895" y="1909162"/>
+                  <a:pt x="222758" y="1907867"/>
+                </a:cubicBezTo>
+                <a:lnTo>
+                  <a:pt x="229387" y="1899379"/>
+                </a:lnTo>
+                <a:lnTo>
+                  <a:pt x="231548" y="1895114"/>
+                </a:lnTo>
+                <a:lnTo>
+                  <a:pt x="216553" y="1892417"/>
+                </a:lnTo>
+                <a:cubicBezTo>
+                  <a:pt x="209075" y="1884999"/>
+                  <a:pt x="222114" y="1866643"/>
+                  <a:pt x="209739" y="1861483"/>
+                </a:cubicBezTo>
+                <a:cubicBezTo>
+                  <a:pt x="214584" y="1853278"/>
+                  <a:pt x="219066" y="1844665"/>
+                  <a:pt x="222950" y="1835810"/>
+                </a:cubicBezTo>
+                <a:lnTo>
+                  <a:pt x="224812" y="1830569"/>
+                </a:lnTo>
+                <a:lnTo>
+                  <a:pt x="224522" y="1830429"/>
+                </a:lnTo>
+                <a:cubicBezTo>
+                  <a:pt x="224224" y="1829219"/>
+                  <a:pt x="224571" y="1827468"/>
+                  <a:pt x="225830" y="1824832"/>
+                </a:cubicBezTo>
+                <a:lnTo>
+                  <a:pt x="228207" y="1821003"/>
+                </a:lnTo>
+                <a:lnTo>
+                  <a:pt x="230878" y="1807109"/>
+                </a:lnTo>
+                <a:lnTo>
+                  <a:pt x="227355" y="1805316"/>
+                </a:lnTo>
+                <a:lnTo>
+                  <a:pt x="228132" y="1804434"/>
+                </a:lnTo>
+                <a:cubicBezTo>
+                  <a:pt x="237533" y="1798221"/>
+                  <a:pt x="248274" y="1797417"/>
+                  <a:pt x="223762" y="1784314"/>
+                </a:cubicBezTo>
+                <a:cubicBezTo>
+                  <a:pt x="240655" y="1769422"/>
+                  <a:pt x="224912" y="1763793"/>
+                  <a:pt x="226521" y="1740358"/>
+                </a:cubicBezTo>
+                <a:cubicBezTo>
+                  <a:pt x="240385" y="1732435"/>
+                  <a:pt x="239102" y="1724301"/>
+                  <a:pt x="233164" y="1715685"/>
+                </a:cubicBezTo>
+                <a:cubicBezTo>
+                  <a:pt x="245499" y="1694404"/>
+                  <a:pt x="240415" y="1672675"/>
+                  <a:pt x="245819" y="1647555"/>
+                </a:cubicBezTo>
+                <a:cubicBezTo>
+                  <a:pt x="268668" y="1622803"/>
+                  <a:pt x="248434" y="1605585"/>
+                  <a:pt x="254317" y="1578752"/>
+                </a:cubicBezTo>
+                <a:lnTo>
+                  <a:pt x="249918" y="1546022"/>
+                </a:lnTo>
+                <a:cubicBezTo>
+                  <a:pt x="251996" y="1543635"/>
+                  <a:pt x="248777" y="1521210"/>
+                  <a:pt x="248927" y="1519929"/>
+                </a:cubicBezTo>
+                <a:lnTo>
+                  <a:pt x="248704" y="1519731"/>
+                </a:lnTo>
+                <a:lnTo>
+                  <a:pt x="252245" y="1514846"/>
+                </a:lnTo>
+                <a:cubicBezTo>
+                  <a:pt x="255314" y="1501295"/>
+                  <a:pt x="252199" y="1477394"/>
+                  <a:pt x="254681" y="1463304"/>
+                </a:cubicBezTo>
+                <a:cubicBezTo>
+                  <a:pt x="257024" y="1459891"/>
+                  <a:pt x="268983" y="1432466"/>
+                  <a:pt x="267138" y="1430305"/>
+                </a:cubicBezTo>
+                <a:lnTo>
+                  <a:pt x="266110" y="1429568"/>
+                </a:lnTo>
+                <a:lnTo>
+                  <a:pt x="286784" y="1404045"/>
+                </a:lnTo>
+                <a:lnTo>
+                  <a:pt x="294521" y="1360879"/>
+                </a:lnTo>
+                <a:lnTo>
+                  <a:pt x="324750" y="1301993"/>
+                </a:lnTo>
+                <a:lnTo>
+                  <a:pt x="328780" y="1210776"/>
+                </a:lnTo>
+                <a:cubicBezTo>
+                  <a:pt x="344171" y="1197232"/>
+                  <a:pt x="343390" y="1192124"/>
+                  <a:pt x="346123" y="1157176"/>
+                </a:cubicBezTo>
+                <a:cubicBezTo>
+                  <a:pt x="359383" y="1110140"/>
+                  <a:pt x="355619" y="1111028"/>
+                  <a:pt x="349331" y="1063288"/>
+                </a:cubicBezTo>
+                <a:cubicBezTo>
+                  <a:pt x="364194" y="1005331"/>
+                  <a:pt x="362778" y="969963"/>
+                  <a:pt x="431245" y="889417"/>
+                </a:cubicBezTo>
+                <a:lnTo>
+                  <a:pt x="459477" y="816346"/>
+                </a:lnTo>
+                <a:cubicBezTo>
+                  <a:pt x="465006" y="808083"/>
+                  <a:pt x="496978" y="764380"/>
+                  <a:pt x="489268" y="752692"/>
+                </a:cubicBezTo>
+                <a:lnTo>
+                  <a:pt x="505368" y="724368"/>
+                </a:lnTo>
+                <a:lnTo>
+                  <a:pt x="511178" y="722494"/>
+                </a:lnTo>
+                <a:lnTo>
+                  <a:pt x="514451" y="717531"/>
+                </a:lnTo>
+                <a:cubicBezTo>
+                  <a:pt x="514171" y="710761"/>
+                  <a:pt x="513893" y="703992"/>
+                  <a:pt x="513612" y="697222"/>
+                </a:cubicBezTo>
+                <a:cubicBezTo>
+                  <a:pt x="513272" y="693376"/>
+                  <a:pt x="513720" y="690905"/>
+                  <a:pt x="514772" y="689289"/>
+                </a:cubicBezTo>
+                <a:lnTo>
+                  <a:pt x="515249" y="689151"/>
+                </a:lnTo>
+                <a:cubicBezTo>
+                  <a:pt x="515320" y="686637"/>
+                  <a:pt x="515389" y="684122"/>
+                  <a:pt x="515461" y="681608"/>
+                </a:cubicBezTo>
+                <a:cubicBezTo>
+                  <a:pt x="522970" y="666964"/>
+                  <a:pt x="551123" y="617831"/>
+                  <a:pt x="560298" y="601285"/>
+                </a:cubicBezTo>
+                <a:cubicBezTo>
+                  <a:pt x="558549" y="585107"/>
+                  <a:pt x="540289" y="573171"/>
+                  <a:pt x="570504" y="582332"/>
+                </a:cubicBezTo>
+                <a:cubicBezTo>
+                  <a:pt x="570816" y="577121"/>
+                  <a:pt x="573898" y="574271"/>
+                  <a:pt x="578347" y="572511"/>
+                </a:cubicBezTo>
+                <a:lnTo>
+                  <a:pt x="580375" y="572092"/>
+                </a:lnTo>
+                <a:lnTo>
+                  <a:pt x="575722" y="536015"/>
+                </a:lnTo>
+                <a:lnTo>
+                  <a:pt x="578705" y="531675"/>
+                </a:lnTo>
+                <a:lnTo>
+                  <a:pt x="564084" y="491380"/>
+                </a:lnTo>
+                <a:cubicBezTo>
+                  <a:pt x="560969" y="487340"/>
+                  <a:pt x="560134" y="482008"/>
+                  <a:pt x="564457" y="473782"/>
+                </a:cubicBezTo>
+                <a:lnTo>
+                  <a:pt x="566413" y="472000"/>
+                </a:lnTo>
+                <a:lnTo>
+                  <a:pt x="584600" y="354566"/>
+                </a:lnTo>
+                <a:cubicBezTo>
+                  <a:pt x="586100" y="325288"/>
+                  <a:pt x="584583" y="317533"/>
+                  <a:pt x="588077" y="265704"/>
+                </a:cubicBezTo>
+                <a:cubicBezTo>
+                  <a:pt x="588008" y="205530"/>
+                  <a:pt x="578491" y="226511"/>
+                  <a:pt x="580576" y="187093"/>
+                </a:cubicBezTo>
+                <a:cubicBezTo>
+                  <a:pt x="579265" y="162458"/>
+                  <a:pt x="569240" y="117589"/>
+                  <a:pt x="587928" y="130336"/>
+                </a:cubicBezTo>
+                <a:cubicBezTo>
+                  <a:pt x="552635" y="69804"/>
+                  <a:pt x="604651" y="82036"/>
+                  <a:pt x="593881" y="17287"/>
+                </a:cubicBezTo>
+                <a:cubicBezTo>
+                  <a:pt x="600399" y="13784"/>
+                  <a:pt x="605413" y="8440"/>
+                  <a:pt x="609224" y="1705"/>
+                </a:cubicBezTo>
+                <a:close/>
+              </a:path>
+            </a:pathLst>
+          </a:custGeom>
+          <a:noFill/>
+          <a:extLst>
+            <a:ext uri="{909E8E84-426E-40DD-AFC4-6F175D3DCCD1}">
+              <a14:hiddenFill xmlns:a14="http://schemas.microsoft.com/office/drawing/2010/main">
+                <a:solidFill>
+                  <a:srgbClr val="FFFFFF"/>
+                </a:solidFill>
+              </a14:hiddenFill>
+            </a:ext>
+          </a:extLst>
+        </p:spPr>
+      </p:pic>
+    </p:spTree>
+    <p:extLst>
+      <p:ext uri="{BB962C8B-B14F-4D97-AF65-F5344CB8AC3E}">
+        <p14:creationId xmlns:p14="http://schemas.microsoft.com/office/powerpoint/2010/main" val="2354121283"/>
+      </p:ext>
+    </p:extLst>
+  </p:cSld>
+  <p:clrMapOvr>
+    <a:masterClrMapping/>
+  </p:clrMapOvr>
+</p:sld>
+</file>
+
+<file path=ppt/slides/slide11.xml><?xml version="1.0" encoding="utf-8"?>
+<p:sld xmlns:a="http://schemas.openxmlformats.org/drawingml/2006/main" xmlns:r="http://schemas.openxmlformats.org/officeDocument/2006/relationships" xmlns:p="http://schemas.openxmlformats.org/presentationml/2006/main">
+  <p:cSld>
+    <p:bg>
+      <p:bgPr>
+        <a:solidFill>
+          <a:schemeClr val="bg1"/>
+        </a:solidFill>
+        <a:effectLst/>
+      </p:bgPr>
+    </p:bg>
+    <p:spTree>
+      <p:nvGrpSpPr>
+        <p:cNvPr id="1" name=""/>
+        <p:cNvGrpSpPr/>
+        <p:nvPr/>
+      </p:nvGrpSpPr>
+      <p:grpSpPr>
+        <a:xfrm>
+          <a:off x="0" y="0"/>
+          <a:ext cx="0" cy="0"/>
+          <a:chOff x="0" y="0"/>
+          <a:chExt cx="0" cy="0"/>
+        </a:xfrm>
+      </p:grpSpPr>
+      <p:sp useBgFill="1">
+        <p:nvSpPr>
+          <p:cNvPr id="9223" name="Rectangle 9222">
+            <a:extLst>
+              <a:ext uri="{FF2B5EF4-FFF2-40B4-BE49-F238E27FC236}">
+                <a16:creationId xmlns:a16="http://schemas.microsoft.com/office/drawing/2014/main" id="{F13C74B1-5B17-4795-BED0-7140497B445A}"/>
+              </a:ext>
+              <a:ext uri="{C183D7F6-B498-43B3-948B-1728B52AA6E4}">
+                <adec:decorative xmlns:adec="http://schemas.microsoft.com/office/drawing/2017/decorative" val="1"/>
+              </a:ext>
+            </a:extLst>
+          </p:cNvPr>
+          <p:cNvSpPr>
+            <a:spLocks noGrp="1" noRot="1" noChangeAspect="1" noMove="1" noResize="1" noEditPoints="1" noAdjustHandles="1" noChangeArrowheads="1" noChangeShapeType="1" noTextEdit="1"/>
+          </p:cNvSpPr>
+          <p:nvPr>
+            <p:extLst>
+              <p:ext uri="{386F3935-93C4-4BCD-93E2-E3B085C9AB24}">
+                <p16:designElem xmlns:p16="http://schemas.microsoft.com/office/powerpoint/2015/main" val="1"/>
+              </p:ext>
+            </p:extLst>
+          </p:nvPr>
+        </p:nvSpPr>
+        <p:spPr>
+          <a:xfrm>
+            <a:off x="0" y="0"/>
+            <a:ext cx="12188952" cy="6858000"/>
+          </a:xfrm>
+          <a:prstGeom prst="rect">
+            <a:avLst/>
+          </a:prstGeom>
+          <a:ln>
+            <a:noFill/>
+          </a:ln>
+        </p:spPr>
+        <p:style>
+          <a:lnRef idx="2">
+            <a:schemeClr val="accent1">
+              <a:shade val="50000"/>
+            </a:schemeClr>
+          </a:lnRef>
+          <a:fillRef idx="1">
+            <a:schemeClr val="accent1"/>
+          </a:fillRef>
+          <a:effectRef idx="0">
+            <a:schemeClr val="accent1"/>
+          </a:effectRef>
+          <a:fontRef idx="minor">
+            <a:schemeClr val="lt1"/>
+          </a:fontRef>
+        </p:style>
+        <p:txBody>
+          <a:bodyPr rtlCol="0" anchor="ctr"/>
+          <a:lstStyle/>
+          <a:p>
+            <a:pPr algn="ctr"/>
+            <a:endParaRPr lang="en-US"/>
+          </a:p>
+        </p:txBody>
+      </p:sp>
+      <p:sp>
+        <p:nvSpPr>
+          <p:cNvPr id="2" name="Título 1">
+            <a:extLst>
+              <a:ext uri="{FF2B5EF4-FFF2-40B4-BE49-F238E27FC236}">
+                <a16:creationId xmlns:a16="http://schemas.microsoft.com/office/drawing/2014/main" id="{071148EA-ADDE-7C01-C643-D75EBCDD3884}"/>
+              </a:ext>
+            </a:extLst>
+          </p:cNvPr>
+          <p:cNvSpPr>
+            <a:spLocks noGrp="1"/>
+          </p:cNvSpPr>
+          <p:nvPr>
+            <p:ph type="title"/>
+          </p:nvPr>
+        </p:nvSpPr>
+        <p:spPr>
+          <a:xfrm>
+            <a:off x="-1525" y="1214715"/>
+            <a:ext cx="5943600" cy="825647"/>
+          </a:xfrm>
+        </p:spPr>
+        <p:txBody>
+          <a:bodyPr anchor="b">
+            <a:normAutofit fontScale="90000"/>
+          </a:bodyPr>
+          <a:lstStyle/>
+          <a:p>
+            <a:r>
+              <a:rPr lang="es-ES" sz="4800" b="1" dirty="0"/>
+              <a:t>Opciones para mejora: </a:t>
+            </a:r>
+          </a:p>
+        </p:txBody>
+      </p:sp>
+      <p:sp>
+        <p:nvSpPr>
+          <p:cNvPr id="9225" name="sketchy line">
+            <a:extLst>
+              <a:ext uri="{FF2B5EF4-FFF2-40B4-BE49-F238E27FC236}">
+                <a16:creationId xmlns:a16="http://schemas.microsoft.com/office/drawing/2014/main" id="{D4974D33-8DC5-464E-8C6D-BE58F0669C17}"/>
+              </a:ext>
+              <a:ext uri="{C183D7F6-B498-43B3-948B-1728B52AA6E4}">
+                <adec:decorative xmlns:adec="http://schemas.microsoft.com/office/drawing/2017/decorative" val="1"/>
+              </a:ext>
+            </a:extLst>
+          </p:cNvPr>
+          <p:cNvSpPr>
+            <a:spLocks noGrp="1" noRot="1" noChangeAspect="1" noMove="1" noResize="1" noEditPoints="1" noAdjustHandles="1" noChangeArrowheads="1" noChangeShapeType="1" noTextEdit="1"/>
+          </p:cNvSpPr>
+          <p:nvPr>
+            <p:extLst>
+              <p:ext uri="{386F3935-93C4-4BCD-93E2-E3B085C9AB24}">
+                <p16:designElem xmlns:p16="http://schemas.microsoft.com/office/powerpoint/2015/main" val="1"/>
+              </p:ext>
+            </p:extLst>
+          </p:nvPr>
+        </p:nvSpPr>
+        <p:spPr>
+          <a:xfrm>
+            <a:off x="640080" y="2586994"/>
+            <a:ext cx="3474720" cy="18288"/>
+          </a:xfrm>
+          <a:custGeom>
+            <a:avLst/>
+            <a:gdLst>
+              <a:gd name="connsiteX0" fmla="*/ 0 w 3474720"/>
+              <a:gd name="connsiteY0" fmla="*/ 0 h 18288"/>
+              <a:gd name="connsiteX1" fmla="*/ 694944 w 3474720"/>
+              <a:gd name="connsiteY1" fmla="*/ 0 h 18288"/>
+              <a:gd name="connsiteX2" fmla="*/ 1355141 w 3474720"/>
+              <a:gd name="connsiteY2" fmla="*/ 0 h 18288"/>
+              <a:gd name="connsiteX3" fmla="*/ 2015338 w 3474720"/>
+              <a:gd name="connsiteY3" fmla="*/ 0 h 18288"/>
+              <a:gd name="connsiteX4" fmla="*/ 2779776 w 3474720"/>
+              <a:gd name="connsiteY4" fmla="*/ 0 h 18288"/>
+              <a:gd name="connsiteX5" fmla="*/ 3474720 w 3474720"/>
+              <a:gd name="connsiteY5" fmla="*/ 0 h 18288"/>
+              <a:gd name="connsiteX6" fmla="*/ 3474720 w 3474720"/>
+              <a:gd name="connsiteY6" fmla="*/ 18288 h 18288"/>
+              <a:gd name="connsiteX7" fmla="*/ 2779776 w 3474720"/>
+              <a:gd name="connsiteY7" fmla="*/ 18288 h 18288"/>
+              <a:gd name="connsiteX8" fmla="*/ 2189074 w 3474720"/>
+              <a:gd name="connsiteY8" fmla="*/ 18288 h 18288"/>
+              <a:gd name="connsiteX9" fmla="*/ 1528877 w 3474720"/>
+              <a:gd name="connsiteY9" fmla="*/ 18288 h 18288"/>
+              <a:gd name="connsiteX10" fmla="*/ 868680 w 3474720"/>
+              <a:gd name="connsiteY10" fmla="*/ 18288 h 18288"/>
+              <a:gd name="connsiteX11" fmla="*/ 0 w 3474720"/>
+              <a:gd name="connsiteY11" fmla="*/ 18288 h 18288"/>
+              <a:gd name="connsiteX12" fmla="*/ 0 w 3474720"/>
+              <a:gd name="connsiteY12" fmla="*/ 0 h 18288"/>
+            </a:gdLst>
+            <a:ahLst/>
+            <a:cxnLst>
+              <a:cxn ang="0">
+                <a:pos x="connsiteX0" y="connsiteY0"/>
+              </a:cxn>
+              <a:cxn ang="0">
+                <a:pos x="connsiteX1" y="connsiteY1"/>
+              </a:cxn>
+              <a:cxn ang="0">
+                <a:pos x="connsiteX2" y="connsiteY2"/>
+              </a:cxn>
+              <a:cxn ang="0">
+                <a:pos x="connsiteX3" y="connsiteY3"/>
+              </a:cxn>
+              <a:cxn ang="0">
+                <a:pos x="connsiteX4" y="connsiteY4"/>
+              </a:cxn>
+              <a:cxn ang="0">
+                <a:pos x="connsiteX5" y="connsiteY5"/>
+              </a:cxn>
+              <a:cxn ang="0">
+                <a:pos x="connsiteX6" y="connsiteY6"/>
+              </a:cxn>
+              <a:cxn ang="0">
+                <a:pos x="connsiteX7" y="connsiteY7"/>
+              </a:cxn>
+              <a:cxn ang="0">
+                <a:pos x="connsiteX8" y="connsiteY8"/>
+              </a:cxn>
+              <a:cxn ang="0">
+                <a:pos x="connsiteX9" y="connsiteY9"/>
+              </a:cxn>
+              <a:cxn ang="0">
+                <a:pos x="connsiteX10" y="connsiteY10"/>
+              </a:cxn>
+              <a:cxn ang="0">
+                <a:pos x="connsiteX11" y="connsiteY11"/>
+              </a:cxn>
+              <a:cxn ang="0">
+                <a:pos x="connsiteX12" y="connsiteY12"/>
+              </a:cxn>
+            </a:cxnLst>
+            <a:rect l="l" t="t" r="r" b="b"/>
+            <a:pathLst>
+              <a:path w="3474720" h="18288" fill="none" extrusionOk="0">
+                <a:moveTo>
+                  <a:pt x="0" y="0"/>
+                </a:moveTo>
+                <a:cubicBezTo>
+                  <a:pt x="224454" y="-14544"/>
+                  <a:pt x="495407" y="26540"/>
+                  <a:pt x="694944" y="0"/>
+                </a:cubicBezTo>
+                <a:cubicBezTo>
+                  <a:pt x="894481" y="-26540"/>
+                  <a:pt x="1130063" y="24713"/>
+                  <a:pt x="1355141" y="0"/>
+                </a:cubicBezTo>
+                <a:cubicBezTo>
+                  <a:pt x="1580219" y="-24713"/>
+                  <a:pt x="1820099" y="26695"/>
+                  <a:pt x="2015338" y="0"/>
+                </a:cubicBezTo>
+                <a:cubicBezTo>
+                  <a:pt x="2210577" y="-26695"/>
+                  <a:pt x="2402045" y="165"/>
+                  <a:pt x="2779776" y="0"/>
+                </a:cubicBezTo>
+                <a:cubicBezTo>
+                  <a:pt x="3157507" y="-165"/>
+                  <a:pt x="3286859" y="-15571"/>
+                  <a:pt x="3474720" y="0"/>
+                </a:cubicBezTo>
+                <a:cubicBezTo>
+                  <a:pt x="3474286" y="7551"/>
+                  <a:pt x="3474253" y="9822"/>
+                  <a:pt x="3474720" y="18288"/>
+                </a:cubicBezTo>
+                <a:cubicBezTo>
+                  <a:pt x="3233904" y="29845"/>
+                  <a:pt x="2945134" y="-5256"/>
+                  <a:pt x="2779776" y="18288"/>
+                </a:cubicBezTo>
+                <a:cubicBezTo>
+                  <a:pt x="2614418" y="41832"/>
+                  <a:pt x="2339768" y="22709"/>
+                  <a:pt x="2189074" y="18288"/>
+                </a:cubicBezTo>
+                <a:cubicBezTo>
+                  <a:pt x="2038380" y="13867"/>
+                  <a:pt x="1817434" y="-4947"/>
+                  <a:pt x="1528877" y="18288"/>
+                </a:cubicBezTo>
+                <a:cubicBezTo>
+                  <a:pt x="1240320" y="41523"/>
+                  <a:pt x="1042447" y="37198"/>
+                  <a:pt x="868680" y="18288"/>
+                </a:cubicBezTo>
+                <a:cubicBezTo>
+                  <a:pt x="694913" y="-622"/>
+                  <a:pt x="233232" y="44909"/>
+                  <a:pt x="0" y="18288"/>
+                </a:cubicBezTo>
+                <a:cubicBezTo>
+                  <a:pt x="60" y="11696"/>
+                  <a:pt x="66" y="3758"/>
+                  <a:pt x="0" y="0"/>
+                </a:cubicBezTo>
+                <a:close/>
+              </a:path>
+              <a:path w="3474720" h="18288" stroke="0" extrusionOk="0">
+                <a:moveTo>
+                  <a:pt x="0" y="0"/>
+                </a:moveTo>
+                <a:cubicBezTo>
+                  <a:pt x="202328" y="-14716"/>
+                  <a:pt x="332722" y="-11499"/>
+                  <a:pt x="625450" y="0"/>
+                </a:cubicBezTo>
+                <a:cubicBezTo>
+                  <a:pt x="918178" y="11499"/>
+                  <a:pt x="1096688" y="5123"/>
+                  <a:pt x="1389888" y="0"/>
+                </a:cubicBezTo>
+                <a:cubicBezTo>
+                  <a:pt x="1683088" y="-5123"/>
+                  <a:pt x="1835981" y="-14038"/>
+                  <a:pt x="1980590" y="0"/>
+                </a:cubicBezTo>
+                <a:cubicBezTo>
+                  <a:pt x="2125199" y="14038"/>
+                  <a:pt x="2396099" y="-7203"/>
+                  <a:pt x="2571293" y="0"/>
+                </a:cubicBezTo>
+                <a:cubicBezTo>
+                  <a:pt x="2746487" y="7203"/>
+                  <a:pt x="3041609" y="-12036"/>
+                  <a:pt x="3474720" y="0"/>
+                </a:cubicBezTo>
+                <a:cubicBezTo>
+                  <a:pt x="3474638" y="4406"/>
+                  <a:pt x="3474631" y="9982"/>
+                  <a:pt x="3474720" y="18288"/>
+                </a:cubicBezTo>
+                <a:cubicBezTo>
+                  <a:pt x="3324873" y="21876"/>
+                  <a:pt x="3136771" y="12587"/>
+                  <a:pt x="2814523" y="18288"/>
+                </a:cubicBezTo>
+                <a:cubicBezTo>
+                  <a:pt x="2492275" y="23989"/>
+                  <a:pt x="2294402" y="47111"/>
+                  <a:pt x="2154326" y="18288"/>
+                </a:cubicBezTo>
+                <a:cubicBezTo>
+                  <a:pt x="2014250" y="-10535"/>
+                  <a:pt x="1820317" y="33903"/>
+                  <a:pt x="1494130" y="18288"/>
+                </a:cubicBezTo>
+                <a:cubicBezTo>
+                  <a:pt x="1167943" y="2673"/>
+                  <a:pt x="948432" y="14868"/>
+                  <a:pt x="729691" y="18288"/>
+                </a:cubicBezTo>
+                <a:cubicBezTo>
+                  <a:pt x="510950" y="21708"/>
+                  <a:pt x="264032" y="24354"/>
+                  <a:pt x="0" y="18288"/>
+                </a:cubicBezTo>
+                <a:cubicBezTo>
+                  <a:pt x="189" y="14288"/>
+                  <a:pt x="-703" y="3747"/>
+                  <a:pt x="0" y="0"/>
+                </a:cubicBezTo>
+                <a:close/>
+              </a:path>
+            </a:pathLst>
+          </a:custGeom>
+          <a:solidFill>
+            <a:schemeClr val="accent2"/>
+          </a:solidFill>
+          <a:ln w="44450" cap="rnd">
+            <a:solidFill>
+              <a:schemeClr val="accent2"/>
+            </a:solidFill>
+            <a:round/>
+            <a:extLst>
+              <a:ext uri="{C807C97D-BFC1-408E-A445-0C87EB9F89A2}">
+                <ask:lineSketchStyleProps xmlns:ask="http://schemas.microsoft.com/office/drawing/2018/sketchyshapes" sd="2863741219">
+                  <a:prstGeom prst="rect">
+                    <a:avLst/>
+                  </a:prstGeom>
+                  <ask:type>
+                    <ask:lineSketchFreehand/>
+                  </ask:type>
+                </ask:lineSketchStyleProps>
+              </a:ext>
+            </a:extLst>
+          </a:ln>
+        </p:spPr>
+        <p:style>
+          <a:lnRef idx="2">
+            <a:schemeClr val="accent1">
+              <a:shade val="50000"/>
+            </a:schemeClr>
+          </a:lnRef>
+          <a:fillRef idx="1">
+            <a:schemeClr val="accent1"/>
+          </a:fillRef>
+          <a:effectRef idx="0">
+            <a:schemeClr val="accent1"/>
+          </a:effectRef>
+          <a:fontRef idx="minor">
+            <a:schemeClr val="lt1"/>
+          </a:fontRef>
+        </p:style>
+        <p:txBody>
+          <a:bodyPr rtlCol="0" anchor="ctr"/>
+          <a:lstStyle/>
+          <a:p>
+            <a:pPr algn="ctr"/>
+            <a:endParaRPr lang="en-US"/>
+          </a:p>
+        </p:txBody>
+      </p:sp>
+      <p:sp>
+        <p:nvSpPr>
+          <p:cNvPr id="3" name="Marcador de contenido 2">
+            <a:extLst>
+              <a:ext uri="{FF2B5EF4-FFF2-40B4-BE49-F238E27FC236}">
+                <a16:creationId xmlns:a16="http://schemas.microsoft.com/office/drawing/2014/main" id="{C6805702-61D5-C79B-B967-61EB15258161}"/>
+              </a:ext>
+            </a:extLst>
+          </p:cNvPr>
+          <p:cNvSpPr>
+            <a:spLocks noGrp="1"/>
+          </p:cNvSpPr>
+          <p:nvPr>
+            <p:ph idx="1"/>
+          </p:nvPr>
+        </p:nvSpPr>
+        <p:spPr>
+          <a:xfrm>
+            <a:off x="640080" y="2872899"/>
+            <a:ext cx="4243589" cy="3320668"/>
+          </a:xfrm>
+        </p:spPr>
+        <p:txBody>
+          <a:bodyPr>
+            <a:normAutofit/>
+          </a:bodyPr>
+          <a:lstStyle/>
+          <a:p>
+            <a:r>
+              <a:rPr lang="es-ES" sz="1700"/>
+              <a:t>Integrarlo en procesos de fidelización (identificar clientes con menor riesgo para premiarlos)</a:t>
+            </a:r>
+          </a:p>
+          <a:p>
+            <a:r>
+              <a:rPr lang="es-ES" sz="1700"/>
+              <a:t>Aprendizaje continuo, es decir que el sistema vaya aprendiendo de decisiones acertadas tomadas anteriormente</a:t>
+            </a:r>
+          </a:p>
+          <a:p>
+            <a:r>
+              <a:rPr lang="es-ES" sz="1700"/>
+              <a:t>Integrarlo en procesos de fidelización (identificar clientes con menor riesgo para premiarlos)</a:t>
+            </a:r>
+          </a:p>
+          <a:p>
+            <a:r>
+              <a:rPr lang="es-ES" sz="1700"/>
+              <a:t>Incorporar otro tipo de datos, historiales de pago o variables macroeconómicas</a:t>
+            </a:r>
+          </a:p>
+        </p:txBody>
+      </p:sp>
+      <p:pic>
+        <p:nvPicPr>
+          <p:cNvPr id="9218" name="Picture 2" descr="60+ Jpmorgan Chase Tower Fotografías de stock, fotos e imágenes libres de  derechos - iStock">
+            <a:extLst>
+              <a:ext uri="{FF2B5EF4-FFF2-40B4-BE49-F238E27FC236}">
+                <a16:creationId xmlns:a16="http://schemas.microsoft.com/office/drawing/2014/main" id="{097FFC0F-9271-DC06-55D6-C2D85969E290}"/>
+              </a:ext>
+            </a:extLst>
+          </p:cNvPr>
+          <p:cNvPicPr>
+            <a:picLocks noChangeAspect="1" noChangeArrowheads="1"/>
+          </p:cNvPicPr>
+          <p:nvPr/>
+        </p:nvPicPr>
+        <p:blipFill>
+          <a:blip r:embed="rId2">
+            <a:extLst>
+              <a:ext uri="{28A0092B-C50C-407E-A947-70E740481C1C}">
+                <a14:useLocalDpi xmlns:a14="http://schemas.microsoft.com/office/drawing/2010/main" val="0"/>
+              </a:ext>
+            </a:extLst>
+          </a:blip>
+          <a:srcRect l="5886" r="27161" b="-1"/>
+          <a:stretch/>
+        </p:blipFill>
+        <p:spPr bwMode="auto">
+          <a:xfrm>
+            <a:off x="5311702" y="10"/>
+            <a:ext cx="6878775" cy="6857990"/>
+          </a:xfrm>
+          <a:custGeom>
+            <a:avLst/>
+            <a:gdLst/>
+            <a:ahLst/>
+            <a:cxnLst/>
+            <a:rect l="l" t="t" r="r" b="b"/>
+            <a:pathLst>
+              <a:path w="6878775" h="6858000">
+                <a:moveTo>
+                  <a:pt x="1102973" y="0"/>
+                </a:moveTo>
+                <a:lnTo>
+                  <a:pt x="1160688" y="0"/>
+                </a:lnTo>
+                <a:lnTo>
+                  <a:pt x="983189" y="331786"/>
+                </a:lnTo>
+                <a:cubicBezTo>
+                  <a:pt x="914866" y="469145"/>
+                  <a:pt x="850355" y="608712"/>
+                  <a:pt x="789261" y="750263"/>
+                </a:cubicBezTo>
+                <a:cubicBezTo>
+                  <a:pt x="774307" y="784928"/>
+                  <a:pt x="759992" y="819849"/>
+                  <a:pt x="745295" y="854514"/>
+                </a:cubicBezTo>
+                <a:cubicBezTo>
+                  <a:pt x="756682" y="845393"/>
+                  <a:pt x="765489" y="833492"/>
+                  <a:pt x="770857" y="819975"/>
+                </a:cubicBezTo>
+                <a:cubicBezTo>
+                  <a:pt x="879943" y="589569"/>
+                  <a:pt x="999605" y="365513"/>
+                  <a:pt x="1131329" y="148742"/>
+                </a:cubicBezTo>
+                <a:lnTo>
+                  <a:pt x="1227589" y="0"/>
+                </a:lnTo>
+                <a:lnTo>
+                  <a:pt x="6878775" y="0"/>
+                </a:lnTo>
+                <a:lnTo>
+                  <a:pt x="6878775" y="6858000"/>
+                </a:lnTo>
+                <a:lnTo>
+                  <a:pt x="713521" y="6858000"/>
+                </a:lnTo>
+                <a:lnTo>
+                  <a:pt x="625642" y="6670527"/>
+                </a:lnTo>
+                <a:cubicBezTo>
+                  <a:pt x="507232" y="6398531"/>
+                  <a:pt x="403083" y="6118381"/>
+                  <a:pt x="312785" y="5830359"/>
+                </a:cubicBezTo>
+                <a:cubicBezTo>
+                  <a:pt x="278149" y="5719759"/>
+                  <a:pt x="248879" y="5607635"/>
+                  <a:pt x="212198" y="5480401"/>
+                </a:cubicBezTo>
+                <a:cubicBezTo>
+                  <a:pt x="212208" y="5491601"/>
+                  <a:pt x="212803" y="5502788"/>
+                  <a:pt x="213988" y="5513923"/>
+                </a:cubicBezTo>
+                <a:cubicBezTo>
+                  <a:pt x="264089" y="5723695"/>
+                  <a:pt x="307290" y="5935370"/>
+                  <a:pt x="365826" y="6142729"/>
+                </a:cubicBezTo>
+                <a:cubicBezTo>
+                  <a:pt x="433152" y="6380817"/>
+                  <a:pt x="510068" y="6614016"/>
+                  <a:pt x="597975" y="6841549"/>
+                </a:cubicBezTo>
+                <a:lnTo>
+                  <a:pt x="604824" y="6858000"/>
+                </a:lnTo>
+                <a:lnTo>
+                  <a:pt x="552056" y="6858000"/>
+                </a:lnTo>
+                <a:lnTo>
+                  <a:pt x="539576" y="6828295"/>
+                </a:lnTo>
+                <a:cubicBezTo>
+                  <a:pt x="380597" y="6414594"/>
+                  <a:pt x="260223" y="5988893"/>
+                  <a:pt x="171555" y="5552906"/>
+                </a:cubicBezTo>
+                <a:cubicBezTo>
+                  <a:pt x="91163" y="5157998"/>
+                  <a:pt x="43746" y="4758899"/>
+                  <a:pt x="12305" y="4357388"/>
+                </a:cubicBezTo>
+                <a:cubicBezTo>
+                  <a:pt x="-14281" y="4013908"/>
+                  <a:pt x="4507" y="3672965"/>
+                  <a:pt x="46684" y="3331516"/>
+                </a:cubicBezTo>
+                <a:cubicBezTo>
+                  <a:pt x="127203" y="2664286"/>
+                  <a:pt x="277819" y="2007265"/>
+                  <a:pt x="496065" y="1371196"/>
+                </a:cubicBezTo>
+                <a:cubicBezTo>
+                  <a:pt x="636273" y="966066"/>
+                  <a:pt x="800445" y="573253"/>
+                  <a:pt x="995723" y="196614"/>
+                </a:cubicBezTo>
+                <a:close/>
+              </a:path>
+            </a:pathLst>
+          </a:custGeom>
+          <a:noFill/>
+          <a:extLst>
+            <a:ext uri="{909E8E84-426E-40DD-AFC4-6F175D3DCCD1}">
+              <a14:hiddenFill xmlns:a14="http://schemas.microsoft.com/office/drawing/2010/main">
+                <a:solidFill>
+                  <a:srgbClr val="FFFFFF"/>
+                </a:solidFill>
+              </a14:hiddenFill>
+            </a:ext>
+          </a:extLst>
+        </p:spPr>
+      </p:pic>
+    </p:spTree>
+    <p:extLst>
+      <p:ext uri="{BB962C8B-B14F-4D97-AF65-F5344CB8AC3E}">
+        <p14:creationId xmlns:p14="http://schemas.microsoft.com/office/powerpoint/2010/main" val="861689583"/>
+      </p:ext>
+    </p:extLst>
+  </p:cSld>
+  <p:clrMapOvr>
+    <a:masterClrMapping/>
+  </p:clrMapOvr>
+</p:sld>
+</file>
+
+<file path=ppt/slides/slide12.xml><?xml version="1.0" encoding="utf-8"?>
+<p:sld xmlns:a="http://schemas.openxmlformats.org/drawingml/2006/main" xmlns:r="http://schemas.openxmlformats.org/officeDocument/2006/relationships" xmlns:p="http://schemas.openxmlformats.org/presentationml/2006/main">
+  <p:cSld>
+    <p:bg>
+      <p:bgPr>
+        <a:solidFill>
+          <a:srgbClr val="000000"/>
+        </a:solidFill>
+        <a:effectLst/>
+      </p:bgPr>
+    </p:bg>
     <p:spTree>
       <p:nvGrpSpPr>
         <p:cNvPr id="1" name=""/>
@@ -3784,10 +5847,119 @@
       </p:grpSpPr>
       <p:sp>
         <p:nvSpPr>
+          <p:cNvPr id="10247" name="Rectangle 10246">
+            <a:extLst>
+              <a:ext uri="{FF2B5EF4-FFF2-40B4-BE49-F238E27FC236}">
+                <a16:creationId xmlns:a16="http://schemas.microsoft.com/office/drawing/2014/main" id="{71B2258F-86CA-4D4D-8270-BC05FCDEBFB3}"/>
+              </a:ext>
+              <a:ext uri="{C183D7F6-B498-43B3-948B-1728B52AA6E4}">
+                <adec:decorative xmlns:adec="http://schemas.microsoft.com/office/drawing/2017/decorative" val="1"/>
+              </a:ext>
+            </a:extLst>
+          </p:cNvPr>
+          <p:cNvSpPr>
+            <a:spLocks noGrp="1" noRot="1" noChangeAspect="1" noMove="1" noResize="1" noEditPoints="1" noAdjustHandles="1" noChangeArrowheads="1" noChangeShapeType="1" noTextEdit="1"/>
+          </p:cNvSpPr>
+          <p:nvPr>
+            <p:extLst>
+              <p:ext uri="{386F3935-93C4-4BCD-93E2-E3B085C9AB24}">
+                <p16:designElem xmlns:p16="http://schemas.microsoft.com/office/powerpoint/2015/main" val="1"/>
+              </p:ext>
+            </p:extLst>
+          </p:nvPr>
+        </p:nvSpPr>
+        <p:spPr>
+          <a:xfrm>
+            <a:off x="0" y="0"/>
+            <a:ext cx="12192000" cy="6857999"/>
+          </a:xfrm>
+          <a:prstGeom prst="rect">
+            <a:avLst/>
+          </a:prstGeom>
+          <a:solidFill>
+            <a:srgbClr val="000000"/>
+          </a:solidFill>
+          <a:ln>
+            <a:noFill/>
+          </a:ln>
+        </p:spPr>
+        <p:style>
+          <a:lnRef idx="2">
+            <a:schemeClr val="accent1">
+              <a:shade val="50000"/>
+            </a:schemeClr>
+          </a:lnRef>
+          <a:fillRef idx="1">
+            <a:schemeClr val="accent1"/>
+          </a:fillRef>
+          <a:effectRef idx="0">
+            <a:schemeClr val="accent1"/>
+          </a:effectRef>
+          <a:fontRef idx="minor">
+            <a:schemeClr val="lt1"/>
+          </a:fontRef>
+        </p:style>
+        <p:txBody>
+          <a:bodyPr rtlCol="0" anchor="ctr"/>
+          <a:lstStyle/>
+          <a:p>
+            <a:pPr algn="ctr"/>
+            <a:endParaRPr lang="en-US"/>
+          </a:p>
+        </p:txBody>
+      </p:sp>
+      <p:pic>
+        <p:nvPicPr>
+          <p:cNvPr id="10242" name="Picture 2" descr="Canary Wharf Wallpapers - Wallpaper Cave">
+            <a:extLst>
+              <a:ext uri="{FF2B5EF4-FFF2-40B4-BE49-F238E27FC236}">
+                <a16:creationId xmlns:a16="http://schemas.microsoft.com/office/drawing/2014/main" id="{B4EAFB5D-3667-0256-5104-157BA1C32F78}"/>
+              </a:ext>
+            </a:extLst>
+          </p:cNvPr>
+          <p:cNvPicPr>
+            <a:picLocks noChangeAspect="1" noChangeArrowheads="1"/>
+          </p:cNvPicPr>
+          <p:nvPr/>
+        </p:nvPicPr>
+        <p:blipFill>
+          <a:blip r:embed="rId2">
+            <a:alphaModFix amt="50000"/>
+            <a:extLst>
+              <a:ext uri="{28A0092B-C50C-407E-A947-70E740481C1C}">
+                <a14:useLocalDpi xmlns:a14="http://schemas.microsoft.com/office/drawing/2010/main" val="0"/>
+              </a:ext>
+            </a:extLst>
+          </a:blip>
+          <a:srcRect t="9682" b="15318"/>
+          <a:stretch/>
+        </p:blipFill>
+        <p:spPr bwMode="auto">
+          <a:xfrm>
+            <a:off x="20" y="1"/>
+            <a:ext cx="12191980" cy="6857999"/>
+          </a:xfrm>
+          <a:prstGeom prst="rect">
+            <a:avLst/>
+          </a:prstGeom>
+          <a:noFill/>
+          <a:extLst>
+            <a:ext uri="{909E8E84-426E-40DD-AFC4-6F175D3DCCD1}">
+              <a14:hiddenFill xmlns:a14="http://schemas.microsoft.com/office/drawing/2010/main">
+                <a:solidFill>
+                  <a:srgbClr val="FFFFFF"/>
+                </a:solidFill>
+              </a14:hiddenFill>
+            </a:ext>
+          </a:extLst>
+        </p:spPr>
+      </p:pic>
+      <p:sp>
+        <p:nvSpPr>
           <p:cNvPr id="2" name="Título 1">
             <a:extLst>
               <a:ext uri="{FF2B5EF4-FFF2-40B4-BE49-F238E27FC236}">
-                <a16:creationId xmlns:a16="http://schemas.microsoft.com/office/drawing/2014/main" id="{11925084-7F55-C7AB-CF97-DB0D4ED7A512}"/>
+                <a16:creationId xmlns:a16="http://schemas.microsoft.com/office/drawing/2014/main" id="{EACBABA5-A597-A7D0-5E20-E13917F686DB}"/>
               </a:ext>
             </a:extLst>
           </p:cNvPr>
@@ -3798,12 +5970,27 @@
             <p:ph type="title"/>
           </p:nvPr>
         </p:nvSpPr>
-        <p:spPr/>
+        <p:spPr>
+          <a:xfrm>
+            <a:off x="1524000" y="1122362"/>
+            <a:ext cx="9144000" cy="2900518"/>
+          </a:xfrm>
+        </p:spPr>
         <p:txBody>
-          <a:bodyPr/>
+          <a:bodyPr vert="horz" lIns="91440" tIns="45720" rIns="91440" bIns="45720" rtlCol="0" anchor="b">
+            <a:normAutofit/>
+          </a:bodyPr>
           <a:lstStyle/>
           <a:p>
-            <a:endParaRPr lang="es-ES" dirty="0"/>
+            <a:pPr algn="ctr"/>
+            <a:r>
+              <a:rPr lang="en-US" sz="6000">
+                <a:solidFill>
+                  <a:srgbClr val="FFFFFF"/>
+                </a:solidFill>
+              </a:rPr>
+              <a:t>Muchas gracias por vuestra atención!</a:t>
+            </a:r>
           </a:p>
         </p:txBody>
       </p:sp>
@@ -3812,7 +5999,7 @@
           <p:cNvPr id="3" name="Marcador de contenido 2">
             <a:extLst>
               <a:ext uri="{FF2B5EF4-FFF2-40B4-BE49-F238E27FC236}">
-                <a16:creationId xmlns:a16="http://schemas.microsoft.com/office/drawing/2014/main" id="{03127DA6-D210-7044-8CEA-2D55BA38DEA3}"/>
+                <a16:creationId xmlns:a16="http://schemas.microsoft.com/office/drawing/2014/main" id="{58C693F8-E03D-A789-DBFA-325AF39DC309}"/>
               </a:ext>
             </a:extLst>
           </p:cNvPr>
@@ -3825,22 +6012,823 @@
         </p:nvSpPr>
         <p:spPr>
           <a:xfrm>
-            <a:off x="838200" y="1807337"/>
-            <a:ext cx="10515600" cy="4351338"/>
+            <a:off x="1524000" y="4159404"/>
+            <a:ext cx="9144000" cy="1098395"/>
           </a:xfrm>
         </p:spPr>
         <p:txBody>
-          <a:bodyPr/>
+          <a:bodyPr vert="horz" lIns="91440" tIns="45720" rIns="91440" bIns="45720" rtlCol="0">
+            <a:normAutofit/>
+          </a:bodyPr>
           <a:lstStyle/>
           <a:p>
-            <a:endParaRPr lang="es-ES"/>
+            <a:pPr marL="0" indent="0" algn="ctr">
+              <a:buNone/>
+            </a:pPr>
+            <a:r>
+              <a:rPr lang="en-US" sz="2400" dirty="0">
+                <a:solidFill>
+                  <a:srgbClr val="FFFFFF"/>
+                </a:solidFill>
+              </a:rPr>
+              <a:t>Espero que </a:t>
+            </a:r>
+            <a:r>
+              <a:rPr lang="en-US" sz="2400" dirty="0" err="1">
+                <a:solidFill>
+                  <a:srgbClr val="FFFFFF"/>
+                </a:solidFill>
+              </a:rPr>
+              <a:t>os</a:t>
+            </a:r>
+            <a:r>
+              <a:rPr lang="en-US" sz="2400" dirty="0">
+                <a:solidFill>
+                  <a:srgbClr val="FFFFFF"/>
+                </a:solidFill>
+              </a:rPr>
+              <a:t> </a:t>
+            </a:r>
+            <a:r>
+              <a:rPr lang="en-US" sz="2400" dirty="0" err="1">
+                <a:solidFill>
+                  <a:srgbClr val="FFFFFF"/>
+                </a:solidFill>
+              </a:rPr>
+              <a:t>haya</a:t>
+            </a:r>
+            <a:r>
+              <a:rPr lang="en-US" sz="2400" dirty="0">
+                <a:solidFill>
+                  <a:srgbClr val="FFFFFF"/>
+                </a:solidFill>
+              </a:rPr>
+              <a:t> </a:t>
+            </a:r>
+            <a:r>
+              <a:rPr lang="en-US" sz="2400" dirty="0" err="1">
+                <a:solidFill>
+                  <a:srgbClr val="FFFFFF"/>
+                </a:solidFill>
+              </a:rPr>
+              <a:t>parecido</a:t>
+            </a:r>
+            <a:r>
+              <a:rPr lang="en-US" sz="2400" dirty="0">
+                <a:solidFill>
+                  <a:srgbClr val="FFFFFF"/>
+                </a:solidFill>
+              </a:rPr>
+              <a:t> </a:t>
+            </a:r>
+            <a:r>
+              <a:rPr lang="en-US" sz="2400" dirty="0" err="1">
+                <a:solidFill>
+                  <a:srgbClr val="FFFFFF"/>
+                </a:solidFill>
+              </a:rPr>
+              <a:t>interesante</a:t>
+            </a:r>
+            <a:r>
+              <a:rPr lang="en-US" sz="2400" dirty="0">
+                <a:solidFill>
+                  <a:srgbClr val="FFFFFF"/>
+                </a:solidFill>
+              </a:rPr>
+              <a:t> la </a:t>
+            </a:r>
+            <a:r>
+              <a:rPr lang="en-US" sz="2400" dirty="0" err="1">
+                <a:solidFill>
+                  <a:srgbClr val="FFFFFF"/>
+                </a:solidFill>
+              </a:rPr>
+              <a:t>presentacion</a:t>
+            </a:r>
+            <a:endParaRPr lang="en-US" sz="2400" dirty="0">
+              <a:solidFill>
+                <a:srgbClr val="FFFFFF"/>
+              </a:solidFill>
+            </a:endParaRPr>
           </a:p>
         </p:txBody>
       </p:sp>
     </p:spTree>
     <p:extLst>
       <p:ext uri="{BB962C8B-B14F-4D97-AF65-F5344CB8AC3E}">
-        <p14:creationId xmlns:p14="http://schemas.microsoft.com/office/powerpoint/2010/main" val="2354121283"/>
+        <p14:creationId xmlns:p14="http://schemas.microsoft.com/office/powerpoint/2010/main" val="2329765686"/>
+      </p:ext>
+    </p:extLst>
+  </p:cSld>
+  <p:clrMapOvr>
+    <a:overrideClrMapping bg1="dk1" tx1="lt1" bg2="dk2" tx2="lt2" accent1="accent1" accent2="accent2" accent3="accent3" accent4="accent4" accent5="accent5" accent6="accent6" hlink="hlink" folHlink="folHlink"/>
+  </p:clrMapOvr>
+  <p:timing>
+    <p:tnLst>
+      <p:par>
+        <p:cTn id="1" dur="indefinite" restart="never" nodeType="tmRoot">
+          <p:childTnLst>
+            <p:seq concurrent="1" nextAc="seek">
+              <p:cTn id="2" dur="indefinite" nodeType="mainSeq">
+                <p:childTnLst>
+                  <p:par>
+                    <p:cTn id="3" fill="hold">
+                      <p:stCondLst>
+                        <p:cond delay="indefinite"/>
+                        <p:cond evt="onBegin" delay="0">
+                          <p:tn val="2"/>
+                        </p:cond>
+                      </p:stCondLst>
+                      <p:childTnLst>
+                        <p:par>
+                          <p:cTn id="4" fill="hold">
+                            <p:stCondLst>
+                              <p:cond delay="0"/>
+                            </p:stCondLst>
+                            <p:childTnLst>
+                              <p:par>
+                                <p:cTn id="5" presetID="10" presetClass="entr" presetSubtype="0" fill="hold" grpId="0" nodeType="withEffect">
+                                  <p:stCondLst>
+                                    <p:cond delay="1000"/>
+                                  </p:stCondLst>
+                                  <p:iterate>
+                                    <p:tmPct val="10000"/>
+                                  </p:iterate>
+                                  <p:childTnLst>
+                                    <p:set>
+                                      <p:cBhvr>
+                                        <p:cTn id="6" dur="1" fill="hold">
+                                          <p:stCondLst>
+                                            <p:cond delay="0"/>
+                                          </p:stCondLst>
+                                        </p:cTn>
+                                        <p:tgtEl>
+                                          <p:spTgt spid="2"/>
+                                        </p:tgtEl>
+                                        <p:attrNameLst>
+                                          <p:attrName>style.visibility</p:attrName>
+                                        </p:attrNameLst>
+                                      </p:cBhvr>
+                                      <p:to>
+                                        <p:strVal val="visible"/>
+                                      </p:to>
+                                    </p:set>
+                                    <p:animEffect transition="in" filter="fade">
+                                      <p:cBhvr>
+                                        <p:cTn id="7" dur="700"/>
+                                        <p:tgtEl>
+                                          <p:spTgt spid="2"/>
+                                        </p:tgtEl>
+                                      </p:cBhvr>
+                                    </p:animEffect>
+                                  </p:childTnLst>
+                                </p:cTn>
+                              </p:par>
+                            </p:childTnLst>
+                          </p:cTn>
+                        </p:par>
+                      </p:childTnLst>
+                    </p:cTn>
+                  </p:par>
+                </p:childTnLst>
+              </p:cTn>
+              <p:prevCondLst>
+                <p:cond evt="onPrev" delay="0">
+                  <p:tgtEl>
+                    <p:sldTgt/>
+                  </p:tgtEl>
+                </p:cond>
+              </p:prevCondLst>
+              <p:nextCondLst>
+                <p:cond evt="onNext" delay="0">
+                  <p:tgtEl>
+                    <p:sldTgt/>
+                  </p:tgtEl>
+                </p:cond>
+              </p:nextCondLst>
+            </p:seq>
+          </p:childTnLst>
+        </p:cTn>
+      </p:par>
+    </p:tnLst>
+    <p:bldLst>
+      <p:bldP spid="2" grpId="0"/>
+    </p:bldLst>
+  </p:timing>
+</p:sld>
+</file>
+
+<file path=ppt/slides/slide2.xml><?xml version="1.0" encoding="utf-8"?>
+<p:sld xmlns:a="http://schemas.openxmlformats.org/drawingml/2006/main" xmlns:r="http://schemas.openxmlformats.org/officeDocument/2006/relationships" xmlns:p="http://schemas.openxmlformats.org/presentationml/2006/main">
+  <p:cSld>
+    <p:bg>
+      <p:bgPr>
+        <a:solidFill>
+          <a:schemeClr val="bg1"/>
+        </a:solidFill>
+        <a:effectLst/>
+      </p:bgPr>
+    </p:bg>
+    <p:spTree>
+      <p:nvGrpSpPr>
+        <p:cNvPr id="1" name=""/>
+        <p:cNvGrpSpPr/>
+        <p:nvPr/>
+      </p:nvGrpSpPr>
+      <p:grpSpPr>
+        <a:xfrm>
+          <a:off x="0" y="0"/>
+          <a:ext cx="0" cy="0"/>
+          <a:chOff x="0" y="0"/>
+          <a:chExt cx="0" cy="0"/>
+        </a:xfrm>
+      </p:grpSpPr>
+      <p:sp useBgFill="1">
+        <p:nvSpPr>
+          <p:cNvPr id="2058" name="Rectangle 2054">
+            <a:extLst>
+              <a:ext uri="{FF2B5EF4-FFF2-40B4-BE49-F238E27FC236}">
+                <a16:creationId xmlns:a16="http://schemas.microsoft.com/office/drawing/2014/main" id="{F13C74B1-5B17-4795-BED0-7140497B445A}"/>
+              </a:ext>
+              <a:ext uri="{C183D7F6-B498-43B3-948B-1728B52AA6E4}">
+                <adec:decorative xmlns:adec="http://schemas.microsoft.com/office/drawing/2017/decorative" val="1"/>
+              </a:ext>
+            </a:extLst>
+          </p:cNvPr>
+          <p:cNvSpPr>
+            <a:spLocks noGrp="1" noRot="1" noChangeAspect="1" noMove="1" noResize="1" noEditPoints="1" noAdjustHandles="1" noChangeArrowheads="1" noChangeShapeType="1" noTextEdit="1"/>
+          </p:cNvSpPr>
+          <p:nvPr>
+            <p:extLst>
+              <p:ext uri="{386F3935-93C4-4BCD-93E2-E3B085C9AB24}">
+                <p16:designElem xmlns:p16="http://schemas.microsoft.com/office/powerpoint/2015/main" val="1"/>
+              </p:ext>
+            </p:extLst>
+          </p:nvPr>
+        </p:nvSpPr>
+        <p:spPr>
+          <a:xfrm>
+            <a:off x="0" y="0"/>
+            <a:ext cx="12188952" cy="6858000"/>
+          </a:xfrm>
+          <a:prstGeom prst="rect">
+            <a:avLst/>
+          </a:prstGeom>
+          <a:ln>
+            <a:noFill/>
+          </a:ln>
+        </p:spPr>
+        <p:style>
+          <a:lnRef idx="2">
+            <a:schemeClr val="accent1">
+              <a:shade val="50000"/>
+            </a:schemeClr>
+          </a:lnRef>
+          <a:fillRef idx="1">
+            <a:schemeClr val="accent1"/>
+          </a:fillRef>
+          <a:effectRef idx="0">
+            <a:schemeClr val="accent1"/>
+          </a:effectRef>
+          <a:fontRef idx="minor">
+            <a:schemeClr val="lt1"/>
+          </a:fontRef>
+        </p:style>
+        <p:txBody>
+          <a:bodyPr rtlCol="0" anchor="ctr"/>
+          <a:lstStyle/>
+          <a:p>
+            <a:pPr algn="ctr"/>
+            <a:endParaRPr lang="en-US"/>
+          </a:p>
+        </p:txBody>
+      </p:sp>
+      <p:sp>
+        <p:nvSpPr>
+          <p:cNvPr id="2" name="Título 1">
+            <a:extLst>
+              <a:ext uri="{FF2B5EF4-FFF2-40B4-BE49-F238E27FC236}">
+                <a16:creationId xmlns:a16="http://schemas.microsoft.com/office/drawing/2014/main" id="{8DE7623E-BE13-C1D6-D06E-9143662B8ECC}"/>
+              </a:ext>
+            </a:extLst>
+          </p:cNvPr>
+          <p:cNvSpPr>
+            <a:spLocks noGrp="1"/>
+          </p:cNvSpPr>
+          <p:nvPr>
+            <p:ph type="title"/>
+          </p:nvPr>
+        </p:nvSpPr>
+        <p:spPr>
+          <a:xfrm>
+            <a:off x="95250" y="1246085"/>
+            <a:ext cx="6227446" cy="1073292"/>
+          </a:xfrm>
+        </p:spPr>
+        <p:txBody>
+          <a:bodyPr anchor="b">
+            <a:normAutofit/>
+          </a:bodyPr>
+          <a:lstStyle/>
+          <a:p>
+            <a:r>
+              <a:rPr lang="es-ES" sz="4800" b="1" dirty="0"/>
+              <a:t>Principal motivación </a:t>
+            </a:r>
+          </a:p>
+        </p:txBody>
+      </p:sp>
+      <p:sp>
+        <p:nvSpPr>
+          <p:cNvPr id="2057" name="sketchy line">
+            <a:extLst>
+              <a:ext uri="{FF2B5EF4-FFF2-40B4-BE49-F238E27FC236}">
+                <a16:creationId xmlns:a16="http://schemas.microsoft.com/office/drawing/2014/main" id="{D4974D33-8DC5-464E-8C6D-BE58F0669C17}"/>
+              </a:ext>
+              <a:ext uri="{C183D7F6-B498-43B3-948B-1728B52AA6E4}">
+                <adec:decorative xmlns:adec="http://schemas.microsoft.com/office/drawing/2017/decorative" val="1"/>
+              </a:ext>
+            </a:extLst>
+          </p:cNvPr>
+          <p:cNvSpPr>
+            <a:spLocks noGrp="1" noRot="1" noChangeAspect="1" noMove="1" noResize="1" noEditPoints="1" noAdjustHandles="1" noChangeArrowheads="1" noChangeShapeType="1" noTextEdit="1"/>
+          </p:cNvSpPr>
+          <p:nvPr>
+            <p:extLst>
+              <p:ext uri="{386F3935-93C4-4BCD-93E2-E3B085C9AB24}">
+                <p16:designElem xmlns:p16="http://schemas.microsoft.com/office/powerpoint/2015/main" val="1"/>
+              </p:ext>
+            </p:extLst>
+          </p:nvPr>
+        </p:nvSpPr>
+        <p:spPr>
+          <a:xfrm>
+            <a:off x="640080" y="2586994"/>
+            <a:ext cx="3474720" cy="18288"/>
+          </a:xfrm>
+          <a:custGeom>
+            <a:avLst/>
+            <a:gdLst>
+              <a:gd name="connsiteX0" fmla="*/ 0 w 3474720"/>
+              <a:gd name="connsiteY0" fmla="*/ 0 h 18288"/>
+              <a:gd name="connsiteX1" fmla="*/ 694944 w 3474720"/>
+              <a:gd name="connsiteY1" fmla="*/ 0 h 18288"/>
+              <a:gd name="connsiteX2" fmla="*/ 1355141 w 3474720"/>
+              <a:gd name="connsiteY2" fmla="*/ 0 h 18288"/>
+              <a:gd name="connsiteX3" fmla="*/ 2015338 w 3474720"/>
+              <a:gd name="connsiteY3" fmla="*/ 0 h 18288"/>
+              <a:gd name="connsiteX4" fmla="*/ 2779776 w 3474720"/>
+              <a:gd name="connsiteY4" fmla="*/ 0 h 18288"/>
+              <a:gd name="connsiteX5" fmla="*/ 3474720 w 3474720"/>
+              <a:gd name="connsiteY5" fmla="*/ 0 h 18288"/>
+              <a:gd name="connsiteX6" fmla="*/ 3474720 w 3474720"/>
+              <a:gd name="connsiteY6" fmla="*/ 18288 h 18288"/>
+              <a:gd name="connsiteX7" fmla="*/ 2779776 w 3474720"/>
+              <a:gd name="connsiteY7" fmla="*/ 18288 h 18288"/>
+              <a:gd name="connsiteX8" fmla="*/ 2189074 w 3474720"/>
+              <a:gd name="connsiteY8" fmla="*/ 18288 h 18288"/>
+              <a:gd name="connsiteX9" fmla="*/ 1528877 w 3474720"/>
+              <a:gd name="connsiteY9" fmla="*/ 18288 h 18288"/>
+              <a:gd name="connsiteX10" fmla="*/ 868680 w 3474720"/>
+              <a:gd name="connsiteY10" fmla="*/ 18288 h 18288"/>
+              <a:gd name="connsiteX11" fmla="*/ 0 w 3474720"/>
+              <a:gd name="connsiteY11" fmla="*/ 18288 h 18288"/>
+              <a:gd name="connsiteX12" fmla="*/ 0 w 3474720"/>
+              <a:gd name="connsiteY12" fmla="*/ 0 h 18288"/>
+            </a:gdLst>
+            <a:ahLst/>
+            <a:cxnLst>
+              <a:cxn ang="0">
+                <a:pos x="connsiteX0" y="connsiteY0"/>
+              </a:cxn>
+              <a:cxn ang="0">
+                <a:pos x="connsiteX1" y="connsiteY1"/>
+              </a:cxn>
+              <a:cxn ang="0">
+                <a:pos x="connsiteX2" y="connsiteY2"/>
+              </a:cxn>
+              <a:cxn ang="0">
+                <a:pos x="connsiteX3" y="connsiteY3"/>
+              </a:cxn>
+              <a:cxn ang="0">
+                <a:pos x="connsiteX4" y="connsiteY4"/>
+              </a:cxn>
+              <a:cxn ang="0">
+                <a:pos x="connsiteX5" y="connsiteY5"/>
+              </a:cxn>
+              <a:cxn ang="0">
+                <a:pos x="connsiteX6" y="connsiteY6"/>
+              </a:cxn>
+              <a:cxn ang="0">
+                <a:pos x="connsiteX7" y="connsiteY7"/>
+              </a:cxn>
+              <a:cxn ang="0">
+                <a:pos x="connsiteX8" y="connsiteY8"/>
+              </a:cxn>
+              <a:cxn ang="0">
+                <a:pos x="connsiteX9" y="connsiteY9"/>
+              </a:cxn>
+              <a:cxn ang="0">
+                <a:pos x="connsiteX10" y="connsiteY10"/>
+              </a:cxn>
+              <a:cxn ang="0">
+                <a:pos x="connsiteX11" y="connsiteY11"/>
+              </a:cxn>
+              <a:cxn ang="0">
+                <a:pos x="connsiteX12" y="connsiteY12"/>
+              </a:cxn>
+            </a:cxnLst>
+            <a:rect l="l" t="t" r="r" b="b"/>
+            <a:pathLst>
+              <a:path w="3474720" h="18288" fill="none" extrusionOk="0">
+                <a:moveTo>
+                  <a:pt x="0" y="0"/>
+                </a:moveTo>
+                <a:cubicBezTo>
+                  <a:pt x="224454" y="-14544"/>
+                  <a:pt x="495407" y="26540"/>
+                  <a:pt x="694944" y="0"/>
+                </a:cubicBezTo>
+                <a:cubicBezTo>
+                  <a:pt x="894481" y="-26540"/>
+                  <a:pt x="1130063" y="24713"/>
+                  <a:pt x="1355141" y="0"/>
+                </a:cubicBezTo>
+                <a:cubicBezTo>
+                  <a:pt x="1580219" y="-24713"/>
+                  <a:pt x="1820099" y="26695"/>
+                  <a:pt x="2015338" y="0"/>
+                </a:cubicBezTo>
+                <a:cubicBezTo>
+                  <a:pt x="2210577" y="-26695"/>
+                  <a:pt x="2402045" y="165"/>
+                  <a:pt x="2779776" y="0"/>
+                </a:cubicBezTo>
+                <a:cubicBezTo>
+                  <a:pt x="3157507" y="-165"/>
+                  <a:pt x="3286859" y="-15571"/>
+                  <a:pt x="3474720" y="0"/>
+                </a:cubicBezTo>
+                <a:cubicBezTo>
+                  <a:pt x="3474286" y="7551"/>
+                  <a:pt x="3474253" y="9822"/>
+                  <a:pt x="3474720" y="18288"/>
+                </a:cubicBezTo>
+                <a:cubicBezTo>
+                  <a:pt x="3233904" y="29845"/>
+                  <a:pt x="2945134" y="-5256"/>
+                  <a:pt x="2779776" y="18288"/>
+                </a:cubicBezTo>
+                <a:cubicBezTo>
+                  <a:pt x="2614418" y="41832"/>
+                  <a:pt x="2339768" y="22709"/>
+                  <a:pt x="2189074" y="18288"/>
+                </a:cubicBezTo>
+                <a:cubicBezTo>
+                  <a:pt x="2038380" y="13867"/>
+                  <a:pt x="1817434" y="-4947"/>
+                  <a:pt x="1528877" y="18288"/>
+                </a:cubicBezTo>
+                <a:cubicBezTo>
+                  <a:pt x="1240320" y="41523"/>
+                  <a:pt x="1042447" y="37198"/>
+                  <a:pt x="868680" y="18288"/>
+                </a:cubicBezTo>
+                <a:cubicBezTo>
+                  <a:pt x="694913" y="-622"/>
+                  <a:pt x="233232" y="44909"/>
+                  <a:pt x="0" y="18288"/>
+                </a:cubicBezTo>
+                <a:cubicBezTo>
+                  <a:pt x="60" y="11696"/>
+                  <a:pt x="66" y="3758"/>
+                  <a:pt x="0" y="0"/>
+                </a:cubicBezTo>
+                <a:close/>
+              </a:path>
+              <a:path w="3474720" h="18288" stroke="0" extrusionOk="0">
+                <a:moveTo>
+                  <a:pt x="0" y="0"/>
+                </a:moveTo>
+                <a:cubicBezTo>
+                  <a:pt x="202328" y="-14716"/>
+                  <a:pt x="332722" y="-11499"/>
+                  <a:pt x="625450" y="0"/>
+                </a:cubicBezTo>
+                <a:cubicBezTo>
+                  <a:pt x="918178" y="11499"/>
+                  <a:pt x="1096688" y="5123"/>
+                  <a:pt x="1389888" y="0"/>
+                </a:cubicBezTo>
+                <a:cubicBezTo>
+                  <a:pt x="1683088" y="-5123"/>
+                  <a:pt x="1835981" y="-14038"/>
+                  <a:pt x="1980590" y="0"/>
+                </a:cubicBezTo>
+                <a:cubicBezTo>
+                  <a:pt x="2125199" y="14038"/>
+                  <a:pt x="2396099" y="-7203"/>
+                  <a:pt x="2571293" y="0"/>
+                </a:cubicBezTo>
+                <a:cubicBezTo>
+                  <a:pt x="2746487" y="7203"/>
+                  <a:pt x="3041609" y="-12036"/>
+                  <a:pt x="3474720" y="0"/>
+                </a:cubicBezTo>
+                <a:cubicBezTo>
+                  <a:pt x="3474638" y="4406"/>
+                  <a:pt x="3474631" y="9982"/>
+                  <a:pt x="3474720" y="18288"/>
+                </a:cubicBezTo>
+                <a:cubicBezTo>
+                  <a:pt x="3324873" y="21876"/>
+                  <a:pt x="3136771" y="12587"/>
+                  <a:pt x="2814523" y="18288"/>
+                </a:cubicBezTo>
+                <a:cubicBezTo>
+                  <a:pt x="2492275" y="23989"/>
+                  <a:pt x="2294402" y="47111"/>
+                  <a:pt x="2154326" y="18288"/>
+                </a:cubicBezTo>
+                <a:cubicBezTo>
+                  <a:pt x="2014250" y="-10535"/>
+                  <a:pt x="1820317" y="33903"/>
+                  <a:pt x="1494130" y="18288"/>
+                </a:cubicBezTo>
+                <a:cubicBezTo>
+                  <a:pt x="1167943" y="2673"/>
+                  <a:pt x="948432" y="14868"/>
+                  <a:pt x="729691" y="18288"/>
+                </a:cubicBezTo>
+                <a:cubicBezTo>
+                  <a:pt x="510950" y="21708"/>
+                  <a:pt x="264032" y="24354"/>
+                  <a:pt x="0" y="18288"/>
+                </a:cubicBezTo>
+                <a:cubicBezTo>
+                  <a:pt x="189" y="14288"/>
+                  <a:pt x="-703" y="3747"/>
+                  <a:pt x="0" y="0"/>
+                </a:cubicBezTo>
+                <a:close/>
+              </a:path>
+            </a:pathLst>
+          </a:custGeom>
+          <a:solidFill>
+            <a:schemeClr val="accent2"/>
+          </a:solidFill>
+          <a:ln w="44450" cap="rnd">
+            <a:solidFill>
+              <a:schemeClr val="accent2"/>
+            </a:solidFill>
+            <a:round/>
+            <a:extLst>
+              <a:ext uri="{C807C97D-BFC1-408E-A445-0C87EB9F89A2}">
+                <ask:lineSketchStyleProps xmlns:ask="http://schemas.microsoft.com/office/drawing/2018/sketchyshapes" sd="2863741219">
+                  <a:prstGeom prst="rect">
+                    <a:avLst/>
+                  </a:prstGeom>
+                  <ask:type>
+                    <ask:lineSketchFreehand/>
+                  </ask:type>
+                </ask:lineSketchStyleProps>
+              </a:ext>
+            </a:extLst>
+          </a:ln>
+        </p:spPr>
+        <p:style>
+          <a:lnRef idx="2">
+            <a:schemeClr val="accent1">
+              <a:shade val="50000"/>
+            </a:schemeClr>
+          </a:lnRef>
+          <a:fillRef idx="1">
+            <a:schemeClr val="accent1"/>
+          </a:fillRef>
+          <a:effectRef idx="0">
+            <a:schemeClr val="accent1"/>
+          </a:effectRef>
+          <a:fontRef idx="minor">
+            <a:schemeClr val="lt1"/>
+          </a:fontRef>
+        </p:style>
+        <p:txBody>
+          <a:bodyPr rtlCol="0" anchor="ctr"/>
+          <a:lstStyle/>
+          <a:p>
+            <a:pPr algn="ctr"/>
+            <a:endParaRPr lang="en-US"/>
+          </a:p>
+        </p:txBody>
+      </p:sp>
+      <p:sp>
+        <p:nvSpPr>
+          <p:cNvPr id="3" name="Marcador de contenido 2">
+            <a:extLst>
+              <a:ext uri="{FF2B5EF4-FFF2-40B4-BE49-F238E27FC236}">
+                <a16:creationId xmlns:a16="http://schemas.microsoft.com/office/drawing/2014/main" id="{86995330-3B92-A34D-7257-56C015A9EE26}"/>
+              </a:ext>
+            </a:extLst>
+          </p:cNvPr>
+          <p:cNvSpPr>
+            <a:spLocks noGrp="1"/>
+          </p:cNvSpPr>
+          <p:nvPr>
+            <p:ph idx="1"/>
+          </p:nvPr>
+        </p:nvSpPr>
+        <p:spPr>
+          <a:xfrm>
+            <a:off x="640080" y="2872899"/>
+            <a:ext cx="4284345" cy="3320668"/>
+          </a:xfrm>
+        </p:spPr>
+        <p:txBody>
+          <a:bodyPr>
+            <a:normAutofit/>
+          </a:bodyPr>
+          <a:lstStyle/>
+          <a:p>
+            <a:r>
+              <a:rPr lang="es-ES" sz="2200" dirty="0"/>
+              <a:t>Todos alguna vez pediremos algún préstamo (casa, coche,…)</a:t>
+            </a:r>
+          </a:p>
+          <a:p>
+            <a:r>
+              <a:rPr lang="es-ES" sz="2200" dirty="0"/>
+              <a:t>Entender con que criterios toman decisiones los bancos </a:t>
+            </a:r>
+          </a:p>
+          <a:p>
+            <a:r>
+              <a:rPr lang="es-ES" sz="2200" dirty="0"/>
+              <a:t>Conocimiento mínimo personal para un futuro entender mejor los créditos </a:t>
+            </a:r>
+          </a:p>
+        </p:txBody>
+      </p:sp>
+      <p:pic>
+        <p:nvPicPr>
+          <p:cNvPr id="2050" name="Picture 2" descr="Pólizas de crédito: qué son y cuándo prescriben - LTA">
+            <a:extLst>
+              <a:ext uri="{FF2B5EF4-FFF2-40B4-BE49-F238E27FC236}">
+                <a16:creationId xmlns:a16="http://schemas.microsoft.com/office/drawing/2014/main" id="{5BBA06AC-966B-50B8-A4A6-9882622E477F}"/>
+              </a:ext>
+            </a:extLst>
+          </p:cNvPr>
+          <p:cNvPicPr>
+            <a:picLocks noChangeAspect="1" noChangeArrowheads="1"/>
+          </p:cNvPicPr>
+          <p:nvPr/>
+        </p:nvPicPr>
+        <p:blipFill>
+          <a:blip r:embed="rId2">
+            <a:extLst>
+              <a:ext uri="{28A0092B-C50C-407E-A947-70E740481C1C}">
+                <a14:useLocalDpi xmlns:a14="http://schemas.microsoft.com/office/drawing/2010/main" val="0"/>
+              </a:ext>
+            </a:extLst>
+          </a:blip>
+          <a:srcRect l="18091" r="19220"/>
+          <a:stretch/>
+        </p:blipFill>
+        <p:spPr bwMode="auto">
+          <a:xfrm>
+            <a:off x="5311702" y="10"/>
+            <a:ext cx="6878775" cy="6857990"/>
+          </a:xfrm>
+          <a:custGeom>
+            <a:avLst/>
+            <a:gdLst/>
+            <a:ahLst/>
+            <a:cxnLst/>
+            <a:rect l="l" t="t" r="r" b="b"/>
+            <a:pathLst>
+              <a:path w="6878775" h="6858000">
+                <a:moveTo>
+                  <a:pt x="1102973" y="0"/>
+                </a:moveTo>
+                <a:lnTo>
+                  <a:pt x="1160688" y="0"/>
+                </a:lnTo>
+                <a:lnTo>
+                  <a:pt x="983189" y="331786"/>
+                </a:lnTo>
+                <a:cubicBezTo>
+                  <a:pt x="914866" y="469145"/>
+                  <a:pt x="850355" y="608712"/>
+                  <a:pt x="789261" y="750263"/>
+                </a:cubicBezTo>
+                <a:cubicBezTo>
+                  <a:pt x="774307" y="784928"/>
+                  <a:pt x="759992" y="819849"/>
+                  <a:pt x="745295" y="854514"/>
+                </a:cubicBezTo>
+                <a:cubicBezTo>
+                  <a:pt x="756682" y="845393"/>
+                  <a:pt x="765489" y="833492"/>
+                  <a:pt x="770857" y="819975"/>
+                </a:cubicBezTo>
+                <a:cubicBezTo>
+                  <a:pt x="879943" y="589569"/>
+                  <a:pt x="999605" y="365513"/>
+                  <a:pt x="1131329" y="148742"/>
+                </a:cubicBezTo>
+                <a:lnTo>
+                  <a:pt x="1227589" y="0"/>
+                </a:lnTo>
+                <a:lnTo>
+                  <a:pt x="6878775" y="0"/>
+                </a:lnTo>
+                <a:lnTo>
+                  <a:pt x="6878775" y="6858000"/>
+                </a:lnTo>
+                <a:lnTo>
+                  <a:pt x="713521" y="6858000"/>
+                </a:lnTo>
+                <a:lnTo>
+                  <a:pt x="625642" y="6670527"/>
+                </a:lnTo>
+                <a:cubicBezTo>
+                  <a:pt x="507232" y="6398531"/>
+                  <a:pt x="403083" y="6118381"/>
+                  <a:pt x="312785" y="5830359"/>
+                </a:cubicBezTo>
+                <a:cubicBezTo>
+                  <a:pt x="278149" y="5719759"/>
+                  <a:pt x="248879" y="5607635"/>
+                  <a:pt x="212198" y="5480401"/>
+                </a:cubicBezTo>
+                <a:cubicBezTo>
+                  <a:pt x="212208" y="5491601"/>
+                  <a:pt x="212803" y="5502788"/>
+                  <a:pt x="213988" y="5513923"/>
+                </a:cubicBezTo>
+                <a:cubicBezTo>
+                  <a:pt x="264089" y="5723695"/>
+                  <a:pt x="307290" y="5935370"/>
+                  <a:pt x="365826" y="6142729"/>
+                </a:cubicBezTo>
+                <a:cubicBezTo>
+                  <a:pt x="433152" y="6380817"/>
+                  <a:pt x="510068" y="6614016"/>
+                  <a:pt x="597975" y="6841549"/>
+                </a:cubicBezTo>
+                <a:lnTo>
+                  <a:pt x="604824" y="6858000"/>
+                </a:lnTo>
+                <a:lnTo>
+                  <a:pt x="552056" y="6858000"/>
+                </a:lnTo>
+                <a:lnTo>
+                  <a:pt x="539576" y="6828295"/>
+                </a:lnTo>
+                <a:cubicBezTo>
+                  <a:pt x="380597" y="6414594"/>
+                  <a:pt x="260223" y="5988893"/>
+                  <a:pt x="171555" y="5552906"/>
+                </a:cubicBezTo>
+                <a:cubicBezTo>
+                  <a:pt x="91163" y="5157998"/>
+                  <a:pt x="43746" y="4758899"/>
+                  <a:pt x="12305" y="4357388"/>
+                </a:cubicBezTo>
+                <a:cubicBezTo>
+                  <a:pt x="-14281" y="4013908"/>
+                  <a:pt x="4507" y="3672965"/>
+                  <a:pt x="46684" y="3331516"/>
+                </a:cubicBezTo>
+                <a:cubicBezTo>
+                  <a:pt x="127203" y="2664286"/>
+                  <a:pt x="277819" y="2007265"/>
+                  <a:pt x="496065" y="1371196"/>
+                </a:cubicBezTo>
+                <a:cubicBezTo>
+                  <a:pt x="636273" y="966066"/>
+                  <a:pt x="800445" y="573253"/>
+                  <a:pt x="995723" y="196614"/>
+                </a:cubicBezTo>
+                <a:close/>
+              </a:path>
+            </a:pathLst>
+          </a:custGeom>
+          <a:noFill/>
+          <a:extLst>
+            <a:ext uri="{909E8E84-426E-40DD-AFC4-6F175D3DCCD1}">
+              <a14:hiddenFill xmlns:a14="http://schemas.microsoft.com/office/drawing/2010/main">
+                <a:solidFill>
+                  <a:srgbClr val="FFFFFF"/>
+                </a:solidFill>
+              </a14:hiddenFill>
+            </a:ext>
+          </a:extLst>
+        </p:spPr>
+      </p:pic>
+    </p:spTree>
+    <p:extLst>
+      <p:ext uri="{BB962C8B-B14F-4D97-AF65-F5344CB8AC3E}">
+        <p14:creationId xmlns:p14="http://schemas.microsoft.com/office/powerpoint/2010/main" val="4008808226"/>
       </p:ext>
     </p:extLst>
   </p:cSld>
@@ -3850,9 +6838,1381 @@
 </p:sld>
 </file>
 
-<file path=ppt/slides/slide2.xml><?xml version="1.0" encoding="utf-8"?>
+<file path=ppt/slides/slide3.xml><?xml version="1.0" encoding="utf-8"?>
 <p:sld xmlns:a="http://schemas.openxmlformats.org/drawingml/2006/main" xmlns:r="http://schemas.openxmlformats.org/officeDocument/2006/relationships" xmlns:p="http://schemas.openxmlformats.org/presentationml/2006/main">
   <p:cSld>
+    <p:bg>
+      <p:bgPr>
+        <a:solidFill>
+          <a:schemeClr val="bg1"/>
+        </a:solidFill>
+        <a:effectLst/>
+      </p:bgPr>
+    </p:bg>
+    <p:spTree>
+      <p:nvGrpSpPr>
+        <p:cNvPr id="1" name=""/>
+        <p:cNvGrpSpPr/>
+        <p:nvPr/>
+      </p:nvGrpSpPr>
+      <p:grpSpPr>
+        <a:xfrm>
+          <a:off x="0" y="0"/>
+          <a:ext cx="0" cy="0"/>
+          <a:chOff x="0" y="0"/>
+          <a:chExt cx="0" cy="0"/>
+        </a:xfrm>
+      </p:grpSpPr>
+      <p:sp useBgFill="1">
+        <p:nvSpPr>
+          <p:cNvPr id="3089" name="Rectangle 3084">
+            <a:extLst>
+              <a:ext uri="{FF2B5EF4-FFF2-40B4-BE49-F238E27FC236}">
+                <a16:creationId xmlns:a16="http://schemas.microsoft.com/office/drawing/2014/main" id="{04812C46-200A-4DEB-A05E-3ED6C68C2387}"/>
+              </a:ext>
+              <a:ext uri="{C183D7F6-B498-43B3-948B-1728B52AA6E4}">
+                <adec:decorative xmlns:adec="http://schemas.microsoft.com/office/drawing/2017/decorative" val="1"/>
+              </a:ext>
+            </a:extLst>
+          </p:cNvPr>
+          <p:cNvSpPr>
+            <a:spLocks noGrp="1" noRot="1" noChangeAspect="1" noMove="1" noResize="1" noEditPoints="1" noAdjustHandles="1" noChangeArrowheads="1" noChangeShapeType="1" noTextEdit="1"/>
+          </p:cNvSpPr>
+          <p:nvPr>
+            <p:extLst>
+              <p:ext uri="{386F3935-93C4-4BCD-93E2-E3B085C9AB24}">
+                <p16:designElem xmlns:p16="http://schemas.microsoft.com/office/powerpoint/2015/main" val="1"/>
+              </p:ext>
+            </p:extLst>
+          </p:nvPr>
+        </p:nvSpPr>
+        <p:spPr>
+          <a:xfrm>
+            <a:off x="-1" y="0"/>
+            <a:ext cx="12188952" cy="6858000"/>
+          </a:xfrm>
+          <a:prstGeom prst="rect">
+            <a:avLst/>
+          </a:prstGeom>
+          <a:ln>
+            <a:noFill/>
+          </a:ln>
+        </p:spPr>
+        <p:style>
+          <a:lnRef idx="2">
+            <a:schemeClr val="accent1">
+              <a:shade val="50000"/>
+            </a:schemeClr>
+          </a:lnRef>
+          <a:fillRef idx="1">
+            <a:schemeClr val="accent1"/>
+          </a:fillRef>
+          <a:effectRef idx="0">
+            <a:schemeClr val="accent1"/>
+          </a:effectRef>
+          <a:fontRef idx="minor">
+            <a:schemeClr val="lt1"/>
+          </a:fontRef>
+        </p:style>
+        <p:txBody>
+          <a:bodyPr rtlCol="0" anchor="ctr"/>
+          <a:lstStyle/>
+          <a:p>
+            <a:pPr algn="ctr"/>
+            <a:endParaRPr lang="en-US"/>
+          </a:p>
+        </p:txBody>
+      </p:sp>
+      <p:pic>
+        <p:nvPicPr>
+          <p:cNvPr id="3080" name="Picture 8" descr="Corremos el riesgo de otra gran crisis financiera como la de 2008?">
+            <a:extLst>
+              <a:ext uri="{FF2B5EF4-FFF2-40B4-BE49-F238E27FC236}">
+                <a16:creationId xmlns:a16="http://schemas.microsoft.com/office/drawing/2014/main" id="{E9E446FD-8042-44C0-6325-D4AD18B026DB}"/>
+              </a:ext>
+            </a:extLst>
+          </p:cNvPr>
+          <p:cNvPicPr>
+            <a:picLocks noChangeAspect="1" noChangeArrowheads="1"/>
+          </p:cNvPicPr>
+          <p:nvPr/>
+        </p:nvPicPr>
+        <p:blipFill>
+          <a:blip r:embed="rId3">
+            <a:extLst>
+              <a:ext uri="{28A0092B-C50C-407E-A947-70E740481C1C}">
+                <a14:useLocalDpi xmlns:a14="http://schemas.microsoft.com/office/drawing/2010/main" val="0"/>
+              </a:ext>
+            </a:extLst>
+          </a:blip>
+          <a:srcRect l="10704" r="9985"/>
+          <a:stretch/>
+        </p:blipFill>
+        <p:spPr bwMode="auto">
+          <a:xfrm>
+            <a:off x="1" y="10"/>
+            <a:ext cx="9669642" cy="6857990"/>
+          </a:xfrm>
+          <a:prstGeom prst="rect">
+            <a:avLst/>
+          </a:prstGeom>
+          <a:noFill/>
+          <a:extLst>
+            <a:ext uri="{909E8E84-426E-40DD-AFC4-6F175D3DCCD1}">
+              <a14:hiddenFill xmlns:a14="http://schemas.microsoft.com/office/drawing/2010/main">
+                <a:solidFill>
+                  <a:srgbClr val="FFFFFF"/>
+                </a:solidFill>
+              </a14:hiddenFill>
+            </a:ext>
+          </a:extLst>
+        </p:spPr>
+      </p:pic>
+      <p:sp>
+        <p:nvSpPr>
+          <p:cNvPr id="3090" name="Rectangle 3086">
+            <a:extLst>
+              <a:ext uri="{FF2B5EF4-FFF2-40B4-BE49-F238E27FC236}">
+                <a16:creationId xmlns:a16="http://schemas.microsoft.com/office/drawing/2014/main" id="{D1EA859B-E555-4109-94F3-6700E046E008}"/>
+              </a:ext>
+              <a:ext uri="{C183D7F6-B498-43B3-948B-1728B52AA6E4}">
+                <adec:decorative xmlns:adec="http://schemas.microsoft.com/office/drawing/2017/decorative" val="1"/>
+              </a:ext>
+            </a:extLst>
+          </p:cNvPr>
+          <p:cNvSpPr>
+            <a:spLocks noGrp="1" noRot="1" noChangeAspect="1" noMove="1" noResize="1" noEditPoints="1" noAdjustHandles="1" noChangeArrowheads="1" noChangeShapeType="1" noTextEdit="1"/>
+          </p:cNvSpPr>
+          <p:nvPr>
+            <p:extLst>
+              <p:ext uri="{386F3935-93C4-4BCD-93E2-E3B085C9AB24}">
+                <p16:designElem xmlns:p16="http://schemas.microsoft.com/office/powerpoint/2015/main" val="1"/>
+              </p:ext>
+            </p:extLst>
+          </p:nvPr>
+        </p:nvSpPr>
+        <p:spPr>
+          <a:xfrm flipH="1">
+            <a:off x="5125019" y="0"/>
+            <a:ext cx="7066978" cy="6858000"/>
+          </a:xfrm>
+          <a:prstGeom prst="rect">
+            <a:avLst/>
+          </a:prstGeom>
+          <a:gradFill>
+            <a:gsLst>
+              <a:gs pos="48000">
+                <a:schemeClr val="bg1"/>
+              </a:gs>
+              <a:gs pos="35000">
+                <a:schemeClr val="bg1">
+                  <a:alpha val="77000"/>
+                </a:schemeClr>
+              </a:gs>
+              <a:gs pos="19000">
+                <a:schemeClr val="bg1">
+                  <a:alpha val="38000"/>
+                </a:schemeClr>
+              </a:gs>
+              <a:gs pos="0">
+                <a:schemeClr val="bg1">
+                  <a:alpha val="0"/>
+                </a:schemeClr>
+              </a:gs>
+              <a:gs pos="100000">
+                <a:schemeClr val="bg1"/>
+              </a:gs>
+            </a:gsLst>
+            <a:lin ang="10800000" scaled="0"/>
+          </a:gradFill>
+          <a:ln>
+            <a:noFill/>
+          </a:ln>
+        </p:spPr>
+        <p:style>
+          <a:lnRef idx="2">
+            <a:schemeClr val="accent1">
+              <a:shade val="50000"/>
+            </a:schemeClr>
+          </a:lnRef>
+          <a:fillRef idx="1">
+            <a:schemeClr val="accent1"/>
+          </a:fillRef>
+          <a:effectRef idx="0">
+            <a:schemeClr val="accent1"/>
+          </a:effectRef>
+          <a:fontRef idx="minor">
+            <a:schemeClr val="lt1"/>
+          </a:fontRef>
+        </p:style>
+        <p:txBody>
+          <a:bodyPr rtlCol="0" anchor="ctr"/>
+          <a:lstStyle/>
+          <a:p>
+            <a:pPr algn="ctr"/>
+            <a:endParaRPr lang="en-US" dirty="0"/>
+          </a:p>
+        </p:txBody>
+      </p:sp>
+      <p:sp>
+        <p:nvSpPr>
+          <p:cNvPr id="2" name="Título 1">
+            <a:extLst>
+              <a:ext uri="{FF2B5EF4-FFF2-40B4-BE49-F238E27FC236}">
+                <a16:creationId xmlns:a16="http://schemas.microsoft.com/office/drawing/2014/main" id="{E4B92CB0-5C30-5D27-341A-CABC20AED510}"/>
+              </a:ext>
+            </a:extLst>
+          </p:cNvPr>
+          <p:cNvSpPr>
+            <a:spLocks noGrp="1"/>
+          </p:cNvSpPr>
+          <p:nvPr>
+            <p:ph type="title"/>
+          </p:nvPr>
+        </p:nvSpPr>
+        <p:spPr>
+          <a:xfrm>
+            <a:off x="7531610" y="365125"/>
+            <a:ext cx="4041265" cy="1899912"/>
+          </a:xfrm>
+        </p:spPr>
+        <p:txBody>
+          <a:bodyPr>
+            <a:normAutofit/>
+          </a:bodyPr>
+          <a:lstStyle/>
+          <a:p>
+            <a:r>
+              <a:rPr lang="es-ES" sz="3400" b="1" dirty="0"/>
+              <a:t>¿Cuál es el principal problema que tienen los bancos? </a:t>
+            </a:r>
+          </a:p>
+        </p:txBody>
+      </p:sp>
+      <p:sp>
+        <p:nvSpPr>
+          <p:cNvPr id="3" name="Marcador de contenido 2">
+            <a:extLst>
+              <a:ext uri="{FF2B5EF4-FFF2-40B4-BE49-F238E27FC236}">
+                <a16:creationId xmlns:a16="http://schemas.microsoft.com/office/drawing/2014/main" id="{1D7A3A36-66B8-77FE-271D-F0062701AF4D}"/>
+              </a:ext>
+            </a:extLst>
+          </p:cNvPr>
+          <p:cNvSpPr>
+            <a:spLocks noGrp="1"/>
+          </p:cNvSpPr>
+          <p:nvPr>
+            <p:ph idx="1"/>
+          </p:nvPr>
+        </p:nvSpPr>
+        <p:spPr>
+          <a:xfrm>
+            <a:off x="7531610" y="2434201"/>
+            <a:ext cx="3822189" cy="3742762"/>
+          </a:xfrm>
+        </p:spPr>
+        <p:txBody>
+          <a:bodyPr>
+            <a:normAutofit/>
+          </a:bodyPr>
+          <a:lstStyle/>
+          <a:p>
+            <a:r>
+              <a:rPr lang="es-ES" sz="1400" dirty="0"/>
+              <a:t>Muchos bancos conceden préstamos sin información suficiente</a:t>
+            </a:r>
+          </a:p>
+          <a:p>
+            <a:r>
+              <a:rPr lang="es-ES" sz="1400" dirty="0"/>
+              <a:t>Esto genera impagos masivos, perdidas económicas y riesgo sistemático </a:t>
+            </a:r>
+          </a:p>
+          <a:p>
+            <a:r>
+              <a:rPr lang="es-ES" sz="1400" dirty="0"/>
+              <a:t>Los métodos tradicionales no detectan bien a los clientes de alto riesgo</a:t>
+            </a:r>
+          </a:p>
+          <a:p>
+            <a:endParaRPr lang="es-ES" sz="1400" dirty="0"/>
+          </a:p>
+          <a:p>
+            <a:endParaRPr lang="es-ES" sz="1400" dirty="0"/>
+          </a:p>
+          <a:p>
+            <a:pPr marL="0" indent="0">
+              <a:buNone/>
+            </a:pPr>
+            <a:r>
+              <a:rPr lang="es-ES" sz="1400" b="1" dirty="0"/>
+              <a:t>Ejemplo real: </a:t>
+            </a:r>
+            <a:r>
+              <a:rPr lang="es-ES" sz="1400" dirty="0"/>
+              <a:t>Millones de hipotecas se concedieron sin criterios sólidos de evaluación del riesgo.</a:t>
+            </a:r>
+            <a:br>
+              <a:rPr lang="es-ES" sz="1400" dirty="0"/>
+            </a:br>
+            <a:r>
+              <a:rPr lang="es-ES" sz="1400" dirty="0"/>
+              <a:t>El resultado, una ola de impagos que colapsó el sistema financiero global.</a:t>
+            </a:r>
+          </a:p>
+        </p:txBody>
+      </p:sp>
+    </p:spTree>
+    <p:extLst>
+      <p:ext uri="{BB962C8B-B14F-4D97-AF65-F5344CB8AC3E}">
+        <p14:creationId xmlns:p14="http://schemas.microsoft.com/office/powerpoint/2010/main" val="1827628850"/>
+      </p:ext>
+    </p:extLst>
+  </p:cSld>
+  <p:clrMapOvr>
+    <a:masterClrMapping/>
+  </p:clrMapOvr>
+</p:sld>
+</file>
+
+<file path=ppt/slides/slide4.xml><?xml version="1.0" encoding="utf-8"?>
+<p:sld xmlns:a="http://schemas.openxmlformats.org/drawingml/2006/main" xmlns:r="http://schemas.openxmlformats.org/officeDocument/2006/relationships" xmlns:p="http://schemas.openxmlformats.org/presentationml/2006/main">
+  <p:cSld>
+    <p:bg>
+      <p:bgPr>
+        <a:solidFill>
+          <a:schemeClr val="bg1"/>
+        </a:solidFill>
+        <a:effectLst/>
+      </p:bgPr>
+    </p:bg>
+    <p:spTree>
+      <p:nvGrpSpPr>
+        <p:cNvPr id="1" name=""/>
+        <p:cNvGrpSpPr/>
+        <p:nvPr/>
+      </p:nvGrpSpPr>
+      <p:grpSpPr>
+        <a:xfrm>
+          <a:off x="0" y="0"/>
+          <a:ext cx="0" cy="0"/>
+          <a:chOff x="0" y="0"/>
+          <a:chExt cx="0" cy="0"/>
+        </a:xfrm>
+      </p:grpSpPr>
+      <p:sp useBgFill="1">
+        <p:nvSpPr>
+          <p:cNvPr id="4103" name="Rectangle 4102">
+            <a:extLst>
+              <a:ext uri="{FF2B5EF4-FFF2-40B4-BE49-F238E27FC236}">
+                <a16:creationId xmlns:a16="http://schemas.microsoft.com/office/drawing/2014/main" id="{F94AA2BD-2E3F-4B1D-8127-5744B8115311}"/>
+              </a:ext>
+              <a:ext uri="{C183D7F6-B498-43B3-948B-1728B52AA6E4}">
+                <adec:decorative xmlns:adec="http://schemas.microsoft.com/office/drawing/2017/decorative" val="1"/>
+              </a:ext>
+            </a:extLst>
+          </p:cNvPr>
+          <p:cNvSpPr>
+            <a:spLocks noGrp="1" noRot="1" noChangeAspect="1" noMove="1" noResize="1" noEditPoints="1" noAdjustHandles="1" noChangeArrowheads="1" noChangeShapeType="1" noTextEdit="1"/>
+          </p:cNvSpPr>
+          <p:nvPr>
+            <p:extLst>
+              <p:ext uri="{386F3935-93C4-4BCD-93E2-E3B085C9AB24}">
+                <p16:designElem xmlns:p16="http://schemas.microsoft.com/office/powerpoint/2015/main" val="1"/>
+              </p:ext>
+            </p:extLst>
+          </p:nvPr>
+        </p:nvSpPr>
+        <p:spPr>
+          <a:xfrm>
+            <a:off x="0" y="0"/>
+            <a:ext cx="12192000" cy="6858000"/>
+          </a:xfrm>
+          <a:prstGeom prst="rect">
+            <a:avLst/>
+          </a:prstGeom>
+          <a:ln>
+            <a:noFill/>
+          </a:ln>
+        </p:spPr>
+        <p:style>
+          <a:lnRef idx="2">
+            <a:schemeClr val="accent1">
+              <a:shade val="50000"/>
+            </a:schemeClr>
+          </a:lnRef>
+          <a:fillRef idx="1">
+            <a:schemeClr val="accent1"/>
+          </a:fillRef>
+          <a:effectRef idx="0">
+            <a:schemeClr val="accent1"/>
+          </a:effectRef>
+          <a:fontRef idx="minor">
+            <a:schemeClr val="lt1"/>
+          </a:fontRef>
+        </p:style>
+        <p:txBody>
+          <a:bodyPr rtlCol="0" anchor="ctr"/>
+          <a:lstStyle/>
+          <a:p>
+            <a:pPr algn="ctr"/>
+            <a:endParaRPr lang="en-US"/>
+          </a:p>
+        </p:txBody>
+      </p:sp>
+      <p:sp>
+        <p:nvSpPr>
+          <p:cNvPr id="2" name="Título 1">
+            <a:extLst>
+              <a:ext uri="{FF2B5EF4-FFF2-40B4-BE49-F238E27FC236}">
+                <a16:creationId xmlns:a16="http://schemas.microsoft.com/office/drawing/2014/main" id="{3CCE3941-F545-E546-49F9-65DAE35EC1C3}"/>
+              </a:ext>
+            </a:extLst>
+          </p:cNvPr>
+          <p:cNvSpPr>
+            <a:spLocks noGrp="1"/>
+          </p:cNvSpPr>
+          <p:nvPr>
+            <p:ph type="title"/>
+          </p:nvPr>
+        </p:nvSpPr>
+        <p:spPr>
+          <a:xfrm>
+            <a:off x="411480" y="987552"/>
+            <a:ext cx="4485861" cy="1088136"/>
+          </a:xfrm>
+        </p:spPr>
+        <p:txBody>
+          <a:bodyPr anchor="b">
+            <a:normAutofit fontScale="90000"/>
+          </a:bodyPr>
+          <a:lstStyle/>
+          <a:p>
+            <a:r>
+              <a:rPr lang="es-ES" sz="3400" b="1" dirty="0"/>
+              <a:t>Hablemos del proyecto, ¿Qué datos analizamos? </a:t>
+            </a:r>
+          </a:p>
+        </p:txBody>
+      </p:sp>
+      <p:sp>
+        <p:nvSpPr>
+          <p:cNvPr id="4105" name="Rectangle 4104">
+            <a:extLst>
+              <a:ext uri="{FF2B5EF4-FFF2-40B4-BE49-F238E27FC236}">
+                <a16:creationId xmlns:a16="http://schemas.microsoft.com/office/drawing/2014/main" id="{4BD02261-2DC8-4AA8-9E16-7751AE892445}"/>
+              </a:ext>
+              <a:ext uri="{C183D7F6-B498-43B3-948B-1728B52AA6E4}">
+                <adec:decorative xmlns:adec="http://schemas.microsoft.com/office/drawing/2017/decorative" val="1"/>
+              </a:ext>
+            </a:extLst>
+          </p:cNvPr>
+          <p:cNvSpPr>
+            <a:spLocks noGrp="1" noRot="1" noChangeAspect="1" noMove="1" noResize="1" noEditPoints="1" noAdjustHandles="1" noChangeArrowheads="1" noChangeShapeType="1" noTextEdit="1"/>
+          </p:cNvSpPr>
+          <p:nvPr>
+            <p:extLst>
+              <p:ext uri="{386F3935-93C4-4BCD-93E2-E3B085C9AB24}">
+                <p16:designElem xmlns:p16="http://schemas.microsoft.com/office/powerpoint/2015/main" val="1"/>
+              </p:ext>
+            </p:extLst>
+          </p:nvPr>
+        </p:nvSpPr>
+        <p:spPr>
+          <a:xfrm rot="5400000">
+            <a:off x="649223" y="387939"/>
+            <a:ext cx="73152" cy="548640"/>
+          </a:xfrm>
+          <a:prstGeom prst="rect">
+            <a:avLst/>
+          </a:prstGeom>
+          <a:solidFill>
+            <a:schemeClr val="accent2"/>
+          </a:solidFill>
+          <a:ln>
+            <a:noFill/>
+          </a:ln>
+        </p:spPr>
+        <p:style>
+          <a:lnRef idx="2">
+            <a:schemeClr val="accent1">
+              <a:shade val="50000"/>
+            </a:schemeClr>
+          </a:lnRef>
+          <a:fillRef idx="1">
+            <a:schemeClr val="accent1"/>
+          </a:fillRef>
+          <a:effectRef idx="0">
+            <a:schemeClr val="accent1"/>
+          </a:effectRef>
+          <a:fontRef idx="minor">
+            <a:schemeClr val="lt1"/>
+          </a:fontRef>
+        </p:style>
+        <p:txBody>
+          <a:bodyPr rtlCol="0" anchor="ctr"/>
+          <a:lstStyle/>
+          <a:p>
+            <a:pPr algn="ctr"/>
+            <a:endParaRPr lang="en-US">
+              <a:solidFill>
+                <a:prstClr val="white"/>
+              </a:solidFill>
+              <a:latin typeface="Calibri" panose="020F0502020204030204"/>
+            </a:endParaRPr>
+          </a:p>
+        </p:txBody>
+      </p:sp>
+      <p:sp>
+        <p:nvSpPr>
+          <p:cNvPr id="4107" name="Rectangle 4106">
+            <a:extLst>
+              <a:ext uri="{FF2B5EF4-FFF2-40B4-BE49-F238E27FC236}">
+                <a16:creationId xmlns:a16="http://schemas.microsoft.com/office/drawing/2014/main" id="{3D752CF2-2291-40B5-B462-C17B174C10BC}"/>
+              </a:ext>
+              <a:ext uri="{C183D7F6-B498-43B3-948B-1728B52AA6E4}">
+                <adec:decorative xmlns:adec="http://schemas.microsoft.com/office/drawing/2017/decorative" val="1"/>
+              </a:ext>
+            </a:extLst>
+          </p:cNvPr>
+          <p:cNvSpPr>
+            <a:spLocks noGrp="1" noRot="1" noChangeAspect="1" noMove="1" noResize="1" noEditPoints="1" noAdjustHandles="1" noChangeArrowheads="1" noChangeShapeType="1" noTextEdit="1"/>
+          </p:cNvSpPr>
+          <p:nvPr>
+            <p:extLst>
+              <p:ext uri="{386F3935-93C4-4BCD-93E2-E3B085C9AB24}">
+                <p16:designElem xmlns:p16="http://schemas.microsoft.com/office/powerpoint/2015/main" val="1"/>
+              </p:ext>
+            </p:extLst>
+          </p:nvPr>
+        </p:nvSpPr>
+        <p:spPr>
+          <a:xfrm>
+            <a:off x="411480" y="2286000"/>
+            <a:ext cx="4389120" cy="18288"/>
+          </a:xfrm>
+          <a:prstGeom prst="rect">
+            <a:avLst/>
+          </a:prstGeom>
+          <a:solidFill>
+            <a:srgbClr val="D5D5D5"/>
+          </a:solidFill>
+          <a:ln w="3175">
+            <a:noFill/>
+          </a:ln>
+          <a:effectLst/>
+        </p:spPr>
+        <p:style>
+          <a:lnRef idx="2">
+            <a:schemeClr val="accent1">
+              <a:shade val="50000"/>
+            </a:schemeClr>
+          </a:lnRef>
+          <a:fillRef idx="1">
+            <a:schemeClr val="accent1"/>
+          </a:fillRef>
+          <a:effectRef idx="0">
+            <a:schemeClr val="accent1"/>
+          </a:effectRef>
+          <a:fontRef idx="minor">
+            <a:schemeClr val="lt1"/>
+          </a:fontRef>
+        </p:style>
+        <p:txBody>
+          <a:bodyPr rtlCol="0" anchor="ctr"/>
+          <a:lstStyle/>
+          <a:p>
+            <a:pPr algn="ctr"/>
+            <a:endParaRPr lang="en-US">
+              <a:solidFill>
+                <a:prstClr val="white"/>
+              </a:solidFill>
+              <a:latin typeface="Calibri" panose="020F0502020204030204"/>
+            </a:endParaRPr>
+          </a:p>
+        </p:txBody>
+      </p:sp>
+      <p:sp>
+        <p:nvSpPr>
+          <p:cNvPr id="3" name="Marcador de contenido 2">
+            <a:extLst>
+              <a:ext uri="{FF2B5EF4-FFF2-40B4-BE49-F238E27FC236}">
+                <a16:creationId xmlns:a16="http://schemas.microsoft.com/office/drawing/2014/main" id="{8FB05620-01D4-2250-CA7B-FA6C861709C9}"/>
+              </a:ext>
+            </a:extLst>
+          </p:cNvPr>
+          <p:cNvSpPr>
+            <a:spLocks noGrp="1"/>
+          </p:cNvSpPr>
+          <p:nvPr>
+            <p:ph idx="1"/>
+          </p:nvPr>
+        </p:nvSpPr>
+        <p:spPr>
+          <a:xfrm>
+            <a:off x="411479" y="2688336"/>
+            <a:ext cx="4498848" cy="3584448"/>
+          </a:xfrm>
+        </p:spPr>
+        <p:txBody>
+          <a:bodyPr anchor="t">
+            <a:normAutofit/>
+          </a:bodyPr>
+          <a:lstStyle/>
+          <a:p>
+            <a:r>
+              <a:rPr lang="es-ES" sz="1800"/>
+              <a:t>Edad, genero y educación del solicitante</a:t>
+            </a:r>
+          </a:p>
+          <a:p>
+            <a:r>
+              <a:rPr lang="es-ES" sz="1800"/>
+              <a:t>Ingresos y experiencia laboral</a:t>
+            </a:r>
+          </a:p>
+          <a:p>
+            <a:r>
+              <a:rPr lang="es-ES" sz="1800"/>
+              <a:t>Tipo de vivienda, score crediticio, intención del préstamo</a:t>
+            </a:r>
+          </a:p>
+          <a:p>
+            <a:r>
+              <a:rPr lang="es-ES" sz="1800"/>
+              <a:t>Porcentaje del ingreso destinado al préstamo</a:t>
+            </a:r>
+          </a:p>
+        </p:txBody>
+      </p:sp>
+      <p:pic>
+        <p:nvPicPr>
+          <p:cNvPr id="4098" name="Picture 2" descr="Imágenes de Datos - Descarga gratuita en Freepik">
+            <a:extLst>
+              <a:ext uri="{FF2B5EF4-FFF2-40B4-BE49-F238E27FC236}">
+                <a16:creationId xmlns:a16="http://schemas.microsoft.com/office/drawing/2014/main" id="{16F0001B-45F0-7422-DB4D-E1B2C11DDC86}"/>
+              </a:ext>
+            </a:extLst>
+          </p:cNvPr>
+          <p:cNvPicPr>
+            <a:picLocks noChangeAspect="1" noChangeArrowheads="1"/>
+          </p:cNvPicPr>
+          <p:nvPr/>
+        </p:nvPicPr>
+        <p:blipFill>
+          <a:blip r:embed="rId2">
+            <a:extLst>
+              <a:ext uri="{28A0092B-C50C-407E-A947-70E740481C1C}">
+                <a14:useLocalDpi xmlns:a14="http://schemas.microsoft.com/office/drawing/2010/main" val="0"/>
+              </a:ext>
+            </a:extLst>
+          </a:blip>
+          <a:srcRect r="1" b="378"/>
+          <a:stretch/>
+        </p:blipFill>
+        <p:spPr bwMode="auto">
+          <a:xfrm>
+            <a:off x="5308052" y="10"/>
+            <a:ext cx="6883948" cy="6857990"/>
+          </a:xfrm>
+          <a:custGeom>
+            <a:avLst/>
+            <a:gdLst/>
+            <a:ahLst/>
+            <a:cxnLst/>
+            <a:rect l="l" t="t" r="r" b="b"/>
+            <a:pathLst>
+              <a:path w="6883948" h="6858000">
+                <a:moveTo>
+                  <a:pt x="365648" y="0"/>
+                </a:moveTo>
+                <a:lnTo>
+                  <a:pt x="6883948" y="0"/>
+                </a:lnTo>
+                <a:lnTo>
+                  <a:pt x="6883948" y="6858000"/>
+                </a:lnTo>
+                <a:lnTo>
+                  <a:pt x="365648" y="6858000"/>
+                </a:lnTo>
+                <a:lnTo>
+                  <a:pt x="360213" y="6835050"/>
+                </a:lnTo>
+                <a:cubicBezTo>
+                  <a:pt x="128263" y="5788167"/>
+                  <a:pt x="0" y="4637179"/>
+                  <a:pt x="0" y="3429001"/>
+                </a:cubicBezTo>
+                <a:cubicBezTo>
+                  <a:pt x="0" y="2220824"/>
+                  <a:pt x="128263" y="1069835"/>
+                  <a:pt x="360213" y="22952"/>
+                </a:cubicBezTo>
+                <a:close/>
+              </a:path>
+            </a:pathLst>
+          </a:custGeom>
+          <a:noFill/>
+          <a:effectLst>
+            <a:outerShdw blurRad="50800" dist="38100" dir="10800000" algn="r" rotWithShape="0">
+              <a:schemeClr val="bg1">
+                <a:lumMod val="85000"/>
+                <a:alpha val="30000"/>
+              </a:schemeClr>
+            </a:outerShdw>
+          </a:effectLst>
+          <a:extLst>
+            <a:ext uri="{909E8E84-426E-40DD-AFC4-6F175D3DCCD1}">
+              <a14:hiddenFill xmlns:a14="http://schemas.microsoft.com/office/drawing/2010/main">
+                <a:solidFill>
+                  <a:srgbClr val="FFFFFF"/>
+                </a:solidFill>
+              </a14:hiddenFill>
+            </a:ext>
+          </a:extLst>
+        </p:spPr>
+      </p:pic>
+    </p:spTree>
+    <p:extLst>
+      <p:ext uri="{BB962C8B-B14F-4D97-AF65-F5344CB8AC3E}">
+        <p14:creationId xmlns:p14="http://schemas.microsoft.com/office/powerpoint/2010/main" val="1569750232"/>
+      </p:ext>
+    </p:extLst>
+  </p:cSld>
+  <p:clrMapOvr>
+    <a:masterClrMapping/>
+  </p:clrMapOvr>
+</p:sld>
+</file>
+
+<file path=ppt/slides/slide5.xml><?xml version="1.0" encoding="utf-8"?>
+<p:sld xmlns:a="http://schemas.openxmlformats.org/drawingml/2006/main" xmlns:r="http://schemas.openxmlformats.org/officeDocument/2006/relationships" xmlns:p="http://schemas.openxmlformats.org/presentationml/2006/main">
+  <p:cSld>
+    <p:bg>
+      <p:bgPr>
+        <a:solidFill>
+          <a:schemeClr val="bg1"/>
+        </a:solidFill>
+        <a:effectLst/>
+      </p:bgPr>
+    </p:bg>
+    <p:spTree>
+      <p:nvGrpSpPr>
+        <p:cNvPr id="1" name=""/>
+        <p:cNvGrpSpPr/>
+        <p:nvPr/>
+      </p:nvGrpSpPr>
+      <p:grpSpPr>
+        <a:xfrm>
+          <a:off x="0" y="0"/>
+          <a:ext cx="0" cy="0"/>
+          <a:chOff x="0" y="0"/>
+          <a:chExt cx="0" cy="0"/>
+        </a:xfrm>
+      </p:grpSpPr>
+      <p:sp useBgFill="1">
+        <p:nvSpPr>
+          <p:cNvPr id="14" name="Rectangle 13">
+            <a:extLst>
+              <a:ext uri="{FF2B5EF4-FFF2-40B4-BE49-F238E27FC236}">
+                <a16:creationId xmlns:a16="http://schemas.microsoft.com/office/drawing/2014/main" id="{7C98A213-5994-475E-B327-DC6EC27FBA8B}"/>
+              </a:ext>
+              <a:ext uri="{C183D7F6-B498-43B3-948B-1728B52AA6E4}">
+                <adec:decorative xmlns:adec="http://schemas.microsoft.com/office/drawing/2017/decorative" val="1"/>
+              </a:ext>
+            </a:extLst>
+          </p:cNvPr>
+          <p:cNvSpPr>
+            <a:spLocks noGrp="1" noRot="1" noChangeAspect="1" noMove="1" noResize="1" noEditPoints="1" noAdjustHandles="1" noChangeArrowheads="1" noChangeShapeType="1" noTextEdit="1"/>
+          </p:cNvSpPr>
+          <p:nvPr>
+            <p:extLst>
+              <p:ext uri="{386F3935-93C4-4BCD-93E2-E3B085C9AB24}">
+                <p16:designElem xmlns:p16="http://schemas.microsoft.com/office/powerpoint/2015/main" val="1"/>
+              </p:ext>
+            </p:extLst>
+          </p:nvPr>
+        </p:nvSpPr>
+        <p:spPr>
+          <a:xfrm>
+            <a:off x="0" y="0"/>
+            <a:ext cx="12188952" cy="6858000"/>
+          </a:xfrm>
+          <a:prstGeom prst="rect">
+            <a:avLst/>
+          </a:prstGeom>
+          <a:ln>
+            <a:noFill/>
+          </a:ln>
+        </p:spPr>
+        <p:style>
+          <a:lnRef idx="2">
+            <a:schemeClr val="accent1">
+              <a:shade val="50000"/>
+            </a:schemeClr>
+          </a:lnRef>
+          <a:fillRef idx="1">
+            <a:schemeClr val="accent1"/>
+          </a:fillRef>
+          <a:effectRef idx="0">
+            <a:schemeClr val="accent1"/>
+          </a:effectRef>
+          <a:fontRef idx="minor">
+            <a:schemeClr val="lt1"/>
+          </a:fontRef>
+        </p:style>
+        <p:txBody>
+          <a:bodyPr rtlCol="0" anchor="ctr"/>
+          <a:lstStyle/>
+          <a:p>
+            <a:pPr algn="ctr"/>
+            <a:endParaRPr lang="en-US"/>
+          </a:p>
+        </p:txBody>
+      </p:sp>
+      <p:sp>
+        <p:nvSpPr>
+          <p:cNvPr id="2" name="Título 1">
+            <a:extLst>
+              <a:ext uri="{FF2B5EF4-FFF2-40B4-BE49-F238E27FC236}">
+                <a16:creationId xmlns:a16="http://schemas.microsoft.com/office/drawing/2014/main" id="{587CB84C-0227-46D0-9F6C-5D641D7BE655}"/>
+              </a:ext>
+            </a:extLst>
+          </p:cNvPr>
+          <p:cNvSpPr>
+            <a:spLocks noGrp="1"/>
+          </p:cNvSpPr>
+          <p:nvPr>
+            <p:ph type="title"/>
+          </p:nvPr>
+        </p:nvSpPr>
+        <p:spPr>
+          <a:xfrm>
+            <a:off x="638881" y="670218"/>
+            <a:ext cx="10909640" cy="1065836"/>
+          </a:xfrm>
+        </p:spPr>
+        <p:txBody>
+          <a:bodyPr vert="horz" lIns="91440" tIns="45720" rIns="91440" bIns="45720" rtlCol="0" anchor="ctr">
+            <a:normAutofit/>
+          </a:bodyPr>
+          <a:lstStyle/>
+          <a:p>
+            <a:pPr algn="ctr"/>
+            <a:r>
+              <a:rPr lang="en-US" sz="6600"/>
+              <a:t>Visualizacion de los datos: </a:t>
+            </a:r>
+          </a:p>
+        </p:txBody>
+      </p:sp>
+      <p:sp>
+        <p:nvSpPr>
+          <p:cNvPr id="16" name="sketch line">
+            <a:extLst>
+              <a:ext uri="{FF2B5EF4-FFF2-40B4-BE49-F238E27FC236}">
+                <a16:creationId xmlns:a16="http://schemas.microsoft.com/office/drawing/2014/main" id="{4B030A0D-0DAD-4A99-89BB-419527D6A64B}"/>
+              </a:ext>
+              <a:ext uri="{C183D7F6-B498-43B3-948B-1728B52AA6E4}">
+                <adec:decorative xmlns:adec="http://schemas.microsoft.com/office/drawing/2017/decorative" val="1"/>
+              </a:ext>
+            </a:extLst>
+          </p:cNvPr>
+          <p:cNvSpPr>
+            <a:spLocks noGrp="1" noRot="1" noChangeAspect="1" noMove="1" noResize="1" noEditPoints="1" noAdjustHandles="1" noChangeArrowheads="1" noChangeShapeType="1" noTextEdit="1"/>
+          </p:cNvSpPr>
+          <p:nvPr>
+            <p:extLst>
+              <p:ext uri="{386F3935-93C4-4BCD-93E2-E3B085C9AB24}">
+                <p16:designElem xmlns:p16="http://schemas.microsoft.com/office/powerpoint/2015/main" val="1"/>
+              </p:ext>
+            </p:extLst>
+          </p:nvPr>
+        </p:nvSpPr>
+        <p:spPr>
+          <a:xfrm>
+            <a:off x="3389376" y="1800088"/>
+            <a:ext cx="5410200" cy="18288"/>
+          </a:xfrm>
+          <a:custGeom>
+            <a:avLst/>
+            <a:gdLst>
+              <a:gd name="connsiteX0" fmla="*/ 0 w 5410200"/>
+              <a:gd name="connsiteY0" fmla="*/ 0 h 18288"/>
+              <a:gd name="connsiteX1" fmla="*/ 568071 w 5410200"/>
+              <a:gd name="connsiteY1" fmla="*/ 0 h 18288"/>
+              <a:gd name="connsiteX2" fmla="*/ 1298448 w 5410200"/>
+              <a:gd name="connsiteY2" fmla="*/ 0 h 18288"/>
+              <a:gd name="connsiteX3" fmla="*/ 1920621 w 5410200"/>
+              <a:gd name="connsiteY3" fmla="*/ 0 h 18288"/>
+              <a:gd name="connsiteX4" fmla="*/ 2488692 w 5410200"/>
+              <a:gd name="connsiteY4" fmla="*/ 0 h 18288"/>
+              <a:gd name="connsiteX5" fmla="*/ 3219069 w 5410200"/>
+              <a:gd name="connsiteY5" fmla="*/ 0 h 18288"/>
+              <a:gd name="connsiteX6" fmla="*/ 3895344 w 5410200"/>
+              <a:gd name="connsiteY6" fmla="*/ 0 h 18288"/>
+              <a:gd name="connsiteX7" fmla="*/ 4571619 w 5410200"/>
+              <a:gd name="connsiteY7" fmla="*/ 0 h 18288"/>
+              <a:gd name="connsiteX8" fmla="*/ 5410200 w 5410200"/>
+              <a:gd name="connsiteY8" fmla="*/ 0 h 18288"/>
+              <a:gd name="connsiteX9" fmla="*/ 5410200 w 5410200"/>
+              <a:gd name="connsiteY9" fmla="*/ 18288 h 18288"/>
+              <a:gd name="connsiteX10" fmla="*/ 4842129 w 5410200"/>
+              <a:gd name="connsiteY10" fmla="*/ 18288 h 18288"/>
+              <a:gd name="connsiteX11" fmla="*/ 4328160 w 5410200"/>
+              <a:gd name="connsiteY11" fmla="*/ 18288 h 18288"/>
+              <a:gd name="connsiteX12" fmla="*/ 3597783 w 5410200"/>
+              <a:gd name="connsiteY12" fmla="*/ 18288 h 18288"/>
+              <a:gd name="connsiteX13" fmla="*/ 3029712 w 5410200"/>
+              <a:gd name="connsiteY13" fmla="*/ 18288 h 18288"/>
+              <a:gd name="connsiteX14" fmla="*/ 2299335 w 5410200"/>
+              <a:gd name="connsiteY14" fmla="*/ 18288 h 18288"/>
+              <a:gd name="connsiteX15" fmla="*/ 1514856 w 5410200"/>
+              <a:gd name="connsiteY15" fmla="*/ 18288 h 18288"/>
+              <a:gd name="connsiteX16" fmla="*/ 892683 w 5410200"/>
+              <a:gd name="connsiteY16" fmla="*/ 18288 h 18288"/>
+              <a:gd name="connsiteX17" fmla="*/ 0 w 5410200"/>
+              <a:gd name="connsiteY17" fmla="*/ 18288 h 18288"/>
+              <a:gd name="connsiteX18" fmla="*/ 0 w 5410200"/>
+              <a:gd name="connsiteY18" fmla="*/ 0 h 18288"/>
+            </a:gdLst>
+            <a:ahLst/>
+            <a:cxnLst>
+              <a:cxn ang="0">
+                <a:pos x="connsiteX0" y="connsiteY0"/>
+              </a:cxn>
+              <a:cxn ang="0">
+                <a:pos x="connsiteX1" y="connsiteY1"/>
+              </a:cxn>
+              <a:cxn ang="0">
+                <a:pos x="connsiteX2" y="connsiteY2"/>
+              </a:cxn>
+              <a:cxn ang="0">
+                <a:pos x="connsiteX3" y="connsiteY3"/>
+              </a:cxn>
+              <a:cxn ang="0">
+                <a:pos x="connsiteX4" y="connsiteY4"/>
+              </a:cxn>
+              <a:cxn ang="0">
+                <a:pos x="connsiteX5" y="connsiteY5"/>
+              </a:cxn>
+              <a:cxn ang="0">
+                <a:pos x="connsiteX6" y="connsiteY6"/>
+              </a:cxn>
+              <a:cxn ang="0">
+                <a:pos x="connsiteX7" y="connsiteY7"/>
+              </a:cxn>
+              <a:cxn ang="0">
+                <a:pos x="connsiteX8" y="connsiteY8"/>
+              </a:cxn>
+              <a:cxn ang="0">
+                <a:pos x="connsiteX9" y="connsiteY9"/>
+              </a:cxn>
+              <a:cxn ang="0">
+                <a:pos x="connsiteX10" y="connsiteY10"/>
+              </a:cxn>
+              <a:cxn ang="0">
+                <a:pos x="connsiteX11" y="connsiteY11"/>
+              </a:cxn>
+              <a:cxn ang="0">
+                <a:pos x="connsiteX12" y="connsiteY12"/>
+              </a:cxn>
+              <a:cxn ang="0">
+                <a:pos x="connsiteX13" y="connsiteY13"/>
+              </a:cxn>
+              <a:cxn ang="0">
+                <a:pos x="connsiteX14" y="connsiteY14"/>
+              </a:cxn>
+              <a:cxn ang="0">
+                <a:pos x="connsiteX15" y="connsiteY15"/>
+              </a:cxn>
+              <a:cxn ang="0">
+                <a:pos x="connsiteX16" y="connsiteY16"/>
+              </a:cxn>
+              <a:cxn ang="0">
+                <a:pos x="connsiteX17" y="connsiteY17"/>
+              </a:cxn>
+              <a:cxn ang="0">
+                <a:pos x="connsiteX18" y="connsiteY18"/>
+              </a:cxn>
+            </a:cxnLst>
+            <a:rect l="l" t="t" r="r" b="b"/>
+            <a:pathLst>
+              <a:path w="5410200" h="18288" fill="none" extrusionOk="0">
+                <a:moveTo>
+                  <a:pt x="0" y="0"/>
+                </a:moveTo>
+                <a:cubicBezTo>
+                  <a:pt x="163050" y="-18707"/>
+                  <a:pt x="319321" y="-16364"/>
+                  <a:pt x="568071" y="0"/>
+                </a:cubicBezTo>
+                <a:cubicBezTo>
+                  <a:pt x="816821" y="16364"/>
+                  <a:pt x="1013224" y="-7268"/>
+                  <a:pt x="1298448" y="0"/>
+                </a:cubicBezTo>
+                <a:cubicBezTo>
+                  <a:pt x="1583672" y="7268"/>
+                  <a:pt x="1631711" y="-3367"/>
+                  <a:pt x="1920621" y="0"/>
+                </a:cubicBezTo>
+                <a:cubicBezTo>
+                  <a:pt x="2209531" y="3367"/>
+                  <a:pt x="2364420" y="-19184"/>
+                  <a:pt x="2488692" y="0"/>
+                </a:cubicBezTo>
+                <a:cubicBezTo>
+                  <a:pt x="2612964" y="19184"/>
+                  <a:pt x="3023298" y="-34627"/>
+                  <a:pt x="3219069" y="0"/>
+                </a:cubicBezTo>
+                <a:cubicBezTo>
+                  <a:pt x="3414840" y="34627"/>
+                  <a:pt x="3656810" y="24043"/>
+                  <a:pt x="3895344" y="0"/>
+                </a:cubicBezTo>
+                <a:cubicBezTo>
+                  <a:pt x="4133879" y="-24043"/>
+                  <a:pt x="4393984" y="-19577"/>
+                  <a:pt x="4571619" y="0"/>
+                </a:cubicBezTo>
+                <a:cubicBezTo>
+                  <a:pt x="4749255" y="19577"/>
+                  <a:pt x="5179928" y="-6281"/>
+                  <a:pt x="5410200" y="0"/>
+                </a:cubicBezTo>
+                <a:cubicBezTo>
+                  <a:pt x="5410730" y="6954"/>
+                  <a:pt x="5410934" y="12839"/>
+                  <a:pt x="5410200" y="18288"/>
+                </a:cubicBezTo>
+                <a:cubicBezTo>
+                  <a:pt x="5139060" y="6751"/>
+                  <a:pt x="5121593" y="31035"/>
+                  <a:pt x="4842129" y="18288"/>
+                </a:cubicBezTo>
+                <a:cubicBezTo>
+                  <a:pt x="4562665" y="5541"/>
+                  <a:pt x="4448273" y="9487"/>
+                  <a:pt x="4328160" y="18288"/>
+                </a:cubicBezTo>
+                <a:cubicBezTo>
+                  <a:pt x="4208047" y="27089"/>
+                  <a:pt x="3760936" y="22567"/>
+                  <a:pt x="3597783" y="18288"/>
+                </a:cubicBezTo>
+                <a:cubicBezTo>
+                  <a:pt x="3434630" y="14009"/>
+                  <a:pt x="3299718" y="33213"/>
+                  <a:pt x="3029712" y="18288"/>
+                </a:cubicBezTo>
+                <a:cubicBezTo>
+                  <a:pt x="2759706" y="3363"/>
+                  <a:pt x="2640159" y="27394"/>
+                  <a:pt x="2299335" y="18288"/>
+                </a:cubicBezTo>
+                <a:cubicBezTo>
+                  <a:pt x="1958511" y="9182"/>
+                  <a:pt x="1801186" y="28985"/>
+                  <a:pt x="1514856" y="18288"/>
+                </a:cubicBezTo>
+                <a:cubicBezTo>
+                  <a:pt x="1228526" y="7591"/>
+                  <a:pt x="1063509" y="-5305"/>
+                  <a:pt x="892683" y="18288"/>
+                </a:cubicBezTo>
+                <a:cubicBezTo>
+                  <a:pt x="721857" y="41881"/>
+                  <a:pt x="186945" y="-20897"/>
+                  <a:pt x="0" y="18288"/>
+                </a:cubicBezTo>
+                <a:cubicBezTo>
+                  <a:pt x="-570" y="9279"/>
+                  <a:pt x="132" y="5100"/>
+                  <a:pt x="0" y="0"/>
+                </a:cubicBezTo>
+                <a:close/>
+              </a:path>
+              <a:path w="5410200" h="18288" stroke="0" extrusionOk="0">
+                <a:moveTo>
+                  <a:pt x="0" y="0"/>
+                </a:moveTo>
+                <a:cubicBezTo>
+                  <a:pt x="285096" y="-4925"/>
+                  <a:pt x="376456" y="22268"/>
+                  <a:pt x="622173" y="0"/>
+                </a:cubicBezTo>
+                <a:cubicBezTo>
+                  <a:pt x="867890" y="-22268"/>
+                  <a:pt x="1031392" y="7228"/>
+                  <a:pt x="1136142" y="0"/>
+                </a:cubicBezTo>
+                <a:cubicBezTo>
+                  <a:pt x="1240892" y="-7228"/>
+                  <a:pt x="1561853" y="9877"/>
+                  <a:pt x="1920621" y="0"/>
+                </a:cubicBezTo>
+                <a:cubicBezTo>
+                  <a:pt x="2279389" y="-9877"/>
+                  <a:pt x="2367255" y="19546"/>
+                  <a:pt x="2542794" y="0"/>
+                </a:cubicBezTo>
+                <a:cubicBezTo>
+                  <a:pt x="2718333" y="-19546"/>
+                  <a:pt x="2866732" y="-22226"/>
+                  <a:pt x="3164967" y="0"/>
+                </a:cubicBezTo>
+                <a:cubicBezTo>
+                  <a:pt x="3463202" y="22226"/>
+                  <a:pt x="3568055" y="-2765"/>
+                  <a:pt x="3949446" y="0"/>
+                </a:cubicBezTo>
+                <a:cubicBezTo>
+                  <a:pt x="4330837" y="2765"/>
+                  <a:pt x="4287895" y="10557"/>
+                  <a:pt x="4517517" y="0"/>
+                </a:cubicBezTo>
+                <a:cubicBezTo>
+                  <a:pt x="4747139" y="-10557"/>
+                  <a:pt x="5149588" y="8716"/>
+                  <a:pt x="5410200" y="0"/>
+                </a:cubicBezTo>
+                <a:cubicBezTo>
+                  <a:pt x="5409517" y="5414"/>
+                  <a:pt x="5409480" y="12510"/>
+                  <a:pt x="5410200" y="18288"/>
+                </a:cubicBezTo>
+                <a:cubicBezTo>
+                  <a:pt x="5163327" y="41494"/>
+                  <a:pt x="5008749" y="10693"/>
+                  <a:pt x="4842129" y="18288"/>
+                </a:cubicBezTo>
+                <a:cubicBezTo>
+                  <a:pt x="4675509" y="25883"/>
+                  <a:pt x="4433401" y="-615"/>
+                  <a:pt x="4165854" y="18288"/>
+                </a:cubicBezTo>
+                <a:cubicBezTo>
+                  <a:pt x="3898308" y="37191"/>
+                  <a:pt x="3809032" y="-8710"/>
+                  <a:pt x="3543681" y="18288"/>
+                </a:cubicBezTo>
+                <a:cubicBezTo>
+                  <a:pt x="3278330" y="45286"/>
+                  <a:pt x="3073876" y="-15917"/>
+                  <a:pt x="2759202" y="18288"/>
+                </a:cubicBezTo>
+                <a:cubicBezTo>
+                  <a:pt x="2444528" y="52493"/>
+                  <a:pt x="2204144" y="3372"/>
+                  <a:pt x="1974723" y="18288"/>
+                </a:cubicBezTo>
+                <a:cubicBezTo>
+                  <a:pt x="1745302" y="33204"/>
+                  <a:pt x="1602335" y="31490"/>
+                  <a:pt x="1406652" y="18288"/>
+                </a:cubicBezTo>
+                <a:cubicBezTo>
+                  <a:pt x="1210969" y="5086"/>
+                  <a:pt x="923948" y="3161"/>
+                  <a:pt x="730377" y="18288"/>
+                </a:cubicBezTo>
+                <a:cubicBezTo>
+                  <a:pt x="536806" y="33415"/>
+                  <a:pt x="336496" y="-141"/>
+                  <a:pt x="0" y="18288"/>
+                </a:cubicBezTo>
+                <a:cubicBezTo>
+                  <a:pt x="-306" y="11061"/>
+                  <a:pt x="-655" y="7751"/>
+                  <a:pt x="0" y="0"/>
+                </a:cubicBezTo>
+                <a:close/>
+              </a:path>
+            </a:pathLst>
+          </a:custGeom>
+          <a:solidFill>
+            <a:schemeClr val="accent2"/>
+          </a:solidFill>
+          <a:ln w="41275" cap="rnd">
+            <a:solidFill>
+              <a:schemeClr val="accent2"/>
+            </a:solidFill>
+            <a:round/>
+            <a:extLst>
+              <a:ext uri="{C807C97D-BFC1-408E-A445-0C87EB9F89A2}">
+                <ask:lineSketchStyleProps xmlns:ask="http://schemas.microsoft.com/office/drawing/2018/sketchyshapes" sd="1219033472">
+                  <a:prstGeom prst="rect">
+                    <a:avLst/>
+                  </a:prstGeom>
+                  <ask:type>
+                    <ask:lineSketchFreehand/>
+                  </ask:type>
+                </ask:lineSketchStyleProps>
+              </a:ext>
+            </a:extLst>
+          </a:ln>
+        </p:spPr>
+        <p:style>
+          <a:lnRef idx="2">
+            <a:schemeClr val="accent1">
+              <a:shade val="50000"/>
+            </a:schemeClr>
+          </a:lnRef>
+          <a:fillRef idx="1">
+            <a:schemeClr val="accent1"/>
+          </a:fillRef>
+          <a:effectRef idx="0">
+            <a:schemeClr val="accent1"/>
+          </a:effectRef>
+          <a:fontRef idx="minor">
+            <a:schemeClr val="lt1"/>
+          </a:fontRef>
+        </p:style>
+        <p:txBody>
+          <a:bodyPr rtlCol="0" anchor="ctr"/>
+          <a:lstStyle/>
+          <a:p>
+            <a:pPr algn="ctr"/>
+            <a:endParaRPr lang="en-US"/>
+          </a:p>
+        </p:txBody>
+      </p:sp>
+      <p:pic>
+        <p:nvPicPr>
+          <p:cNvPr id="9" name="Imagen 8" descr="Gráfico, Gráfico circular&#10;&#10;El contenido generado por IA puede ser incorrecto.">
+            <a:extLst>
+              <a:ext uri="{FF2B5EF4-FFF2-40B4-BE49-F238E27FC236}">
+                <a16:creationId xmlns:a16="http://schemas.microsoft.com/office/drawing/2014/main" id="{5779223C-F1FA-F5FD-459A-D18EE9AE3B4B}"/>
+              </a:ext>
+            </a:extLst>
+          </p:cNvPr>
+          <p:cNvPicPr>
+            <a:picLocks noChangeAspect="1"/>
+          </p:cNvPicPr>
+          <p:nvPr/>
+        </p:nvPicPr>
+        <p:blipFill>
+          <a:blip r:embed="rId2">
+            <a:extLst>
+              <a:ext uri="{28A0092B-C50C-407E-A947-70E740481C1C}">
+                <a14:useLocalDpi xmlns:a14="http://schemas.microsoft.com/office/drawing/2010/main" val="0"/>
+              </a:ext>
+            </a:extLst>
+          </a:blip>
+          <a:stretch>
+            <a:fillRect/>
+          </a:stretch>
+        </p:blipFill>
+        <p:spPr>
+          <a:xfrm>
+            <a:off x="0" y="2618819"/>
+            <a:ext cx="3758184" cy="3438738"/>
+          </a:xfrm>
+          <a:prstGeom prst="rect">
+            <a:avLst/>
+          </a:prstGeom>
+        </p:spPr>
+      </p:pic>
+      <p:pic>
+        <p:nvPicPr>
+          <p:cNvPr id="7" name="Imagen 6" descr="Gráfico, Gráfico de barras&#10;&#10;El contenido generado por IA puede ser incorrecto.">
+            <a:extLst>
+              <a:ext uri="{FF2B5EF4-FFF2-40B4-BE49-F238E27FC236}">
+                <a16:creationId xmlns:a16="http://schemas.microsoft.com/office/drawing/2014/main" id="{ACF38C0F-70CA-8D52-5CD3-5CAB5F6937E1}"/>
+              </a:ext>
+            </a:extLst>
+          </p:cNvPr>
+          <p:cNvPicPr>
+            <a:picLocks noChangeAspect="1"/>
+          </p:cNvPicPr>
+          <p:nvPr/>
+        </p:nvPicPr>
+        <p:blipFill>
+          <a:blip r:embed="rId3">
+            <a:extLst>
+              <a:ext uri="{28A0092B-C50C-407E-A947-70E740481C1C}">
+                <a14:useLocalDpi xmlns:a14="http://schemas.microsoft.com/office/drawing/2010/main" val="0"/>
+              </a:ext>
+            </a:extLst>
+          </a:blip>
+          <a:stretch>
+            <a:fillRect/>
+          </a:stretch>
+        </p:blipFill>
+        <p:spPr>
+          <a:xfrm>
+            <a:off x="3758184" y="3101160"/>
+            <a:ext cx="3984528" cy="2560059"/>
+          </a:xfrm>
+          <a:prstGeom prst="rect">
+            <a:avLst/>
+          </a:prstGeom>
+        </p:spPr>
+      </p:pic>
+      <p:pic>
+        <p:nvPicPr>
+          <p:cNvPr id="5" name="Marcador de contenido 4" descr="Gráfico, Gráfico de barras&#10;&#10;El contenido generado por IA puede ser incorrecto.">
+            <a:extLst>
+              <a:ext uri="{FF2B5EF4-FFF2-40B4-BE49-F238E27FC236}">
+                <a16:creationId xmlns:a16="http://schemas.microsoft.com/office/drawing/2014/main" id="{32B411F4-2844-37C3-4A1A-57CD9D74E836}"/>
+              </a:ext>
+            </a:extLst>
+          </p:cNvPr>
+          <p:cNvPicPr>
+            <a:picLocks noGrp="1" noChangeAspect="1"/>
+          </p:cNvPicPr>
+          <p:nvPr>
+            <p:ph idx="1"/>
+          </p:nvPr>
+        </p:nvPicPr>
+        <p:blipFill>
+          <a:blip r:embed="rId4">
+            <a:extLst>
+              <a:ext uri="{28A0092B-C50C-407E-A947-70E740481C1C}">
+                <a14:useLocalDpi xmlns:a14="http://schemas.microsoft.com/office/drawing/2010/main" val="0"/>
+              </a:ext>
+            </a:extLst>
+          </a:blip>
+          <a:stretch>
+            <a:fillRect/>
+          </a:stretch>
+        </p:blipFill>
+        <p:spPr>
+          <a:xfrm>
+            <a:off x="7742712" y="2986492"/>
+            <a:ext cx="4431792" cy="2703392"/>
+          </a:xfrm>
+          <a:prstGeom prst="rect">
+            <a:avLst/>
+          </a:prstGeom>
+        </p:spPr>
+      </p:pic>
+    </p:spTree>
+    <p:extLst>
+      <p:ext uri="{BB962C8B-B14F-4D97-AF65-F5344CB8AC3E}">
+        <p14:creationId xmlns:p14="http://schemas.microsoft.com/office/powerpoint/2010/main" val="3370646919"/>
+      </p:ext>
+    </p:extLst>
+  </p:cSld>
+  <p:clrMapOvr>
+    <a:masterClrMapping/>
+  </p:clrMapOvr>
+</p:sld>
+</file>
+
+<file path=ppt/slides/slide6.xml><?xml version="1.0" encoding="utf-8"?>
+<p:sld xmlns:a="http://schemas.openxmlformats.org/drawingml/2006/main" xmlns:r="http://schemas.openxmlformats.org/officeDocument/2006/relationships" xmlns:p="http://schemas.openxmlformats.org/presentationml/2006/main">
+  <p:cSld>
+    <p:bg>
+      <p:bgPr>
+        <a:solidFill>
+          <a:schemeClr val="bg1"/>
+        </a:solidFill>
+        <a:effectLst/>
+      </p:bgPr>
+    </p:bg>
     <p:spTree>
       <p:nvGrpSpPr>
         <p:cNvPr id="1" name=""/>
@@ -3869,58 +8229,374 @@
       </p:grpSpPr>
       <p:sp>
         <p:nvSpPr>
-          <p:cNvPr id="2" name="Título 1">
+          <p:cNvPr id="32" name="Rectangle 31">
             <a:extLst>
               <a:ext uri="{FF2B5EF4-FFF2-40B4-BE49-F238E27FC236}">
-                <a16:creationId xmlns:a16="http://schemas.microsoft.com/office/drawing/2014/main" id="{E4B92CB0-5C30-5D27-341A-CABC20AED510}"/>
+                <a16:creationId xmlns:a16="http://schemas.microsoft.com/office/drawing/2014/main" id="{AA3CC463-F933-4AC4-86E1-5AC14B0C3163}"/>
+              </a:ext>
+              <a:ext uri="{C183D7F6-B498-43B3-948B-1728B52AA6E4}">
+                <adec:decorative xmlns:adec="http://schemas.microsoft.com/office/drawing/2017/decorative" val="1"/>
               </a:ext>
             </a:extLst>
           </p:cNvPr>
           <p:cNvSpPr>
-            <a:spLocks noGrp="1"/>
+            <a:spLocks noGrp="1" noRot="1" noChangeAspect="1" noMove="1" noResize="1" noEditPoints="1" noAdjustHandles="1" noChangeArrowheads="1" noChangeShapeType="1" noTextEdit="1"/>
           </p:cNvSpPr>
           <p:nvPr>
-            <p:ph type="title"/>
+            <p:extLst>
+              <p:ext uri="{386F3935-93C4-4BCD-93E2-E3B085C9AB24}">
+                <p16:designElem xmlns:p16="http://schemas.microsoft.com/office/powerpoint/2015/main" val="1"/>
+              </p:ext>
+            </p:extLst>
           </p:nvPr>
         </p:nvSpPr>
-        <p:spPr/>
+        <p:spPr>
+          <a:xfrm>
+            <a:off x="0" y="0"/>
+            <a:ext cx="12192000" cy="6858000"/>
+          </a:xfrm>
+          <a:prstGeom prst="rect">
+            <a:avLst/>
+          </a:prstGeom>
+          <a:solidFill>
+            <a:schemeClr val="bg1">
+              <a:lumMod val="50000"/>
+              <a:alpha val="90000"/>
+            </a:schemeClr>
+          </a:solidFill>
+          <a:ln>
+            <a:noFill/>
+          </a:ln>
+        </p:spPr>
+        <p:style>
+          <a:lnRef idx="2">
+            <a:schemeClr val="accent1">
+              <a:shade val="50000"/>
+            </a:schemeClr>
+          </a:lnRef>
+          <a:fillRef idx="1">
+            <a:schemeClr val="accent1"/>
+          </a:fillRef>
+          <a:effectRef idx="0">
+            <a:schemeClr val="accent1"/>
+          </a:effectRef>
+          <a:fontRef idx="minor">
+            <a:schemeClr val="lt1"/>
+          </a:fontRef>
+        </p:style>
         <p:txBody>
-          <a:bodyPr/>
+          <a:bodyPr rtlCol="0" anchor="ctr"/>
           <a:lstStyle/>
           <a:p>
-            <a:endParaRPr lang="es-ES"/>
+            <a:pPr algn="ctr"/>
+            <a:endParaRPr lang="en-US"/>
           </a:p>
         </p:txBody>
       </p:sp>
       <p:sp>
         <p:nvSpPr>
-          <p:cNvPr id="3" name="Marcador de contenido 2">
+          <p:cNvPr id="34" name="Rectangle 33">
             <a:extLst>
               <a:ext uri="{FF2B5EF4-FFF2-40B4-BE49-F238E27FC236}">
-                <a16:creationId xmlns:a16="http://schemas.microsoft.com/office/drawing/2014/main" id="{1D7A3A36-66B8-77FE-271D-F0062701AF4D}"/>
+                <a16:creationId xmlns:a16="http://schemas.microsoft.com/office/drawing/2014/main" id="{6025D2DB-A12A-44DB-B00E-F4D622329EDD}"/>
+              </a:ext>
+              <a:ext uri="{C183D7F6-B498-43B3-948B-1728B52AA6E4}">
+                <adec:decorative xmlns:adec="http://schemas.microsoft.com/office/drawing/2017/decorative" val="1"/>
               </a:ext>
             </a:extLst>
           </p:cNvPr>
           <p:cNvSpPr>
-            <a:spLocks noGrp="1"/>
+            <a:spLocks noGrp="1" noRot="1" noChangeAspect="1" noMove="1" noResize="1" noEditPoints="1" noAdjustHandles="1" noChangeArrowheads="1" noChangeShapeType="1" noTextEdit="1"/>
           </p:cNvSpPr>
           <p:nvPr>
-            <p:ph idx="1"/>
+            <p:extLst>
+              <p:ext uri="{386F3935-93C4-4BCD-93E2-E3B085C9AB24}">
+                <p16:designElem xmlns:p16="http://schemas.microsoft.com/office/powerpoint/2015/main" val="1"/>
+              </p:ext>
+            </p:extLst>
           </p:nvPr>
         </p:nvSpPr>
-        <p:spPr/>
+        <p:spPr>
+          <a:xfrm>
+            <a:off x="461331" y="480060"/>
+            <a:ext cx="4180332" cy="2788074"/>
+          </a:xfrm>
+          <a:prstGeom prst="rect">
+            <a:avLst/>
+          </a:prstGeom>
+          <a:solidFill>
+            <a:srgbClr val="FFFFFF"/>
+          </a:solidFill>
+          <a:ln w="19050">
+            <a:solidFill>
+              <a:srgbClr val="76A1FF"/>
+            </a:solidFill>
+          </a:ln>
+        </p:spPr>
+        <p:style>
+          <a:lnRef idx="2">
+            <a:schemeClr val="accent1">
+              <a:shade val="50000"/>
+            </a:schemeClr>
+          </a:lnRef>
+          <a:fillRef idx="1">
+            <a:schemeClr val="accent1"/>
+          </a:fillRef>
+          <a:effectRef idx="0">
+            <a:schemeClr val="accent1"/>
+          </a:effectRef>
+          <a:fontRef idx="minor">
+            <a:schemeClr val="lt1"/>
+          </a:fontRef>
+        </p:style>
         <p:txBody>
-          <a:bodyPr/>
+          <a:bodyPr rtlCol="0" anchor="ctr"/>
           <a:lstStyle/>
           <a:p>
-            <a:endParaRPr lang="es-ES"/>
+            <a:pPr algn="ctr"/>
+            <a:endParaRPr lang="en-US"/>
           </a:p>
         </p:txBody>
       </p:sp>
+      <p:pic>
+        <p:nvPicPr>
+          <p:cNvPr id="9" name="Imagen 8" descr="Gráfico&#10;&#10;El contenido generado por IA puede ser incorrecto.">
+            <a:extLst>
+              <a:ext uri="{FF2B5EF4-FFF2-40B4-BE49-F238E27FC236}">
+                <a16:creationId xmlns:a16="http://schemas.microsoft.com/office/drawing/2014/main" id="{F92B9F60-25D3-C4D3-19A1-2A7CD6FCDCE6}"/>
+              </a:ext>
+            </a:extLst>
+          </p:cNvPr>
+          <p:cNvPicPr>
+            <a:picLocks noChangeAspect="1"/>
+          </p:cNvPicPr>
+          <p:nvPr/>
+        </p:nvPicPr>
+        <p:blipFill>
+          <a:blip r:embed="rId2">
+            <a:extLst>
+              <a:ext uri="{28A0092B-C50C-407E-A947-70E740481C1C}">
+                <a14:useLocalDpi xmlns:a14="http://schemas.microsoft.com/office/drawing/2010/main" val="0"/>
+              </a:ext>
+            </a:extLst>
+          </a:blip>
+          <a:srcRect l="3732" r="1624" b="1"/>
+          <a:stretch/>
+        </p:blipFill>
+        <p:spPr>
+          <a:xfrm>
+            <a:off x="396096" y="528362"/>
+            <a:ext cx="4245567" cy="2691469"/>
+          </a:xfrm>
+          <a:prstGeom prst="rect">
+            <a:avLst/>
+          </a:prstGeom>
+        </p:spPr>
+      </p:pic>
+      <p:sp>
+        <p:nvSpPr>
+          <p:cNvPr id="36" name="Rectangle 35">
+            <a:extLst>
+              <a:ext uri="{FF2B5EF4-FFF2-40B4-BE49-F238E27FC236}">
+                <a16:creationId xmlns:a16="http://schemas.microsoft.com/office/drawing/2014/main" id="{CE7E7877-F64E-4EEA-B778-138031EFF874}"/>
+              </a:ext>
+              <a:ext uri="{C183D7F6-B498-43B3-948B-1728B52AA6E4}">
+                <adec:decorative xmlns:adec="http://schemas.microsoft.com/office/drawing/2017/decorative" val="1"/>
+              </a:ext>
+            </a:extLst>
+          </p:cNvPr>
+          <p:cNvSpPr>
+            <a:spLocks noGrp="1" noRot="1" noChangeAspect="1" noMove="1" noResize="1" noEditPoints="1" noAdjustHandles="1" noChangeArrowheads="1" noChangeShapeType="1" noTextEdit="1"/>
+          </p:cNvSpPr>
+          <p:nvPr>
+            <p:extLst>
+              <p:ext uri="{386F3935-93C4-4BCD-93E2-E3B085C9AB24}">
+                <p16:designElem xmlns:p16="http://schemas.microsoft.com/office/powerpoint/2015/main" val="1"/>
+              </p:ext>
+            </p:extLst>
+          </p:nvPr>
+        </p:nvSpPr>
+        <p:spPr>
+          <a:xfrm>
+            <a:off x="461331" y="3603670"/>
+            <a:ext cx="4180332" cy="2788074"/>
+          </a:xfrm>
+          <a:prstGeom prst="rect">
+            <a:avLst/>
+          </a:prstGeom>
+          <a:solidFill>
+            <a:srgbClr val="FFFFFF"/>
+          </a:solidFill>
+          <a:ln w="19050">
+            <a:solidFill>
+              <a:srgbClr val="76A1FF"/>
+            </a:solidFill>
+          </a:ln>
+        </p:spPr>
+        <p:style>
+          <a:lnRef idx="2">
+            <a:schemeClr val="accent1">
+              <a:shade val="50000"/>
+            </a:schemeClr>
+          </a:lnRef>
+          <a:fillRef idx="1">
+            <a:schemeClr val="accent1"/>
+          </a:fillRef>
+          <a:effectRef idx="0">
+            <a:schemeClr val="accent1"/>
+          </a:effectRef>
+          <a:fontRef idx="minor">
+            <a:schemeClr val="lt1"/>
+          </a:fontRef>
+        </p:style>
+        <p:txBody>
+          <a:bodyPr rtlCol="0" anchor="ctr"/>
+          <a:lstStyle/>
+          <a:p>
+            <a:pPr algn="ctr"/>
+            <a:endParaRPr lang="en-US"/>
+          </a:p>
+        </p:txBody>
+      </p:sp>
+      <p:pic>
+        <p:nvPicPr>
+          <p:cNvPr id="5" name="Marcador de contenido 4" descr="Gráfico, Gráfico de barras&#10;&#10;El contenido generado por IA puede ser incorrecto.">
+            <a:extLst>
+              <a:ext uri="{FF2B5EF4-FFF2-40B4-BE49-F238E27FC236}">
+                <a16:creationId xmlns:a16="http://schemas.microsoft.com/office/drawing/2014/main" id="{9B129580-43A9-5E96-BAF0-7428350FFF2A}"/>
+              </a:ext>
+            </a:extLst>
+          </p:cNvPr>
+          <p:cNvPicPr>
+            <a:picLocks noGrp="1" noChangeAspect="1"/>
+          </p:cNvPicPr>
+          <p:nvPr>
+            <p:ph idx="4294967295"/>
+          </p:nvPr>
+        </p:nvPicPr>
+        <p:blipFill>
+          <a:blip r:embed="rId3">
+            <a:extLst>
+              <a:ext uri="{28A0092B-C50C-407E-A947-70E740481C1C}">
+                <a14:useLocalDpi xmlns:a14="http://schemas.microsoft.com/office/drawing/2010/main" val="0"/>
+              </a:ext>
+            </a:extLst>
+          </a:blip>
+          <a:srcRect l="9570" r="7446" b="-4"/>
+          <a:stretch/>
+        </p:blipFill>
+        <p:spPr>
+          <a:xfrm>
+            <a:off x="750919" y="3748194"/>
+            <a:ext cx="3598205" cy="2471631"/>
+          </a:xfrm>
+          <a:prstGeom prst="rect">
+            <a:avLst/>
+          </a:prstGeom>
+        </p:spPr>
+      </p:pic>
+      <p:sp>
+        <p:nvSpPr>
+          <p:cNvPr id="38" name="Rectangle 37">
+            <a:extLst>
+              <a:ext uri="{FF2B5EF4-FFF2-40B4-BE49-F238E27FC236}">
+                <a16:creationId xmlns:a16="http://schemas.microsoft.com/office/drawing/2014/main" id="{7DD6C4F3-70FD-4F13-919C-702EE4886499}"/>
+              </a:ext>
+              <a:ext uri="{C183D7F6-B498-43B3-948B-1728B52AA6E4}">
+                <adec:decorative xmlns:adec="http://schemas.microsoft.com/office/drawing/2017/decorative" val="1"/>
+              </a:ext>
+            </a:extLst>
+          </p:cNvPr>
+          <p:cNvSpPr>
+            <a:spLocks noGrp="1" noRot="1" noChangeAspect="1" noMove="1" noResize="1" noEditPoints="1" noAdjustHandles="1" noChangeArrowheads="1" noChangeShapeType="1" noTextEdit="1"/>
+          </p:cNvSpPr>
+          <p:nvPr>
+            <p:extLst>
+              <p:ext uri="{386F3935-93C4-4BCD-93E2-E3B085C9AB24}">
+                <p16:designElem xmlns:p16="http://schemas.microsoft.com/office/powerpoint/2015/main" val="1"/>
+              </p:ext>
+            </p:extLst>
+          </p:nvPr>
+        </p:nvSpPr>
+        <p:spPr>
+          <a:xfrm>
+            <a:off x="4980596" y="487090"/>
+            <a:ext cx="6741849" cy="5897880"/>
+          </a:xfrm>
+          <a:prstGeom prst="rect">
+            <a:avLst/>
+          </a:prstGeom>
+          <a:solidFill>
+            <a:srgbClr val="FFFFFF"/>
+          </a:solidFill>
+          <a:ln w="19050">
+            <a:noFill/>
+          </a:ln>
+        </p:spPr>
+        <p:style>
+          <a:lnRef idx="2">
+            <a:schemeClr val="accent1">
+              <a:shade val="50000"/>
+            </a:schemeClr>
+          </a:lnRef>
+          <a:fillRef idx="1">
+            <a:schemeClr val="accent1"/>
+          </a:fillRef>
+          <a:effectRef idx="0">
+            <a:schemeClr val="accent1"/>
+          </a:effectRef>
+          <a:fontRef idx="minor">
+            <a:schemeClr val="lt1"/>
+          </a:fontRef>
+        </p:style>
+        <p:txBody>
+          <a:bodyPr rtlCol="0" anchor="ctr"/>
+          <a:lstStyle/>
+          <a:p>
+            <a:pPr algn="ctr"/>
+            <a:endParaRPr lang="en-US"/>
+          </a:p>
+        </p:txBody>
+      </p:sp>
+      <p:pic>
+        <p:nvPicPr>
+          <p:cNvPr id="7" name="Imagen 6" descr="Gráfico, Gráfico de barras&#10;&#10;El contenido generado por IA puede ser incorrecto.">
+            <a:extLst>
+              <a:ext uri="{FF2B5EF4-FFF2-40B4-BE49-F238E27FC236}">
+                <a16:creationId xmlns:a16="http://schemas.microsoft.com/office/drawing/2014/main" id="{3C65B618-A8DA-0E5A-C8BE-0515D97614B8}"/>
+              </a:ext>
+            </a:extLst>
+          </p:cNvPr>
+          <p:cNvPicPr>
+            <a:picLocks noChangeAspect="1"/>
+          </p:cNvPicPr>
+          <p:nvPr/>
+        </p:nvPicPr>
+        <p:blipFill>
+          <a:blip r:embed="rId4">
+            <a:extLst>
+              <a:ext uri="{28A0092B-C50C-407E-A947-70E740481C1C}">
+                <a14:useLocalDpi xmlns:a14="http://schemas.microsoft.com/office/drawing/2010/main" val="0"/>
+              </a:ext>
+            </a:extLst>
+          </a:blip>
+          <a:srcRect l="4884" r="127" b="2"/>
+          <a:stretch/>
+        </p:blipFill>
+        <p:spPr>
+          <a:xfrm>
+            <a:off x="5144764" y="1234461"/>
+            <a:ext cx="6410084" cy="4403138"/>
+          </a:xfrm>
+          <a:prstGeom prst="rect">
+            <a:avLst/>
+          </a:prstGeom>
+        </p:spPr>
+      </p:pic>
     </p:spTree>
     <p:extLst>
       <p:ext uri="{BB962C8B-B14F-4D97-AF65-F5344CB8AC3E}">
-        <p14:creationId xmlns:p14="http://schemas.microsoft.com/office/powerpoint/2010/main" val="1827628850"/>
+        <p14:creationId xmlns:p14="http://schemas.microsoft.com/office/powerpoint/2010/main" val="1648978729"/>
       </p:ext>
     </p:extLst>
   </p:cSld>
@@ -3930,9 +8606,17 @@
 </p:sld>
 </file>
 
-<file path=ppt/slides/slide3.xml><?xml version="1.0" encoding="utf-8"?>
+<file path=ppt/slides/slide7.xml><?xml version="1.0" encoding="utf-8"?>
 <p:sld xmlns:a="http://schemas.openxmlformats.org/drawingml/2006/main" xmlns:r="http://schemas.openxmlformats.org/officeDocument/2006/relationships" xmlns:p="http://schemas.openxmlformats.org/presentationml/2006/main">
   <p:cSld>
+    <p:bg>
+      <p:bgPr>
+        <a:solidFill>
+          <a:schemeClr val="bg1"/>
+        </a:solidFill>
+        <a:effectLst/>
+      </p:bgPr>
+    </p:bg>
     <p:spTree>
       <p:nvGrpSpPr>
         <p:cNvPr id="1" name=""/>
@@ -3947,12 +8631,203 @@
           <a:chExt cx="0" cy="0"/>
         </a:xfrm>
       </p:grpSpPr>
+      <p:sp useBgFill="1">
+        <p:nvSpPr>
+          <p:cNvPr id="5136" name="Rectangle 5135">
+            <a:extLst>
+              <a:ext uri="{FF2B5EF4-FFF2-40B4-BE49-F238E27FC236}">
+                <a16:creationId xmlns:a16="http://schemas.microsoft.com/office/drawing/2014/main" id="{04812C46-200A-4DEB-A05E-3ED6C68C2387}"/>
+              </a:ext>
+              <a:ext uri="{C183D7F6-B498-43B3-948B-1728B52AA6E4}">
+                <adec:decorative xmlns:adec="http://schemas.microsoft.com/office/drawing/2017/decorative" val="1"/>
+              </a:ext>
+            </a:extLst>
+          </p:cNvPr>
+          <p:cNvSpPr>
+            <a:spLocks noGrp="1" noRot="1" noChangeAspect="1" noMove="1" noResize="1" noEditPoints="1" noAdjustHandles="1" noChangeArrowheads="1" noChangeShapeType="1" noTextEdit="1"/>
+          </p:cNvSpPr>
+          <p:nvPr>
+            <p:extLst>
+              <p:ext uri="{386F3935-93C4-4BCD-93E2-E3B085C9AB24}">
+                <p16:designElem xmlns:p16="http://schemas.microsoft.com/office/powerpoint/2015/main" val="1"/>
+              </p:ext>
+            </p:extLst>
+          </p:nvPr>
+        </p:nvSpPr>
+        <p:spPr>
+          <a:xfrm>
+            <a:off x="-1" y="0"/>
+            <a:ext cx="12188952" cy="6858000"/>
+          </a:xfrm>
+          <a:prstGeom prst="rect">
+            <a:avLst/>
+          </a:prstGeom>
+          <a:ln>
+            <a:noFill/>
+          </a:ln>
+        </p:spPr>
+        <p:style>
+          <a:lnRef idx="2">
+            <a:schemeClr val="accent1">
+              <a:shade val="50000"/>
+            </a:schemeClr>
+          </a:lnRef>
+          <a:fillRef idx="1">
+            <a:schemeClr val="accent1"/>
+          </a:fillRef>
+          <a:effectRef idx="0">
+            <a:schemeClr val="accent1"/>
+          </a:effectRef>
+          <a:fontRef idx="minor">
+            <a:schemeClr val="lt1"/>
+          </a:fontRef>
+        </p:style>
+        <p:txBody>
+          <a:bodyPr rtlCol="0" anchor="ctr"/>
+          <a:lstStyle/>
+          <a:p>
+            <a:pPr algn="ctr"/>
+            <a:endParaRPr lang="en-US"/>
+          </a:p>
+        </p:txBody>
+      </p:sp>
+      <p:pic>
+        <p:nvPicPr>
+          <p:cNvPr id="5124" name="Picture 4" descr="Qué es la Calidad de datos? Concepto y beneficios">
+            <a:extLst>
+              <a:ext uri="{FF2B5EF4-FFF2-40B4-BE49-F238E27FC236}">
+                <a16:creationId xmlns:a16="http://schemas.microsoft.com/office/drawing/2014/main" id="{5FBB6F8A-CDC3-788D-95EC-6AEC322D1423}"/>
+              </a:ext>
+            </a:extLst>
+          </p:cNvPr>
+          <p:cNvPicPr>
+            <a:picLocks noChangeAspect="1" noChangeArrowheads="1"/>
+          </p:cNvPicPr>
+          <p:nvPr/>
+        </p:nvPicPr>
+        <p:blipFill>
+          <a:blip r:embed="rId2">
+            <a:extLst>
+              <a:ext uri="{28A0092B-C50C-407E-A947-70E740481C1C}">
+                <a14:useLocalDpi xmlns:a14="http://schemas.microsoft.com/office/drawing/2010/main" val="0"/>
+              </a:ext>
+            </a:extLst>
+          </a:blip>
+          <a:srcRect l="13286"/>
+          <a:stretch/>
+        </p:blipFill>
+        <p:spPr bwMode="auto">
+          <a:xfrm>
+            <a:off x="1" y="10"/>
+            <a:ext cx="9669642" cy="6857990"/>
+          </a:xfrm>
+          <a:prstGeom prst="rect">
+            <a:avLst/>
+          </a:prstGeom>
+          <a:noFill/>
+          <a:extLst>
+            <a:ext uri="{909E8E84-426E-40DD-AFC4-6F175D3DCCD1}">
+              <a14:hiddenFill xmlns:a14="http://schemas.microsoft.com/office/drawing/2010/main">
+                <a:solidFill>
+                  <a:srgbClr val="FFFFFF"/>
+                </a:solidFill>
+              </a14:hiddenFill>
+            </a:ext>
+          </a:extLst>
+        </p:spPr>
+      </p:pic>
+      <p:sp>
+        <p:nvSpPr>
+          <p:cNvPr id="5138" name="Rectangle 5137">
+            <a:extLst>
+              <a:ext uri="{FF2B5EF4-FFF2-40B4-BE49-F238E27FC236}">
+                <a16:creationId xmlns:a16="http://schemas.microsoft.com/office/drawing/2014/main" id="{D1EA859B-E555-4109-94F3-6700E046E008}"/>
+              </a:ext>
+              <a:ext uri="{C183D7F6-B498-43B3-948B-1728B52AA6E4}">
+                <adec:decorative xmlns:adec="http://schemas.microsoft.com/office/drawing/2017/decorative" val="1"/>
+              </a:ext>
+            </a:extLst>
+          </p:cNvPr>
+          <p:cNvSpPr>
+            <a:spLocks noGrp="1" noRot="1" noChangeAspect="1" noMove="1" noResize="1" noEditPoints="1" noAdjustHandles="1" noChangeArrowheads="1" noChangeShapeType="1" noTextEdit="1"/>
+          </p:cNvSpPr>
+          <p:nvPr>
+            <p:extLst>
+              <p:ext uri="{386F3935-93C4-4BCD-93E2-E3B085C9AB24}">
+                <p16:designElem xmlns:p16="http://schemas.microsoft.com/office/powerpoint/2015/main" val="1"/>
+              </p:ext>
+            </p:extLst>
+          </p:nvPr>
+        </p:nvSpPr>
+        <p:spPr>
+          <a:xfrm flipH="1">
+            <a:off x="5125019" y="0"/>
+            <a:ext cx="7066978" cy="6858000"/>
+          </a:xfrm>
+          <a:prstGeom prst="rect">
+            <a:avLst/>
+          </a:prstGeom>
+          <a:gradFill>
+            <a:gsLst>
+              <a:gs pos="48000">
+                <a:schemeClr val="bg1"/>
+              </a:gs>
+              <a:gs pos="35000">
+                <a:schemeClr val="bg1">
+                  <a:alpha val="77000"/>
+                </a:schemeClr>
+              </a:gs>
+              <a:gs pos="19000">
+                <a:schemeClr val="bg1">
+                  <a:alpha val="38000"/>
+                </a:schemeClr>
+              </a:gs>
+              <a:gs pos="0">
+                <a:schemeClr val="bg1">
+                  <a:alpha val="0"/>
+                </a:schemeClr>
+              </a:gs>
+              <a:gs pos="100000">
+                <a:schemeClr val="bg1"/>
+              </a:gs>
+            </a:gsLst>
+            <a:lin ang="10800000" scaled="0"/>
+          </a:gradFill>
+          <a:ln>
+            <a:noFill/>
+          </a:ln>
+        </p:spPr>
+        <p:style>
+          <a:lnRef idx="2">
+            <a:schemeClr val="accent1">
+              <a:shade val="50000"/>
+            </a:schemeClr>
+          </a:lnRef>
+          <a:fillRef idx="1">
+            <a:schemeClr val="accent1"/>
+          </a:fillRef>
+          <a:effectRef idx="0">
+            <a:schemeClr val="accent1"/>
+          </a:effectRef>
+          <a:fontRef idx="minor">
+            <a:schemeClr val="lt1"/>
+          </a:fontRef>
+        </p:style>
+        <p:txBody>
+          <a:bodyPr rtlCol="0" anchor="ctr"/>
+          <a:lstStyle/>
+          <a:p>
+            <a:pPr algn="ctr"/>
+            <a:endParaRPr lang="en-US" dirty="0"/>
+          </a:p>
+        </p:txBody>
+      </p:sp>
       <p:sp>
         <p:nvSpPr>
           <p:cNvPr id="2" name="Título 1">
             <a:extLst>
               <a:ext uri="{FF2B5EF4-FFF2-40B4-BE49-F238E27FC236}">
-                <a16:creationId xmlns:a16="http://schemas.microsoft.com/office/drawing/2014/main" id="{8DE7623E-BE13-C1D6-D06E-9143662B8ECC}"/>
+                <a16:creationId xmlns:a16="http://schemas.microsoft.com/office/drawing/2014/main" id="{8A3B1BFE-3984-CEFF-6D65-9AF84BF2EA4B}"/>
               </a:ext>
             </a:extLst>
           </p:cNvPr>
@@ -3963,12 +8838,22 @@
             <p:ph type="title"/>
           </p:nvPr>
         </p:nvSpPr>
-        <p:spPr/>
+        <p:spPr>
+          <a:xfrm>
+            <a:off x="7531610" y="365125"/>
+            <a:ext cx="4660390" cy="1899912"/>
+          </a:xfrm>
+        </p:spPr>
         <p:txBody>
-          <a:bodyPr/>
+          <a:bodyPr>
+            <a:normAutofit/>
+          </a:bodyPr>
           <a:lstStyle/>
           <a:p>
-            <a:endParaRPr lang="es-ES"/>
+            <a:r>
+              <a:rPr lang="es-ES" sz="4000" b="1" dirty="0"/>
+              <a:t>¿Qué hemos descubierto a priori? </a:t>
+            </a:r>
           </a:p>
         </p:txBody>
       </p:sp>
@@ -3977,7 +8862,7 @@
           <p:cNvPr id="3" name="Marcador de contenido 2">
             <a:extLst>
               <a:ext uri="{FF2B5EF4-FFF2-40B4-BE49-F238E27FC236}">
-                <a16:creationId xmlns:a16="http://schemas.microsoft.com/office/drawing/2014/main" id="{86995330-3B92-A34D-7257-56C015A9EE26}"/>
+                <a16:creationId xmlns:a16="http://schemas.microsoft.com/office/drawing/2014/main" id="{E7D6F5A1-7446-78C1-5747-7B3496225AD4}"/>
               </a:ext>
             </a:extLst>
           </p:cNvPr>
@@ -3988,172 +8873,40 @@
             <p:ph idx="1"/>
           </p:nvPr>
         </p:nvSpPr>
-        <p:spPr/>
+        <p:spPr>
+          <a:xfrm>
+            <a:off x="7531610" y="2434201"/>
+            <a:ext cx="3822189" cy="3742762"/>
+          </a:xfrm>
+        </p:spPr>
         <p:txBody>
-          <a:bodyPr/>
+          <a:bodyPr>
+            <a:normAutofit/>
+          </a:bodyPr>
           <a:lstStyle/>
           <a:p>
-            <a:endParaRPr lang="es-ES"/>
-          </a:p>
-        </p:txBody>
-      </p:sp>
-    </p:spTree>
-    <p:extLst>
-      <p:ext uri="{BB962C8B-B14F-4D97-AF65-F5344CB8AC3E}">
-        <p14:creationId xmlns:p14="http://schemas.microsoft.com/office/powerpoint/2010/main" val="4008808226"/>
-      </p:ext>
-    </p:extLst>
-  </p:cSld>
-  <p:clrMapOvr>
-    <a:masterClrMapping/>
-  </p:clrMapOvr>
-</p:sld>
-</file>
-
-<file path=ppt/slides/slide4.xml><?xml version="1.0" encoding="utf-8"?>
-<p:sld xmlns:a="http://schemas.openxmlformats.org/drawingml/2006/main" xmlns:r="http://schemas.openxmlformats.org/officeDocument/2006/relationships" xmlns:p="http://schemas.openxmlformats.org/presentationml/2006/main">
-  <p:cSld>
-    <p:spTree>
-      <p:nvGrpSpPr>
-        <p:cNvPr id="1" name=""/>
-        <p:cNvGrpSpPr/>
-        <p:nvPr/>
-      </p:nvGrpSpPr>
-      <p:grpSpPr>
-        <a:xfrm>
-          <a:off x="0" y="0"/>
-          <a:ext cx="0" cy="0"/>
-          <a:chOff x="0" y="0"/>
-          <a:chExt cx="0" cy="0"/>
-        </a:xfrm>
-      </p:grpSpPr>
-      <p:sp>
-        <p:nvSpPr>
-          <p:cNvPr id="2" name="Título 1">
-            <a:extLst>
-              <a:ext uri="{FF2B5EF4-FFF2-40B4-BE49-F238E27FC236}">
-                <a16:creationId xmlns:a16="http://schemas.microsoft.com/office/drawing/2014/main" id="{3CCE3941-F545-E546-49F9-65DAE35EC1C3}"/>
-              </a:ext>
-            </a:extLst>
-          </p:cNvPr>
-          <p:cNvSpPr>
-            <a:spLocks noGrp="1"/>
-          </p:cNvSpPr>
-          <p:nvPr>
-            <p:ph type="title"/>
-          </p:nvPr>
-        </p:nvSpPr>
-        <p:spPr/>
-        <p:txBody>
-          <a:bodyPr/>
-          <a:lstStyle/>
-          <a:p>
-            <a:endParaRPr lang="es-ES"/>
-          </a:p>
-        </p:txBody>
-      </p:sp>
-      <p:sp>
-        <p:nvSpPr>
-          <p:cNvPr id="3" name="Marcador de contenido 2">
-            <a:extLst>
-              <a:ext uri="{FF2B5EF4-FFF2-40B4-BE49-F238E27FC236}">
-                <a16:creationId xmlns:a16="http://schemas.microsoft.com/office/drawing/2014/main" id="{8FB05620-01D4-2250-CA7B-FA6C861709C9}"/>
-              </a:ext>
-            </a:extLst>
-          </p:cNvPr>
-          <p:cNvSpPr>
-            <a:spLocks noGrp="1"/>
-          </p:cNvSpPr>
-          <p:nvPr>
-            <p:ph idx="1"/>
-          </p:nvPr>
-        </p:nvSpPr>
-        <p:spPr/>
-        <p:txBody>
-          <a:bodyPr/>
-          <a:lstStyle/>
-          <a:p>
-            <a:endParaRPr lang="es-ES"/>
-          </a:p>
-        </p:txBody>
-      </p:sp>
-    </p:spTree>
-    <p:extLst>
-      <p:ext uri="{BB962C8B-B14F-4D97-AF65-F5344CB8AC3E}">
-        <p14:creationId xmlns:p14="http://schemas.microsoft.com/office/powerpoint/2010/main" val="1569750232"/>
-      </p:ext>
-    </p:extLst>
-  </p:cSld>
-  <p:clrMapOvr>
-    <a:masterClrMapping/>
-  </p:clrMapOvr>
-</p:sld>
-</file>
-
-<file path=ppt/slides/slide5.xml><?xml version="1.0" encoding="utf-8"?>
-<p:sld xmlns:a="http://schemas.openxmlformats.org/drawingml/2006/main" xmlns:r="http://schemas.openxmlformats.org/officeDocument/2006/relationships" xmlns:p="http://schemas.openxmlformats.org/presentationml/2006/main">
-  <p:cSld>
-    <p:spTree>
-      <p:nvGrpSpPr>
-        <p:cNvPr id="1" name=""/>
-        <p:cNvGrpSpPr/>
-        <p:nvPr/>
-      </p:nvGrpSpPr>
-      <p:grpSpPr>
-        <a:xfrm>
-          <a:off x="0" y="0"/>
-          <a:ext cx="0" cy="0"/>
-          <a:chOff x="0" y="0"/>
-          <a:chExt cx="0" cy="0"/>
-        </a:xfrm>
-      </p:grpSpPr>
-      <p:sp>
-        <p:nvSpPr>
-          <p:cNvPr id="2" name="Título 1">
-            <a:extLst>
-              <a:ext uri="{FF2B5EF4-FFF2-40B4-BE49-F238E27FC236}">
-                <a16:creationId xmlns:a16="http://schemas.microsoft.com/office/drawing/2014/main" id="{8A3B1BFE-3984-CEFF-6D65-9AF84BF2EA4B}"/>
-              </a:ext>
-            </a:extLst>
-          </p:cNvPr>
-          <p:cNvSpPr>
-            <a:spLocks noGrp="1"/>
-          </p:cNvSpPr>
-          <p:nvPr>
-            <p:ph type="title"/>
-          </p:nvPr>
-        </p:nvSpPr>
-        <p:spPr/>
-        <p:txBody>
-          <a:bodyPr/>
-          <a:lstStyle/>
-          <a:p>
-            <a:endParaRPr lang="es-ES"/>
-          </a:p>
-        </p:txBody>
-      </p:sp>
-      <p:sp>
-        <p:nvSpPr>
-          <p:cNvPr id="3" name="Marcador de contenido 2">
-            <a:extLst>
-              <a:ext uri="{FF2B5EF4-FFF2-40B4-BE49-F238E27FC236}">
-                <a16:creationId xmlns:a16="http://schemas.microsoft.com/office/drawing/2014/main" id="{E7D6F5A1-7446-78C1-5747-7B3496225AD4}"/>
-              </a:ext>
-            </a:extLst>
-          </p:cNvPr>
-          <p:cNvSpPr>
-            <a:spLocks noGrp="1"/>
-          </p:cNvSpPr>
-          <p:nvPr>
-            <p:ph idx="1"/>
-          </p:nvPr>
-        </p:nvSpPr>
-        <p:spPr/>
-        <p:txBody>
-          <a:bodyPr/>
-          <a:lstStyle/>
-          <a:p>
-            <a:endParaRPr lang="es-ES"/>
+            <a:r>
+              <a:rPr lang="es-ES" sz="2000"/>
+              <a:t>A mayor score crediticio, menor tasa de impago</a:t>
+            </a:r>
+          </a:p>
+          <a:p>
+            <a:r>
+              <a:rPr lang="es-ES" sz="2000"/>
+              <a:t>Los prestamos personales son los mas arriesgados</a:t>
+            </a:r>
+          </a:p>
+          <a:p>
+            <a:r>
+              <a:rPr lang="es-ES" sz="2000"/>
+              <a:t>Los clientes que destinan más del 30% de su ingreso al préstamo tienen alto riesgo</a:t>
+            </a:r>
+          </a:p>
+          <a:p>
+            <a:r>
+              <a:rPr lang="es-ES" sz="2000"/>
+              <a:t>La experiencia laboral influye bastante en la fiabilidad del cliente. </a:t>
+            </a:r>
           </a:p>
         </p:txBody>
       </p:sp>
@@ -4170,9 +8923,17 @@
 </p:sld>
 </file>
 
-<file path=ppt/slides/slide6.xml><?xml version="1.0" encoding="utf-8"?>
+<file path=ppt/slides/slide8.xml><?xml version="1.0" encoding="utf-8"?>
 <p:sld xmlns:a="http://schemas.openxmlformats.org/drawingml/2006/main" xmlns:r="http://schemas.openxmlformats.org/officeDocument/2006/relationships" xmlns:p="http://schemas.openxmlformats.org/presentationml/2006/main">
   <p:cSld>
+    <p:bg>
+      <p:bgPr>
+        <a:solidFill>
+          <a:schemeClr val="bg1"/>
+        </a:solidFill>
+        <a:effectLst/>
+      </p:bgPr>
+    </p:bg>
     <p:spTree>
       <p:nvGrpSpPr>
         <p:cNvPr id="1" name=""/>
@@ -4187,12 +8948,72 @@
           <a:chExt cx="0" cy="0"/>
         </a:xfrm>
       </p:grpSpPr>
+      <p:sp useBgFill="1">
+        <p:nvSpPr>
+          <p:cNvPr id="7175" name="Rectangle 7174">
+            <a:extLst>
+              <a:ext uri="{FF2B5EF4-FFF2-40B4-BE49-F238E27FC236}">
+                <a16:creationId xmlns:a16="http://schemas.microsoft.com/office/drawing/2014/main" id="{F13C74B1-5B17-4795-BED0-7140497B445A}"/>
+              </a:ext>
+              <a:ext uri="{C183D7F6-B498-43B3-948B-1728B52AA6E4}">
+                <adec:decorative xmlns:adec="http://schemas.microsoft.com/office/drawing/2017/decorative" val="1"/>
+              </a:ext>
+            </a:extLst>
+          </p:cNvPr>
+          <p:cNvSpPr>
+            <a:spLocks noGrp="1" noRot="1" noChangeAspect="1" noMove="1" noResize="1" noEditPoints="1" noAdjustHandles="1" noChangeArrowheads="1" noChangeShapeType="1" noTextEdit="1"/>
+          </p:cNvSpPr>
+          <p:nvPr>
+            <p:extLst>
+              <p:ext uri="{386F3935-93C4-4BCD-93E2-E3B085C9AB24}">
+                <p16:designElem xmlns:p16="http://schemas.microsoft.com/office/powerpoint/2015/main" val="1"/>
+              </p:ext>
+            </p:extLst>
+          </p:nvPr>
+        </p:nvSpPr>
+        <p:spPr>
+          <a:xfrm>
+            <a:off x="0" y="0"/>
+            <a:ext cx="12188952" cy="6858000"/>
+          </a:xfrm>
+          <a:prstGeom prst="rect">
+            <a:avLst/>
+          </a:prstGeom>
+          <a:ln>
+            <a:noFill/>
+          </a:ln>
+        </p:spPr>
+        <p:style>
+          <a:lnRef idx="2">
+            <a:schemeClr val="accent1">
+              <a:shade val="50000"/>
+            </a:schemeClr>
+          </a:lnRef>
+          <a:fillRef idx="1">
+            <a:schemeClr val="accent1"/>
+          </a:fillRef>
+          <a:effectRef idx="0">
+            <a:schemeClr val="accent1"/>
+          </a:effectRef>
+          <a:fontRef idx="minor">
+            <a:schemeClr val="lt1"/>
+          </a:fontRef>
+        </p:style>
+        <p:txBody>
+          <a:bodyPr rtlCol="0" anchor="ctr"/>
+          <a:lstStyle/>
+          <a:p>
+            <a:pPr algn="ctr"/>
+            <a:endParaRPr lang="en-US"/>
+          </a:p>
+        </p:txBody>
+      </p:sp>
       <p:sp>
         <p:nvSpPr>
           <p:cNvPr id="2" name="Título 1">
             <a:extLst>
               <a:ext uri="{FF2B5EF4-FFF2-40B4-BE49-F238E27FC236}">
-                <a16:creationId xmlns:a16="http://schemas.microsoft.com/office/drawing/2014/main" id="{587CB84C-0227-46D0-9F6C-5D641D7BE655}"/>
+                <a16:creationId xmlns:a16="http://schemas.microsoft.com/office/drawing/2014/main" id="{D326E213-F176-5FF3-2E24-057245E37F7B}"/>
               </a:ext>
             </a:extLst>
           </p:cNvPr>
@@ -4203,12 +9024,305 @@
             <p:ph type="title"/>
           </p:nvPr>
         </p:nvSpPr>
-        <p:spPr/>
+        <p:spPr>
+          <a:xfrm>
+            <a:off x="344649" y="362536"/>
+            <a:ext cx="5417976" cy="1956841"/>
+          </a:xfrm>
+        </p:spPr>
         <p:txBody>
-          <a:bodyPr/>
+          <a:bodyPr anchor="b">
+            <a:normAutofit/>
+          </a:bodyPr>
           <a:lstStyle/>
           <a:p>
-            <a:endParaRPr lang="es-ES"/>
+            <a:r>
+              <a:rPr lang="es-ES" sz="4200" b="1" dirty="0"/>
+              <a:t>¿Cómo se usa podría usar en la empresa? </a:t>
+            </a:r>
+          </a:p>
+        </p:txBody>
+      </p:sp>
+      <p:sp>
+        <p:nvSpPr>
+          <p:cNvPr id="7177" name="sketchy line">
+            <a:extLst>
+              <a:ext uri="{FF2B5EF4-FFF2-40B4-BE49-F238E27FC236}">
+                <a16:creationId xmlns:a16="http://schemas.microsoft.com/office/drawing/2014/main" id="{D4974D33-8DC5-464E-8C6D-BE58F0669C17}"/>
+              </a:ext>
+              <a:ext uri="{C183D7F6-B498-43B3-948B-1728B52AA6E4}">
+                <adec:decorative xmlns:adec="http://schemas.microsoft.com/office/drawing/2017/decorative" val="1"/>
+              </a:ext>
+            </a:extLst>
+          </p:cNvPr>
+          <p:cNvSpPr>
+            <a:spLocks noGrp="1" noRot="1" noChangeAspect="1" noMove="1" noResize="1" noEditPoints="1" noAdjustHandles="1" noChangeArrowheads="1" noChangeShapeType="1" noTextEdit="1"/>
+          </p:cNvSpPr>
+          <p:nvPr>
+            <p:extLst>
+              <p:ext uri="{386F3935-93C4-4BCD-93E2-E3B085C9AB24}">
+                <p16:designElem xmlns:p16="http://schemas.microsoft.com/office/powerpoint/2015/main" val="1"/>
+              </p:ext>
+            </p:extLst>
+          </p:nvPr>
+        </p:nvSpPr>
+        <p:spPr>
+          <a:xfrm>
+            <a:off x="640080" y="2586994"/>
+            <a:ext cx="3474720" cy="18288"/>
+          </a:xfrm>
+          <a:custGeom>
+            <a:avLst/>
+            <a:gdLst>
+              <a:gd name="connsiteX0" fmla="*/ 0 w 3474720"/>
+              <a:gd name="connsiteY0" fmla="*/ 0 h 18288"/>
+              <a:gd name="connsiteX1" fmla="*/ 694944 w 3474720"/>
+              <a:gd name="connsiteY1" fmla="*/ 0 h 18288"/>
+              <a:gd name="connsiteX2" fmla="*/ 1355141 w 3474720"/>
+              <a:gd name="connsiteY2" fmla="*/ 0 h 18288"/>
+              <a:gd name="connsiteX3" fmla="*/ 2015338 w 3474720"/>
+              <a:gd name="connsiteY3" fmla="*/ 0 h 18288"/>
+              <a:gd name="connsiteX4" fmla="*/ 2779776 w 3474720"/>
+              <a:gd name="connsiteY4" fmla="*/ 0 h 18288"/>
+              <a:gd name="connsiteX5" fmla="*/ 3474720 w 3474720"/>
+              <a:gd name="connsiteY5" fmla="*/ 0 h 18288"/>
+              <a:gd name="connsiteX6" fmla="*/ 3474720 w 3474720"/>
+              <a:gd name="connsiteY6" fmla="*/ 18288 h 18288"/>
+              <a:gd name="connsiteX7" fmla="*/ 2779776 w 3474720"/>
+              <a:gd name="connsiteY7" fmla="*/ 18288 h 18288"/>
+              <a:gd name="connsiteX8" fmla="*/ 2189074 w 3474720"/>
+              <a:gd name="connsiteY8" fmla="*/ 18288 h 18288"/>
+              <a:gd name="connsiteX9" fmla="*/ 1528877 w 3474720"/>
+              <a:gd name="connsiteY9" fmla="*/ 18288 h 18288"/>
+              <a:gd name="connsiteX10" fmla="*/ 868680 w 3474720"/>
+              <a:gd name="connsiteY10" fmla="*/ 18288 h 18288"/>
+              <a:gd name="connsiteX11" fmla="*/ 0 w 3474720"/>
+              <a:gd name="connsiteY11" fmla="*/ 18288 h 18288"/>
+              <a:gd name="connsiteX12" fmla="*/ 0 w 3474720"/>
+              <a:gd name="connsiteY12" fmla="*/ 0 h 18288"/>
+            </a:gdLst>
+            <a:ahLst/>
+            <a:cxnLst>
+              <a:cxn ang="0">
+                <a:pos x="connsiteX0" y="connsiteY0"/>
+              </a:cxn>
+              <a:cxn ang="0">
+                <a:pos x="connsiteX1" y="connsiteY1"/>
+              </a:cxn>
+              <a:cxn ang="0">
+                <a:pos x="connsiteX2" y="connsiteY2"/>
+              </a:cxn>
+              <a:cxn ang="0">
+                <a:pos x="connsiteX3" y="connsiteY3"/>
+              </a:cxn>
+              <a:cxn ang="0">
+                <a:pos x="connsiteX4" y="connsiteY4"/>
+              </a:cxn>
+              <a:cxn ang="0">
+                <a:pos x="connsiteX5" y="connsiteY5"/>
+              </a:cxn>
+              <a:cxn ang="0">
+                <a:pos x="connsiteX6" y="connsiteY6"/>
+              </a:cxn>
+              <a:cxn ang="0">
+                <a:pos x="connsiteX7" y="connsiteY7"/>
+              </a:cxn>
+              <a:cxn ang="0">
+                <a:pos x="connsiteX8" y="connsiteY8"/>
+              </a:cxn>
+              <a:cxn ang="0">
+                <a:pos x="connsiteX9" y="connsiteY9"/>
+              </a:cxn>
+              <a:cxn ang="0">
+                <a:pos x="connsiteX10" y="connsiteY10"/>
+              </a:cxn>
+              <a:cxn ang="0">
+                <a:pos x="connsiteX11" y="connsiteY11"/>
+              </a:cxn>
+              <a:cxn ang="0">
+                <a:pos x="connsiteX12" y="connsiteY12"/>
+              </a:cxn>
+            </a:cxnLst>
+            <a:rect l="l" t="t" r="r" b="b"/>
+            <a:pathLst>
+              <a:path w="3474720" h="18288" fill="none" extrusionOk="0">
+                <a:moveTo>
+                  <a:pt x="0" y="0"/>
+                </a:moveTo>
+                <a:cubicBezTo>
+                  <a:pt x="224454" y="-14544"/>
+                  <a:pt x="495407" y="26540"/>
+                  <a:pt x="694944" y="0"/>
+                </a:cubicBezTo>
+                <a:cubicBezTo>
+                  <a:pt x="894481" y="-26540"/>
+                  <a:pt x="1130063" y="24713"/>
+                  <a:pt x="1355141" y="0"/>
+                </a:cubicBezTo>
+                <a:cubicBezTo>
+                  <a:pt x="1580219" y="-24713"/>
+                  <a:pt x="1820099" y="26695"/>
+                  <a:pt x="2015338" y="0"/>
+                </a:cubicBezTo>
+                <a:cubicBezTo>
+                  <a:pt x="2210577" y="-26695"/>
+                  <a:pt x="2402045" y="165"/>
+                  <a:pt x="2779776" y="0"/>
+                </a:cubicBezTo>
+                <a:cubicBezTo>
+                  <a:pt x="3157507" y="-165"/>
+                  <a:pt x="3286859" y="-15571"/>
+                  <a:pt x="3474720" y="0"/>
+                </a:cubicBezTo>
+                <a:cubicBezTo>
+                  <a:pt x="3474286" y="7551"/>
+                  <a:pt x="3474253" y="9822"/>
+                  <a:pt x="3474720" y="18288"/>
+                </a:cubicBezTo>
+                <a:cubicBezTo>
+                  <a:pt x="3233904" y="29845"/>
+                  <a:pt x="2945134" y="-5256"/>
+                  <a:pt x="2779776" y="18288"/>
+                </a:cubicBezTo>
+                <a:cubicBezTo>
+                  <a:pt x="2614418" y="41832"/>
+                  <a:pt x="2339768" y="22709"/>
+                  <a:pt x="2189074" y="18288"/>
+                </a:cubicBezTo>
+                <a:cubicBezTo>
+                  <a:pt x="2038380" y="13867"/>
+                  <a:pt x="1817434" y="-4947"/>
+                  <a:pt x="1528877" y="18288"/>
+                </a:cubicBezTo>
+                <a:cubicBezTo>
+                  <a:pt x="1240320" y="41523"/>
+                  <a:pt x="1042447" y="37198"/>
+                  <a:pt x="868680" y="18288"/>
+                </a:cubicBezTo>
+                <a:cubicBezTo>
+                  <a:pt x="694913" y="-622"/>
+                  <a:pt x="233232" y="44909"/>
+                  <a:pt x="0" y="18288"/>
+                </a:cubicBezTo>
+                <a:cubicBezTo>
+                  <a:pt x="60" y="11696"/>
+                  <a:pt x="66" y="3758"/>
+                  <a:pt x="0" y="0"/>
+                </a:cubicBezTo>
+                <a:close/>
+              </a:path>
+              <a:path w="3474720" h="18288" stroke="0" extrusionOk="0">
+                <a:moveTo>
+                  <a:pt x="0" y="0"/>
+                </a:moveTo>
+                <a:cubicBezTo>
+                  <a:pt x="202328" y="-14716"/>
+                  <a:pt x="332722" y="-11499"/>
+                  <a:pt x="625450" y="0"/>
+                </a:cubicBezTo>
+                <a:cubicBezTo>
+                  <a:pt x="918178" y="11499"/>
+                  <a:pt x="1096688" y="5123"/>
+                  <a:pt x="1389888" y="0"/>
+                </a:cubicBezTo>
+                <a:cubicBezTo>
+                  <a:pt x="1683088" y="-5123"/>
+                  <a:pt x="1835981" y="-14038"/>
+                  <a:pt x="1980590" y="0"/>
+                </a:cubicBezTo>
+                <a:cubicBezTo>
+                  <a:pt x="2125199" y="14038"/>
+                  <a:pt x="2396099" y="-7203"/>
+                  <a:pt x="2571293" y="0"/>
+                </a:cubicBezTo>
+                <a:cubicBezTo>
+                  <a:pt x="2746487" y="7203"/>
+                  <a:pt x="3041609" y="-12036"/>
+                  <a:pt x="3474720" y="0"/>
+                </a:cubicBezTo>
+                <a:cubicBezTo>
+                  <a:pt x="3474638" y="4406"/>
+                  <a:pt x="3474631" y="9982"/>
+                  <a:pt x="3474720" y="18288"/>
+                </a:cubicBezTo>
+                <a:cubicBezTo>
+                  <a:pt x="3324873" y="21876"/>
+                  <a:pt x="3136771" y="12587"/>
+                  <a:pt x="2814523" y="18288"/>
+                </a:cubicBezTo>
+                <a:cubicBezTo>
+                  <a:pt x="2492275" y="23989"/>
+                  <a:pt x="2294402" y="47111"/>
+                  <a:pt x="2154326" y="18288"/>
+                </a:cubicBezTo>
+                <a:cubicBezTo>
+                  <a:pt x="2014250" y="-10535"/>
+                  <a:pt x="1820317" y="33903"/>
+                  <a:pt x="1494130" y="18288"/>
+                </a:cubicBezTo>
+                <a:cubicBezTo>
+                  <a:pt x="1167943" y="2673"/>
+                  <a:pt x="948432" y="14868"/>
+                  <a:pt x="729691" y="18288"/>
+                </a:cubicBezTo>
+                <a:cubicBezTo>
+                  <a:pt x="510950" y="21708"/>
+                  <a:pt x="264032" y="24354"/>
+                  <a:pt x="0" y="18288"/>
+                </a:cubicBezTo>
+                <a:cubicBezTo>
+                  <a:pt x="189" y="14288"/>
+                  <a:pt x="-703" y="3747"/>
+                  <a:pt x="0" y="0"/>
+                </a:cubicBezTo>
+                <a:close/>
+              </a:path>
+            </a:pathLst>
+          </a:custGeom>
+          <a:solidFill>
+            <a:schemeClr val="accent2"/>
+          </a:solidFill>
+          <a:ln w="44450" cap="rnd">
+            <a:solidFill>
+              <a:schemeClr val="accent2"/>
+            </a:solidFill>
+            <a:round/>
+            <a:extLst>
+              <a:ext uri="{C807C97D-BFC1-408E-A445-0C87EB9F89A2}">
+                <ask:lineSketchStyleProps xmlns:ask="http://schemas.microsoft.com/office/drawing/2018/sketchyshapes" sd="2863741219">
+                  <a:prstGeom prst="rect">
+                    <a:avLst/>
+                  </a:prstGeom>
+                  <ask:type>
+                    <ask:lineSketchFreehand/>
+                  </ask:type>
+                </ask:lineSketchStyleProps>
+              </a:ext>
+            </a:extLst>
+          </a:ln>
+        </p:spPr>
+        <p:style>
+          <a:lnRef idx="2">
+            <a:schemeClr val="accent1">
+              <a:shade val="50000"/>
+            </a:schemeClr>
+          </a:lnRef>
+          <a:fillRef idx="1">
+            <a:schemeClr val="accent1"/>
+          </a:fillRef>
+          <a:effectRef idx="0">
+            <a:schemeClr val="accent1"/>
+          </a:effectRef>
+          <a:fontRef idx="minor">
+            <a:schemeClr val="lt1"/>
+          </a:fontRef>
+        </p:style>
+        <p:txBody>
+          <a:bodyPr rtlCol="0" anchor="ctr"/>
+          <a:lstStyle/>
+          <a:p>
+            <a:pPr algn="ctr"/>
+            <a:endParaRPr lang="en-US"/>
           </a:p>
         </p:txBody>
       </p:sp>
@@ -4217,7 +9331,7 @@
           <p:cNvPr id="3" name="Marcador de contenido 2">
             <a:extLst>
               <a:ext uri="{FF2B5EF4-FFF2-40B4-BE49-F238E27FC236}">
-                <a16:creationId xmlns:a16="http://schemas.microsoft.com/office/drawing/2014/main" id="{D93C37C8-7DA1-1516-1575-59AD5E12D1C0}"/>
+                <a16:creationId xmlns:a16="http://schemas.microsoft.com/office/drawing/2014/main" id="{CBCA7F0B-A9E5-53CB-37DA-72BD73B93AC9}"/>
               </a:ext>
             </a:extLst>
           </p:cNvPr>
@@ -4228,19 +9342,201 @@
             <p:ph idx="1"/>
           </p:nvPr>
         </p:nvSpPr>
-        <p:spPr/>
+        <p:spPr>
+          <a:xfrm>
+            <a:off x="640080" y="2872899"/>
+            <a:ext cx="4243589" cy="3320668"/>
+          </a:xfrm>
+        </p:spPr>
         <p:txBody>
-          <a:bodyPr/>
+          <a:bodyPr>
+            <a:normAutofit/>
+          </a:bodyPr>
           <a:lstStyle/>
           <a:p>
-            <a:endParaRPr lang="es-ES"/>
+            <a:r>
+              <a:rPr lang="es-ES" sz="2000" dirty="0"/>
+              <a:t>El equipo introduce los datos del solicitante de manera muy simple</a:t>
+            </a:r>
+          </a:p>
+          <a:p>
+            <a:r>
+              <a:rPr lang="es-ES" sz="2000" dirty="0"/>
+              <a:t>El modelo devuelve la decisión recomendada </a:t>
+            </a:r>
+          </a:p>
+          <a:p>
+            <a:r>
+              <a:rPr lang="es-ES" sz="2000" dirty="0"/>
+              <a:t>La decisión final siempre será humana, pero al menos así tiene un respaldo, y se podrán hacer decisiones mas informadas </a:t>
+            </a:r>
+          </a:p>
+          <a:p>
+            <a:endParaRPr lang="es-ES" sz="2000" dirty="0"/>
           </a:p>
         </p:txBody>
       </p:sp>
+      <p:pic>
+        <p:nvPicPr>
+          <p:cNvPr id="7170" name="Picture 2" descr="Finanzas para no financieros - Blog Emagister">
+            <a:extLst>
+              <a:ext uri="{FF2B5EF4-FFF2-40B4-BE49-F238E27FC236}">
+                <a16:creationId xmlns:a16="http://schemas.microsoft.com/office/drawing/2014/main" id="{C7F426ED-F64B-0A51-69A8-493CBE77CD83}"/>
+              </a:ext>
+            </a:extLst>
+          </p:cNvPr>
+          <p:cNvPicPr>
+            <a:picLocks noChangeAspect="1" noChangeArrowheads="1"/>
+          </p:cNvPicPr>
+          <p:nvPr/>
+        </p:nvPicPr>
+        <p:blipFill>
+          <a:blip r:embed="rId2">
+            <a:extLst>
+              <a:ext uri="{28A0092B-C50C-407E-A947-70E740481C1C}">
+                <a14:useLocalDpi xmlns:a14="http://schemas.microsoft.com/office/drawing/2010/main" val="0"/>
+              </a:ext>
+            </a:extLst>
+          </a:blip>
+          <a:srcRect l="3606" r="33705"/>
+          <a:stretch/>
+        </p:blipFill>
+        <p:spPr bwMode="auto">
+          <a:xfrm>
+            <a:off x="5311702" y="10"/>
+            <a:ext cx="6878775" cy="6857990"/>
+          </a:xfrm>
+          <a:custGeom>
+            <a:avLst/>
+            <a:gdLst/>
+            <a:ahLst/>
+            <a:cxnLst/>
+            <a:rect l="l" t="t" r="r" b="b"/>
+            <a:pathLst>
+              <a:path w="6878775" h="6858000">
+                <a:moveTo>
+                  <a:pt x="1102973" y="0"/>
+                </a:moveTo>
+                <a:lnTo>
+                  <a:pt x="1160688" y="0"/>
+                </a:lnTo>
+                <a:lnTo>
+                  <a:pt x="983189" y="331786"/>
+                </a:lnTo>
+                <a:cubicBezTo>
+                  <a:pt x="914866" y="469145"/>
+                  <a:pt x="850355" y="608712"/>
+                  <a:pt x="789261" y="750263"/>
+                </a:cubicBezTo>
+                <a:cubicBezTo>
+                  <a:pt x="774307" y="784928"/>
+                  <a:pt x="759992" y="819849"/>
+                  <a:pt x="745295" y="854514"/>
+                </a:cubicBezTo>
+                <a:cubicBezTo>
+                  <a:pt x="756682" y="845393"/>
+                  <a:pt x="765489" y="833492"/>
+                  <a:pt x="770857" y="819975"/>
+                </a:cubicBezTo>
+                <a:cubicBezTo>
+                  <a:pt x="879943" y="589569"/>
+                  <a:pt x="999605" y="365513"/>
+                  <a:pt x="1131329" y="148742"/>
+                </a:cubicBezTo>
+                <a:lnTo>
+                  <a:pt x="1227589" y="0"/>
+                </a:lnTo>
+                <a:lnTo>
+                  <a:pt x="6878775" y="0"/>
+                </a:lnTo>
+                <a:lnTo>
+                  <a:pt x="6878775" y="6858000"/>
+                </a:lnTo>
+                <a:lnTo>
+                  <a:pt x="713521" y="6858000"/>
+                </a:lnTo>
+                <a:lnTo>
+                  <a:pt x="625642" y="6670527"/>
+                </a:lnTo>
+                <a:cubicBezTo>
+                  <a:pt x="507232" y="6398531"/>
+                  <a:pt x="403083" y="6118381"/>
+                  <a:pt x="312785" y="5830359"/>
+                </a:cubicBezTo>
+                <a:cubicBezTo>
+                  <a:pt x="278149" y="5719759"/>
+                  <a:pt x="248879" y="5607635"/>
+                  <a:pt x="212198" y="5480401"/>
+                </a:cubicBezTo>
+                <a:cubicBezTo>
+                  <a:pt x="212208" y="5491601"/>
+                  <a:pt x="212803" y="5502788"/>
+                  <a:pt x="213988" y="5513923"/>
+                </a:cubicBezTo>
+                <a:cubicBezTo>
+                  <a:pt x="264089" y="5723695"/>
+                  <a:pt x="307290" y="5935370"/>
+                  <a:pt x="365826" y="6142729"/>
+                </a:cubicBezTo>
+                <a:cubicBezTo>
+                  <a:pt x="433152" y="6380817"/>
+                  <a:pt x="510068" y="6614016"/>
+                  <a:pt x="597975" y="6841549"/>
+                </a:cubicBezTo>
+                <a:lnTo>
+                  <a:pt x="604824" y="6858000"/>
+                </a:lnTo>
+                <a:lnTo>
+                  <a:pt x="552056" y="6858000"/>
+                </a:lnTo>
+                <a:lnTo>
+                  <a:pt x="539576" y="6828295"/>
+                </a:lnTo>
+                <a:cubicBezTo>
+                  <a:pt x="380597" y="6414594"/>
+                  <a:pt x="260223" y="5988893"/>
+                  <a:pt x="171555" y="5552906"/>
+                </a:cubicBezTo>
+                <a:cubicBezTo>
+                  <a:pt x="91163" y="5157998"/>
+                  <a:pt x="43746" y="4758899"/>
+                  <a:pt x="12305" y="4357388"/>
+                </a:cubicBezTo>
+                <a:cubicBezTo>
+                  <a:pt x="-14281" y="4013908"/>
+                  <a:pt x="4507" y="3672965"/>
+                  <a:pt x="46684" y="3331516"/>
+                </a:cubicBezTo>
+                <a:cubicBezTo>
+                  <a:pt x="127203" y="2664286"/>
+                  <a:pt x="277819" y="2007265"/>
+                  <a:pt x="496065" y="1371196"/>
+                </a:cubicBezTo>
+                <a:cubicBezTo>
+                  <a:pt x="636273" y="966066"/>
+                  <a:pt x="800445" y="573253"/>
+                  <a:pt x="995723" y="196614"/>
+                </a:cubicBezTo>
+                <a:close/>
+              </a:path>
+            </a:pathLst>
+          </a:custGeom>
+          <a:noFill/>
+          <a:extLst>
+            <a:ext uri="{909E8E84-426E-40DD-AFC4-6F175D3DCCD1}">
+              <a14:hiddenFill xmlns:a14="http://schemas.microsoft.com/office/drawing/2010/main">
+                <a:solidFill>
+                  <a:srgbClr val="FFFFFF"/>
+                </a:solidFill>
+              </a14:hiddenFill>
+            </a:ext>
+          </a:extLst>
+        </p:spPr>
+      </p:pic>
     </p:spTree>
     <p:extLst>
       <p:ext uri="{BB962C8B-B14F-4D97-AF65-F5344CB8AC3E}">
-        <p14:creationId xmlns:p14="http://schemas.microsoft.com/office/powerpoint/2010/main" val="3370646919"/>
+        <p14:creationId xmlns:p14="http://schemas.microsoft.com/office/powerpoint/2010/main" val="1183169420"/>
       </p:ext>
     </p:extLst>
   </p:cSld>
@@ -4250,9 +9546,17 @@
 </p:sld>
 </file>
 
-<file path=ppt/slides/slide7.xml><?xml version="1.0" encoding="utf-8"?>
+<file path=ppt/slides/slide9.xml><?xml version="1.0" encoding="utf-8"?>
 <p:sld xmlns:a="http://schemas.openxmlformats.org/drawingml/2006/main" xmlns:r="http://schemas.openxmlformats.org/officeDocument/2006/relationships" xmlns:p="http://schemas.openxmlformats.org/presentationml/2006/main">
   <p:cSld>
+    <p:bg>
+      <p:bgPr>
+        <a:solidFill>
+          <a:schemeClr val="bg1"/>
+        </a:solidFill>
+        <a:effectLst/>
+      </p:bgPr>
+    </p:bg>
     <p:spTree>
       <p:nvGrpSpPr>
         <p:cNvPr id="1" name=""/>
@@ -4267,12 +9571,135 @@
           <a:chExt cx="0" cy="0"/>
         </a:xfrm>
       </p:grpSpPr>
+      <p:sp useBgFill="1">
+        <p:nvSpPr>
+          <p:cNvPr id="6168" name="Rectangle 6158">
+            <a:extLst>
+              <a:ext uri="{FF2B5EF4-FFF2-40B4-BE49-F238E27FC236}">
+                <a16:creationId xmlns:a16="http://schemas.microsoft.com/office/drawing/2014/main" id="{B6FACB3C-9069-4791-BC5C-0DB7CD19B853}"/>
+              </a:ext>
+              <a:ext uri="{C183D7F6-B498-43B3-948B-1728B52AA6E4}">
+                <adec:decorative xmlns:adec="http://schemas.microsoft.com/office/drawing/2017/decorative" val="1"/>
+              </a:ext>
+            </a:extLst>
+          </p:cNvPr>
+          <p:cNvSpPr>
+            <a:spLocks noGrp="1" noRot="1" noChangeAspect="1" noMove="1" noResize="1" noEditPoints="1" noAdjustHandles="1" noChangeArrowheads="1" noChangeShapeType="1" noTextEdit="1"/>
+          </p:cNvSpPr>
+          <p:nvPr>
+            <p:extLst>
+              <p:ext uri="{386F3935-93C4-4BCD-93E2-E3B085C9AB24}">
+                <p16:designElem xmlns:p16="http://schemas.microsoft.com/office/powerpoint/2015/main" val="1"/>
+              </p:ext>
+            </p:extLst>
+          </p:nvPr>
+        </p:nvSpPr>
+        <p:spPr>
+          <a:xfrm>
+            <a:off x="0" y="0"/>
+            <a:ext cx="12192000" cy="6858000"/>
+          </a:xfrm>
+          <a:prstGeom prst="rect">
+            <a:avLst/>
+          </a:prstGeom>
+          <a:ln>
+            <a:noFill/>
+          </a:ln>
+        </p:spPr>
+        <p:style>
+          <a:lnRef idx="2">
+            <a:schemeClr val="accent1">
+              <a:shade val="50000"/>
+            </a:schemeClr>
+          </a:lnRef>
+          <a:fillRef idx="1">
+            <a:schemeClr val="accent1"/>
+          </a:fillRef>
+          <a:effectRef idx="0">
+            <a:schemeClr val="accent1"/>
+          </a:effectRef>
+          <a:fontRef idx="minor">
+            <a:schemeClr val="lt1"/>
+          </a:fontRef>
+        </p:style>
+        <p:txBody>
+          <a:bodyPr rtlCol="0" anchor="ctr"/>
+          <a:lstStyle/>
+          <a:p>
+            <a:pPr algn="ctr"/>
+            <a:endParaRPr lang="en-US"/>
+          </a:p>
+        </p:txBody>
+      </p:sp>
+      <p:sp>
+        <p:nvSpPr>
+          <p:cNvPr id="6169" name="Rectangle 6160">
+            <a:extLst>
+              <a:ext uri="{FF2B5EF4-FFF2-40B4-BE49-F238E27FC236}">
+                <a16:creationId xmlns:a16="http://schemas.microsoft.com/office/drawing/2014/main" id="{71F2038E-D777-4B76-81DD-DD13EE91B9DD}"/>
+              </a:ext>
+              <a:ext uri="{C183D7F6-B498-43B3-948B-1728B52AA6E4}">
+                <adec:decorative xmlns:adec="http://schemas.microsoft.com/office/drawing/2017/decorative" val="1"/>
+              </a:ext>
+            </a:extLst>
+          </p:cNvPr>
+          <p:cNvSpPr>
+            <a:spLocks noGrp="1" noRot="1" noChangeAspect="1" noMove="1" noResize="1" noEditPoints="1" noAdjustHandles="1" noChangeArrowheads="1" noChangeShapeType="1" noTextEdit="1"/>
+          </p:cNvSpPr>
+          <p:nvPr>
+            <p:extLst>
+              <p:ext uri="{386F3935-93C4-4BCD-93E2-E3B085C9AB24}">
+                <p16:designElem xmlns:p16="http://schemas.microsoft.com/office/powerpoint/2015/main" val="1"/>
+              </p:ext>
+            </p:extLst>
+          </p:nvPr>
+        </p:nvSpPr>
+        <p:spPr>
+          <a:xfrm>
+            <a:off x="305" y="0"/>
+            <a:ext cx="12191695" cy="6858000"/>
+          </a:xfrm>
+          <a:prstGeom prst="rect">
+            <a:avLst/>
+          </a:prstGeom>
+          <a:solidFill>
+            <a:schemeClr val="bg1"/>
+          </a:solidFill>
+          <a:ln>
+            <a:noFill/>
+          </a:ln>
+        </p:spPr>
+        <p:style>
+          <a:lnRef idx="2">
+            <a:schemeClr val="accent1">
+              <a:shade val="50000"/>
+            </a:schemeClr>
+          </a:lnRef>
+          <a:fillRef idx="1">
+            <a:schemeClr val="accent1"/>
+          </a:fillRef>
+          <a:effectRef idx="0">
+            <a:schemeClr val="accent1"/>
+          </a:effectRef>
+          <a:fontRef idx="minor">
+            <a:schemeClr val="lt1"/>
+          </a:fontRef>
+        </p:style>
+        <p:txBody>
+          <a:bodyPr rtlCol="0" anchor="ctr"/>
+          <a:lstStyle/>
+          <a:p>
+            <a:pPr algn="ctr"/>
+            <a:endParaRPr lang="en-US"/>
+          </a:p>
+        </p:txBody>
+      </p:sp>
       <p:sp>
         <p:nvSpPr>
           <p:cNvPr id="2" name="Título 1">
             <a:extLst>
               <a:ext uri="{FF2B5EF4-FFF2-40B4-BE49-F238E27FC236}">
-                <a16:creationId xmlns:a16="http://schemas.microsoft.com/office/drawing/2014/main" id="{5A9829CD-5C5D-B69D-D280-96EB2A59B8DC}"/>
+                <a16:creationId xmlns:a16="http://schemas.microsoft.com/office/drawing/2014/main" id="{73B0DA16-7048-05AD-E67C-D211C52C47D2}"/>
               </a:ext>
             </a:extLst>
           </p:cNvPr>
@@ -4283,12 +9710,34 @@
             <p:ph type="title"/>
           </p:nvPr>
         </p:nvSpPr>
-        <p:spPr/>
+        <p:spPr>
+          <a:xfrm>
+            <a:off x="804672" y="802955"/>
+            <a:ext cx="4766330" cy="1454051"/>
+          </a:xfrm>
+        </p:spPr>
         <p:txBody>
-          <a:bodyPr/>
+          <a:bodyPr>
+            <a:normAutofit/>
+          </a:bodyPr>
           <a:lstStyle/>
           <a:p>
-            <a:endParaRPr lang="es-ES"/>
+            <a:r>
+              <a:rPr lang="es-ES" sz="3600" b="1" dirty="0" err="1">
+                <a:solidFill>
+                  <a:schemeClr val="tx2"/>
+                </a:solidFill>
+              </a:rPr>
+              <a:t>Pongamoslo</a:t>
+            </a:r>
+            <a:r>
+              <a:rPr lang="es-ES" sz="3600" b="1" dirty="0">
+                <a:solidFill>
+                  <a:schemeClr val="tx2"/>
+                </a:solidFill>
+              </a:rPr>
+              <a:t> a prueba!</a:t>
+            </a:r>
           </a:p>
         </p:txBody>
       </p:sp>
@@ -4297,7 +9746,7 @@
           <p:cNvPr id="3" name="Marcador de contenido 2">
             <a:extLst>
               <a:ext uri="{FF2B5EF4-FFF2-40B4-BE49-F238E27FC236}">
-                <a16:creationId xmlns:a16="http://schemas.microsoft.com/office/drawing/2014/main" id="{3E10C56A-F4E7-7AFA-C786-7D7B6F161BA4}"/>
+                <a16:creationId xmlns:a16="http://schemas.microsoft.com/office/drawing/2014/main" id="{A54C97F8-051C-F481-6C24-F6635438D5FF}"/>
               </a:ext>
             </a:extLst>
           </p:cNvPr>
@@ -4308,64 +9757,2658 @@
             <p:ph idx="1"/>
           </p:nvPr>
         </p:nvSpPr>
-        <p:spPr/>
+        <p:spPr>
+          <a:xfrm>
+            <a:off x="804672" y="2421683"/>
+            <a:ext cx="4765949" cy="3353476"/>
+          </a:xfrm>
+        </p:spPr>
         <p:txBody>
-          <a:bodyPr/>
+          <a:bodyPr anchor="t">
+            <a:normAutofit/>
+          </a:bodyPr>
           <a:lstStyle/>
           <a:p>
-            <a:endParaRPr lang="es-ES"/>
+            <a:r>
+              <a:rPr lang="es-ES" sz="1800" dirty="0">
+                <a:solidFill>
+                  <a:schemeClr val="tx2"/>
+                </a:solidFill>
+              </a:rPr>
+              <a:t>Simulamos miles de decisiones con datos reales</a:t>
+            </a:r>
+          </a:p>
+          <a:p>
+            <a:r>
+              <a:rPr lang="es-ES" sz="1800" dirty="0">
+                <a:solidFill>
+                  <a:schemeClr val="tx2"/>
+                </a:solidFill>
+              </a:rPr>
+              <a:t>El modelo detecta riesgos que pasan desapercibidos a ojo humano </a:t>
+            </a:r>
+          </a:p>
+          <a:p>
+            <a:r>
+              <a:rPr lang="es-ES" sz="1800" dirty="0">
+                <a:solidFill>
+                  <a:schemeClr val="tx2"/>
+                </a:solidFill>
+              </a:rPr>
+              <a:t>El modelo se adapta a la preferencia del banco, y de sus respectivos clientes </a:t>
+            </a:r>
           </a:p>
         </p:txBody>
       </p:sp>
-    </p:spTree>
-    <p:extLst>
-      <p:ext uri="{BB962C8B-B14F-4D97-AF65-F5344CB8AC3E}">
-        <p14:creationId xmlns:p14="http://schemas.microsoft.com/office/powerpoint/2010/main" val="1648978729"/>
-      </p:ext>
-    </p:extLst>
-  </p:cSld>
-  <p:clrMapOvr>
-    <a:masterClrMapping/>
-  </p:clrMapOvr>
-</p:sld>
-</file>
-
-<file path=ppt/slides/slide8.xml><?xml version="1.0" encoding="utf-8"?>
-<p:sld xmlns:a="http://schemas.openxmlformats.org/drawingml/2006/main" xmlns:r="http://schemas.openxmlformats.org/officeDocument/2006/relationships" xmlns:p="http://schemas.openxmlformats.org/presentationml/2006/main">
-  <p:cSld>
-    <p:spTree>
-      <p:nvGrpSpPr>
-        <p:cNvPr id="1" name=""/>
-        <p:cNvGrpSpPr/>
-        <p:nvPr/>
-      </p:nvGrpSpPr>
-      <p:grpSpPr>
-        <a:xfrm>
-          <a:off x="0" y="0"/>
-          <a:ext cx="0" cy="0"/>
-          <a:chOff x="0" y="0"/>
-          <a:chExt cx="0" cy="0"/>
-        </a:xfrm>
-      </p:grpSpPr>
+      <p:grpSp>
+        <p:nvGrpSpPr>
+          <p:cNvPr id="6163" name="Group 6162">
+            <a:extLst>
+              <a:ext uri="{FF2B5EF4-FFF2-40B4-BE49-F238E27FC236}">
+                <a16:creationId xmlns:a16="http://schemas.microsoft.com/office/drawing/2014/main" id="{DD354807-230F-4402-B1B9-F733A8F1F190}"/>
+              </a:ext>
+              <a:ext uri="{C183D7F6-B498-43B3-948B-1728B52AA6E4}">
+                <adec:decorative xmlns:adec="http://schemas.microsoft.com/office/drawing/2017/decorative" val="1"/>
+              </a:ext>
+            </a:extLst>
+          </p:cNvPr>
+          <p:cNvGrpSpPr>
+            <a:grpSpLocks noGrp="1" noUngrp="1" noRot="1" noChangeAspect="1" noMove="1" noResize="1"/>
+          </p:cNvGrpSpPr>
+          <p:nvPr>
+            <p:extLst>
+              <p:ext uri="{386F3935-93C4-4BCD-93E2-E3B085C9AB24}">
+                <p16:designElem xmlns:p16="http://schemas.microsoft.com/office/powerpoint/2015/main" val="1"/>
+              </p:ext>
+            </p:extLst>
+          </p:nvPr>
+        </p:nvGrpSpPr>
+        <p:grpSpPr>
+          <a:xfrm>
+            <a:off x="5818240" y="-16714"/>
+            <a:ext cx="6373761" cy="6874714"/>
+            <a:chOff x="5818240" y="-1"/>
+            <a:chExt cx="6373761" cy="6874714"/>
+          </a:xfrm>
+        </p:grpSpPr>
+        <p:sp>
+          <p:nvSpPr>
+            <p:cNvPr id="6164" name="Freeform: Shape 6163">
+              <a:extLst>
+                <a:ext uri="{FF2B5EF4-FFF2-40B4-BE49-F238E27FC236}">
+                  <a16:creationId xmlns:a16="http://schemas.microsoft.com/office/drawing/2014/main" id="{BF5A6F4A-CE87-4D5C-9382-8167967CE813}"/>
+                </a:ext>
+                <a:ext uri="{C183D7F6-B498-43B3-948B-1728B52AA6E4}">
+                  <adec:decorative xmlns:adec="http://schemas.microsoft.com/office/drawing/2017/decorative" val="1"/>
+                </a:ext>
+              </a:extLst>
+            </p:cNvPr>
+            <p:cNvSpPr/>
+            <p:nvPr>
+              <p:extLst>
+                <p:ext uri="{386F3935-93C4-4BCD-93E2-E3B085C9AB24}">
+                  <p16:designElem xmlns:p16="http://schemas.microsoft.com/office/powerpoint/2015/main" val="1"/>
+                </p:ext>
+              </p:extLst>
+            </p:nvPr>
+          </p:nvSpPr>
+          <p:spPr>
+            <a:xfrm>
+              <a:off x="5818240" y="-1"/>
+              <a:ext cx="6373761" cy="6874714"/>
+            </a:xfrm>
+            <a:custGeom>
+              <a:avLst/>
+              <a:gdLst>
+                <a:gd name="connsiteX0" fmla="*/ 6373761 w 6373761"/>
+                <a:gd name="connsiteY0" fmla="*/ 5771297 h 6874714"/>
+                <a:gd name="connsiteX1" fmla="*/ 6373761 w 6373761"/>
+                <a:gd name="connsiteY1" fmla="*/ 6247960 h 6874714"/>
+                <a:gd name="connsiteX2" fmla="*/ 6235932 w 6373761"/>
+                <a:gd name="connsiteY2" fmla="*/ 6361930 h 6874714"/>
+                <a:gd name="connsiteX3" fmla="*/ 5960375 w 6373761"/>
+                <a:gd name="connsiteY3" fmla="*/ 6587489 h 6874714"/>
+                <a:gd name="connsiteX4" fmla="*/ 5822907 w 6373761"/>
+                <a:gd name="connsiteY4" fmla="*/ 6701871 h 6874714"/>
+                <a:gd name="connsiteX5" fmla="*/ 5681115 w 6373761"/>
+                <a:gd name="connsiteY5" fmla="*/ 6816896 h 6874714"/>
+                <a:gd name="connsiteX6" fmla="*/ 5604096 w 6373761"/>
+                <a:gd name="connsiteY6" fmla="*/ 6874714 h 6874714"/>
+                <a:gd name="connsiteX7" fmla="*/ 4878485 w 6373761"/>
+                <a:gd name="connsiteY7" fmla="*/ 6874714 h 6874714"/>
+                <a:gd name="connsiteX8" fmla="*/ 5006014 w 6373761"/>
+                <a:gd name="connsiteY8" fmla="*/ 6800200 h 6874714"/>
+                <a:gd name="connsiteX9" fmla="*/ 5149855 w 6373761"/>
+                <a:gd name="connsiteY9" fmla="*/ 6707667 h 6874714"/>
+                <a:gd name="connsiteX10" fmla="*/ 5431866 w 6373761"/>
+                <a:gd name="connsiteY10" fmla="*/ 6506210 h 6874714"/>
+                <a:gd name="connsiteX11" fmla="*/ 5571036 w 6373761"/>
+                <a:gd name="connsiteY11" fmla="*/ 6399557 h 6874714"/>
+                <a:gd name="connsiteX12" fmla="*/ 5711649 w 6373761"/>
+                <a:gd name="connsiteY12" fmla="*/ 6288912 h 6874714"/>
+                <a:gd name="connsiteX13" fmla="*/ 6276589 w 6373761"/>
+                <a:gd name="connsiteY13" fmla="*/ 5852379 h 6874714"/>
+                <a:gd name="connsiteX14" fmla="*/ 3975975 w 6373761"/>
+                <a:gd name="connsiteY14" fmla="*/ 263 h 6874714"/>
+                <a:gd name="connsiteX15" fmla="*/ 4350473 w 6373761"/>
+                <a:gd name="connsiteY15" fmla="*/ 24963 h 6874714"/>
+                <a:gd name="connsiteX16" fmla="*/ 5077909 w 6373761"/>
+                <a:gd name="connsiteY16" fmla="*/ 189450 h 6874714"/>
+                <a:gd name="connsiteX17" fmla="*/ 5746507 w 6373761"/>
+                <a:gd name="connsiteY17" fmla="*/ 505804 h 6874714"/>
+                <a:gd name="connsiteX18" fmla="*/ 6322456 w 6373761"/>
+                <a:gd name="connsiteY18" fmla="*/ 956633 h 6874714"/>
+                <a:gd name="connsiteX19" fmla="*/ 6373761 w 6373761"/>
+                <a:gd name="connsiteY19" fmla="*/ 1011863 h 6874714"/>
+                <a:gd name="connsiteX20" fmla="*/ 6373761 w 6373761"/>
+                <a:gd name="connsiteY20" fmla="*/ 1185075 h 6874714"/>
+                <a:gd name="connsiteX21" fmla="*/ 6359489 w 6373761"/>
+                <a:gd name="connsiteY21" fmla="*/ 1169497 h 6874714"/>
+                <a:gd name="connsiteX22" fmla="*/ 6233869 w 6373761"/>
+                <a:gd name="connsiteY22" fmla="*/ 1047442 h 6874714"/>
+                <a:gd name="connsiteX23" fmla="*/ 5961423 w 6373761"/>
+                <a:gd name="connsiteY23" fmla="*/ 827953 h 6874714"/>
+                <a:gd name="connsiteX24" fmla="*/ 5663555 w 6373761"/>
+                <a:gd name="connsiteY24" fmla="*/ 645304 h 6874714"/>
+                <a:gd name="connsiteX25" fmla="*/ 5013827 w 6373761"/>
+                <a:gd name="connsiteY25" fmla="*/ 397863 h 6874714"/>
+                <a:gd name="connsiteX26" fmla="*/ 4327409 w 6373761"/>
+                <a:gd name="connsiteY26" fmla="*/ 302545 h 6874714"/>
+                <a:gd name="connsiteX27" fmla="*/ 3639939 w 6373761"/>
+                <a:gd name="connsiteY27" fmla="*/ 338868 h 6874714"/>
+                <a:gd name="connsiteX28" fmla="*/ 3302495 w 6373761"/>
+                <a:gd name="connsiteY28" fmla="*/ 403659 h 6874714"/>
+                <a:gd name="connsiteX29" fmla="*/ 2971604 w 6373761"/>
+                <a:gd name="connsiteY29" fmla="*/ 496273 h 6874714"/>
+                <a:gd name="connsiteX30" fmla="*/ 2648706 w 6373761"/>
+                <a:gd name="connsiteY30" fmla="*/ 614389 h 6874714"/>
+                <a:gd name="connsiteX31" fmla="*/ 2335374 w 6373761"/>
+                <a:gd name="connsiteY31" fmla="*/ 757109 h 6874714"/>
+                <a:gd name="connsiteX32" fmla="*/ 1741342 w 6373761"/>
+                <a:gd name="connsiteY32" fmla="*/ 1107725 h 6874714"/>
+                <a:gd name="connsiteX33" fmla="*/ 1600861 w 6373761"/>
+                <a:gd name="connsiteY33" fmla="*/ 1208710 h 6874714"/>
+                <a:gd name="connsiteX34" fmla="*/ 1531799 w 6373761"/>
+                <a:gd name="connsiteY34" fmla="*/ 1260879 h 6874714"/>
+                <a:gd name="connsiteX35" fmla="*/ 1463655 w 6373761"/>
+                <a:gd name="connsiteY35" fmla="*/ 1314333 h 6874714"/>
+                <a:gd name="connsiteX36" fmla="*/ 1200777 w 6373761"/>
+                <a:gd name="connsiteY36" fmla="*/ 1541166 h 6874714"/>
+                <a:gd name="connsiteX37" fmla="*/ 731501 w 6373761"/>
+                <a:gd name="connsiteY37" fmla="*/ 2055754 h 6874714"/>
+                <a:gd name="connsiteX38" fmla="*/ 531393 w 6373761"/>
+                <a:gd name="connsiteY38" fmla="*/ 2342739 h 6874714"/>
+                <a:gd name="connsiteX39" fmla="*/ 361033 w 6373761"/>
+                <a:gd name="connsiteY39" fmla="*/ 2649046 h 6874714"/>
+                <a:gd name="connsiteX40" fmla="*/ 323292 w 6373761"/>
+                <a:gd name="connsiteY40" fmla="*/ 2728263 h 6874714"/>
+                <a:gd name="connsiteX41" fmla="*/ 304945 w 6373761"/>
+                <a:gd name="connsiteY41" fmla="*/ 2768193 h 6874714"/>
+                <a:gd name="connsiteX42" fmla="*/ 287516 w 6373761"/>
+                <a:gd name="connsiteY42" fmla="*/ 2808510 h 6874714"/>
+                <a:gd name="connsiteX43" fmla="*/ 254230 w 6373761"/>
+                <a:gd name="connsiteY43" fmla="*/ 2889788 h 6874714"/>
+                <a:gd name="connsiteX44" fmla="*/ 223042 w 6373761"/>
+                <a:gd name="connsiteY44" fmla="*/ 2971968 h 6874714"/>
+                <a:gd name="connsiteX45" fmla="*/ 121611 w 6373761"/>
+                <a:gd name="connsiteY45" fmla="*/ 3308544 h 6874714"/>
+                <a:gd name="connsiteX46" fmla="*/ 39314 w 6373761"/>
+                <a:gd name="connsiteY46" fmla="*/ 4005912 h 6874714"/>
+                <a:gd name="connsiteX47" fmla="*/ 73910 w 6373761"/>
+                <a:gd name="connsiteY47" fmla="*/ 4354081 h 6874714"/>
+                <a:gd name="connsiteX48" fmla="*/ 179534 w 6373761"/>
+                <a:gd name="connsiteY48" fmla="*/ 4687050 h 6874714"/>
+                <a:gd name="connsiteX49" fmla="*/ 215964 w 6373761"/>
+                <a:gd name="connsiteY49" fmla="*/ 4766654 h 6874714"/>
+                <a:gd name="connsiteX50" fmla="*/ 256457 w 6373761"/>
+                <a:gd name="connsiteY50" fmla="*/ 4844455 h 6874714"/>
+                <a:gd name="connsiteX51" fmla="*/ 346225 w 6373761"/>
+                <a:gd name="connsiteY51" fmla="*/ 4995290 h 6874714"/>
+                <a:gd name="connsiteX52" fmla="*/ 445296 w 6373761"/>
+                <a:gd name="connsiteY52" fmla="*/ 5140971 h 6874714"/>
+                <a:gd name="connsiteX53" fmla="*/ 551443 w 6373761"/>
+                <a:gd name="connsiteY53" fmla="*/ 5282531 h 6874714"/>
+                <a:gd name="connsiteX54" fmla="*/ 772387 w 6373761"/>
+                <a:gd name="connsiteY54" fmla="*/ 5562561 h 6874714"/>
+                <a:gd name="connsiteX55" fmla="*/ 882858 w 6373761"/>
+                <a:gd name="connsiteY55" fmla="*/ 5704507 h 6874714"/>
+                <a:gd name="connsiteX56" fmla="*/ 990316 w 6373761"/>
+                <a:gd name="connsiteY56" fmla="*/ 5848258 h 6874714"/>
+                <a:gd name="connsiteX57" fmla="*/ 1097774 w 6373761"/>
+                <a:gd name="connsiteY57" fmla="*/ 5987114 h 6874714"/>
+                <a:gd name="connsiteX58" fmla="*/ 1210080 w 6373761"/>
+                <a:gd name="connsiteY58" fmla="*/ 6121203 h 6874714"/>
+                <a:gd name="connsiteX59" fmla="*/ 1448192 w 6373761"/>
+                <a:gd name="connsiteY59" fmla="*/ 6374054 h 6874714"/>
+                <a:gd name="connsiteX60" fmla="*/ 1982991 w 6373761"/>
+                <a:gd name="connsiteY60" fmla="*/ 6796158 h 6874714"/>
+                <a:gd name="connsiteX61" fmla="*/ 2118475 w 6373761"/>
+                <a:gd name="connsiteY61" fmla="*/ 6874714 h 6874714"/>
+                <a:gd name="connsiteX62" fmla="*/ 1569874 w 6373761"/>
+                <a:gd name="connsiteY62" fmla="*/ 6874714 h 6874714"/>
+                <a:gd name="connsiteX63" fmla="*/ 1507802 w 6373761"/>
+                <a:gd name="connsiteY63" fmla="*/ 6817815 h 6874714"/>
+                <a:gd name="connsiteX64" fmla="*/ 1256865 w 6373761"/>
+                <a:gd name="connsiteY64" fmla="*/ 6543437 h 6874714"/>
+                <a:gd name="connsiteX65" fmla="*/ 1038410 w 6373761"/>
+                <a:gd name="connsiteY65" fmla="*/ 6248722 h 6874714"/>
+                <a:gd name="connsiteX66" fmla="*/ 845380 w 6373761"/>
+                <a:gd name="connsiteY66" fmla="*/ 5941386 h 6874714"/>
+                <a:gd name="connsiteX67" fmla="*/ 755351 w 6373761"/>
+                <a:gd name="connsiteY67" fmla="*/ 5788877 h 6874714"/>
+                <a:gd name="connsiteX68" fmla="*/ 661784 w 6373761"/>
+                <a:gd name="connsiteY68" fmla="*/ 5638944 h 6874714"/>
+                <a:gd name="connsiteX69" fmla="*/ 466525 w 6373761"/>
+                <a:gd name="connsiteY69" fmla="*/ 5340366 h 6874714"/>
+                <a:gd name="connsiteX70" fmla="*/ 370992 w 6373761"/>
+                <a:gd name="connsiteY70" fmla="*/ 5188502 h 6874714"/>
+                <a:gd name="connsiteX71" fmla="*/ 280046 w 6373761"/>
+                <a:gd name="connsiteY71" fmla="*/ 5033287 h 6874714"/>
+                <a:gd name="connsiteX72" fmla="*/ 126853 w 6373761"/>
+                <a:gd name="connsiteY72" fmla="*/ 4707660 h 6874714"/>
+                <a:gd name="connsiteX73" fmla="*/ 30272 w 6373761"/>
+                <a:gd name="connsiteY73" fmla="*/ 4362068 h 6874714"/>
+                <a:gd name="connsiteX74" fmla="*/ 0 w 6373761"/>
+                <a:gd name="connsiteY74" fmla="*/ 4005912 h 6874714"/>
+                <a:gd name="connsiteX75" fmla="*/ 270480 w 6373761"/>
+                <a:gd name="connsiteY75" fmla="*/ 2610532 h 6874714"/>
+                <a:gd name="connsiteX76" fmla="*/ 415942 w 6373761"/>
+                <a:gd name="connsiteY76" fmla="*/ 2280526 h 6874714"/>
+                <a:gd name="connsiteX77" fmla="*/ 590102 w 6373761"/>
+                <a:gd name="connsiteY77" fmla="*/ 1962626 h 6874714"/>
+                <a:gd name="connsiteX78" fmla="*/ 1020719 w 6373761"/>
+                <a:gd name="connsiteY78" fmla="*/ 1373070 h 6874714"/>
+                <a:gd name="connsiteX79" fmla="*/ 1275080 w 6373761"/>
+                <a:gd name="connsiteY79" fmla="*/ 1107081 h 6874714"/>
+                <a:gd name="connsiteX80" fmla="*/ 1342437 w 6373761"/>
+                <a:gd name="connsiteY80" fmla="*/ 1043965 h 6874714"/>
+                <a:gd name="connsiteX81" fmla="*/ 1411106 w 6373761"/>
+                <a:gd name="connsiteY81" fmla="*/ 982138 h 6874714"/>
+                <a:gd name="connsiteX82" fmla="*/ 1553029 w 6373761"/>
+                <a:gd name="connsiteY82" fmla="*/ 863376 h 6874714"/>
+                <a:gd name="connsiteX83" fmla="*/ 2173401 w 6373761"/>
+                <a:gd name="connsiteY83" fmla="*/ 454409 h 6874714"/>
+                <a:gd name="connsiteX84" fmla="*/ 3599708 w 6373761"/>
+                <a:gd name="connsiteY84" fmla="*/ 16332 h 6874714"/>
+                <a:gd name="connsiteX85" fmla="*/ 3975975 w 6373761"/>
+                <a:gd name="connsiteY85" fmla="*/ 263 h 6874714"/>
+              </a:gdLst>
+              <a:ahLst/>
+              <a:cxnLst>
+                <a:cxn ang="0">
+                  <a:pos x="connsiteX0" y="connsiteY0"/>
+                </a:cxn>
+                <a:cxn ang="0">
+                  <a:pos x="connsiteX1" y="connsiteY1"/>
+                </a:cxn>
+                <a:cxn ang="0">
+                  <a:pos x="connsiteX2" y="connsiteY2"/>
+                </a:cxn>
+                <a:cxn ang="0">
+                  <a:pos x="connsiteX3" y="connsiteY3"/>
+                </a:cxn>
+                <a:cxn ang="0">
+                  <a:pos x="connsiteX4" y="connsiteY4"/>
+                </a:cxn>
+                <a:cxn ang="0">
+                  <a:pos x="connsiteX5" y="connsiteY5"/>
+                </a:cxn>
+                <a:cxn ang="0">
+                  <a:pos x="connsiteX6" y="connsiteY6"/>
+                </a:cxn>
+                <a:cxn ang="0">
+                  <a:pos x="connsiteX7" y="connsiteY7"/>
+                </a:cxn>
+                <a:cxn ang="0">
+                  <a:pos x="connsiteX8" y="connsiteY8"/>
+                </a:cxn>
+                <a:cxn ang="0">
+                  <a:pos x="connsiteX9" y="connsiteY9"/>
+                </a:cxn>
+                <a:cxn ang="0">
+                  <a:pos x="connsiteX10" y="connsiteY10"/>
+                </a:cxn>
+                <a:cxn ang="0">
+                  <a:pos x="connsiteX11" y="connsiteY11"/>
+                </a:cxn>
+                <a:cxn ang="0">
+                  <a:pos x="connsiteX12" y="connsiteY12"/>
+                </a:cxn>
+                <a:cxn ang="0">
+                  <a:pos x="connsiteX13" y="connsiteY13"/>
+                </a:cxn>
+                <a:cxn ang="0">
+                  <a:pos x="connsiteX14" y="connsiteY14"/>
+                </a:cxn>
+                <a:cxn ang="0">
+                  <a:pos x="connsiteX15" y="connsiteY15"/>
+                </a:cxn>
+                <a:cxn ang="0">
+                  <a:pos x="connsiteX16" y="connsiteY16"/>
+                </a:cxn>
+                <a:cxn ang="0">
+                  <a:pos x="connsiteX17" y="connsiteY17"/>
+                </a:cxn>
+                <a:cxn ang="0">
+                  <a:pos x="connsiteX18" y="connsiteY18"/>
+                </a:cxn>
+                <a:cxn ang="0">
+                  <a:pos x="connsiteX19" y="connsiteY19"/>
+                </a:cxn>
+                <a:cxn ang="0">
+                  <a:pos x="connsiteX20" y="connsiteY20"/>
+                </a:cxn>
+                <a:cxn ang="0">
+                  <a:pos x="connsiteX21" y="connsiteY21"/>
+                </a:cxn>
+                <a:cxn ang="0">
+                  <a:pos x="connsiteX22" y="connsiteY22"/>
+                </a:cxn>
+                <a:cxn ang="0">
+                  <a:pos x="connsiteX23" y="connsiteY23"/>
+                </a:cxn>
+                <a:cxn ang="0">
+                  <a:pos x="connsiteX24" y="connsiteY24"/>
+                </a:cxn>
+                <a:cxn ang="0">
+                  <a:pos x="connsiteX25" y="connsiteY25"/>
+                </a:cxn>
+                <a:cxn ang="0">
+                  <a:pos x="connsiteX26" y="connsiteY26"/>
+                </a:cxn>
+                <a:cxn ang="0">
+                  <a:pos x="connsiteX27" y="connsiteY27"/>
+                </a:cxn>
+                <a:cxn ang="0">
+                  <a:pos x="connsiteX28" y="connsiteY28"/>
+                </a:cxn>
+                <a:cxn ang="0">
+                  <a:pos x="connsiteX29" y="connsiteY29"/>
+                </a:cxn>
+                <a:cxn ang="0">
+                  <a:pos x="connsiteX30" y="connsiteY30"/>
+                </a:cxn>
+                <a:cxn ang="0">
+                  <a:pos x="connsiteX31" y="connsiteY31"/>
+                </a:cxn>
+                <a:cxn ang="0">
+                  <a:pos x="connsiteX32" y="connsiteY32"/>
+                </a:cxn>
+                <a:cxn ang="0">
+                  <a:pos x="connsiteX33" y="connsiteY33"/>
+                </a:cxn>
+                <a:cxn ang="0">
+                  <a:pos x="connsiteX34" y="connsiteY34"/>
+                </a:cxn>
+                <a:cxn ang="0">
+                  <a:pos x="connsiteX35" y="connsiteY35"/>
+                </a:cxn>
+                <a:cxn ang="0">
+                  <a:pos x="connsiteX36" y="connsiteY36"/>
+                </a:cxn>
+                <a:cxn ang="0">
+                  <a:pos x="connsiteX37" y="connsiteY37"/>
+                </a:cxn>
+                <a:cxn ang="0">
+                  <a:pos x="connsiteX38" y="connsiteY38"/>
+                </a:cxn>
+                <a:cxn ang="0">
+                  <a:pos x="connsiteX39" y="connsiteY39"/>
+                </a:cxn>
+                <a:cxn ang="0">
+                  <a:pos x="connsiteX40" y="connsiteY40"/>
+                </a:cxn>
+                <a:cxn ang="0">
+                  <a:pos x="connsiteX41" y="connsiteY41"/>
+                </a:cxn>
+                <a:cxn ang="0">
+                  <a:pos x="connsiteX42" y="connsiteY42"/>
+                </a:cxn>
+                <a:cxn ang="0">
+                  <a:pos x="connsiteX43" y="connsiteY43"/>
+                </a:cxn>
+                <a:cxn ang="0">
+                  <a:pos x="connsiteX44" y="connsiteY44"/>
+                </a:cxn>
+                <a:cxn ang="0">
+                  <a:pos x="connsiteX45" y="connsiteY45"/>
+                </a:cxn>
+                <a:cxn ang="0">
+                  <a:pos x="connsiteX46" y="connsiteY46"/>
+                </a:cxn>
+                <a:cxn ang="0">
+                  <a:pos x="connsiteX47" y="connsiteY47"/>
+                </a:cxn>
+                <a:cxn ang="0">
+                  <a:pos x="connsiteX48" y="connsiteY48"/>
+                </a:cxn>
+                <a:cxn ang="0">
+                  <a:pos x="connsiteX49" y="connsiteY49"/>
+                </a:cxn>
+                <a:cxn ang="0">
+                  <a:pos x="connsiteX50" y="connsiteY50"/>
+                </a:cxn>
+                <a:cxn ang="0">
+                  <a:pos x="connsiteX51" y="connsiteY51"/>
+                </a:cxn>
+                <a:cxn ang="0">
+                  <a:pos x="connsiteX52" y="connsiteY52"/>
+                </a:cxn>
+                <a:cxn ang="0">
+                  <a:pos x="connsiteX53" y="connsiteY53"/>
+                </a:cxn>
+                <a:cxn ang="0">
+                  <a:pos x="connsiteX54" y="connsiteY54"/>
+                </a:cxn>
+                <a:cxn ang="0">
+                  <a:pos x="connsiteX55" y="connsiteY55"/>
+                </a:cxn>
+                <a:cxn ang="0">
+                  <a:pos x="connsiteX56" y="connsiteY56"/>
+                </a:cxn>
+                <a:cxn ang="0">
+                  <a:pos x="connsiteX57" y="connsiteY57"/>
+                </a:cxn>
+                <a:cxn ang="0">
+                  <a:pos x="connsiteX58" y="connsiteY58"/>
+                </a:cxn>
+                <a:cxn ang="0">
+                  <a:pos x="connsiteX59" y="connsiteY59"/>
+                </a:cxn>
+                <a:cxn ang="0">
+                  <a:pos x="connsiteX60" y="connsiteY60"/>
+                </a:cxn>
+                <a:cxn ang="0">
+                  <a:pos x="connsiteX61" y="connsiteY61"/>
+                </a:cxn>
+                <a:cxn ang="0">
+                  <a:pos x="connsiteX62" y="connsiteY62"/>
+                </a:cxn>
+                <a:cxn ang="0">
+                  <a:pos x="connsiteX63" y="connsiteY63"/>
+                </a:cxn>
+                <a:cxn ang="0">
+                  <a:pos x="connsiteX64" y="connsiteY64"/>
+                </a:cxn>
+                <a:cxn ang="0">
+                  <a:pos x="connsiteX65" y="connsiteY65"/>
+                </a:cxn>
+                <a:cxn ang="0">
+                  <a:pos x="connsiteX66" y="connsiteY66"/>
+                </a:cxn>
+                <a:cxn ang="0">
+                  <a:pos x="connsiteX67" y="connsiteY67"/>
+                </a:cxn>
+                <a:cxn ang="0">
+                  <a:pos x="connsiteX68" y="connsiteY68"/>
+                </a:cxn>
+                <a:cxn ang="0">
+                  <a:pos x="connsiteX69" y="connsiteY69"/>
+                </a:cxn>
+                <a:cxn ang="0">
+                  <a:pos x="connsiteX70" y="connsiteY70"/>
+                </a:cxn>
+                <a:cxn ang="0">
+                  <a:pos x="connsiteX71" y="connsiteY71"/>
+                </a:cxn>
+                <a:cxn ang="0">
+                  <a:pos x="connsiteX72" y="connsiteY72"/>
+                </a:cxn>
+                <a:cxn ang="0">
+                  <a:pos x="connsiteX73" y="connsiteY73"/>
+                </a:cxn>
+                <a:cxn ang="0">
+                  <a:pos x="connsiteX74" y="connsiteY74"/>
+                </a:cxn>
+                <a:cxn ang="0">
+                  <a:pos x="connsiteX75" y="connsiteY75"/>
+                </a:cxn>
+                <a:cxn ang="0">
+                  <a:pos x="connsiteX76" y="connsiteY76"/>
+                </a:cxn>
+                <a:cxn ang="0">
+                  <a:pos x="connsiteX77" y="connsiteY77"/>
+                </a:cxn>
+                <a:cxn ang="0">
+                  <a:pos x="connsiteX78" y="connsiteY78"/>
+                </a:cxn>
+                <a:cxn ang="0">
+                  <a:pos x="connsiteX79" y="connsiteY79"/>
+                </a:cxn>
+                <a:cxn ang="0">
+                  <a:pos x="connsiteX80" y="connsiteY80"/>
+                </a:cxn>
+                <a:cxn ang="0">
+                  <a:pos x="connsiteX81" y="connsiteY81"/>
+                </a:cxn>
+                <a:cxn ang="0">
+                  <a:pos x="connsiteX82" y="connsiteY82"/>
+                </a:cxn>
+                <a:cxn ang="0">
+                  <a:pos x="connsiteX83" y="connsiteY83"/>
+                </a:cxn>
+                <a:cxn ang="0">
+                  <a:pos x="connsiteX84" y="connsiteY84"/>
+                </a:cxn>
+                <a:cxn ang="0">
+                  <a:pos x="connsiteX85" y="connsiteY85"/>
+                </a:cxn>
+              </a:cxnLst>
+              <a:rect l="l" t="t" r="r" b="b"/>
+              <a:pathLst>
+                <a:path w="6373761" h="6874714">
+                  <a:moveTo>
+                    <a:pt x="6373761" y="5771297"/>
+                  </a:moveTo>
+                  <a:lnTo>
+                    <a:pt x="6373761" y="6247960"/>
+                  </a:lnTo>
+                  <a:lnTo>
+                    <a:pt x="6235932" y="6361930"/>
+                  </a:lnTo>
+                  <a:cubicBezTo>
+                    <a:pt x="6143250" y="6437460"/>
+                    <a:pt x="6051059" y="6512200"/>
+                    <a:pt x="5960375" y="6587489"/>
+                  </a:cubicBezTo>
+                  <a:lnTo>
+                    <a:pt x="5822907" y="6701871"/>
+                  </a:lnTo>
+                  <a:cubicBezTo>
+                    <a:pt x="5776123" y="6740385"/>
+                    <a:pt x="5729079" y="6778899"/>
+                    <a:pt x="5681115" y="6816896"/>
+                  </a:cubicBezTo>
+                  <a:lnTo>
+                    <a:pt x="5604096" y="6874714"/>
+                  </a:lnTo>
+                  <a:lnTo>
+                    <a:pt x="4878485" y="6874714"/>
+                  </a:lnTo>
+                  <a:lnTo>
+                    <a:pt x="5006014" y="6800200"/>
+                  </a:lnTo>
+                  <a:cubicBezTo>
+                    <a:pt x="5054354" y="6770429"/>
+                    <a:pt x="5102285" y="6739483"/>
+                    <a:pt x="5149855" y="6707667"/>
+                  </a:cubicBezTo>
+                  <a:cubicBezTo>
+                    <a:pt x="5244993" y="6643906"/>
+                    <a:pt x="5338561" y="6576025"/>
+                    <a:pt x="5431866" y="6506210"/>
+                  </a:cubicBezTo>
+                  <a:cubicBezTo>
+                    <a:pt x="5478386" y="6471304"/>
+                    <a:pt x="5524777" y="6435495"/>
+                    <a:pt x="5571036" y="6399557"/>
+                  </a:cubicBezTo>
+                  <a:lnTo>
+                    <a:pt x="5711649" y="6288912"/>
+                  </a:lnTo>
+                  <a:cubicBezTo>
+                    <a:pt x="5902059" y="6140395"/>
+                    <a:pt x="6093257" y="5998320"/>
+                    <a:pt x="6276589" y="5852379"/>
+                  </a:cubicBezTo>
+                  <a:close/>
+                  <a:moveTo>
+                    <a:pt x="3975975" y="263"/>
+                  </a:moveTo>
+                  <a:cubicBezTo>
+                    <a:pt x="4101550" y="1809"/>
+                    <a:pt x="4226830" y="10149"/>
+                    <a:pt x="4350473" y="24963"/>
+                  </a:cubicBezTo>
+                  <a:cubicBezTo>
+                    <a:pt x="4598149" y="54846"/>
+                    <a:pt x="4842943" y="108687"/>
+                    <a:pt x="5077909" y="189450"/>
+                  </a:cubicBezTo>
+                  <a:cubicBezTo>
+                    <a:pt x="5312876" y="269955"/>
+                    <a:pt x="5537357" y="376867"/>
+                    <a:pt x="5746507" y="505804"/>
+                  </a:cubicBezTo>
+                  <a:cubicBezTo>
+                    <a:pt x="5955527" y="634999"/>
+                    <a:pt x="6148688" y="786864"/>
+                    <a:pt x="6322456" y="956633"/>
+                  </a:cubicBezTo>
+                  <a:lnTo>
+                    <a:pt x="6373761" y="1011863"/>
+                  </a:lnTo>
+                  <a:lnTo>
+                    <a:pt x="6373761" y="1185075"/>
+                  </a:lnTo>
+                  <a:lnTo>
+                    <a:pt x="6359489" y="1169497"/>
+                  </a:lnTo>
+                  <a:cubicBezTo>
+                    <a:pt x="6318811" y="1127602"/>
+                    <a:pt x="6276917" y="1086890"/>
+                    <a:pt x="6233869" y="1047442"/>
+                  </a:cubicBezTo>
+                  <a:cubicBezTo>
+                    <a:pt x="6147509" y="968870"/>
+                    <a:pt x="6056431" y="895448"/>
+                    <a:pt x="5961423" y="827953"/>
+                  </a:cubicBezTo>
+                  <a:cubicBezTo>
+                    <a:pt x="5865891" y="761102"/>
+                    <a:pt x="5766688" y="699403"/>
+                    <a:pt x="5663555" y="645304"/>
+                  </a:cubicBezTo>
+                  <a:cubicBezTo>
+                    <a:pt x="5457943" y="535816"/>
+                    <a:pt x="5238703" y="453894"/>
+                    <a:pt x="5013827" y="397863"/>
+                  </a:cubicBezTo>
+                  <a:cubicBezTo>
+                    <a:pt x="4788953" y="341703"/>
+                    <a:pt x="4558442" y="310917"/>
+                    <a:pt x="4327409" y="302545"/>
+                  </a:cubicBezTo>
+                  <a:cubicBezTo>
+                    <a:pt x="4096111" y="293012"/>
+                    <a:pt x="3867174" y="305893"/>
+                    <a:pt x="3639939" y="338868"/>
+                  </a:cubicBezTo>
+                  <a:cubicBezTo>
+                    <a:pt x="3526585" y="355999"/>
+                    <a:pt x="3413885" y="377254"/>
+                    <a:pt x="3302495" y="403659"/>
+                  </a:cubicBezTo>
+                  <a:cubicBezTo>
+                    <a:pt x="3191107" y="430451"/>
+                    <a:pt x="3080634" y="460978"/>
+                    <a:pt x="2971604" y="496273"/>
+                  </a:cubicBezTo>
+                  <a:cubicBezTo>
+                    <a:pt x="2862573" y="531437"/>
+                    <a:pt x="2754854" y="570852"/>
+                    <a:pt x="2648706" y="614389"/>
+                  </a:cubicBezTo>
+                  <a:cubicBezTo>
+                    <a:pt x="2542690" y="658056"/>
+                    <a:pt x="2438114" y="705714"/>
+                    <a:pt x="2335374" y="757109"/>
+                  </a:cubicBezTo>
+                  <a:cubicBezTo>
+                    <a:pt x="2129894" y="859769"/>
+                    <a:pt x="1931228" y="976855"/>
+                    <a:pt x="1741342" y="1107725"/>
+                  </a:cubicBezTo>
+                  <a:cubicBezTo>
+                    <a:pt x="1694035" y="1140571"/>
+                    <a:pt x="1646858" y="1173933"/>
+                    <a:pt x="1600861" y="1208710"/>
+                  </a:cubicBezTo>
+                  <a:cubicBezTo>
+                    <a:pt x="1577535" y="1225713"/>
+                    <a:pt x="1554732" y="1243361"/>
+                    <a:pt x="1531799" y="1260879"/>
+                  </a:cubicBezTo>
+                  <a:cubicBezTo>
+                    <a:pt x="1508735" y="1278267"/>
+                    <a:pt x="1486064" y="1296171"/>
+                    <a:pt x="1463655" y="1314333"/>
+                  </a:cubicBezTo>
+                  <a:cubicBezTo>
+                    <a:pt x="1373627" y="1386853"/>
+                    <a:pt x="1285564" y="1462077"/>
+                    <a:pt x="1200777" y="1541166"/>
+                  </a:cubicBezTo>
+                  <a:cubicBezTo>
+                    <a:pt x="1030810" y="1698827"/>
+                    <a:pt x="873161" y="1870785"/>
+                    <a:pt x="731501" y="2055754"/>
+                  </a:cubicBezTo>
+                  <a:cubicBezTo>
+                    <a:pt x="660734" y="2148239"/>
+                    <a:pt x="593771" y="2243944"/>
+                    <a:pt x="531393" y="2342739"/>
+                  </a:cubicBezTo>
+                  <a:cubicBezTo>
+                    <a:pt x="470063" y="2442050"/>
+                    <a:pt x="412140" y="2543810"/>
+                    <a:pt x="361033" y="2649046"/>
+                  </a:cubicBezTo>
+                  <a:cubicBezTo>
+                    <a:pt x="347798" y="2675194"/>
+                    <a:pt x="335479" y="2701728"/>
+                    <a:pt x="323292" y="2728263"/>
+                  </a:cubicBezTo>
+                  <a:lnTo>
+                    <a:pt x="304945" y="2768193"/>
+                  </a:lnTo>
+                  <a:lnTo>
+                    <a:pt x="287516" y="2808510"/>
+                  </a:lnTo>
+                  <a:cubicBezTo>
+                    <a:pt x="276115" y="2835432"/>
+                    <a:pt x="264583" y="2862352"/>
+                    <a:pt x="254230" y="2889788"/>
+                  </a:cubicBezTo>
+                  <a:cubicBezTo>
+                    <a:pt x="243877" y="2917224"/>
+                    <a:pt x="232477" y="2944274"/>
+                    <a:pt x="223042" y="2971968"/>
+                  </a:cubicBezTo>
+                  <a:cubicBezTo>
+                    <a:pt x="182679" y="3081970"/>
+                    <a:pt x="148475" y="3194291"/>
+                    <a:pt x="121611" y="3308544"/>
+                  </a:cubicBezTo>
+                  <a:cubicBezTo>
+                    <a:pt x="67096" y="3536534"/>
+                    <a:pt x="39183" y="3771224"/>
+                    <a:pt x="39314" y="4005912"/>
+                  </a:cubicBezTo>
+                  <a:cubicBezTo>
+                    <a:pt x="39969" y="4122871"/>
+                    <a:pt x="51109" y="4239571"/>
+                    <a:pt x="73910" y="4354081"/>
+                  </a:cubicBezTo>
+                  <a:cubicBezTo>
+                    <a:pt x="97892" y="4468334"/>
+                    <a:pt x="132619" y="4580140"/>
+                    <a:pt x="179534" y="4687050"/>
+                  </a:cubicBezTo>
+                  <a:cubicBezTo>
+                    <a:pt x="190673" y="4713972"/>
+                    <a:pt x="203647" y="4740249"/>
+                    <a:pt x="215964" y="4766654"/>
+                  </a:cubicBezTo>
+                  <a:cubicBezTo>
+                    <a:pt x="229332" y="4792674"/>
+                    <a:pt x="242043" y="4818950"/>
+                    <a:pt x="256457" y="4844455"/>
+                  </a:cubicBezTo>
+                  <a:cubicBezTo>
+                    <a:pt x="283978" y="4895978"/>
+                    <a:pt x="314642" y="4945956"/>
+                    <a:pt x="346225" y="4995290"/>
+                  </a:cubicBezTo>
+                  <a:cubicBezTo>
+                    <a:pt x="377676" y="5044752"/>
+                    <a:pt x="411355" y="5092926"/>
+                    <a:pt x="445296" y="5140971"/>
+                  </a:cubicBezTo>
+                  <a:cubicBezTo>
+                    <a:pt x="479760" y="5188630"/>
+                    <a:pt x="515537" y="5235645"/>
+                    <a:pt x="551443" y="5282531"/>
+                  </a:cubicBezTo>
+                  <a:cubicBezTo>
+                    <a:pt x="623387" y="5376434"/>
+                    <a:pt x="698608" y="5468402"/>
+                    <a:pt x="772387" y="5562561"/>
+                  </a:cubicBezTo>
+                  <a:cubicBezTo>
+                    <a:pt x="809472" y="5609448"/>
+                    <a:pt x="846428" y="5656719"/>
+                    <a:pt x="882858" y="5704507"/>
+                  </a:cubicBezTo>
+                  <a:cubicBezTo>
+                    <a:pt x="919159" y="5751909"/>
+                    <a:pt x="955196" y="5802273"/>
+                    <a:pt x="990316" y="5848258"/>
+                  </a:cubicBezTo>
+                  <a:cubicBezTo>
+                    <a:pt x="1025175" y="5895402"/>
+                    <a:pt x="1061736" y="5941129"/>
+                    <a:pt x="1097774" y="5987114"/>
+                  </a:cubicBezTo>
+                  <a:cubicBezTo>
+                    <a:pt x="1134860" y="6032326"/>
+                    <a:pt x="1171684" y="6077536"/>
+                    <a:pt x="1210080" y="6121203"/>
+                  </a:cubicBezTo>
+                  <a:cubicBezTo>
+                    <a:pt x="1286350" y="6209051"/>
+                    <a:pt x="1365632" y="6293677"/>
+                    <a:pt x="1448192" y="6374054"/>
+                  </a:cubicBezTo>
+                  <a:cubicBezTo>
+                    <a:pt x="1613572" y="6534420"/>
+                    <a:pt x="1792057" y="6677526"/>
+                    <a:pt x="1982991" y="6796158"/>
+                  </a:cubicBezTo>
+                  <a:lnTo>
+                    <a:pt x="2118475" y="6874714"/>
+                  </a:lnTo>
+                  <a:lnTo>
+                    <a:pt x="1569874" y="6874714"/>
+                  </a:lnTo>
+                  <a:lnTo>
+                    <a:pt x="1507802" y="6817815"/>
+                  </a:lnTo>
+                  <a:cubicBezTo>
+                    <a:pt x="1418412" y="6730595"/>
+                    <a:pt x="1334903" y="6638562"/>
+                    <a:pt x="1256865" y="6543437"/>
+                  </a:cubicBezTo>
+                  <a:cubicBezTo>
+                    <a:pt x="1179155" y="6447861"/>
+                    <a:pt x="1106817" y="6349194"/>
+                    <a:pt x="1038410" y="6248722"/>
+                  </a:cubicBezTo>
+                  <a:cubicBezTo>
+                    <a:pt x="969873" y="6148253"/>
+                    <a:pt x="905922" y="6045592"/>
+                    <a:pt x="845380" y="5941386"/>
+                  </a:cubicBezTo>
+                  <a:cubicBezTo>
+                    <a:pt x="814453" y="5888704"/>
+                    <a:pt x="786147" y="5839370"/>
+                    <a:pt x="755351" y="5788877"/>
+                  </a:cubicBezTo>
+                  <a:cubicBezTo>
+                    <a:pt x="724817" y="5738771"/>
+                    <a:pt x="693760" y="5688665"/>
+                    <a:pt x="661784" y="5638944"/>
+                  </a:cubicBezTo>
+                  <a:lnTo>
+                    <a:pt x="466525" y="5340366"/>
+                  </a:lnTo>
+                  <a:cubicBezTo>
+                    <a:pt x="434156" y="5290131"/>
+                    <a:pt x="402181" y="5239639"/>
+                    <a:pt x="370992" y="5188502"/>
+                  </a:cubicBezTo>
+                  <a:cubicBezTo>
+                    <a:pt x="339803" y="5137364"/>
+                    <a:pt x="308876" y="5086099"/>
+                    <a:pt x="280046" y="5033287"/>
+                  </a:cubicBezTo>
+                  <a:cubicBezTo>
+                    <a:pt x="222255" y="4928179"/>
+                    <a:pt x="169181" y="4819982"/>
+                    <a:pt x="126853" y="4707660"/>
+                  </a:cubicBezTo>
+                  <a:cubicBezTo>
+                    <a:pt x="83739" y="4595725"/>
+                    <a:pt x="51764" y="4479670"/>
+                    <a:pt x="30272" y="4362068"/>
+                  </a:cubicBezTo>
+                  <a:cubicBezTo>
+                    <a:pt x="9698" y="4244466"/>
+                    <a:pt x="0" y="4125060"/>
+                    <a:pt x="0" y="4005912"/>
+                  </a:cubicBezTo>
+                  <a:cubicBezTo>
+                    <a:pt x="1704" y="3530867"/>
+                    <a:pt x="95140" y="3057110"/>
+                    <a:pt x="270480" y="2610532"/>
+                  </a:cubicBezTo>
+                  <a:cubicBezTo>
+                    <a:pt x="314511" y="2498984"/>
+                    <a:pt x="362212" y="2388466"/>
+                    <a:pt x="415942" y="2280526"/>
+                  </a:cubicBezTo>
+                  <a:cubicBezTo>
+                    <a:pt x="468884" y="2172197"/>
+                    <a:pt x="527199" y="2066188"/>
+                    <a:pt x="590102" y="1962626"/>
+                  </a:cubicBezTo>
+                  <a:cubicBezTo>
+                    <a:pt x="716037" y="1755631"/>
+                    <a:pt x="859794" y="1557653"/>
+                    <a:pt x="1020719" y="1373070"/>
+                  </a:cubicBezTo>
+                  <a:cubicBezTo>
+                    <a:pt x="1101575" y="1281101"/>
+                    <a:pt x="1185969" y="1191838"/>
+                    <a:pt x="1275080" y="1107081"/>
+                  </a:cubicBezTo>
+                  <a:cubicBezTo>
+                    <a:pt x="1297227" y="1085699"/>
+                    <a:pt x="1319504" y="1064575"/>
+                    <a:pt x="1342437" y="1043965"/>
+                  </a:cubicBezTo>
+                  <a:cubicBezTo>
+                    <a:pt x="1365240" y="1023226"/>
+                    <a:pt x="1387648" y="1002102"/>
+                    <a:pt x="1411106" y="982138"/>
+                  </a:cubicBezTo>
+                  <a:cubicBezTo>
+                    <a:pt x="1457497" y="941563"/>
+                    <a:pt x="1505065" y="902276"/>
+                    <a:pt x="1553029" y="863376"/>
+                  </a:cubicBezTo>
+                  <a:cubicBezTo>
+                    <a:pt x="1745798" y="708806"/>
+                    <a:pt x="1954030" y="571882"/>
+                    <a:pt x="2173401" y="454409"/>
+                  </a:cubicBezTo>
+                  <a:cubicBezTo>
+                    <a:pt x="2612013" y="219334"/>
+                    <a:pt x="3099505" y="65666"/>
+                    <a:pt x="3599708" y="16332"/>
+                  </a:cubicBezTo>
+                  <a:cubicBezTo>
+                    <a:pt x="3724530" y="3966"/>
+                    <a:pt x="3850400" y="-1283"/>
+                    <a:pt x="3975975" y="263"/>
+                  </a:cubicBezTo>
+                  <a:close/>
+                </a:path>
+              </a:pathLst>
+            </a:custGeom>
+            <a:gradFill>
+              <a:gsLst>
+                <a:gs pos="2000">
+                  <a:schemeClr val="bg1">
+                    <a:alpha val="10000"/>
+                  </a:schemeClr>
+                </a:gs>
+                <a:gs pos="16000">
+                  <a:schemeClr val="accent6">
+                    <a:alpha val="10000"/>
+                  </a:schemeClr>
+                </a:gs>
+                <a:gs pos="100000">
+                  <a:schemeClr val="bg1">
+                    <a:alpha val="10000"/>
+                  </a:schemeClr>
+                </a:gs>
+                <a:gs pos="85000">
+                  <a:schemeClr val="accent1">
+                    <a:alpha val="10000"/>
+                  </a:schemeClr>
+                </a:gs>
+              </a:gsLst>
+              <a:lin ang="12000000" scaled="0"/>
+            </a:gradFill>
+            <a:ln>
+              <a:noFill/>
+            </a:ln>
+          </p:spPr>
+          <p:style>
+            <a:lnRef idx="2">
+              <a:schemeClr val="accent1">
+                <a:shade val="50000"/>
+              </a:schemeClr>
+            </a:lnRef>
+            <a:fillRef idx="1">
+              <a:schemeClr val="accent1"/>
+            </a:fillRef>
+            <a:effectRef idx="0">
+              <a:schemeClr val="accent1"/>
+            </a:effectRef>
+            <a:fontRef idx="minor">
+              <a:schemeClr val="lt1"/>
+            </a:fontRef>
+          </p:style>
+          <p:txBody>
+            <a:bodyPr rtlCol="0" anchor="ctr"/>
+            <a:lstStyle/>
+            <a:p>
+              <a:pPr algn="ctr"/>
+              <a:endParaRPr lang="en-US"/>
+            </a:p>
+          </p:txBody>
+        </p:sp>
+        <p:sp>
+          <p:nvSpPr>
+            <p:cNvPr id="6165" name="Freeform: Shape 6164">
+              <a:extLst>
+                <a:ext uri="{FF2B5EF4-FFF2-40B4-BE49-F238E27FC236}">
+                  <a16:creationId xmlns:a16="http://schemas.microsoft.com/office/drawing/2014/main" id="{61023DD2-2E6F-4419-B404-80F08460BEA5}"/>
+                </a:ext>
+                <a:ext uri="{C183D7F6-B498-43B3-948B-1728B52AA6E4}">
+                  <adec:decorative xmlns:adec="http://schemas.microsoft.com/office/drawing/2017/decorative" val="1"/>
+                </a:ext>
+              </a:extLst>
+            </p:cNvPr>
+            <p:cNvSpPr/>
+            <p:nvPr>
+              <p:extLst>
+                <p:ext uri="{386F3935-93C4-4BCD-93E2-E3B085C9AB24}">
+                  <p16:designElem xmlns:p16="http://schemas.microsoft.com/office/powerpoint/2015/main" val="1"/>
+                </p:ext>
+              </p:extLst>
+            </p:nvPr>
+          </p:nvSpPr>
+          <p:spPr>
+            <a:xfrm>
+              <a:off x="5865276" y="313387"/>
+              <a:ext cx="6326724" cy="6561326"/>
+            </a:xfrm>
+            <a:custGeom>
+              <a:avLst/>
+              <a:gdLst>
+                <a:gd name="connsiteX0" fmla="*/ 6326724 w 6326724"/>
+                <a:gd name="connsiteY0" fmla="*/ 5020808 h 6561326"/>
+                <a:gd name="connsiteX1" fmla="*/ 6326724 w 6326724"/>
+                <a:gd name="connsiteY1" fmla="*/ 5698632 h 6561326"/>
+                <a:gd name="connsiteX2" fmla="*/ 6067438 w 6326724"/>
+                <a:gd name="connsiteY2" fmla="*/ 5902509 h 6561326"/>
+                <a:gd name="connsiteX3" fmla="*/ 5799974 w 6326724"/>
+                <a:gd name="connsiteY3" fmla="*/ 6102017 h 6561326"/>
+                <a:gd name="connsiteX4" fmla="*/ 5665258 w 6326724"/>
+                <a:gd name="connsiteY4" fmla="*/ 6202100 h 6561326"/>
+                <a:gd name="connsiteX5" fmla="*/ 5526873 w 6326724"/>
+                <a:gd name="connsiteY5" fmla="*/ 6302828 h 6561326"/>
+                <a:gd name="connsiteX6" fmla="*/ 5385080 w 6326724"/>
+                <a:gd name="connsiteY6" fmla="*/ 6402268 h 6561326"/>
+                <a:gd name="connsiteX7" fmla="*/ 5238833 w 6326724"/>
+                <a:gd name="connsiteY7" fmla="*/ 6498875 h 6561326"/>
+                <a:gd name="connsiteX8" fmla="*/ 5138040 w 6326724"/>
+                <a:gd name="connsiteY8" fmla="*/ 6561326 h 6561326"/>
+                <a:gd name="connsiteX9" fmla="*/ 3946072 w 6326724"/>
+                <a:gd name="connsiteY9" fmla="*/ 6561326 h 6561326"/>
+                <a:gd name="connsiteX10" fmla="*/ 3976009 w 6326724"/>
+                <a:gd name="connsiteY10" fmla="*/ 6555242 h 6561326"/>
+                <a:gd name="connsiteX11" fmla="*/ 4404855 w 6326724"/>
+                <a:gd name="connsiteY11" fmla="*/ 6399048 h 6561326"/>
+                <a:gd name="connsiteX12" fmla="*/ 4938868 w 6326724"/>
+                <a:gd name="connsiteY12" fmla="*/ 6072132 h 6561326"/>
+                <a:gd name="connsiteX13" fmla="*/ 5068342 w 6326724"/>
+                <a:gd name="connsiteY13" fmla="*/ 5976042 h 6561326"/>
+                <a:gd name="connsiteX14" fmla="*/ 5197816 w 6326724"/>
+                <a:gd name="connsiteY14" fmla="*/ 5876730 h 6561326"/>
+                <a:gd name="connsiteX15" fmla="*/ 5460039 w 6326724"/>
+                <a:gd name="connsiteY15" fmla="*/ 5670637 h 6561326"/>
+                <a:gd name="connsiteX16" fmla="*/ 5999033 w 6326724"/>
+                <a:gd name="connsiteY16" fmla="*/ 5271718 h 6561326"/>
+                <a:gd name="connsiteX17" fmla="*/ 6258766 w 6326724"/>
+                <a:gd name="connsiteY17" fmla="*/ 5077603 h 6561326"/>
+                <a:gd name="connsiteX18" fmla="*/ 4139342 w 6326724"/>
+                <a:gd name="connsiteY18" fmla="*/ 440 h 6561326"/>
+                <a:gd name="connsiteX19" fmla="*/ 4315744 w 6326724"/>
+                <a:gd name="connsiteY19" fmla="*/ 6808 h 6561326"/>
+                <a:gd name="connsiteX20" fmla="*/ 5015400 w 6326724"/>
+                <a:gd name="connsiteY20" fmla="*/ 113591 h 6561326"/>
+                <a:gd name="connsiteX21" fmla="*/ 5681114 w 6326724"/>
+                <a:gd name="connsiteY21" fmla="*/ 361418 h 6561326"/>
+                <a:gd name="connsiteX22" fmla="*/ 6270952 w 6326724"/>
+                <a:gd name="connsiteY22" fmla="*/ 755441 h 6561326"/>
+                <a:gd name="connsiteX23" fmla="*/ 6326724 w 6326724"/>
+                <a:gd name="connsiteY23" fmla="*/ 807432 h 6561326"/>
+                <a:gd name="connsiteX24" fmla="*/ 6326724 w 6326724"/>
+                <a:gd name="connsiteY24" fmla="*/ 1231565 h 6561326"/>
+                <a:gd name="connsiteX25" fmla="*/ 6302093 w 6326724"/>
+                <a:gd name="connsiteY25" fmla="*/ 1203002 h 6561326"/>
+                <a:gd name="connsiteX26" fmla="*/ 6066914 w 6326724"/>
+                <a:gd name="connsiteY26" fmla="*/ 989616 h 6561326"/>
+                <a:gd name="connsiteX27" fmla="*/ 5533688 w 6326724"/>
+                <a:gd name="connsiteY27" fmla="*/ 647242 h 6561326"/>
+                <a:gd name="connsiteX28" fmla="*/ 4933626 w 6326724"/>
+                <a:gd name="connsiteY28" fmla="*/ 432262 h 6561326"/>
+                <a:gd name="connsiteX29" fmla="*/ 4296873 w 6326724"/>
+                <a:gd name="connsiteY29" fmla="*/ 343126 h 6561326"/>
+                <a:gd name="connsiteX30" fmla="*/ 3651602 w 6326724"/>
+                <a:gd name="connsiteY30" fmla="*/ 365797 h 6561326"/>
+                <a:gd name="connsiteX31" fmla="*/ 3018256 w 6326724"/>
+                <a:gd name="connsiteY31" fmla="*/ 496666 h 6561326"/>
+                <a:gd name="connsiteX32" fmla="*/ 2412429 w 6326724"/>
+                <a:gd name="connsiteY32" fmla="*/ 724399 h 6561326"/>
+                <a:gd name="connsiteX33" fmla="*/ 1329857 w 6326724"/>
+                <a:gd name="connsiteY33" fmla="*/ 1424086 h 6561326"/>
+                <a:gd name="connsiteX34" fmla="*/ 887314 w 6326724"/>
+                <a:gd name="connsiteY34" fmla="*/ 1891015 h 6561326"/>
+                <a:gd name="connsiteX35" fmla="*/ 537420 w 6326724"/>
+                <a:gd name="connsiteY35" fmla="*/ 2427245 h 6561326"/>
+                <a:gd name="connsiteX36" fmla="*/ 299965 w 6326724"/>
+                <a:gd name="connsiteY36" fmla="*/ 3020021 h 6561326"/>
+                <a:gd name="connsiteX37" fmla="*/ 213606 w 6326724"/>
+                <a:gd name="connsiteY37" fmla="*/ 3651953 h 6561326"/>
+                <a:gd name="connsiteX38" fmla="*/ 250036 w 6326724"/>
+                <a:gd name="connsiteY38" fmla="*/ 3961352 h 6561326"/>
+                <a:gd name="connsiteX39" fmla="*/ 357625 w 6326724"/>
+                <a:gd name="connsiteY39" fmla="*/ 4250783 h 6561326"/>
+                <a:gd name="connsiteX40" fmla="*/ 432715 w 6326724"/>
+                <a:gd name="connsiteY40" fmla="*/ 4387063 h 6561326"/>
+                <a:gd name="connsiteX41" fmla="*/ 518943 w 6326724"/>
+                <a:gd name="connsiteY41" fmla="*/ 4518962 h 6561326"/>
+                <a:gd name="connsiteX42" fmla="*/ 718133 w 6326724"/>
+                <a:gd name="connsiteY42" fmla="*/ 4773874 h 6561326"/>
+                <a:gd name="connsiteX43" fmla="*/ 933704 w 6326724"/>
+                <a:gd name="connsiteY43" fmla="*/ 5030717 h 6561326"/>
+                <a:gd name="connsiteX44" fmla="*/ 1040900 w 6326724"/>
+                <a:gd name="connsiteY44" fmla="*/ 5164806 h 6561326"/>
+                <a:gd name="connsiteX45" fmla="*/ 1092401 w 6326724"/>
+                <a:gd name="connsiteY45" fmla="*/ 5230628 h 6561326"/>
+                <a:gd name="connsiteX46" fmla="*/ 1142854 w 6326724"/>
+                <a:gd name="connsiteY46" fmla="*/ 5293615 h 6561326"/>
+                <a:gd name="connsiteX47" fmla="*/ 1576354 w 6326724"/>
+                <a:gd name="connsiteY47" fmla="*/ 5759128 h 6561326"/>
+                <a:gd name="connsiteX48" fmla="*/ 1806865 w 6326724"/>
+                <a:gd name="connsiteY48" fmla="*/ 5968571 h 6561326"/>
+                <a:gd name="connsiteX49" fmla="*/ 2048253 w 6326724"/>
+                <a:gd name="connsiteY49" fmla="*/ 6161654 h 6561326"/>
+                <a:gd name="connsiteX50" fmla="*/ 2587506 w 6326724"/>
+                <a:gd name="connsiteY50" fmla="*/ 6467059 h 6561326"/>
+                <a:gd name="connsiteX51" fmla="*/ 2889176 w 6326724"/>
+                <a:gd name="connsiteY51" fmla="*/ 6553360 h 6561326"/>
+                <a:gd name="connsiteX52" fmla="*/ 2929698 w 6326724"/>
+                <a:gd name="connsiteY52" fmla="*/ 6561326 h 6561326"/>
+                <a:gd name="connsiteX53" fmla="*/ 1816374 w 6326724"/>
+                <a:gd name="connsiteY53" fmla="*/ 6561326 h 6561326"/>
+                <a:gd name="connsiteX54" fmla="*/ 1787601 w 6326724"/>
+                <a:gd name="connsiteY54" fmla="*/ 6545761 h 6561326"/>
+                <a:gd name="connsiteX55" fmla="*/ 1225544 w 6326724"/>
+                <a:gd name="connsiteY55" fmla="*/ 6094158 h 6561326"/>
+                <a:gd name="connsiteX56" fmla="*/ 997654 w 6326724"/>
+                <a:gd name="connsiteY56" fmla="*/ 5822374 h 6561326"/>
+                <a:gd name="connsiteX57" fmla="*/ 798596 w 6326724"/>
+                <a:gd name="connsiteY57" fmla="*/ 5534615 h 6561326"/>
+                <a:gd name="connsiteX58" fmla="*/ 752075 w 6326724"/>
+                <a:gd name="connsiteY58" fmla="*/ 5461324 h 6561326"/>
+                <a:gd name="connsiteX59" fmla="*/ 707650 w 6326724"/>
+                <a:gd name="connsiteY59" fmla="*/ 5390221 h 6561326"/>
+                <a:gd name="connsiteX60" fmla="*/ 619980 w 6326724"/>
+                <a:gd name="connsiteY60" fmla="*/ 5252396 h 6561326"/>
+                <a:gd name="connsiteX61" fmla="*/ 438349 w 6326724"/>
+                <a:gd name="connsiteY61" fmla="*/ 4970822 h 6561326"/>
+                <a:gd name="connsiteX62" fmla="*/ 261044 w 6326724"/>
+                <a:gd name="connsiteY62" fmla="*/ 4673145 h 6561326"/>
+                <a:gd name="connsiteX63" fmla="*/ 181107 w 6326724"/>
+                <a:gd name="connsiteY63" fmla="*/ 4515356 h 6561326"/>
+                <a:gd name="connsiteX64" fmla="*/ 113224 w 6326724"/>
+                <a:gd name="connsiteY64" fmla="*/ 4350223 h 6561326"/>
+                <a:gd name="connsiteX65" fmla="*/ 61199 w 6326724"/>
+                <a:gd name="connsiteY65" fmla="*/ 4178908 h 6561326"/>
+                <a:gd name="connsiteX66" fmla="*/ 41804 w 6326724"/>
+                <a:gd name="connsiteY66" fmla="*/ 4091577 h 6561326"/>
+                <a:gd name="connsiteX67" fmla="*/ 33287 w 6326724"/>
+                <a:gd name="connsiteY67" fmla="*/ 4047781 h 6561326"/>
+                <a:gd name="connsiteX68" fmla="*/ 26209 w 6326724"/>
+                <a:gd name="connsiteY68" fmla="*/ 4003858 h 6561326"/>
+                <a:gd name="connsiteX69" fmla="*/ 0 w 6326724"/>
+                <a:gd name="connsiteY69" fmla="*/ 3651953 h 6561326"/>
+                <a:gd name="connsiteX70" fmla="*/ 72731 w 6326724"/>
+                <a:gd name="connsiteY70" fmla="*/ 2966307 h 6561326"/>
+                <a:gd name="connsiteX71" fmla="*/ 291316 w 6326724"/>
+                <a:gd name="connsiteY71" fmla="*/ 2309385 h 6561326"/>
+                <a:gd name="connsiteX72" fmla="*/ 1110878 w 6326724"/>
+                <a:gd name="connsiteY72" fmla="*/ 1193776 h 6561326"/>
+                <a:gd name="connsiteX73" fmla="*/ 1654327 w 6326724"/>
+                <a:gd name="connsiteY73" fmla="*/ 756730 h 6561326"/>
+                <a:gd name="connsiteX74" fmla="*/ 2261727 w 6326724"/>
+                <a:gd name="connsiteY74" fmla="*/ 409720 h 6561326"/>
+                <a:gd name="connsiteX75" fmla="*/ 3610060 w 6326724"/>
+                <a:gd name="connsiteY75" fmla="*/ 27032 h 6561326"/>
+                <a:gd name="connsiteX76" fmla="*/ 4139342 w 6326724"/>
+                <a:gd name="connsiteY76" fmla="*/ 440 h 6561326"/>
+              </a:gdLst>
+              <a:ahLst/>
+              <a:cxnLst>
+                <a:cxn ang="0">
+                  <a:pos x="connsiteX0" y="connsiteY0"/>
+                </a:cxn>
+                <a:cxn ang="0">
+                  <a:pos x="connsiteX1" y="connsiteY1"/>
+                </a:cxn>
+                <a:cxn ang="0">
+                  <a:pos x="connsiteX2" y="connsiteY2"/>
+                </a:cxn>
+                <a:cxn ang="0">
+                  <a:pos x="connsiteX3" y="connsiteY3"/>
+                </a:cxn>
+                <a:cxn ang="0">
+                  <a:pos x="connsiteX4" y="connsiteY4"/>
+                </a:cxn>
+                <a:cxn ang="0">
+                  <a:pos x="connsiteX5" y="connsiteY5"/>
+                </a:cxn>
+                <a:cxn ang="0">
+                  <a:pos x="connsiteX6" y="connsiteY6"/>
+                </a:cxn>
+                <a:cxn ang="0">
+                  <a:pos x="connsiteX7" y="connsiteY7"/>
+                </a:cxn>
+                <a:cxn ang="0">
+                  <a:pos x="connsiteX8" y="connsiteY8"/>
+                </a:cxn>
+                <a:cxn ang="0">
+                  <a:pos x="connsiteX9" y="connsiteY9"/>
+                </a:cxn>
+                <a:cxn ang="0">
+                  <a:pos x="connsiteX10" y="connsiteY10"/>
+                </a:cxn>
+                <a:cxn ang="0">
+                  <a:pos x="connsiteX11" y="connsiteY11"/>
+                </a:cxn>
+                <a:cxn ang="0">
+                  <a:pos x="connsiteX12" y="connsiteY12"/>
+                </a:cxn>
+                <a:cxn ang="0">
+                  <a:pos x="connsiteX13" y="connsiteY13"/>
+                </a:cxn>
+                <a:cxn ang="0">
+                  <a:pos x="connsiteX14" y="connsiteY14"/>
+                </a:cxn>
+                <a:cxn ang="0">
+                  <a:pos x="connsiteX15" y="connsiteY15"/>
+                </a:cxn>
+                <a:cxn ang="0">
+                  <a:pos x="connsiteX16" y="connsiteY16"/>
+                </a:cxn>
+                <a:cxn ang="0">
+                  <a:pos x="connsiteX17" y="connsiteY17"/>
+                </a:cxn>
+                <a:cxn ang="0">
+                  <a:pos x="connsiteX18" y="connsiteY18"/>
+                </a:cxn>
+                <a:cxn ang="0">
+                  <a:pos x="connsiteX19" y="connsiteY19"/>
+                </a:cxn>
+                <a:cxn ang="0">
+                  <a:pos x="connsiteX20" y="connsiteY20"/>
+                </a:cxn>
+                <a:cxn ang="0">
+                  <a:pos x="connsiteX21" y="connsiteY21"/>
+                </a:cxn>
+                <a:cxn ang="0">
+                  <a:pos x="connsiteX22" y="connsiteY22"/>
+                </a:cxn>
+                <a:cxn ang="0">
+                  <a:pos x="connsiteX23" y="connsiteY23"/>
+                </a:cxn>
+                <a:cxn ang="0">
+                  <a:pos x="connsiteX24" y="connsiteY24"/>
+                </a:cxn>
+                <a:cxn ang="0">
+                  <a:pos x="connsiteX25" y="connsiteY25"/>
+                </a:cxn>
+                <a:cxn ang="0">
+                  <a:pos x="connsiteX26" y="connsiteY26"/>
+                </a:cxn>
+                <a:cxn ang="0">
+                  <a:pos x="connsiteX27" y="connsiteY27"/>
+                </a:cxn>
+                <a:cxn ang="0">
+                  <a:pos x="connsiteX28" y="connsiteY28"/>
+                </a:cxn>
+                <a:cxn ang="0">
+                  <a:pos x="connsiteX29" y="connsiteY29"/>
+                </a:cxn>
+                <a:cxn ang="0">
+                  <a:pos x="connsiteX30" y="connsiteY30"/>
+                </a:cxn>
+                <a:cxn ang="0">
+                  <a:pos x="connsiteX31" y="connsiteY31"/>
+                </a:cxn>
+                <a:cxn ang="0">
+                  <a:pos x="connsiteX32" y="connsiteY32"/>
+                </a:cxn>
+                <a:cxn ang="0">
+                  <a:pos x="connsiteX33" y="connsiteY33"/>
+                </a:cxn>
+                <a:cxn ang="0">
+                  <a:pos x="connsiteX34" y="connsiteY34"/>
+                </a:cxn>
+                <a:cxn ang="0">
+                  <a:pos x="connsiteX35" y="connsiteY35"/>
+                </a:cxn>
+                <a:cxn ang="0">
+                  <a:pos x="connsiteX36" y="connsiteY36"/>
+                </a:cxn>
+                <a:cxn ang="0">
+                  <a:pos x="connsiteX37" y="connsiteY37"/>
+                </a:cxn>
+                <a:cxn ang="0">
+                  <a:pos x="connsiteX38" y="connsiteY38"/>
+                </a:cxn>
+                <a:cxn ang="0">
+                  <a:pos x="connsiteX39" y="connsiteY39"/>
+                </a:cxn>
+                <a:cxn ang="0">
+                  <a:pos x="connsiteX40" y="connsiteY40"/>
+                </a:cxn>
+                <a:cxn ang="0">
+                  <a:pos x="connsiteX41" y="connsiteY41"/>
+                </a:cxn>
+                <a:cxn ang="0">
+                  <a:pos x="connsiteX42" y="connsiteY42"/>
+                </a:cxn>
+                <a:cxn ang="0">
+                  <a:pos x="connsiteX43" y="connsiteY43"/>
+                </a:cxn>
+                <a:cxn ang="0">
+                  <a:pos x="connsiteX44" y="connsiteY44"/>
+                </a:cxn>
+                <a:cxn ang="0">
+                  <a:pos x="connsiteX45" y="connsiteY45"/>
+                </a:cxn>
+                <a:cxn ang="0">
+                  <a:pos x="connsiteX46" y="connsiteY46"/>
+                </a:cxn>
+                <a:cxn ang="0">
+                  <a:pos x="connsiteX47" y="connsiteY47"/>
+                </a:cxn>
+                <a:cxn ang="0">
+                  <a:pos x="connsiteX48" y="connsiteY48"/>
+                </a:cxn>
+                <a:cxn ang="0">
+                  <a:pos x="connsiteX49" y="connsiteY49"/>
+                </a:cxn>
+                <a:cxn ang="0">
+                  <a:pos x="connsiteX50" y="connsiteY50"/>
+                </a:cxn>
+                <a:cxn ang="0">
+                  <a:pos x="connsiteX51" y="connsiteY51"/>
+                </a:cxn>
+                <a:cxn ang="0">
+                  <a:pos x="connsiteX52" y="connsiteY52"/>
+                </a:cxn>
+                <a:cxn ang="0">
+                  <a:pos x="connsiteX53" y="connsiteY53"/>
+                </a:cxn>
+                <a:cxn ang="0">
+                  <a:pos x="connsiteX54" y="connsiteY54"/>
+                </a:cxn>
+                <a:cxn ang="0">
+                  <a:pos x="connsiteX55" y="connsiteY55"/>
+                </a:cxn>
+                <a:cxn ang="0">
+                  <a:pos x="connsiteX56" y="connsiteY56"/>
+                </a:cxn>
+                <a:cxn ang="0">
+                  <a:pos x="connsiteX57" y="connsiteY57"/>
+                </a:cxn>
+                <a:cxn ang="0">
+                  <a:pos x="connsiteX58" y="connsiteY58"/>
+                </a:cxn>
+                <a:cxn ang="0">
+                  <a:pos x="connsiteX59" y="connsiteY59"/>
+                </a:cxn>
+                <a:cxn ang="0">
+                  <a:pos x="connsiteX60" y="connsiteY60"/>
+                </a:cxn>
+                <a:cxn ang="0">
+                  <a:pos x="connsiteX61" y="connsiteY61"/>
+                </a:cxn>
+                <a:cxn ang="0">
+                  <a:pos x="connsiteX62" y="connsiteY62"/>
+                </a:cxn>
+                <a:cxn ang="0">
+                  <a:pos x="connsiteX63" y="connsiteY63"/>
+                </a:cxn>
+                <a:cxn ang="0">
+                  <a:pos x="connsiteX64" y="connsiteY64"/>
+                </a:cxn>
+                <a:cxn ang="0">
+                  <a:pos x="connsiteX65" y="connsiteY65"/>
+                </a:cxn>
+                <a:cxn ang="0">
+                  <a:pos x="connsiteX66" y="connsiteY66"/>
+                </a:cxn>
+                <a:cxn ang="0">
+                  <a:pos x="connsiteX67" y="connsiteY67"/>
+                </a:cxn>
+                <a:cxn ang="0">
+                  <a:pos x="connsiteX68" y="connsiteY68"/>
+                </a:cxn>
+                <a:cxn ang="0">
+                  <a:pos x="connsiteX69" y="connsiteY69"/>
+                </a:cxn>
+                <a:cxn ang="0">
+                  <a:pos x="connsiteX70" y="connsiteY70"/>
+                </a:cxn>
+                <a:cxn ang="0">
+                  <a:pos x="connsiteX71" y="connsiteY71"/>
+                </a:cxn>
+                <a:cxn ang="0">
+                  <a:pos x="connsiteX72" y="connsiteY72"/>
+                </a:cxn>
+                <a:cxn ang="0">
+                  <a:pos x="connsiteX73" y="connsiteY73"/>
+                </a:cxn>
+                <a:cxn ang="0">
+                  <a:pos x="connsiteX74" y="connsiteY74"/>
+                </a:cxn>
+                <a:cxn ang="0">
+                  <a:pos x="connsiteX75" y="connsiteY75"/>
+                </a:cxn>
+                <a:cxn ang="0">
+                  <a:pos x="connsiteX76" y="connsiteY76"/>
+                </a:cxn>
+              </a:cxnLst>
+              <a:rect l="l" t="t" r="r" b="b"/>
+              <a:pathLst>
+                <a:path w="6326724" h="6561326">
+                  <a:moveTo>
+                    <a:pt x="6326724" y="5020808"/>
+                  </a:moveTo>
+                  <a:lnTo>
+                    <a:pt x="6326724" y="5698632"/>
+                  </a:lnTo>
+                  <a:lnTo>
+                    <a:pt x="6067438" y="5902509"/>
+                  </a:lnTo>
+                  <a:cubicBezTo>
+                    <a:pt x="5977868" y="5970407"/>
+                    <a:pt x="5888364" y="6036453"/>
+                    <a:pt x="5799974" y="6102017"/>
+                  </a:cubicBezTo>
+                  <a:lnTo>
+                    <a:pt x="5665258" y="6202100"/>
+                  </a:lnTo>
+                  <a:cubicBezTo>
+                    <a:pt x="5619654" y="6235719"/>
+                    <a:pt x="5573656" y="6269596"/>
+                    <a:pt x="5526873" y="6302828"/>
+                  </a:cubicBezTo>
+                  <a:cubicBezTo>
+                    <a:pt x="5480220" y="6336189"/>
+                    <a:pt x="5433044" y="6369423"/>
+                    <a:pt x="5385080" y="6402268"/>
+                  </a:cubicBezTo>
+                  <a:cubicBezTo>
+                    <a:pt x="5336988" y="6434857"/>
+                    <a:pt x="5288500" y="6467187"/>
+                    <a:pt x="5238833" y="6498875"/>
+                  </a:cubicBezTo>
+                  <a:lnTo>
+                    <a:pt x="5138040" y="6561326"/>
+                  </a:lnTo>
+                  <a:lnTo>
+                    <a:pt x="3946072" y="6561326"/>
+                  </a:lnTo>
+                  <a:lnTo>
+                    <a:pt x="3976009" y="6555242"/>
+                  </a:lnTo>
+                  <a:cubicBezTo>
+                    <a:pt x="4123712" y="6519227"/>
+                    <a:pt x="4266863" y="6466383"/>
+                    <a:pt x="4404855" y="6399048"/>
+                  </a:cubicBezTo>
+                  <a:cubicBezTo>
+                    <a:pt x="4589500" y="6310299"/>
+                    <a:pt x="4765232" y="6196690"/>
+                    <a:pt x="4938868" y="6072132"/>
+                  </a:cubicBezTo>
+                  <a:cubicBezTo>
+                    <a:pt x="4982245" y="6041089"/>
+                    <a:pt x="5025359" y="6008630"/>
+                    <a:pt x="5068342" y="5976042"/>
+                  </a:cubicBezTo>
+                  <a:cubicBezTo>
+                    <a:pt x="5111588" y="5943453"/>
+                    <a:pt x="5154702" y="5910349"/>
+                    <a:pt x="5197816" y="5876730"/>
+                  </a:cubicBezTo>
+                  <a:lnTo>
+                    <a:pt x="5460039" y="5670637"/>
+                  </a:lnTo>
+                  <a:cubicBezTo>
+                    <a:pt x="5639966" y="5530365"/>
+                    <a:pt x="5821596" y="5399753"/>
+                    <a:pt x="5999033" y="5271718"/>
+                  </a:cubicBezTo>
+                  <a:cubicBezTo>
+                    <a:pt x="6087686" y="5207700"/>
+                    <a:pt x="6174667" y="5143360"/>
+                    <a:pt x="6258766" y="5077603"/>
+                  </a:cubicBezTo>
+                  <a:close/>
+                  <a:moveTo>
+                    <a:pt x="4139342" y="440"/>
+                  </a:moveTo>
+                  <a:cubicBezTo>
+                    <a:pt x="4198237" y="1301"/>
+                    <a:pt x="4257068" y="3427"/>
+                    <a:pt x="4315744" y="6808"/>
+                  </a:cubicBezTo>
+                  <a:cubicBezTo>
+                    <a:pt x="4550841" y="20849"/>
+                    <a:pt x="4785806" y="55240"/>
+                    <a:pt x="5015400" y="113591"/>
+                  </a:cubicBezTo>
+                  <a:cubicBezTo>
+                    <a:pt x="5244992" y="171812"/>
+                    <a:pt x="5469212" y="254249"/>
+                    <a:pt x="5681114" y="361418"/>
+                  </a:cubicBezTo>
+                  <a:cubicBezTo>
+                    <a:pt x="5892754" y="468586"/>
+                    <a:pt x="6093124" y="599584"/>
+                    <a:pt x="6270952" y="755441"/>
+                  </a:cubicBezTo>
+                  <a:lnTo>
+                    <a:pt x="6326724" y="807432"/>
+                  </a:lnTo>
+                  <a:lnTo>
+                    <a:pt x="6326724" y="1231565"/>
+                  </a:lnTo>
+                  <a:lnTo>
+                    <a:pt x="6302093" y="1203002"/>
+                  </a:lnTo>
+                  <a:cubicBezTo>
+                    <a:pt x="6227937" y="1127247"/>
+                    <a:pt x="6149211" y="1056081"/>
+                    <a:pt x="6066914" y="989616"/>
+                  </a:cubicBezTo>
+                  <a:cubicBezTo>
+                    <a:pt x="5902714" y="856299"/>
+                    <a:pt x="5724360" y="740371"/>
+                    <a:pt x="5533688" y="647242"/>
+                  </a:cubicBezTo>
+                  <a:cubicBezTo>
+                    <a:pt x="5343146" y="553857"/>
+                    <a:pt x="5141466" y="482239"/>
+                    <a:pt x="4933626" y="432262"/>
+                  </a:cubicBezTo>
+                  <a:cubicBezTo>
+                    <a:pt x="4725788" y="382156"/>
+                    <a:pt x="4512182" y="353303"/>
+                    <a:pt x="4296873" y="343126"/>
+                  </a:cubicBezTo>
+                  <a:cubicBezTo>
+                    <a:pt x="4081172" y="332435"/>
+                    <a:pt x="3865732" y="339520"/>
+                    <a:pt x="3651602" y="365797"/>
+                  </a:cubicBezTo>
+                  <a:cubicBezTo>
+                    <a:pt x="3437604" y="392202"/>
+                    <a:pt x="3225572" y="436384"/>
+                    <a:pt x="3018256" y="496666"/>
+                  </a:cubicBezTo>
+                  <a:cubicBezTo>
+                    <a:pt x="2810809" y="556691"/>
+                    <a:pt x="2608474" y="634362"/>
+                    <a:pt x="2412429" y="724399"/>
+                  </a:cubicBezTo>
+                  <a:cubicBezTo>
+                    <a:pt x="2019160" y="902541"/>
+                    <a:pt x="1651969" y="1138775"/>
+                    <a:pt x="1329857" y="1424086"/>
+                  </a:cubicBezTo>
+                  <a:cubicBezTo>
+                    <a:pt x="1169326" y="1567192"/>
+                    <a:pt x="1020588" y="1723307"/>
+                    <a:pt x="887314" y="1891015"/>
+                  </a:cubicBezTo>
+                  <a:cubicBezTo>
+                    <a:pt x="753778" y="2058466"/>
+                    <a:pt x="635967" y="2238026"/>
+                    <a:pt x="537420" y="2427245"/>
+                  </a:cubicBezTo>
+                  <a:cubicBezTo>
+                    <a:pt x="438874" y="2616335"/>
+                    <a:pt x="356839" y="2814313"/>
+                    <a:pt x="299965" y="3020021"/>
+                  </a:cubicBezTo>
+                  <a:cubicBezTo>
+                    <a:pt x="242961" y="3225212"/>
+                    <a:pt x="213474" y="3438518"/>
+                    <a:pt x="213606" y="3651953"/>
+                  </a:cubicBezTo>
+                  <a:cubicBezTo>
+                    <a:pt x="214785" y="3756804"/>
+                    <a:pt x="225269" y="3860881"/>
+                    <a:pt x="250036" y="3961352"/>
+                  </a:cubicBezTo>
+                  <a:cubicBezTo>
+                    <a:pt x="274412" y="4061950"/>
+                    <a:pt x="312284" y="4158171"/>
+                    <a:pt x="357625" y="4250783"/>
+                  </a:cubicBezTo>
+                  <a:cubicBezTo>
+                    <a:pt x="380558" y="4297025"/>
+                    <a:pt x="405982" y="4342366"/>
+                    <a:pt x="432715" y="4387063"/>
+                  </a:cubicBezTo>
+                  <a:cubicBezTo>
+                    <a:pt x="459841" y="4431630"/>
+                    <a:pt x="488803" y="4475554"/>
+                    <a:pt x="518943" y="4518962"/>
+                  </a:cubicBezTo>
+                  <a:cubicBezTo>
+                    <a:pt x="580011" y="4605521"/>
+                    <a:pt x="647893" y="4689504"/>
+                    <a:pt x="718133" y="4773874"/>
+                  </a:cubicBezTo>
+                  <a:cubicBezTo>
+                    <a:pt x="788374" y="4858372"/>
+                    <a:pt x="861760" y="4942871"/>
+                    <a:pt x="933704" y="5030717"/>
+                  </a:cubicBezTo>
+                  <a:cubicBezTo>
+                    <a:pt x="969742" y="5074512"/>
+                    <a:pt x="1005387" y="5119337"/>
+                    <a:pt x="1040900" y="5164806"/>
+                  </a:cubicBezTo>
+                  <a:lnTo>
+                    <a:pt x="1092401" y="5230628"/>
+                  </a:lnTo>
+                  <a:cubicBezTo>
+                    <a:pt x="1109306" y="5251624"/>
+                    <a:pt x="1125425" y="5273135"/>
+                    <a:pt x="1142854" y="5293615"/>
+                  </a:cubicBezTo>
+                  <a:cubicBezTo>
+                    <a:pt x="1278880" y="5460293"/>
+                    <a:pt x="1426438" y="5613704"/>
+                    <a:pt x="1576354" y="5759128"/>
+                  </a:cubicBezTo>
+                  <a:cubicBezTo>
+                    <a:pt x="1651706" y="5831519"/>
+                    <a:pt x="1728368" y="5901461"/>
+                    <a:pt x="1806865" y="5968571"/>
+                  </a:cubicBezTo>
+                  <a:cubicBezTo>
+                    <a:pt x="1885362" y="6035680"/>
+                    <a:pt x="1965299" y="6100599"/>
+                    <a:pt x="2048253" y="6161654"/>
+                  </a:cubicBezTo>
+                  <a:cubicBezTo>
+                    <a:pt x="2213502" y="6284022"/>
+                    <a:pt x="2391724" y="6393380"/>
+                    <a:pt x="2587506" y="6467059"/>
+                  </a:cubicBezTo>
+                  <a:cubicBezTo>
+                    <a:pt x="2685137" y="6503898"/>
+                    <a:pt x="2786304" y="6532106"/>
+                    <a:pt x="2889176" y="6553360"/>
+                  </a:cubicBezTo>
+                  <a:lnTo>
+                    <a:pt x="2929698" y="6561326"/>
+                  </a:lnTo>
+                  <a:lnTo>
+                    <a:pt x="1816374" y="6561326"/>
+                  </a:lnTo>
+                  <a:lnTo>
+                    <a:pt x="1787601" y="6545761"/>
+                  </a:lnTo>
+                  <a:cubicBezTo>
+                    <a:pt x="1577272" y="6422749"/>
+                    <a:pt x="1389483" y="6266761"/>
+                    <a:pt x="1225544" y="6094158"/>
+                  </a:cubicBezTo>
+                  <a:cubicBezTo>
+                    <a:pt x="1143116" y="6007986"/>
+                    <a:pt x="1068158" y="5916274"/>
+                    <a:pt x="997654" y="5822374"/>
+                  </a:cubicBezTo>
+                  <a:cubicBezTo>
+                    <a:pt x="927546" y="5728086"/>
+                    <a:pt x="860842" y="5632381"/>
+                    <a:pt x="798596" y="5534615"/>
+                  </a:cubicBezTo>
+                  <a:cubicBezTo>
+                    <a:pt x="782608" y="5510399"/>
+                    <a:pt x="767537" y="5485797"/>
+                    <a:pt x="752075" y="5461324"/>
+                  </a:cubicBezTo>
+                  <a:lnTo>
+                    <a:pt x="707650" y="5390221"/>
+                  </a:lnTo>
+                  <a:cubicBezTo>
+                    <a:pt x="679213" y="5344237"/>
+                    <a:pt x="649728" y="5298638"/>
+                    <a:pt x="619980" y="5252396"/>
+                  </a:cubicBezTo>
+                  <a:lnTo>
+                    <a:pt x="438349" y="4970822"/>
+                  </a:lnTo>
+                  <a:cubicBezTo>
+                    <a:pt x="377413" y="4874860"/>
+                    <a:pt x="317263" y="4776064"/>
+                    <a:pt x="261044" y="4673145"/>
+                  </a:cubicBezTo>
+                  <a:cubicBezTo>
+                    <a:pt x="233000" y="4621622"/>
+                    <a:pt x="205874" y="4569197"/>
+                    <a:pt x="181107" y="4515356"/>
+                  </a:cubicBezTo>
+                  <a:cubicBezTo>
+                    <a:pt x="156470" y="4461385"/>
+                    <a:pt x="133537" y="4406385"/>
+                    <a:pt x="113224" y="4350223"/>
+                  </a:cubicBezTo>
+                  <a:cubicBezTo>
+                    <a:pt x="93305" y="4293934"/>
+                    <a:pt x="75614" y="4236872"/>
+                    <a:pt x="61199" y="4178908"/>
+                  </a:cubicBezTo>
+                  <a:cubicBezTo>
+                    <a:pt x="54385" y="4149927"/>
+                    <a:pt x="47440" y="4120815"/>
+                    <a:pt x="41804" y="4091577"/>
+                  </a:cubicBezTo>
+                  <a:lnTo>
+                    <a:pt x="33287" y="4047781"/>
+                  </a:lnTo>
+                  <a:lnTo>
+                    <a:pt x="26209" y="4003858"/>
+                  </a:lnTo>
+                  <a:cubicBezTo>
+                    <a:pt x="7732" y="3886643"/>
+                    <a:pt x="0" y="3768783"/>
+                    <a:pt x="0" y="3651953"/>
+                  </a:cubicBezTo>
+                  <a:cubicBezTo>
+                    <a:pt x="524" y="3422031"/>
+                    <a:pt x="25030" y="3192109"/>
+                    <a:pt x="72731" y="2966307"/>
+                  </a:cubicBezTo>
+                  <a:cubicBezTo>
+                    <a:pt x="120301" y="2740634"/>
+                    <a:pt x="193163" y="2519343"/>
+                    <a:pt x="291316" y="2309385"/>
+                  </a:cubicBezTo>
+                  <a:cubicBezTo>
+                    <a:pt x="488540" y="1889469"/>
+                    <a:pt x="774352" y="1513736"/>
+                    <a:pt x="1110878" y="1193776"/>
+                  </a:cubicBezTo>
+                  <a:cubicBezTo>
+                    <a:pt x="1279535" y="1033797"/>
+                    <a:pt x="1461821" y="887856"/>
+                    <a:pt x="1654327" y="756730"/>
+                  </a:cubicBezTo>
+                  <a:cubicBezTo>
+                    <a:pt x="1847096" y="625732"/>
+                    <a:pt x="2049956" y="509031"/>
+                    <a:pt x="2261727" y="409720"/>
+                  </a:cubicBezTo>
+                  <a:cubicBezTo>
+                    <a:pt x="2685792" y="212515"/>
+                    <a:pt x="3142357" y="82162"/>
+                    <a:pt x="3610060" y="27032"/>
+                  </a:cubicBezTo>
+                  <a:cubicBezTo>
+                    <a:pt x="3785399" y="6647"/>
+                    <a:pt x="3962657" y="-2144"/>
+                    <a:pt x="4139342" y="440"/>
+                  </a:cubicBezTo>
+                  <a:close/>
+                </a:path>
+              </a:pathLst>
+            </a:custGeom>
+            <a:gradFill>
+              <a:gsLst>
+                <a:gs pos="2000">
+                  <a:schemeClr val="bg1">
+                    <a:alpha val="10000"/>
+                  </a:schemeClr>
+                </a:gs>
+                <a:gs pos="16000">
+                  <a:schemeClr val="accent6">
+                    <a:alpha val="10000"/>
+                  </a:schemeClr>
+                </a:gs>
+                <a:gs pos="100000">
+                  <a:schemeClr val="bg1">
+                    <a:alpha val="10000"/>
+                  </a:schemeClr>
+                </a:gs>
+                <a:gs pos="85000">
+                  <a:schemeClr val="accent1">
+                    <a:alpha val="10000"/>
+                  </a:schemeClr>
+                </a:gs>
+              </a:gsLst>
+              <a:lin ang="12000000" scaled="0"/>
+            </a:gradFill>
+            <a:ln>
+              <a:noFill/>
+            </a:ln>
+          </p:spPr>
+          <p:style>
+            <a:lnRef idx="2">
+              <a:schemeClr val="accent1">
+                <a:shade val="50000"/>
+              </a:schemeClr>
+            </a:lnRef>
+            <a:fillRef idx="1">
+              <a:schemeClr val="accent1"/>
+            </a:fillRef>
+            <a:effectRef idx="0">
+              <a:schemeClr val="accent1"/>
+            </a:effectRef>
+            <a:fontRef idx="minor">
+              <a:schemeClr val="lt1"/>
+            </a:fontRef>
+          </p:style>
+          <p:txBody>
+            <a:bodyPr rtlCol="0" anchor="ctr"/>
+            <a:lstStyle/>
+            <a:p>
+              <a:pPr algn="ctr"/>
+              <a:endParaRPr lang="en-US"/>
+            </a:p>
+          </p:txBody>
+        </p:sp>
+        <p:sp>
+          <p:nvSpPr>
+            <p:cNvPr id="6166" name="Freeform: Shape 6165">
+              <a:extLst>
+                <a:ext uri="{FF2B5EF4-FFF2-40B4-BE49-F238E27FC236}">
+                  <a16:creationId xmlns:a16="http://schemas.microsoft.com/office/drawing/2014/main" id="{BC4A6C98-F96E-4587-B01F-A9B01BBFAD01}"/>
+                </a:ext>
+                <a:ext uri="{C183D7F6-B498-43B3-948B-1728B52AA6E4}">
+                  <adec:decorative xmlns:adec="http://schemas.microsoft.com/office/drawing/2017/decorative" val="1"/>
+                </a:ext>
+              </a:extLst>
+            </p:cNvPr>
+            <p:cNvSpPr/>
+            <p:nvPr>
+              <p:extLst>
+                <p:ext uri="{386F3935-93C4-4BCD-93E2-E3B085C9AB24}">
+                  <p16:designElem xmlns:p16="http://schemas.microsoft.com/office/powerpoint/2015/main" val="1"/>
+                </p:ext>
+              </p:extLst>
+            </p:nvPr>
+          </p:nvSpPr>
+          <p:spPr>
+            <a:xfrm>
+              <a:off x="5870322" y="353119"/>
+              <a:ext cx="6321679" cy="6521594"/>
+            </a:xfrm>
+            <a:custGeom>
+              <a:avLst/>
+              <a:gdLst>
+                <a:gd name="connsiteX0" fmla="*/ 4150102 w 6321679"/>
+                <a:gd name="connsiteY0" fmla="*/ 0 h 6521594"/>
+                <a:gd name="connsiteX1" fmla="*/ 6083891 w 6321679"/>
+                <a:gd name="connsiteY1" fmla="*/ 619943 h 6521594"/>
+                <a:gd name="connsiteX2" fmla="*/ 6321679 w 6321679"/>
+                <a:gd name="connsiteY2" fmla="*/ 822247 h 6521594"/>
+                <a:gd name="connsiteX3" fmla="*/ 6321679 w 6321679"/>
+                <a:gd name="connsiteY3" fmla="*/ 1866928 h 6521594"/>
+                <a:gd name="connsiteX4" fmla="*/ 6212358 w 6321679"/>
+                <a:gd name="connsiteY4" fmla="*/ 1689281 h 6521594"/>
+                <a:gd name="connsiteX5" fmla="*/ 6049880 w 6321679"/>
+                <a:gd name="connsiteY5" fmla="*/ 1477173 h 6521594"/>
+                <a:gd name="connsiteX6" fmla="*/ 5248663 w 6321679"/>
+                <a:gd name="connsiteY6" fmla="*/ 869327 h 6521594"/>
+                <a:gd name="connsiteX7" fmla="*/ 4150102 w 6321679"/>
+                <a:gd name="connsiteY7" fmla="*/ 644042 h 6521594"/>
+                <a:gd name="connsiteX8" fmla="*/ 2867946 w 6321679"/>
+                <a:gd name="connsiteY8" fmla="*/ 886459 h 6521594"/>
+                <a:gd name="connsiteX9" fmla="*/ 1728892 w 6321679"/>
+                <a:gd name="connsiteY9" fmla="*/ 1552397 h 6521594"/>
+                <a:gd name="connsiteX10" fmla="*/ 941043 w 6321679"/>
+                <a:gd name="connsiteY10" fmla="*/ 2512664 h 6521594"/>
+                <a:gd name="connsiteX11" fmla="*/ 655362 w 6321679"/>
+                <a:gd name="connsiteY11" fmla="*/ 3630204 h 6521594"/>
+                <a:gd name="connsiteX12" fmla="*/ 1128177 w 6321679"/>
+                <a:gd name="connsiteY12" fmla="*/ 4667883 h 6521594"/>
+                <a:gd name="connsiteX13" fmla="*/ 1366419 w 6321679"/>
+                <a:gd name="connsiteY13" fmla="*/ 4997246 h 6521594"/>
+                <a:gd name="connsiteX14" fmla="*/ 3601937 w 6321679"/>
+                <a:gd name="connsiteY14" fmla="*/ 6284685 h 6521594"/>
+                <a:gd name="connsiteX15" fmla="*/ 5298985 w 6321679"/>
+                <a:gd name="connsiteY15" fmla="*/ 5492643 h 6521594"/>
+                <a:gd name="connsiteX16" fmla="*/ 5505513 w 6321679"/>
+                <a:gd name="connsiteY16" fmla="*/ 5335367 h 6521594"/>
+                <a:gd name="connsiteX17" fmla="*/ 6252618 w 6321679"/>
+                <a:gd name="connsiteY17" fmla="*/ 4722492 h 6521594"/>
+                <a:gd name="connsiteX18" fmla="*/ 6321679 w 6321679"/>
+                <a:gd name="connsiteY18" fmla="*/ 4651477 h 6521594"/>
+                <a:gd name="connsiteX19" fmla="*/ 6321679 w 6321679"/>
+                <a:gd name="connsiteY19" fmla="*/ 5523097 h 6521594"/>
+                <a:gd name="connsiteX20" fmla="*/ 6024428 w 6321679"/>
+                <a:gd name="connsiteY20" fmla="*/ 5754969 h 6521594"/>
+                <a:gd name="connsiteX21" fmla="*/ 5702345 w 6321679"/>
+                <a:gd name="connsiteY21" fmla="*/ 6000018 h 6521594"/>
+                <a:gd name="connsiteX22" fmla="*/ 4988380 w 6321679"/>
+                <a:gd name="connsiteY22" fmla="*/ 6506549 h 6521594"/>
+                <a:gd name="connsiteX23" fmla="*/ 4961490 w 6321679"/>
+                <a:gd name="connsiteY23" fmla="*/ 6521594 h 6521594"/>
+                <a:gd name="connsiteX24" fmla="*/ 2011326 w 6321679"/>
+                <a:gd name="connsiteY24" fmla="*/ 6521594 h 6521594"/>
+                <a:gd name="connsiteX25" fmla="*/ 1982893 w 6321679"/>
+                <a:gd name="connsiteY25" fmla="*/ 6505768 h 6521594"/>
+                <a:gd name="connsiteX26" fmla="*/ 824149 w 6321679"/>
+                <a:gd name="connsiteY26" fmla="*/ 5358682 h 6521594"/>
+                <a:gd name="connsiteX27" fmla="*/ 0 w 6321679"/>
+                <a:gd name="connsiteY27" fmla="*/ 3630075 h 6521594"/>
+                <a:gd name="connsiteX28" fmla="*/ 4150102 w 6321679"/>
+                <a:gd name="connsiteY28" fmla="*/ 0 h 6521594"/>
+              </a:gdLst>
+              <a:ahLst/>
+              <a:cxnLst>
+                <a:cxn ang="0">
+                  <a:pos x="connsiteX0" y="connsiteY0"/>
+                </a:cxn>
+                <a:cxn ang="0">
+                  <a:pos x="connsiteX1" y="connsiteY1"/>
+                </a:cxn>
+                <a:cxn ang="0">
+                  <a:pos x="connsiteX2" y="connsiteY2"/>
+                </a:cxn>
+                <a:cxn ang="0">
+                  <a:pos x="connsiteX3" y="connsiteY3"/>
+                </a:cxn>
+                <a:cxn ang="0">
+                  <a:pos x="connsiteX4" y="connsiteY4"/>
+                </a:cxn>
+                <a:cxn ang="0">
+                  <a:pos x="connsiteX5" y="connsiteY5"/>
+                </a:cxn>
+                <a:cxn ang="0">
+                  <a:pos x="connsiteX6" y="connsiteY6"/>
+                </a:cxn>
+                <a:cxn ang="0">
+                  <a:pos x="connsiteX7" y="connsiteY7"/>
+                </a:cxn>
+                <a:cxn ang="0">
+                  <a:pos x="connsiteX8" y="connsiteY8"/>
+                </a:cxn>
+                <a:cxn ang="0">
+                  <a:pos x="connsiteX9" y="connsiteY9"/>
+                </a:cxn>
+                <a:cxn ang="0">
+                  <a:pos x="connsiteX10" y="connsiteY10"/>
+                </a:cxn>
+                <a:cxn ang="0">
+                  <a:pos x="connsiteX11" y="connsiteY11"/>
+                </a:cxn>
+                <a:cxn ang="0">
+                  <a:pos x="connsiteX12" y="connsiteY12"/>
+                </a:cxn>
+                <a:cxn ang="0">
+                  <a:pos x="connsiteX13" y="connsiteY13"/>
+                </a:cxn>
+                <a:cxn ang="0">
+                  <a:pos x="connsiteX14" y="connsiteY14"/>
+                </a:cxn>
+                <a:cxn ang="0">
+                  <a:pos x="connsiteX15" y="connsiteY15"/>
+                </a:cxn>
+                <a:cxn ang="0">
+                  <a:pos x="connsiteX16" y="connsiteY16"/>
+                </a:cxn>
+                <a:cxn ang="0">
+                  <a:pos x="connsiteX17" y="connsiteY17"/>
+                </a:cxn>
+                <a:cxn ang="0">
+                  <a:pos x="connsiteX18" y="connsiteY18"/>
+                </a:cxn>
+                <a:cxn ang="0">
+                  <a:pos x="connsiteX19" y="connsiteY19"/>
+                </a:cxn>
+                <a:cxn ang="0">
+                  <a:pos x="connsiteX20" y="connsiteY20"/>
+                </a:cxn>
+                <a:cxn ang="0">
+                  <a:pos x="connsiteX21" y="connsiteY21"/>
+                </a:cxn>
+                <a:cxn ang="0">
+                  <a:pos x="connsiteX22" y="connsiteY22"/>
+                </a:cxn>
+                <a:cxn ang="0">
+                  <a:pos x="connsiteX23" y="connsiteY23"/>
+                </a:cxn>
+                <a:cxn ang="0">
+                  <a:pos x="connsiteX24" y="connsiteY24"/>
+                </a:cxn>
+                <a:cxn ang="0">
+                  <a:pos x="connsiteX25" y="connsiteY25"/>
+                </a:cxn>
+                <a:cxn ang="0">
+                  <a:pos x="connsiteX26" y="connsiteY26"/>
+                </a:cxn>
+                <a:cxn ang="0">
+                  <a:pos x="connsiteX27" y="connsiteY27"/>
+                </a:cxn>
+                <a:cxn ang="0">
+                  <a:pos x="connsiteX28" y="connsiteY28"/>
+                </a:cxn>
+              </a:cxnLst>
+              <a:rect l="l" t="t" r="r" b="b"/>
+              <a:pathLst>
+                <a:path w="6321679" h="6521594">
+                  <a:moveTo>
+                    <a:pt x="4150102" y="0"/>
+                  </a:moveTo>
+                  <a:cubicBezTo>
+                    <a:pt x="4918148" y="0"/>
+                    <a:pt x="5569597" y="228540"/>
+                    <a:pt x="6083891" y="619943"/>
+                  </a:cubicBezTo>
+                  <a:lnTo>
+                    <a:pt x="6321679" y="822247"/>
+                  </a:lnTo>
+                  <a:lnTo>
+                    <a:pt x="6321679" y="1866928"/>
+                  </a:lnTo>
+                  <a:lnTo>
+                    <a:pt x="6212358" y="1689281"/>
+                  </a:lnTo>
+                  <a:cubicBezTo>
+                    <a:pt x="6161484" y="1615222"/>
+                    <a:pt x="6107295" y="1544427"/>
+                    <a:pt x="6049880" y="1477173"/>
+                  </a:cubicBezTo>
+                  <a:cubicBezTo>
+                    <a:pt x="5825135" y="1214018"/>
+                    <a:pt x="5555573" y="1009470"/>
+                    <a:pt x="5248663" y="869327"/>
+                  </a:cubicBezTo>
+                  <a:cubicBezTo>
+                    <a:pt x="4921178" y="719909"/>
+                    <a:pt x="4551627" y="644042"/>
+                    <a:pt x="4150102" y="644042"/>
+                  </a:cubicBezTo>
+                  <a:cubicBezTo>
+                    <a:pt x="3724203" y="644042"/>
+                    <a:pt x="3292799" y="725448"/>
+                    <a:pt x="2867946" y="886459"/>
+                  </a:cubicBezTo>
+                  <a:cubicBezTo>
+                    <a:pt x="2454234" y="1042832"/>
+                    <a:pt x="2060440" y="1273141"/>
+                    <a:pt x="1728892" y="1552397"/>
+                  </a:cubicBezTo>
+                  <a:cubicBezTo>
+                    <a:pt x="1391580" y="1836419"/>
+                    <a:pt x="1126473" y="2159600"/>
+                    <a:pt x="941043" y="2512664"/>
+                  </a:cubicBezTo>
+                  <a:cubicBezTo>
+                    <a:pt x="751551" y="2873583"/>
+                    <a:pt x="655362" y="3249575"/>
+                    <a:pt x="655362" y="3630204"/>
+                  </a:cubicBezTo>
+                  <a:cubicBezTo>
+                    <a:pt x="655362" y="4013537"/>
+                    <a:pt x="808817" y="4237405"/>
+                    <a:pt x="1128177" y="4667883"/>
+                  </a:cubicBezTo>
+                  <a:cubicBezTo>
+                    <a:pt x="1205232" y="4771702"/>
+                    <a:pt x="1284908" y="4879129"/>
+                    <a:pt x="1366419" y="4997246"/>
+                  </a:cubicBezTo>
+                  <a:cubicBezTo>
+                    <a:pt x="1989282" y="5899677"/>
+                    <a:pt x="2657880" y="6284685"/>
+                    <a:pt x="3601937" y="6284685"/>
+                  </a:cubicBezTo>
+                  <a:cubicBezTo>
+                    <a:pt x="4221523" y="6284685"/>
+                    <a:pt x="4676122" y="5971036"/>
+                    <a:pt x="5298985" y="5492643"/>
+                  </a:cubicBezTo>
+                  <a:cubicBezTo>
+                    <a:pt x="5368571" y="5439187"/>
+                    <a:pt x="5438156" y="5386375"/>
+                    <a:pt x="5505513" y="5335367"/>
+                  </a:cubicBezTo>
+                  <a:cubicBezTo>
+                    <a:pt x="5779335" y="5127761"/>
+                    <a:pt x="6041730" y="4928776"/>
+                    <a:pt x="6252618" y="4722492"/>
+                  </a:cubicBezTo>
+                  <a:lnTo>
+                    <a:pt x="6321679" y="4651477"/>
+                  </a:lnTo>
+                  <a:lnTo>
+                    <a:pt x="6321679" y="5523097"/>
+                  </a:lnTo>
+                  <a:lnTo>
+                    <a:pt x="6024428" y="5754969"/>
+                  </a:lnTo>
+                  <a:cubicBezTo>
+                    <a:pt x="5918395" y="5835747"/>
+                    <a:pt x="5810491" y="5916953"/>
+                    <a:pt x="5702345" y="6000018"/>
+                  </a:cubicBezTo>
+                  <a:cubicBezTo>
+                    <a:pt x="5466020" y="6181541"/>
+                    <a:pt x="5232938" y="6357503"/>
+                    <a:pt x="4988380" y="6506549"/>
+                  </a:cubicBezTo>
+                  <a:lnTo>
+                    <a:pt x="4961490" y="6521594"/>
+                  </a:lnTo>
+                  <a:lnTo>
+                    <a:pt x="2011326" y="6521594"/>
+                  </a:lnTo>
+                  <a:lnTo>
+                    <a:pt x="1982893" y="6505768"/>
+                  </a:lnTo>
+                  <a:cubicBezTo>
+                    <a:pt x="1531799" y="6233999"/>
+                    <a:pt x="1157400" y="5841520"/>
+                    <a:pt x="824149" y="5358682"/>
+                  </a:cubicBezTo>
+                  <a:cubicBezTo>
+                    <a:pt x="424196" y="4779302"/>
+                    <a:pt x="0" y="4381929"/>
+                    <a:pt x="0" y="3630075"/>
+                  </a:cubicBezTo>
+                  <a:cubicBezTo>
+                    <a:pt x="0" y="1625174"/>
+                    <a:pt x="2089794" y="0"/>
+                    <a:pt x="4150102" y="0"/>
+                  </a:cubicBezTo>
+                  <a:close/>
+                </a:path>
+              </a:pathLst>
+            </a:custGeom>
+            <a:gradFill>
+              <a:gsLst>
+                <a:gs pos="2000">
+                  <a:schemeClr val="bg1">
+                    <a:alpha val="10000"/>
+                  </a:schemeClr>
+                </a:gs>
+                <a:gs pos="16000">
+                  <a:schemeClr val="accent6">
+                    <a:alpha val="10000"/>
+                  </a:schemeClr>
+                </a:gs>
+                <a:gs pos="100000">
+                  <a:schemeClr val="bg1">
+                    <a:alpha val="10000"/>
+                  </a:schemeClr>
+                </a:gs>
+                <a:gs pos="85000">
+                  <a:schemeClr val="accent1">
+                    <a:alpha val="10000"/>
+                  </a:schemeClr>
+                </a:gs>
+              </a:gsLst>
+              <a:lin ang="12000000" scaled="0"/>
+            </a:gradFill>
+            <a:ln>
+              <a:noFill/>
+            </a:ln>
+          </p:spPr>
+          <p:style>
+            <a:lnRef idx="2">
+              <a:schemeClr val="accent1">
+                <a:shade val="50000"/>
+              </a:schemeClr>
+            </a:lnRef>
+            <a:fillRef idx="1">
+              <a:schemeClr val="accent1"/>
+            </a:fillRef>
+            <a:effectRef idx="0">
+              <a:schemeClr val="accent1"/>
+            </a:effectRef>
+            <a:fontRef idx="minor">
+              <a:schemeClr val="lt1"/>
+            </a:fontRef>
+          </p:style>
+          <p:txBody>
+            <a:bodyPr rtlCol="0" anchor="ctr"/>
+            <a:lstStyle/>
+            <a:p>
+              <a:pPr algn="ctr"/>
+              <a:endParaRPr lang="en-US"/>
+            </a:p>
+          </p:txBody>
+        </p:sp>
+        <p:sp>
+          <p:nvSpPr>
+            <p:cNvPr id="6167" name="Freeform: Shape 6166">
+              <a:extLst>
+                <a:ext uri="{FF2B5EF4-FFF2-40B4-BE49-F238E27FC236}">
+                  <a16:creationId xmlns:a16="http://schemas.microsoft.com/office/drawing/2014/main" id="{A66409EC-9CC3-482A-A4A5-54ED092B3F22}"/>
+                </a:ext>
+                <a:ext uri="{C183D7F6-B498-43B3-948B-1728B52AA6E4}">
+                  <adec:decorative xmlns:adec="http://schemas.microsoft.com/office/drawing/2017/decorative" val="1"/>
+                </a:ext>
+              </a:extLst>
+            </p:cNvPr>
+            <p:cNvSpPr/>
+            <p:nvPr>
+              <p:extLst>
+                <p:ext uri="{386F3935-93C4-4BCD-93E2-E3B085C9AB24}">
+                  <p16:designElem xmlns:p16="http://schemas.microsoft.com/office/powerpoint/2015/main" val="1"/>
+                </p:ext>
+              </p:extLst>
+            </p:nvPr>
+          </p:nvSpPr>
+          <p:spPr>
+            <a:xfrm>
+              <a:off x="5870322" y="353119"/>
+              <a:ext cx="6321679" cy="6521594"/>
+            </a:xfrm>
+            <a:custGeom>
+              <a:avLst/>
+              <a:gdLst>
+                <a:gd name="connsiteX0" fmla="*/ 4150102 w 6321679"/>
+                <a:gd name="connsiteY0" fmla="*/ 0 h 6521594"/>
+                <a:gd name="connsiteX1" fmla="*/ 6083891 w 6321679"/>
+                <a:gd name="connsiteY1" fmla="*/ 619943 h 6521594"/>
+                <a:gd name="connsiteX2" fmla="*/ 6321679 w 6321679"/>
+                <a:gd name="connsiteY2" fmla="*/ 822247 h 6521594"/>
+                <a:gd name="connsiteX3" fmla="*/ 6321679 w 6321679"/>
+                <a:gd name="connsiteY3" fmla="*/ 2150195 h 6521594"/>
+                <a:gd name="connsiteX4" fmla="*/ 6241288 w 6321679"/>
+                <a:gd name="connsiteY4" fmla="*/ 1985338 h 6521594"/>
+                <a:gd name="connsiteX5" fmla="*/ 5949367 w 6321679"/>
+                <a:gd name="connsiteY5" fmla="*/ 1559997 h 6521594"/>
+                <a:gd name="connsiteX6" fmla="*/ 5193362 w 6321679"/>
+                <a:gd name="connsiteY6" fmla="*/ 986156 h 6521594"/>
+                <a:gd name="connsiteX7" fmla="*/ 4150102 w 6321679"/>
+                <a:gd name="connsiteY7" fmla="*/ 772850 h 6521594"/>
+                <a:gd name="connsiteX8" fmla="*/ 2914861 w 6321679"/>
+                <a:gd name="connsiteY8" fmla="*/ 1006637 h 6521594"/>
+                <a:gd name="connsiteX9" fmla="*/ 1814073 w 6321679"/>
+                <a:gd name="connsiteY9" fmla="*/ 1650163 h 6521594"/>
+                <a:gd name="connsiteX10" fmla="*/ 1057412 w 6321679"/>
+                <a:gd name="connsiteY10" fmla="*/ 2571657 h 6521594"/>
+                <a:gd name="connsiteX11" fmla="*/ 786277 w 6321679"/>
+                <a:gd name="connsiteY11" fmla="*/ 3630204 h 6521594"/>
+                <a:gd name="connsiteX12" fmla="*/ 1233931 w 6321679"/>
+                <a:gd name="connsiteY12" fmla="*/ 4592016 h 6521594"/>
+                <a:gd name="connsiteX13" fmla="*/ 1474795 w 6321679"/>
+                <a:gd name="connsiteY13" fmla="*/ 4924985 h 6521594"/>
+                <a:gd name="connsiteX14" fmla="*/ 2393691 w 6321679"/>
+                <a:gd name="connsiteY14" fmla="*/ 5846995 h 6521594"/>
+                <a:gd name="connsiteX15" fmla="*/ 3601805 w 6321679"/>
+                <a:gd name="connsiteY15" fmla="*/ 6155876 h 6521594"/>
+                <a:gd name="connsiteX16" fmla="*/ 4378909 w 6321679"/>
+                <a:gd name="connsiteY16" fmla="*/ 5959186 h 6521594"/>
+                <a:gd name="connsiteX17" fmla="*/ 5218129 w 6321679"/>
+                <a:gd name="connsiteY17" fmla="*/ 5391271 h 6521594"/>
+                <a:gd name="connsiteX18" fmla="*/ 5425313 w 6321679"/>
+                <a:gd name="connsiteY18" fmla="*/ 5233481 h 6521594"/>
+                <a:gd name="connsiteX19" fmla="*/ 6254366 w 6321679"/>
+                <a:gd name="connsiteY19" fmla="*/ 4534301 h 6521594"/>
+                <a:gd name="connsiteX20" fmla="*/ 6321679 w 6321679"/>
+                <a:gd name="connsiteY20" fmla="*/ 4456641 h 6521594"/>
+                <a:gd name="connsiteX21" fmla="*/ 6321679 w 6321679"/>
+                <a:gd name="connsiteY21" fmla="*/ 5523097 h 6521594"/>
+                <a:gd name="connsiteX22" fmla="*/ 6024428 w 6321679"/>
+                <a:gd name="connsiteY22" fmla="*/ 5754969 h 6521594"/>
+                <a:gd name="connsiteX23" fmla="*/ 5702345 w 6321679"/>
+                <a:gd name="connsiteY23" fmla="*/ 6000018 h 6521594"/>
+                <a:gd name="connsiteX24" fmla="*/ 4988380 w 6321679"/>
+                <a:gd name="connsiteY24" fmla="*/ 6506549 h 6521594"/>
+                <a:gd name="connsiteX25" fmla="*/ 4961490 w 6321679"/>
+                <a:gd name="connsiteY25" fmla="*/ 6521594 h 6521594"/>
+                <a:gd name="connsiteX26" fmla="*/ 2011326 w 6321679"/>
+                <a:gd name="connsiteY26" fmla="*/ 6521594 h 6521594"/>
+                <a:gd name="connsiteX27" fmla="*/ 1982893 w 6321679"/>
+                <a:gd name="connsiteY27" fmla="*/ 6505768 h 6521594"/>
+                <a:gd name="connsiteX28" fmla="*/ 824149 w 6321679"/>
+                <a:gd name="connsiteY28" fmla="*/ 5358682 h 6521594"/>
+                <a:gd name="connsiteX29" fmla="*/ 0 w 6321679"/>
+                <a:gd name="connsiteY29" fmla="*/ 3630075 h 6521594"/>
+                <a:gd name="connsiteX30" fmla="*/ 4150102 w 6321679"/>
+                <a:gd name="connsiteY30" fmla="*/ 0 h 6521594"/>
+              </a:gdLst>
+              <a:ahLst/>
+              <a:cxnLst>
+                <a:cxn ang="0">
+                  <a:pos x="connsiteX0" y="connsiteY0"/>
+                </a:cxn>
+                <a:cxn ang="0">
+                  <a:pos x="connsiteX1" y="connsiteY1"/>
+                </a:cxn>
+                <a:cxn ang="0">
+                  <a:pos x="connsiteX2" y="connsiteY2"/>
+                </a:cxn>
+                <a:cxn ang="0">
+                  <a:pos x="connsiteX3" y="connsiteY3"/>
+                </a:cxn>
+                <a:cxn ang="0">
+                  <a:pos x="connsiteX4" y="connsiteY4"/>
+                </a:cxn>
+                <a:cxn ang="0">
+                  <a:pos x="connsiteX5" y="connsiteY5"/>
+                </a:cxn>
+                <a:cxn ang="0">
+                  <a:pos x="connsiteX6" y="connsiteY6"/>
+                </a:cxn>
+                <a:cxn ang="0">
+                  <a:pos x="connsiteX7" y="connsiteY7"/>
+                </a:cxn>
+                <a:cxn ang="0">
+                  <a:pos x="connsiteX8" y="connsiteY8"/>
+                </a:cxn>
+                <a:cxn ang="0">
+                  <a:pos x="connsiteX9" y="connsiteY9"/>
+                </a:cxn>
+                <a:cxn ang="0">
+                  <a:pos x="connsiteX10" y="connsiteY10"/>
+                </a:cxn>
+                <a:cxn ang="0">
+                  <a:pos x="connsiteX11" y="connsiteY11"/>
+                </a:cxn>
+                <a:cxn ang="0">
+                  <a:pos x="connsiteX12" y="connsiteY12"/>
+                </a:cxn>
+                <a:cxn ang="0">
+                  <a:pos x="connsiteX13" y="connsiteY13"/>
+                </a:cxn>
+                <a:cxn ang="0">
+                  <a:pos x="connsiteX14" y="connsiteY14"/>
+                </a:cxn>
+                <a:cxn ang="0">
+                  <a:pos x="connsiteX15" y="connsiteY15"/>
+                </a:cxn>
+                <a:cxn ang="0">
+                  <a:pos x="connsiteX16" y="connsiteY16"/>
+                </a:cxn>
+                <a:cxn ang="0">
+                  <a:pos x="connsiteX17" y="connsiteY17"/>
+                </a:cxn>
+                <a:cxn ang="0">
+                  <a:pos x="connsiteX18" y="connsiteY18"/>
+                </a:cxn>
+                <a:cxn ang="0">
+                  <a:pos x="connsiteX19" y="connsiteY19"/>
+                </a:cxn>
+                <a:cxn ang="0">
+                  <a:pos x="connsiteX20" y="connsiteY20"/>
+                </a:cxn>
+                <a:cxn ang="0">
+                  <a:pos x="connsiteX21" y="connsiteY21"/>
+                </a:cxn>
+                <a:cxn ang="0">
+                  <a:pos x="connsiteX22" y="connsiteY22"/>
+                </a:cxn>
+                <a:cxn ang="0">
+                  <a:pos x="connsiteX23" y="connsiteY23"/>
+                </a:cxn>
+                <a:cxn ang="0">
+                  <a:pos x="connsiteX24" y="connsiteY24"/>
+                </a:cxn>
+                <a:cxn ang="0">
+                  <a:pos x="connsiteX25" y="connsiteY25"/>
+                </a:cxn>
+                <a:cxn ang="0">
+                  <a:pos x="connsiteX26" y="connsiteY26"/>
+                </a:cxn>
+                <a:cxn ang="0">
+                  <a:pos x="connsiteX27" y="connsiteY27"/>
+                </a:cxn>
+                <a:cxn ang="0">
+                  <a:pos x="connsiteX28" y="connsiteY28"/>
+                </a:cxn>
+                <a:cxn ang="0">
+                  <a:pos x="connsiteX29" y="connsiteY29"/>
+                </a:cxn>
+                <a:cxn ang="0">
+                  <a:pos x="connsiteX30" y="connsiteY30"/>
+                </a:cxn>
+              </a:cxnLst>
+              <a:rect l="l" t="t" r="r" b="b"/>
+              <a:pathLst>
+                <a:path w="6321679" h="6521594">
+                  <a:moveTo>
+                    <a:pt x="4150102" y="0"/>
+                  </a:moveTo>
+                  <a:cubicBezTo>
+                    <a:pt x="4918148" y="0"/>
+                    <a:pt x="5569597" y="228540"/>
+                    <a:pt x="6083891" y="619943"/>
+                  </a:cubicBezTo>
+                  <a:lnTo>
+                    <a:pt x="6321679" y="822247"/>
+                  </a:lnTo>
+                  <a:lnTo>
+                    <a:pt x="6321679" y="2150195"/>
+                  </a:lnTo>
+                  <a:lnTo>
+                    <a:pt x="6241288" y="1985338"/>
+                  </a:lnTo>
+                  <a:cubicBezTo>
+                    <a:pt x="6156788" y="1831195"/>
+                    <a:pt x="6059249" y="1688709"/>
+                    <a:pt x="5949367" y="1559997"/>
+                  </a:cubicBezTo>
+                  <a:cubicBezTo>
+                    <a:pt x="5737073" y="1311397"/>
+                    <a:pt x="5482843" y="1118314"/>
+                    <a:pt x="5193362" y="986156"/>
+                  </a:cubicBezTo>
+                  <a:cubicBezTo>
+                    <a:pt x="4883437" y="844596"/>
+                    <a:pt x="4532365" y="772850"/>
+                    <a:pt x="4150102" y="772850"/>
+                  </a:cubicBezTo>
+                  <a:cubicBezTo>
+                    <a:pt x="3746218" y="772850"/>
+                    <a:pt x="3319008" y="853613"/>
+                    <a:pt x="2914861" y="1006637"/>
+                  </a:cubicBezTo>
+                  <a:cubicBezTo>
+                    <a:pt x="2515039" y="1157857"/>
+                    <a:pt x="2134350" y="1380438"/>
+                    <a:pt x="1814073" y="1650163"/>
+                  </a:cubicBezTo>
+                  <a:cubicBezTo>
+                    <a:pt x="1494190" y="1919502"/>
+                    <a:pt x="1232622" y="2238173"/>
+                    <a:pt x="1057412" y="2571657"/>
+                  </a:cubicBezTo>
+                  <a:cubicBezTo>
+                    <a:pt x="877486" y="2914158"/>
+                    <a:pt x="786277" y="3270313"/>
+                    <a:pt x="786277" y="3630204"/>
+                  </a:cubicBezTo>
+                  <a:cubicBezTo>
+                    <a:pt x="786277" y="3974121"/>
+                    <a:pt x="923483" y="4173646"/>
+                    <a:pt x="1233931" y="4592016"/>
+                  </a:cubicBezTo>
+                  <a:cubicBezTo>
+                    <a:pt x="1311641" y="4696736"/>
+                    <a:pt x="1391972" y="4805064"/>
+                    <a:pt x="1474795" y="4924985"/>
+                  </a:cubicBezTo>
+                  <a:cubicBezTo>
+                    <a:pt x="1767682" y="5349278"/>
+                    <a:pt x="2068172" y="5650948"/>
+                    <a:pt x="2393691" y="5846995"/>
+                  </a:cubicBezTo>
+                  <a:cubicBezTo>
+                    <a:pt x="2738735" y="6054891"/>
+                    <a:pt x="3133971" y="6155876"/>
+                    <a:pt x="3601805" y="6155876"/>
+                  </a:cubicBezTo>
+                  <a:cubicBezTo>
+                    <a:pt x="3867305" y="6155876"/>
+                    <a:pt x="4114196" y="6093405"/>
+                    <a:pt x="4378909" y="5959186"/>
+                  </a:cubicBezTo>
+                  <a:cubicBezTo>
+                    <a:pt x="4650699" y="5821362"/>
+                    <a:pt x="4919737" y="5620421"/>
+                    <a:pt x="5218129" y="5391271"/>
+                  </a:cubicBezTo>
+                  <a:cubicBezTo>
+                    <a:pt x="5288107" y="5337558"/>
+                    <a:pt x="5357824" y="5284617"/>
+                    <a:pt x="5425313" y="5233481"/>
+                  </a:cubicBezTo>
+                  <a:cubicBezTo>
+                    <a:pt x="5739037" y="4995556"/>
+                    <a:pt x="6037512" y="4769168"/>
+                    <a:pt x="6254366" y="4534301"/>
+                  </a:cubicBezTo>
+                  <a:lnTo>
+                    <a:pt x="6321679" y="4456641"/>
+                  </a:lnTo>
+                  <a:lnTo>
+                    <a:pt x="6321679" y="5523097"/>
+                  </a:lnTo>
+                  <a:lnTo>
+                    <a:pt x="6024428" y="5754969"/>
+                  </a:lnTo>
+                  <a:cubicBezTo>
+                    <a:pt x="5918395" y="5835747"/>
+                    <a:pt x="5810491" y="5916953"/>
+                    <a:pt x="5702345" y="6000018"/>
+                  </a:cubicBezTo>
+                  <a:cubicBezTo>
+                    <a:pt x="5466020" y="6181541"/>
+                    <a:pt x="5232938" y="6357503"/>
+                    <a:pt x="4988380" y="6506549"/>
+                  </a:cubicBezTo>
+                  <a:lnTo>
+                    <a:pt x="4961490" y="6521594"/>
+                  </a:lnTo>
+                  <a:lnTo>
+                    <a:pt x="2011326" y="6521594"/>
+                  </a:lnTo>
+                  <a:lnTo>
+                    <a:pt x="1982893" y="6505768"/>
+                  </a:lnTo>
+                  <a:cubicBezTo>
+                    <a:pt x="1531799" y="6233999"/>
+                    <a:pt x="1157400" y="5841520"/>
+                    <a:pt x="824149" y="5358682"/>
+                  </a:cubicBezTo>
+                  <a:cubicBezTo>
+                    <a:pt x="424196" y="4779302"/>
+                    <a:pt x="0" y="4381929"/>
+                    <a:pt x="0" y="3630075"/>
+                  </a:cubicBezTo>
+                  <a:cubicBezTo>
+                    <a:pt x="0" y="1625174"/>
+                    <a:pt x="2089794" y="0"/>
+                    <a:pt x="4150102" y="0"/>
+                  </a:cubicBezTo>
+                  <a:close/>
+                </a:path>
+              </a:pathLst>
+            </a:custGeom>
+            <a:gradFill>
+              <a:gsLst>
+                <a:gs pos="2000">
+                  <a:schemeClr val="bg1">
+                    <a:alpha val="10000"/>
+                  </a:schemeClr>
+                </a:gs>
+                <a:gs pos="16000">
+                  <a:schemeClr val="accent6">
+                    <a:alpha val="10000"/>
+                  </a:schemeClr>
+                </a:gs>
+                <a:gs pos="100000">
+                  <a:schemeClr val="bg1">
+                    <a:alpha val="10000"/>
+                  </a:schemeClr>
+                </a:gs>
+                <a:gs pos="85000">
+                  <a:schemeClr val="accent1">
+                    <a:alpha val="10000"/>
+                  </a:schemeClr>
+                </a:gs>
+              </a:gsLst>
+              <a:lin ang="12000000" scaled="0"/>
+            </a:gradFill>
+            <a:ln>
+              <a:noFill/>
+            </a:ln>
+          </p:spPr>
+          <p:style>
+            <a:lnRef idx="2">
+              <a:schemeClr val="accent1">
+                <a:shade val="50000"/>
+              </a:schemeClr>
+            </a:lnRef>
+            <a:fillRef idx="1">
+              <a:schemeClr val="accent1"/>
+            </a:fillRef>
+            <a:effectRef idx="0">
+              <a:schemeClr val="accent1"/>
+            </a:effectRef>
+            <a:fontRef idx="minor">
+              <a:schemeClr val="lt1"/>
+            </a:fontRef>
+          </p:style>
+          <p:txBody>
+            <a:bodyPr rtlCol="0" anchor="ctr"/>
+            <a:lstStyle/>
+            <a:p>
+              <a:pPr algn="ctr"/>
+              <a:endParaRPr lang="en-US"/>
+            </a:p>
+          </p:txBody>
+        </p:sp>
+      </p:grpSp>
+      <p:pic>
+        <p:nvPicPr>
+          <p:cNvPr id="6154" name="Picture 10" descr="Finanzas Elementales en 7 Pasos - Bit2Me Learn">
+            <a:extLst>
+              <a:ext uri="{FF2B5EF4-FFF2-40B4-BE49-F238E27FC236}">
+                <a16:creationId xmlns:a16="http://schemas.microsoft.com/office/drawing/2014/main" id="{B37D1CA9-5B97-045B-AF03-F1074A04A81F}"/>
+              </a:ext>
+            </a:extLst>
+          </p:cNvPr>
+          <p:cNvPicPr>
+            <a:picLocks noChangeAspect="1" noChangeArrowheads="1"/>
+          </p:cNvPicPr>
+          <p:nvPr/>
+        </p:nvPicPr>
+        <p:blipFill>
+          <a:blip r:embed="rId2">
+            <a:extLst>
+              <a:ext uri="{28A0092B-C50C-407E-A947-70E740481C1C}">
+                <a14:useLocalDpi xmlns:a14="http://schemas.microsoft.com/office/drawing/2010/main" val="0"/>
+              </a:ext>
+            </a:extLst>
+          </a:blip>
+          <a:stretch>
+            <a:fillRect/>
+          </a:stretch>
+        </p:blipFill>
+        <p:spPr bwMode="auto">
+          <a:xfrm>
+            <a:off x="7708392" y="2855214"/>
+            <a:ext cx="4142232" cy="2071116"/>
+          </a:xfrm>
+          <a:prstGeom prst="rect">
+            <a:avLst/>
+          </a:prstGeom>
+          <a:noFill/>
+          <a:extLst>
+            <a:ext uri="{909E8E84-426E-40DD-AFC4-6F175D3DCCD1}">
+              <a14:hiddenFill xmlns:a14="http://schemas.microsoft.com/office/drawing/2010/main">
+                <a:solidFill>
+                  <a:srgbClr val="FFFFFF"/>
+                </a:solidFill>
+              </a14:hiddenFill>
+            </a:ext>
+          </a:extLst>
+        </p:spPr>
+      </p:pic>
       <p:sp>
         <p:nvSpPr>
-          <p:cNvPr id="2" name="Título 1">
+          <p:cNvPr id="4" name="AutoShape 2" descr="Finanzas Elementales en 7 Pasos - Bit2Me Learn">
             <a:extLst>
               <a:ext uri="{FF2B5EF4-FFF2-40B4-BE49-F238E27FC236}">
-                <a16:creationId xmlns:a16="http://schemas.microsoft.com/office/drawing/2014/main" id="{73B0DA16-7048-05AD-E67C-D211C52C47D2}"/>
+                <a16:creationId xmlns:a16="http://schemas.microsoft.com/office/drawing/2014/main" id="{20955F40-8EEA-B3EF-0F3A-9432640CAF9A}"/>
               </a:ext>
             </a:extLst>
           </p:cNvPr>
           <p:cNvSpPr>
-            <a:spLocks noGrp="1"/>
+            <a:spLocks noChangeAspect="1" noChangeArrowheads="1"/>
           </p:cNvSpPr>
-          <p:nvPr>
-            <p:ph type="title"/>
-          </p:nvPr>
+          <p:nvPr/>
         </p:nvSpPr>
-        <p:spPr/>
+        <p:spPr bwMode="auto">
+          <a:xfrm>
+            <a:off x="5943600" y="3276600"/>
+            <a:ext cx="304800" cy="304800"/>
+          </a:xfrm>
+          <a:prstGeom prst="rect">
+            <a:avLst/>
+          </a:prstGeom>
+          <a:noFill/>
+          <a:extLst>
+            <a:ext uri="{909E8E84-426E-40DD-AFC4-6F175D3DCCD1}">
+              <a14:hiddenFill xmlns:a14="http://schemas.microsoft.com/office/drawing/2010/main">
+                <a:solidFill>
+                  <a:srgbClr val="FFFFFF"/>
+                </a:solidFill>
+              </a14:hiddenFill>
+            </a:ext>
+          </a:extLst>
+        </p:spPr>
         <p:txBody>
-          <a:bodyPr/>
+          <a:bodyPr vert="horz" wrap="square" lIns="91440" tIns="45720" rIns="91440" bIns="45720" numCol="1" anchor="t" anchorCtr="0" compatLnSpc="1">
+            <a:prstTxWarp prst="textNoShape">
+              <a:avLst/>
+            </a:prstTxWarp>
+          </a:bodyPr>
           <a:lstStyle/>
           <a:p>
             <a:endParaRPr lang="es-ES"/>
@@ -4374,23 +12417,133 @@
       </p:sp>
       <p:sp>
         <p:nvSpPr>
-          <p:cNvPr id="3" name="Marcador de contenido 2">
+          <p:cNvPr id="5" name="AutoShape 4" descr="Finanzas Elementales en 7 Pasos - Bit2Me Learn">
             <a:extLst>
               <a:ext uri="{FF2B5EF4-FFF2-40B4-BE49-F238E27FC236}">
-                <a16:creationId xmlns:a16="http://schemas.microsoft.com/office/drawing/2014/main" id="{A54C97F8-051C-F481-6C24-F6635438D5FF}"/>
+                <a16:creationId xmlns:a16="http://schemas.microsoft.com/office/drawing/2014/main" id="{B514CD6D-3927-0411-EA32-314BCCE6E49A}"/>
               </a:ext>
             </a:extLst>
           </p:cNvPr>
           <p:cNvSpPr>
-            <a:spLocks noGrp="1"/>
+            <a:spLocks noChangeAspect="1" noChangeArrowheads="1"/>
           </p:cNvSpPr>
-          <p:nvPr>
-            <p:ph idx="1"/>
-          </p:nvPr>
+          <p:nvPr/>
         </p:nvSpPr>
-        <p:spPr/>
+        <p:spPr bwMode="auto">
+          <a:xfrm>
+            <a:off x="6096000" y="3429000"/>
+            <a:ext cx="304800" cy="304800"/>
+          </a:xfrm>
+          <a:prstGeom prst="rect">
+            <a:avLst/>
+          </a:prstGeom>
+          <a:noFill/>
+          <a:extLst>
+            <a:ext uri="{909E8E84-426E-40DD-AFC4-6F175D3DCCD1}">
+              <a14:hiddenFill xmlns:a14="http://schemas.microsoft.com/office/drawing/2010/main">
+                <a:solidFill>
+                  <a:srgbClr val="FFFFFF"/>
+                </a:solidFill>
+              </a14:hiddenFill>
+            </a:ext>
+          </a:extLst>
+        </p:spPr>
         <p:txBody>
-          <a:bodyPr/>
+          <a:bodyPr vert="horz" wrap="square" lIns="91440" tIns="45720" rIns="91440" bIns="45720" numCol="1" anchor="t" anchorCtr="0" compatLnSpc="1">
+            <a:prstTxWarp prst="textNoShape">
+              <a:avLst/>
+            </a:prstTxWarp>
+          </a:bodyPr>
+          <a:lstStyle/>
+          <a:p>
+            <a:endParaRPr lang="es-ES"/>
+          </a:p>
+        </p:txBody>
+      </p:sp>
+      <p:sp>
+        <p:nvSpPr>
+          <p:cNvPr id="6" name="AutoShape 6" descr="Finanzas Elementales en 7 Pasos - Bit2Me Learn">
+            <a:extLst>
+              <a:ext uri="{FF2B5EF4-FFF2-40B4-BE49-F238E27FC236}">
+                <a16:creationId xmlns:a16="http://schemas.microsoft.com/office/drawing/2014/main" id="{6F9FC981-FB1B-149E-3CA5-CB3D99090A21}"/>
+              </a:ext>
+            </a:extLst>
+          </p:cNvPr>
+          <p:cNvSpPr>
+            <a:spLocks noChangeAspect="1" noChangeArrowheads="1"/>
+          </p:cNvSpPr>
+          <p:nvPr/>
+        </p:nvSpPr>
+        <p:spPr bwMode="auto">
+          <a:xfrm>
+            <a:off x="6248400" y="3581400"/>
+            <a:ext cx="304800" cy="304800"/>
+          </a:xfrm>
+          <a:prstGeom prst="rect">
+            <a:avLst/>
+          </a:prstGeom>
+          <a:noFill/>
+          <a:extLst>
+            <a:ext uri="{909E8E84-426E-40DD-AFC4-6F175D3DCCD1}">
+              <a14:hiddenFill xmlns:a14="http://schemas.microsoft.com/office/drawing/2010/main">
+                <a:solidFill>
+                  <a:srgbClr val="FFFFFF"/>
+                </a:solidFill>
+              </a14:hiddenFill>
+            </a:ext>
+          </a:extLst>
+        </p:spPr>
+        <p:txBody>
+          <a:bodyPr vert="horz" wrap="square" lIns="91440" tIns="45720" rIns="91440" bIns="45720" numCol="1" anchor="t" anchorCtr="0" compatLnSpc="1">
+            <a:prstTxWarp prst="textNoShape">
+              <a:avLst/>
+            </a:prstTxWarp>
+          </a:bodyPr>
+          <a:lstStyle/>
+          <a:p>
+            <a:endParaRPr lang="es-ES"/>
+          </a:p>
+        </p:txBody>
+      </p:sp>
+      <p:sp>
+        <p:nvSpPr>
+          <p:cNvPr id="7" name="AutoShape 8" descr="Finanzas Elementales en 7 Pasos - Bit2Me Learn">
+            <a:extLst>
+              <a:ext uri="{FF2B5EF4-FFF2-40B4-BE49-F238E27FC236}">
+                <a16:creationId xmlns:a16="http://schemas.microsoft.com/office/drawing/2014/main" id="{432CC957-B73A-22BC-7B09-7D719818C35C}"/>
+              </a:ext>
+            </a:extLst>
+          </p:cNvPr>
+          <p:cNvSpPr>
+            <a:spLocks noChangeAspect="1" noChangeArrowheads="1"/>
+          </p:cNvSpPr>
+          <p:nvPr/>
+        </p:nvSpPr>
+        <p:spPr bwMode="auto">
+          <a:xfrm>
+            <a:off x="6400800" y="3733800"/>
+            <a:ext cx="304800" cy="304800"/>
+          </a:xfrm>
+          <a:prstGeom prst="rect">
+            <a:avLst/>
+          </a:prstGeom>
+          <a:noFill/>
+          <a:extLst>
+            <a:ext uri="{909E8E84-426E-40DD-AFC4-6F175D3DCCD1}">
+              <a14:hiddenFill xmlns:a14="http://schemas.microsoft.com/office/drawing/2010/main">
+                <a:solidFill>
+                  <a:srgbClr val="FFFFFF"/>
+                </a:solidFill>
+              </a14:hiddenFill>
+            </a:ext>
+          </a:extLst>
+        </p:spPr>
+        <p:txBody>
+          <a:bodyPr vert="horz" wrap="square" lIns="91440" tIns="45720" rIns="91440" bIns="45720" numCol="1" anchor="t" anchorCtr="0" compatLnSpc="1">
+            <a:prstTxWarp prst="textNoShape">
+              <a:avLst/>
+            </a:prstTxWarp>
+          </a:bodyPr>
           <a:lstStyle/>
           <a:p>
             <a:endParaRPr lang="es-ES"/>
@@ -4401,86 +12554,6 @@
     <p:extLst>
       <p:ext uri="{BB962C8B-B14F-4D97-AF65-F5344CB8AC3E}">
         <p14:creationId xmlns:p14="http://schemas.microsoft.com/office/powerpoint/2010/main" val="1446109159"/>
-      </p:ext>
-    </p:extLst>
-  </p:cSld>
-  <p:clrMapOvr>
-    <a:masterClrMapping/>
-  </p:clrMapOvr>
-</p:sld>
-</file>
-
-<file path=ppt/slides/slide9.xml><?xml version="1.0" encoding="utf-8"?>
-<p:sld xmlns:a="http://schemas.openxmlformats.org/drawingml/2006/main" xmlns:r="http://schemas.openxmlformats.org/officeDocument/2006/relationships" xmlns:p="http://schemas.openxmlformats.org/presentationml/2006/main">
-  <p:cSld>
-    <p:spTree>
-      <p:nvGrpSpPr>
-        <p:cNvPr id="1" name=""/>
-        <p:cNvGrpSpPr/>
-        <p:nvPr/>
-      </p:nvGrpSpPr>
-      <p:grpSpPr>
-        <a:xfrm>
-          <a:off x="0" y="0"/>
-          <a:ext cx="0" cy="0"/>
-          <a:chOff x="0" y="0"/>
-          <a:chExt cx="0" cy="0"/>
-        </a:xfrm>
-      </p:grpSpPr>
-      <p:sp>
-        <p:nvSpPr>
-          <p:cNvPr id="2" name="Título 1">
-            <a:extLst>
-              <a:ext uri="{FF2B5EF4-FFF2-40B4-BE49-F238E27FC236}">
-                <a16:creationId xmlns:a16="http://schemas.microsoft.com/office/drawing/2014/main" id="{D326E213-F176-5FF3-2E24-057245E37F7B}"/>
-              </a:ext>
-            </a:extLst>
-          </p:cNvPr>
-          <p:cNvSpPr>
-            <a:spLocks noGrp="1"/>
-          </p:cNvSpPr>
-          <p:nvPr>
-            <p:ph type="title"/>
-          </p:nvPr>
-        </p:nvSpPr>
-        <p:spPr/>
-        <p:txBody>
-          <a:bodyPr/>
-          <a:lstStyle/>
-          <a:p>
-            <a:endParaRPr lang="es-ES"/>
-          </a:p>
-        </p:txBody>
-      </p:sp>
-      <p:sp>
-        <p:nvSpPr>
-          <p:cNvPr id="3" name="Marcador de contenido 2">
-            <a:extLst>
-              <a:ext uri="{FF2B5EF4-FFF2-40B4-BE49-F238E27FC236}">
-                <a16:creationId xmlns:a16="http://schemas.microsoft.com/office/drawing/2014/main" id="{CBCA7F0B-A9E5-53CB-37DA-72BD73B93AC9}"/>
-              </a:ext>
-            </a:extLst>
-          </p:cNvPr>
-          <p:cNvSpPr>
-            <a:spLocks noGrp="1"/>
-          </p:cNvSpPr>
-          <p:nvPr>
-            <p:ph idx="1"/>
-          </p:nvPr>
-        </p:nvSpPr>
-        <p:spPr/>
-        <p:txBody>
-          <a:bodyPr/>
-          <a:lstStyle/>
-          <a:p>
-            <a:endParaRPr lang="es-ES"/>
-          </a:p>
-        </p:txBody>
-      </p:sp>
-    </p:spTree>
-    <p:extLst>
-      <p:ext uri="{BB962C8B-B14F-4D97-AF65-F5344CB8AC3E}">
-        <p14:creationId xmlns:p14="http://schemas.microsoft.com/office/powerpoint/2010/main" val="1183169420"/>
       </p:ext>
     </p:extLst>
   </p:cSld>
@@ -4803,4 +12876,319 @@
     </a:ext>
   </a:extLst>
 </a:theme>
+</file>
+
+<file path=ppt/theme/theme2.xml><?xml version="1.0" encoding="utf-8"?>
+<a:theme xmlns:a="http://schemas.openxmlformats.org/drawingml/2006/main" name="Tema de Office">
+  <a:themeElements>
+    <a:clrScheme name="Office">
+      <a:dk1>
+        <a:sysClr val="windowText" lastClr="000000"/>
+      </a:dk1>
+      <a:lt1>
+        <a:sysClr val="window" lastClr="FFFFFF"/>
+      </a:lt1>
+      <a:dk2>
+        <a:srgbClr val="0E2841"/>
+      </a:dk2>
+      <a:lt2>
+        <a:srgbClr val="E8E8E8"/>
+      </a:lt2>
+      <a:accent1>
+        <a:srgbClr val="156082"/>
+      </a:accent1>
+      <a:accent2>
+        <a:srgbClr val="E97132"/>
+      </a:accent2>
+      <a:accent3>
+        <a:srgbClr val="196B24"/>
+      </a:accent3>
+      <a:accent4>
+        <a:srgbClr val="0F9ED5"/>
+      </a:accent4>
+      <a:accent5>
+        <a:srgbClr val="A02B93"/>
+      </a:accent5>
+      <a:accent6>
+        <a:srgbClr val="4EA72E"/>
+      </a:accent6>
+      <a:hlink>
+        <a:srgbClr val="467886"/>
+      </a:hlink>
+      <a:folHlink>
+        <a:srgbClr val="96607D"/>
+      </a:folHlink>
+    </a:clrScheme>
+    <a:fontScheme name="Office">
+      <a:majorFont>
+        <a:latin typeface="Aptos Display" panose="02110004020202020204"/>
+        <a:ea typeface=""/>
+        <a:cs typeface=""/>
+        <a:font script="Jpan" typeface="游ゴシック Light"/>
+        <a:font script="Hang" typeface="맑은 고딕"/>
+        <a:font script="Hans" typeface="等线 Light"/>
+        <a:font script="Hant" typeface="新細明體"/>
+        <a:font script="Arab" typeface="Times New Roman"/>
+        <a:font script="Hebr" typeface="Times New Roman"/>
+        <a:font script="Thai" typeface="Angsana New"/>
+        <a:font script="Ethi" typeface="Nyala"/>
+        <a:font script="Beng" typeface="Vrinda"/>
+        <a:font script="Gujr" typeface="Shruti"/>
+        <a:font script="Khmr" typeface="MoolBoran"/>
+        <a:font script="Knda" typeface="Tunga"/>
+        <a:font script="Guru" typeface="Raavi"/>
+        <a:font script="Cans" typeface="Euphemia"/>
+        <a:font script="Cher" typeface="Plantagenet Cherokee"/>
+        <a:font script="Yiii" typeface="Microsoft Yi Baiti"/>
+        <a:font script="Tibt" typeface="Microsoft Himalaya"/>
+        <a:font script="Thaa" typeface="MV Boli"/>
+        <a:font script="Deva" typeface="Mangal"/>
+        <a:font script="Telu" typeface="Gautami"/>
+        <a:font script="Taml" typeface="Latha"/>
+        <a:font script="Syrc" typeface="Estrangelo Edessa"/>
+        <a:font script="Orya" typeface="Kalinga"/>
+        <a:font script="Mlym" typeface="Kartika"/>
+        <a:font script="Laoo" typeface="DokChampa"/>
+        <a:font script="Sinh" typeface="Iskoola Pota"/>
+        <a:font script="Mong" typeface="Mongolian Baiti"/>
+        <a:font script="Viet" typeface="Times New Roman"/>
+        <a:font script="Uigh" typeface="Microsoft Uighur"/>
+        <a:font script="Geor" typeface="Sylfaen"/>
+        <a:font script="Armn" typeface="Arial"/>
+        <a:font script="Bugi" typeface="Leelawadee UI"/>
+        <a:font script="Bopo" typeface="Microsoft JhengHei"/>
+        <a:font script="Java" typeface="Javanese Text"/>
+        <a:font script="Lisu" typeface="Segoe UI"/>
+        <a:font script="Mymr" typeface="Myanmar Text"/>
+        <a:font script="Nkoo" typeface="Ebrima"/>
+        <a:font script="Olck" typeface="Nirmala UI"/>
+        <a:font script="Osma" typeface="Ebrima"/>
+        <a:font script="Phag" typeface="Phagspa"/>
+        <a:font script="Syrn" typeface="Estrangelo Edessa"/>
+        <a:font script="Syrj" typeface="Estrangelo Edessa"/>
+        <a:font script="Syre" typeface="Estrangelo Edessa"/>
+        <a:font script="Sora" typeface="Nirmala UI"/>
+        <a:font script="Tale" typeface="Microsoft Tai Le"/>
+        <a:font script="Talu" typeface="Microsoft New Tai Lue"/>
+        <a:font script="Tfng" typeface="Ebrima"/>
+      </a:majorFont>
+      <a:minorFont>
+        <a:latin typeface="Aptos" panose="02110004020202020204"/>
+        <a:ea typeface=""/>
+        <a:cs typeface=""/>
+        <a:font script="Jpan" typeface="游ゴシック"/>
+        <a:font script="Hang" typeface="맑은 고딕"/>
+        <a:font script="Hans" typeface="等线"/>
+        <a:font script="Hant" typeface="新細明體"/>
+        <a:font script="Arab" typeface="Arial"/>
+        <a:font script="Hebr" typeface="Arial"/>
+        <a:font script="Thai" typeface="Cordia New"/>
+        <a:font script="Ethi" typeface="Nyala"/>
+        <a:font script="Beng" typeface="Vrinda"/>
+        <a:font script="Gujr" typeface="Shruti"/>
+        <a:font script="Khmr" typeface="DaunPenh"/>
+        <a:font script="Knda" typeface="Tunga"/>
+        <a:font script="Guru" typeface="Raavi"/>
+        <a:font script="Cans" typeface="Euphemia"/>
+        <a:font script="Cher" typeface="Plantagenet Cherokee"/>
+        <a:font script="Yiii" typeface="Microsoft Yi Baiti"/>
+        <a:font script="Tibt" typeface="Microsoft Himalaya"/>
+        <a:font script="Thaa" typeface="MV Boli"/>
+        <a:font script="Deva" typeface="Mangal"/>
+        <a:font script="Telu" typeface="Gautami"/>
+        <a:font script="Taml" typeface="Latha"/>
+        <a:font script="Syrc" typeface="Estrangelo Edessa"/>
+        <a:font script="Orya" typeface="Kalinga"/>
+        <a:font script="Mlym" typeface="Kartika"/>
+        <a:font script="Laoo" typeface="DokChampa"/>
+        <a:font script="Sinh" typeface="Iskoola Pota"/>
+        <a:font script="Mong" typeface="Mongolian Baiti"/>
+        <a:font script="Viet" typeface="Arial"/>
+        <a:font script="Uigh" typeface="Microsoft Uighur"/>
+        <a:font script="Geor" typeface="Sylfaen"/>
+        <a:font script="Armn" typeface="Arial"/>
+        <a:font script="Bugi" typeface="Leelawadee UI"/>
+        <a:font script="Bopo" typeface="Microsoft JhengHei"/>
+        <a:font script="Java" typeface="Javanese Text"/>
+        <a:font script="Lisu" typeface="Segoe UI"/>
+        <a:font script="Mymr" typeface="Myanmar Text"/>
+        <a:font script="Nkoo" typeface="Ebrima"/>
+        <a:font script="Olck" typeface="Nirmala UI"/>
+        <a:font script="Osma" typeface="Ebrima"/>
+        <a:font script="Phag" typeface="Phagspa"/>
+        <a:font script="Syrn" typeface="Estrangelo Edessa"/>
+        <a:font script="Syrj" typeface="Estrangelo Edessa"/>
+        <a:font script="Syre" typeface="Estrangelo Edessa"/>
+        <a:font script="Sora" typeface="Nirmala UI"/>
+        <a:font script="Tale" typeface="Microsoft Tai Le"/>
+        <a:font script="Talu" typeface="Microsoft New Tai Lue"/>
+        <a:font script="Tfng" typeface="Ebrima"/>
+      </a:minorFont>
+    </a:fontScheme>
+    <a:fmtScheme name="Office">
+      <a:fillStyleLst>
+        <a:solidFill>
+          <a:schemeClr val="phClr"/>
+        </a:solidFill>
+        <a:gradFill rotWithShape="1">
+          <a:gsLst>
+            <a:gs pos="0">
+              <a:schemeClr val="phClr">
+                <a:lumMod val="110000"/>
+                <a:satMod val="105000"/>
+                <a:tint val="67000"/>
+              </a:schemeClr>
+            </a:gs>
+            <a:gs pos="50000">
+              <a:schemeClr val="phClr">
+                <a:lumMod val="105000"/>
+                <a:satMod val="103000"/>
+                <a:tint val="73000"/>
+              </a:schemeClr>
+            </a:gs>
+            <a:gs pos="100000">
+              <a:schemeClr val="phClr">
+                <a:lumMod val="105000"/>
+                <a:satMod val="109000"/>
+                <a:tint val="81000"/>
+              </a:schemeClr>
+            </a:gs>
+          </a:gsLst>
+          <a:lin ang="5400000" scaled="0"/>
+        </a:gradFill>
+        <a:gradFill rotWithShape="1">
+          <a:gsLst>
+            <a:gs pos="0">
+              <a:schemeClr val="phClr">
+                <a:satMod val="103000"/>
+                <a:lumMod val="102000"/>
+                <a:tint val="94000"/>
+              </a:schemeClr>
+            </a:gs>
+            <a:gs pos="50000">
+              <a:schemeClr val="phClr">
+                <a:satMod val="110000"/>
+                <a:lumMod val="100000"/>
+                <a:shade val="100000"/>
+              </a:schemeClr>
+            </a:gs>
+            <a:gs pos="100000">
+              <a:schemeClr val="phClr">
+                <a:lumMod val="99000"/>
+                <a:satMod val="120000"/>
+                <a:shade val="78000"/>
+              </a:schemeClr>
+            </a:gs>
+          </a:gsLst>
+          <a:lin ang="5400000" scaled="0"/>
+        </a:gradFill>
+      </a:fillStyleLst>
+      <a:lnStyleLst>
+        <a:ln w="12700" cap="flat" cmpd="sng" algn="ctr">
+          <a:solidFill>
+            <a:schemeClr val="phClr"/>
+          </a:solidFill>
+          <a:prstDash val="solid"/>
+          <a:miter lim="800000"/>
+        </a:ln>
+        <a:ln w="19050" cap="flat" cmpd="sng" algn="ctr">
+          <a:solidFill>
+            <a:schemeClr val="phClr"/>
+          </a:solidFill>
+          <a:prstDash val="solid"/>
+          <a:miter lim="800000"/>
+        </a:ln>
+        <a:ln w="25400" cap="flat" cmpd="sng" algn="ctr">
+          <a:solidFill>
+            <a:schemeClr val="phClr"/>
+          </a:solidFill>
+          <a:prstDash val="solid"/>
+          <a:miter lim="800000"/>
+        </a:ln>
+      </a:lnStyleLst>
+      <a:effectStyleLst>
+        <a:effectStyle>
+          <a:effectLst/>
+        </a:effectStyle>
+        <a:effectStyle>
+          <a:effectLst/>
+        </a:effectStyle>
+        <a:effectStyle>
+          <a:effectLst>
+            <a:outerShdw blurRad="57150" dist="19050" dir="5400000" algn="ctr" rotWithShape="0">
+              <a:srgbClr val="000000">
+                <a:alpha val="63000"/>
+              </a:srgbClr>
+            </a:outerShdw>
+          </a:effectLst>
+        </a:effectStyle>
+      </a:effectStyleLst>
+      <a:bgFillStyleLst>
+        <a:solidFill>
+          <a:schemeClr val="phClr"/>
+        </a:solidFill>
+        <a:solidFill>
+          <a:schemeClr val="phClr">
+            <a:tint val="95000"/>
+            <a:satMod val="170000"/>
+          </a:schemeClr>
+        </a:solidFill>
+        <a:gradFill rotWithShape="1">
+          <a:gsLst>
+            <a:gs pos="0">
+              <a:schemeClr val="phClr">
+                <a:tint val="93000"/>
+                <a:satMod val="150000"/>
+                <a:shade val="98000"/>
+                <a:lumMod val="102000"/>
+              </a:schemeClr>
+            </a:gs>
+            <a:gs pos="50000">
+              <a:schemeClr val="phClr">
+                <a:tint val="98000"/>
+                <a:satMod val="130000"/>
+                <a:shade val="90000"/>
+                <a:lumMod val="103000"/>
+              </a:schemeClr>
+            </a:gs>
+            <a:gs pos="100000">
+              <a:schemeClr val="phClr">
+                <a:shade val="63000"/>
+                <a:satMod val="120000"/>
+              </a:schemeClr>
+            </a:gs>
+          </a:gsLst>
+          <a:lin ang="5400000" scaled="0"/>
+        </a:gradFill>
+      </a:bgFillStyleLst>
+    </a:fmtScheme>
+  </a:themeElements>
+  <a:objectDefaults>
+    <a:lnDef>
+      <a:spPr/>
+      <a:bodyPr/>
+      <a:lstStyle/>
+      <a:style>
+        <a:lnRef idx="2">
+          <a:schemeClr val="accent1"/>
+        </a:lnRef>
+        <a:fillRef idx="0">
+          <a:schemeClr val="accent1"/>
+        </a:fillRef>
+        <a:effectRef idx="1">
+          <a:schemeClr val="accent1"/>
+        </a:effectRef>
+        <a:fontRef idx="minor">
+          <a:schemeClr val="tx1"/>
+        </a:fontRef>
+      </a:style>
+    </a:lnDef>
+  </a:objectDefaults>
+  <a:extraClrSchemeLst/>
+  <a:extLst>
+    <a:ext uri="{05A4C25C-085E-4340-85A3-A5531E510DB2}">
+      <thm15:themeFamily xmlns:thm15="http://schemas.microsoft.com/office/thememl/2012/main" name="Office Theme" id="{2E142A2C-CD16-42D6-873A-C26D2A0506FA}" vid="{1BDDFF52-6CD6-40A5-AB3C-68EB2F1E4D0A}"/>
+    </a:ext>
+  </a:extLst>
+</a:theme>
 </file>